--- a/Reports/decision-trees.pptx
+++ b/Reports/decision-trees.pptx
@@ -202,7 +202,7 @@
           <a:p>
             <a:fld id="{B28B5767-A0BD-4F80-BE89-7326F548CD96}" type="datetimeFigureOut">
               <a:rPr lang="de-DE" smtClean="0"/>
-              <a:t>10.07.2020</a:t>
+              <a:t>14.07.2020</a:t>
             </a:fld>
             <a:endParaRPr lang="de-DE"/>
           </a:p>
@@ -883,7 +883,7 @@
           <a:p>
             <a:fld id="{0EE85E52-2592-4A93-9B2A-75D1C960052C}" type="datetimeFigureOut">
               <a:rPr lang="de-DE" smtClean="0"/>
-              <a:t>10.07.2020</a:t>
+              <a:t>14.07.2020</a:t>
             </a:fld>
             <a:endParaRPr lang="de-DE"/>
           </a:p>
@@ -1081,7 +1081,7 @@
           <a:p>
             <a:fld id="{0EE85E52-2592-4A93-9B2A-75D1C960052C}" type="datetimeFigureOut">
               <a:rPr lang="de-DE" smtClean="0"/>
-              <a:t>10.07.2020</a:t>
+              <a:t>14.07.2020</a:t>
             </a:fld>
             <a:endParaRPr lang="de-DE"/>
           </a:p>
@@ -1289,7 +1289,7 @@
           <a:p>
             <a:fld id="{0EE85E52-2592-4A93-9B2A-75D1C960052C}" type="datetimeFigureOut">
               <a:rPr lang="de-DE" smtClean="0"/>
-              <a:t>10.07.2020</a:t>
+              <a:t>14.07.2020</a:t>
             </a:fld>
             <a:endParaRPr lang="de-DE"/>
           </a:p>
@@ -1487,7 +1487,7 @@
           <a:p>
             <a:fld id="{0EE85E52-2592-4A93-9B2A-75D1C960052C}" type="datetimeFigureOut">
               <a:rPr lang="de-DE" smtClean="0"/>
-              <a:t>10.07.2020</a:t>
+              <a:t>14.07.2020</a:t>
             </a:fld>
             <a:endParaRPr lang="de-DE"/>
           </a:p>
@@ -1762,7 +1762,7 @@
           <a:p>
             <a:fld id="{0EE85E52-2592-4A93-9B2A-75D1C960052C}" type="datetimeFigureOut">
               <a:rPr lang="de-DE" smtClean="0"/>
-              <a:t>10.07.2020</a:t>
+              <a:t>14.07.2020</a:t>
             </a:fld>
             <a:endParaRPr lang="de-DE"/>
           </a:p>
@@ -2027,7 +2027,7 @@
           <a:p>
             <a:fld id="{0EE85E52-2592-4A93-9B2A-75D1C960052C}" type="datetimeFigureOut">
               <a:rPr lang="de-DE" smtClean="0"/>
-              <a:t>10.07.2020</a:t>
+              <a:t>14.07.2020</a:t>
             </a:fld>
             <a:endParaRPr lang="de-DE"/>
           </a:p>
@@ -2439,7 +2439,7 @@
           <a:p>
             <a:fld id="{0EE85E52-2592-4A93-9B2A-75D1C960052C}" type="datetimeFigureOut">
               <a:rPr lang="de-DE" smtClean="0"/>
-              <a:t>10.07.2020</a:t>
+              <a:t>14.07.2020</a:t>
             </a:fld>
             <a:endParaRPr lang="de-DE"/>
           </a:p>
@@ -2580,7 +2580,7 @@
           <a:p>
             <a:fld id="{0EE85E52-2592-4A93-9B2A-75D1C960052C}" type="datetimeFigureOut">
               <a:rPr lang="de-DE" smtClean="0"/>
-              <a:t>10.07.2020</a:t>
+              <a:t>14.07.2020</a:t>
             </a:fld>
             <a:endParaRPr lang="de-DE"/>
           </a:p>
@@ -2693,7 +2693,7 @@
           <a:p>
             <a:fld id="{0EE85E52-2592-4A93-9B2A-75D1C960052C}" type="datetimeFigureOut">
               <a:rPr lang="de-DE" smtClean="0"/>
-              <a:t>10.07.2020</a:t>
+              <a:t>14.07.2020</a:t>
             </a:fld>
             <a:endParaRPr lang="de-DE"/>
           </a:p>
@@ -3004,7 +3004,7 @@
           <a:p>
             <a:fld id="{0EE85E52-2592-4A93-9B2A-75D1C960052C}" type="datetimeFigureOut">
               <a:rPr lang="de-DE" smtClean="0"/>
-              <a:t>10.07.2020</a:t>
+              <a:t>14.07.2020</a:t>
             </a:fld>
             <a:endParaRPr lang="de-DE"/>
           </a:p>
@@ -3292,7 +3292,7 @@
           <a:p>
             <a:fld id="{0EE85E52-2592-4A93-9B2A-75D1C960052C}" type="datetimeFigureOut">
               <a:rPr lang="de-DE" smtClean="0"/>
-              <a:t>10.07.2020</a:t>
+              <a:t>14.07.2020</a:t>
             </a:fld>
             <a:endParaRPr lang="de-DE"/>
           </a:p>
@@ -3533,7 +3533,7 @@
           <a:p>
             <a:fld id="{0EE85E52-2592-4A93-9B2A-75D1C960052C}" type="datetimeFigureOut">
               <a:rPr lang="de-DE" smtClean="0"/>
-              <a:t>10.07.2020</a:t>
+              <a:t>14.07.2020</a:t>
             </a:fld>
             <a:endParaRPr lang="de-DE"/>
           </a:p>
@@ -4096,7 +4096,7 @@
                   <a:latin typeface="Arial" panose="020B0604020202020204" pitchFamily="34" charset="0"/>
                   <a:cs typeface="Arial" panose="020B0604020202020204" pitchFamily="34" charset="0"/>
                 </a:rPr>
-                <a:t>systolicMaxMean-InPlaneVelocity [m/s]</a:t>
+                <a:t>Time-to-Peak-In-Plane-Velocity [m/s]</a:t>
               </a:r>
             </a:p>
           </p:txBody>
@@ -4161,7 +4161,7 @@
                   <a:latin typeface="Arial" panose="020B0604020202020204" pitchFamily="34" charset="0"/>
                   <a:cs typeface="Arial" panose="020B0604020202020204" pitchFamily="34" charset="0"/>
                 </a:rPr>
-                <a:t>systolicMaxMean-InPlaneVelocity [m/s]</a:t>
+                <a:t>Time-to-Peak-In-Plane-Velocity [m/s]</a:t>
               </a:r>
             </a:p>
           </p:txBody>
@@ -4745,7 +4745,7 @@
                   <a:latin typeface="Arial" panose="020B0604020202020204" pitchFamily="34" charset="0"/>
                   <a:cs typeface="Arial" panose="020B0604020202020204" pitchFamily="34" charset="0"/>
                 </a:rPr>
-                <a:t>maxOverallIn-PlaneVelocityTime [ms]</a:t>
+                <a:t>Peak-Systolic-In-Plane-Mean-Velocity [ms]</a:t>
               </a:r>
             </a:p>
           </p:txBody>
@@ -6370,10 +6370,10 @@
       </p:graphicFrame>
       <p:sp>
         <p:nvSpPr>
-          <p:cNvPr id="39" name="Textfeld 38">
+          <p:cNvPr id="38" name="Textfeld 37">
             <a:extLst>
               <a:ext uri="{FF2B5EF4-FFF2-40B4-BE49-F238E27FC236}">
-                <a16:creationId xmlns:a16="http://schemas.microsoft.com/office/drawing/2014/main" id="{34DFB1AD-5206-4BF4-93AE-A58B2C70F460}"/>
+                <a16:creationId xmlns:a16="http://schemas.microsoft.com/office/drawing/2014/main" id="{89AC3B03-2E14-4983-AB46-32FE773722BA}"/>
               </a:ext>
             </a:extLst>
           </p:cNvPr>
@@ -6382,7 +6382,7 @@
         </p:nvSpPr>
         <p:spPr>
           <a:xfrm>
-            <a:off x="3170310" y="2937243"/>
+            <a:off x="3205100" y="3000897"/>
             <a:ext cx="1413522" cy="553998"/>
           </a:xfrm>
           <a:prstGeom prst="rect">
@@ -6396,6 +6396,7 @@
           </a:bodyPr>
           <a:lstStyle/>
           <a:p>
+            <a:pPr defTabSz="72000"/>
             <a:r>
               <a:rPr lang="de-DE" sz="1000" dirty="0" err="1">
                 <a:latin typeface="Arial" panose="020B0604020202020204" pitchFamily="34" charset="0"/>
@@ -6408,7 +6409,7 @@
                 <a:latin typeface="Arial" panose="020B0604020202020204" pitchFamily="34" charset="0"/>
                 <a:cs typeface="Arial" panose="020B0604020202020204" pitchFamily="34" charset="0"/>
               </a:rPr>
-              <a:t> = 93.75%</a:t>
+              <a:t> 		=	93.8%</a:t>
             </a:r>
             <a:br>
               <a:rPr lang="de-DE" sz="1000" dirty="0">
@@ -6428,7 +6429,7 @@
                 <a:latin typeface="Arial" panose="020B0604020202020204" pitchFamily="34" charset="0"/>
                 <a:cs typeface="Arial" panose="020B0604020202020204" pitchFamily="34" charset="0"/>
               </a:rPr>
-              <a:t> = 72.73%</a:t>
+              <a:t>		=	72.7%</a:t>
             </a:r>
             <a:br>
               <a:rPr lang="de-DE" sz="1000" dirty="0">
@@ -6448,7 +6449,7 @@
                 <a:latin typeface="Arial" panose="020B0604020202020204" pitchFamily="34" charset="0"/>
                 <a:cs typeface="Arial" panose="020B0604020202020204" pitchFamily="34" charset="0"/>
               </a:rPr>
-              <a:t> = 98.89%</a:t>
+              <a:t>		=	98.9%</a:t>
             </a:r>
           </a:p>
         </p:txBody>
@@ -6623,45 +6624,7 @@
                   <a:latin typeface="Arial" panose="020B0604020202020204" pitchFamily="34" charset="0"/>
                   <a:cs typeface="Arial" panose="020B0604020202020204" pitchFamily="34" charset="0"/>
                 </a:rPr>
-                <a:t>diastolicMedian-</a:t>
-              </a:r>
-              <a:br>
-                <a:rPr lang="de-DE" sz="900" noProof="1">
-                  <a:solidFill>
-                    <a:schemeClr val="tx1"/>
-                  </a:solidFill>
-                  <a:latin typeface="Arial" panose="020B0604020202020204" pitchFamily="34" charset="0"/>
-                  <a:cs typeface="Arial" panose="020B0604020202020204" pitchFamily="34" charset="0"/>
-                </a:rPr>
-              </a:br>
-              <a:r>
-                <a:rPr lang="de-DE" sz="900" noProof="1">
-                  <a:solidFill>
-                    <a:schemeClr val="tx1"/>
-                  </a:solidFill>
-                  <a:latin typeface="Arial" panose="020B0604020202020204" pitchFamily="34" charset="0"/>
-                  <a:cs typeface="Arial" panose="020B0604020202020204" pitchFamily="34" charset="0"/>
-                </a:rPr>
-                <a:t>RightRotation-</a:t>
-              </a:r>
-              <a:br>
-                <a:rPr lang="de-DE" sz="900" noProof="1">
-                  <a:solidFill>
-                    <a:schemeClr val="tx1"/>
-                  </a:solidFill>
-                  <a:latin typeface="Arial" panose="020B0604020202020204" pitchFamily="34" charset="0"/>
-                  <a:cs typeface="Arial" panose="020B0604020202020204" pitchFamily="34" charset="0"/>
-                </a:rPr>
-              </a:br>
-              <a:r>
-                <a:rPr lang="de-DE" sz="900" noProof="1">
-                  <a:solidFill>
-                    <a:schemeClr val="tx1"/>
-                  </a:solidFill>
-                  <a:latin typeface="Arial" panose="020B0604020202020204" pitchFamily="34" charset="0"/>
-                  <a:cs typeface="Arial" panose="020B0604020202020204" pitchFamily="34" charset="0"/>
-                </a:rPr>
-                <a:t>VolumeRel [%]</a:t>
+                <a:t>Diastolic-Median-Right-Rotation-Volume-Rel [%]</a:t>
               </a:r>
             </a:p>
           </p:txBody>
@@ -8100,10 +8063,10 @@
       </p:graphicFrame>
       <p:sp>
         <p:nvSpPr>
-          <p:cNvPr id="20" name="Textfeld 19">
+          <p:cNvPr id="21" name="Textfeld 20">
             <a:extLst>
               <a:ext uri="{FF2B5EF4-FFF2-40B4-BE49-F238E27FC236}">
-                <a16:creationId xmlns:a16="http://schemas.microsoft.com/office/drawing/2014/main" id="{E6034741-0C8D-45E5-AF0B-E37459A75490}"/>
+                <a16:creationId xmlns:a16="http://schemas.microsoft.com/office/drawing/2014/main" id="{2F6C31CE-ADE1-495E-85B6-05360701FDB6}"/>
               </a:ext>
             </a:extLst>
           </p:cNvPr>
@@ -8112,7 +8075,7 @@
         </p:nvSpPr>
         <p:spPr>
           <a:xfrm>
-            <a:off x="3172216" y="3015933"/>
+            <a:off x="3170311" y="2999253"/>
             <a:ext cx="1413522" cy="553998"/>
           </a:xfrm>
           <a:prstGeom prst="rect">
@@ -8126,6 +8089,7 @@
           </a:bodyPr>
           <a:lstStyle/>
           <a:p>
+            <a:pPr defTabSz="72000"/>
             <a:r>
               <a:rPr lang="de-DE" sz="1000" dirty="0" err="1">
                 <a:latin typeface="Arial" panose="020B0604020202020204" pitchFamily="34" charset="0"/>
@@ -8138,7 +8102,7 @@
                 <a:latin typeface="Arial" panose="020B0604020202020204" pitchFamily="34" charset="0"/>
                 <a:cs typeface="Arial" panose="020B0604020202020204" pitchFamily="34" charset="0"/>
               </a:rPr>
-              <a:t> = 86.54%</a:t>
+              <a:t> 		=	86.5%</a:t>
             </a:r>
             <a:br>
               <a:rPr lang="de-DE" sz="1000" dirty="0">
@@ -8158,7 +8122,7 @@
                 <a:latin typeface="Arial" panose="020B0604020202020204" pitchFamily="34" charset="0"/>
                 <a:cs typeface="Arial" panose="020B0604020202020204" pitchFamily="34" charset="0"/>
               </a:rPr>
-              <a:t> = 77.27%</a:t>
+              <a:t>		=	77.3%</a:t>
             </a:r>
             <a:br>
               <a:rPr lang="de-DE" sz="1000" dirty="0">
@@ -8178,7 +8142,7 @@
                 <a:latin typeface="Arial" panose="020B0604020202020204" pitchFamily="34" charset="0"/>
                 <a:cs typeface="Arial" panose="020B0604020202020204" pitchFamily="34" charset="0"/>
               </a:rPr>
-              <a:t> = 93.33%</a:t>
+              <a:t>		=	93.3%</a:t>
             </a:r>
           </a:p>
         </p:txBody>
@@ -8341,7 +8305,7 @@
             </a:fontRef>
           </p:style>
           <p:txBody>
-            <a:bodyPr lIns="36000" tIns="0" rIns="36000" bIns="0" rtlCol="0" anchor="ctr"/>
+            <a:bodyPr lIns="18000" tIns="0" rIns="18000" bIns="0" rtlCol="0" anchor="ctr"/>
             <a:lstStyle/>
             <a:p>
               <a:pPr algn="ctr"/>
@@ -8353,7 +8317,7 @@
                   <a:latin typeface="Arial" panose="020B0604020202020204" pitchFamily="34" charset="0"/>
                   <a:cs typeface="Arial" panose="020B0604020202020204" pitchFamily="34" charset="0"/>
                 </a:rPr>
-                <a:t>diastolicMaxOver-allThroughPlane-VelocityTime [ms]</a:t>
+                <a:t>Time-to-Peak-Diastolic-Through-Plane-Velocity [ms]</a:t>
               </a:r>
             </a:p>
           </p:txBody>
@@ -8406,7 +8370,7 @@
             </a:fontRef>
           </p:style>
           <p:txBody>
-            <a:bodyPr lIns="36000" tIns="0" rIns="36000" bIns="0" rtlCol="0" anchor="ctr"/>
+            <a:bodyPr lIns="18000" tIns="0" rIns="18000" bIns="0" rtlCol="0" anchor="ctr"/>
             <a:lstStyle/>
             <a:p>
               <a:pPr algn="ctr"/>
@@ -8418,7 +8382,7 @@
                   <a:latin typeface="Arial" panose="020B0604020202020204" pitchFamily="34" charset="0"/>
                   <a:cs typeface="Arial" panose="020B0604020202020204" pitchFamily="34" charset="0"/>
                 </a:rPr>
-                <a:t>diastolicMaxOver-allThroughPlane-VelocityTime [ms]</a:t>
+                <a:t>Time-to-Peak-Diastolic-Through-Plane-Velocity [ms]</a:t>
               </a:r>
             </a:p>
           </p:txBody>
@@ -8969,7 +8933,7 @@
                   <a:latin typeface="Arial" panose="020B0604020202020204" pitchFamily="34" charset="0"/>
                   <a:cs typeface="Arial" panose="020B0604020202020204" pitchFamily="34" charset="0"/>
                 </a:rPr>
-                <a:t>systolicMax-OverallVelocity-Q99 [m/s]</a:t>
+                <a:t>Peak-Systolic-VelocityQ99 [m/s]</a:t>
               </a:r>
             </a:p>
           </p:txBody>
@@ -9571,7 +9535,7 @@
                   <a:latin typeface="Arial" panose="020B0604020202020204" pitchFamily="34" charset="0"/>
                   <a:cs typeface="Arial" panose="020B0604020202020204" pitchFamily="34" charset="0"/>
                 </a:rPr>
-                <a:t>systolicMax-OverallVelocity-Q99 [m/s]</a:t>
+                <a:t>Peak-Systolic-VelocityQ99 [m/s]</a:t>
               </a:r>
             </a:p>
           </p:txBody>
@@ -11037,8 +11001,8 @@
         </p:nvSpPr>
         <p:spPr>
           <a:xfrm>
-            <a:off x="2306213" y="2969532"/>
-            <a:ext cx="1828793" cy="553998"/>
+            <a:off x="2374389" y="3000735"/>
+            <a:ext cx="1828794" cy="553998"/>
           </a:xfrm>
           <a:prstGeom prst="rect">
             <a:avLst/>
@@ -11051,6 +11015,7 @@
           </a:bodyPr>
           <a:lstStyle/>
           <a:p>
+            <a:pPr defTabSz="72000"/>
             <a:r>
               <a:rPr lang="de-DE" sz="1000" dirty="0" err="1">
                 <a:latin typeface="Arial" panose="020B0604020202020204" pitchFamily="34" charset="0"/>
@@ -11063,7 +11028,7 @@
                 <a:latin typeface="Arial" panose="020B0604020202020204" pitchFamily="34" charset="0"/>
                 <a:cs typeface="Arial" panose="020B0604020202020204" pitchFamily="34" charset="0"/>
               </a:rPr>
-              <a:t> = 66.67%</a:t>
+              <a:t> 								=	66.7%</a:t>
             </a:r>
             <a:br>
               <a:rPr lang="de-DE" sz="1000" dirty="0">
@@ -11097,7 +11062,7 @@
                 <a:latin typeface="Arial" panose="020B0604020202020204" pitchFamily="34" charset="0"/>
                 <a:cs typeface="Arial" panose="020B0604020202020204" pitchFamily="34" charset="0"/>
               </a:rPr>
-              <a:t>) = 42.22%</a:t>
+              <a:t>)	=	42.2%</a:t>
             </a:r>
             <a:br>
               <a:rPr lang="de-DE" sz="1000" dirty="0">
@@ -11117,7 +11082,7 @@
                 <a:latin typeface="Arial" panose="020B0604020202020204" pitchFamily="34" charset="0"/>
                 <a:cs typeface="Arial" panose="020B0604020202020204" pitchFamily="34" charset="0"/>
               </a:rPr>
-              <a:t> (male) = 91.11%</a:t>
+              <a:t> (male)		=	91.1%</a:t>
             </a:r>
           </a:p>
         </p:txBody>
@@ -11182,7 +11147,7 @@
           <a:p>
             <a:pPr algn="ctr"/>
             <a:r>
-              <a:rPr lang="de-DE" sz="1000" b="1" dirty="0">
+              <a:rPr lang="de-DE" sz="1000" b="1" noProof="1">
                 <a:latin typeface="Arial" panose="020B0604020202020204" pitchFamily="34" charset="0"/>
                 <a:cs typeface="Arial" panose="020B0604020202020204" pitchFamily="34" charset="0"/>
               </a:rPr>
@@ -11205,7 +11170,7 @@
         </p:nvSpPr>
         <p:spPr>
           <a:xfrm>
-            <a:off x="1513472" y="3899814"/>
+            <a:off x="1513472" y="3704742"/>
             <a:ext cx="295048" cy="246221"/>
           </a:xfrm>
           <a:prstGeom prst="rect">
@@ -11221,7 +11186,7 @@
           <a:p>
             <a:pPr algn="ctr"/>
             <a:r>
-              <a:rPr lang="de-DE" sz="1000" b="1" dirty="0">
+              <a:rPr lang="de-DE" sz="1000" b="1" noProof="1">
                 <a:latin typeface="Arial" panose="020B0604020202020204" pitchFamily="34" charset="0"/>
                 <a:cs typeface="Arial" panose="020B0604020202020204" pitchFamily="34" charset="0"/>
               </a:rPr>
@@ -11244,8 +11209,8 @@
         </p:nvSpPr>
         <p:spPr>
           <a:xfrm>
-            <a:off x="1487486" y="980728"/>
-            <a:ext cx="3946169" cy="2785969"/>
+            <a:off x="1487486" y="980729"/>
+            <a:ext cx="3946169" cy="2592962"/>
           </a:xfrm>
           <a:prstGeom prst="roundRect">
             <a:avLst>
@@ -11283,7 +11248,7 @@
           <a:lstStyle/>
           <a:p>
             <a:pPr algn="ctr"/>
-            <a:endParaRPr lang="de-DE"/>
+            <a:endParaRPr lang="de-DE" noProof="1"/>
           </a:p>
         </p:txBody>
       </p:sp>
@@ -11301,8 +11266,8 @@
         </p:nvSpPr>
         <p:spPr>
           <a:xfrm>
-            <a:off x="1487486" y="3858003"/>
-            <a:ext cx="3945600" cy="1297806"/>
+            <a:off x="1487486" y="3662931"/>
+            <a:ext cx="3945600" cy="1394278"/>
           </a:xfrm>
           <a:prstGeom prst="roundRect">
             <a:avLst>
@@ -11340,7 +11305,7 @@
           <a:lstStyle/>
           <a:p>
             <a:pPr algn="ctr"/>
-            <a:endParaRPr lang="de-DE"/>
+            <a:endParaRPr lang="de-DE" noProof="1"/>
           </a:p>
         </p:txBody>
       </p:sp>
@@ -11374,7 +11339,7 @@
           <a:p>
             <a:pPr algn="ctr"/>
             <a:r>
-              <a:rPr lang="de-DE" sz="1000" b="1" dirty="0">
+              <a:rPr lang="de-DE" sz="1000" b="1" noProof="1">
                 <a:latin typeface="Arial" panose="020B0604020202020204" pitchFamily="34" charset="0"/>
                 <a:cs typeface="Arial" panose="020B0604020202020204" pitchFamily="34" charset="0"/>
               </a:rPr>
@@ -11398,7 +11363,7 @@
         <p:spPr>
           <a:xfrm>
             <a:off x="5519936" y="980728"/>
-            <a:ext cx="4579622" cy="4175081"/>
+            <a:ext cx="4579622" cy="4076481"/>
           </a:xfrm>
           <a:prstGeom prst="roundRect">
             <a:avLst>
@@ -11436,7 +11401,7 @@
           <a:lstStyle/>
           <a:p>
             <a:pPr algn="ctr"/>
-            <a:endParaRPr lang="de-DE"/>
+            <a:endParaRPr lang="de-DE" noProof="1"/>
           </a:p>
         </p:txBody>
       </p:sp>
@@ -11469,32 +11434,11 @@
           <a:lstStyle/>
           <a:p>
             <a:r>
-              <a:rPr lang="de-DE" sz="1000" dirty="0" err="1">
+              <a:rPr lang="de-DE" sz="1000" noProof="1">
                 <a:latin typeface="Arial" panose="020B0604020202020204" pitchFamily="34" charset="0"/>
                 <a:cs typeface="Arial" panose="020B0604020202020204" pitchFamily="34" charset="0"/>
               </a:rPr>
-              <a:t>classification</a:t>
-            </a:r>
-            <a:r>
-              <a:rPr lang="de-DE" sz="1000" dirty="0">
-                <a:latin typeface="Arial" panose="020B0604020202020204" pitchFamily="34" charset="0"/>
-                <a:cs typeface="Arial" panose="020B0604020202020204" pitchFamily="34" charset="0"/>
-              </a:rPr>
-              <a:t> </a:t>
-            </a:r>
-            <a:r>
-              <a:rPr lang="de-DE" sz="1000" dirty="0" err="1">
-                <a:latin typeface="Arial" panose="020B0604020202020204" pitchFamily="34" charset="0"/>
-                <a:cs typeface="Arial" panose="020B0604020202020204" pitchFamily="34" charset="0"/>
-              </a:rPr>
-              <a:t>task</a:t>
-            </a:r>
-            <a:r>
-              <a:rPr lang="de-DE" sz="1000" dirty="0">
-                <a:latin typeface="Arial" panose="020B0604020202020204" pitchFamily="34" charset="0"/>
-                <a:cs typeface="Arial" panose="020B0604020202020204" pitchFamily="34" charset="0"/>
-              </a:rPr>
-              <a:t> 1</a:t>
+              <a:t>classification task 1</a:t>
             </a:r>
           </a:p>
         </p:txBody>
@@ -11528,32 +11472,11 @@
           <a:lstStyle/>
           <a:p>
             <a:r>
-              <a:rPr lang="de-DE" sz="1000" dirty="0" err="1">
+              <a:rPr lang="de-DE" sz="1000" noProof="1">
                 <a:latin typeface="Arial" panose="020B0604020202020204" pitchFamily="34" charset="0"/>
                 <a:cs typeface="Arial" panose="020B0604020202020204" pitchFamily="34" charset="0"/>
               </a:rPr>
-              <a:t>classification</a:t>
-            </a:r>
-            <a:r>
-              <a:rPr lang="de-DE" sz="1000" dirty="0">
-                <a:latin typeface="Arial" panose="020B0604020202020204" pitchFamily="34" charset="0"/>
-                <a:cs typeface="Arial" panose="020B0604020202020204" pitchFamily="34" charset="0"/>
-              </a:rPr>
-              <a:t> </a:t>
-            </a:r>
-            <a:r>
-              <a:rPr lang="de-DE" sz="1000" dirty="0" err="1">
-                <a:latin typeface="Arial" panose="020B0604020202020204" pitchFamily="34" charset="0"/>
-                <a:cs typeface="Arial" panose="020B0604020202020204" pitchFamily="34" charset="0"/>
-              </a:rPr>
-              <a:t>task</a:t>
-            </a:r>
-            <a:r>
-              <a:rPr lang="de-DE" sz="1000" dirty="0">
-                <a:latin typeface="Arial" panose="020B0604020202020204" pitchFamily="34" charset="0"/>
-                <a:cs typeface="Arial" panose="020B0604020202020204" pitchFamily="34" charset="0"/>
-              </a:rPr>
-              <a:t> 3</a:t>
+              <a:t>classification task 3</a:t>
             </a:r>
           </a:p>
         </p:txBody>
@@ -11572,7 +11495,7 @@
         </p:nvSpPr>
         <p:spPr>
           <a:xfrm>
-            <a:off x="1746027" y="3897186"/>
+            <a:off x="1746027" y="3702114"/>
             <a:ext cx="1305881" cy="246221"/>
           </a:xfrm>
           <a:prstGeom prst="rect">
@@ -11587,42 +11510,21 @@
           <a:lstStyle/>
           <a:p>
             <a:r>
-              <a:rPr lang="de-DE" sz="1000" dirty="0" err="1">
+              <a:rPr lang="de-DE" sz="1000" noProof="1">
                 <a:latin typeface="Arial" panose="020B0604020202020204" pitchFamily="34" charset="0"/>
                 <a:cs typeface="Arial" panose="020B0604020202020204" pitchFamily="34" charset="0"/>
               </a:rPr>
-              <a:t>classification</a:t>
-            </a:r>
-            <a:r>
-              <a:rPr lang="de-DE" sz="1000" dirty="0">
-                <a:latin typeface="Arial" panose="020B0604020202020204" pitchFamily="34" charset="0"/>
-                <a:cs typeface="Arial" panose="020B0604020202020204" pitchFamily="34" charset="0"/>
-              </a:rPr>
-              <a:t> </a:t>
-            </a:r>
-            <a:r>
-              <a:rPr lang="de-DE" sz="1000" dirty="0" err="1">
-                <a:latin typeface="Arial" panose="020B0604020202020204" pitchFamily="34" charset="0"/>
-                <a:cs typeface="Arial" panose="020B0604020202020204" pitchFamily="34" charset="0"/>
-              </a:rPr>
-              <a:t>task</a:t>
-            </a:r>
-            <a:r>
-              <a:rPr lang="de-DE" sz="1000" dirty="0">
-                <a:latin typeface="Arial" panose="020B0604020202020204" pitchFamily="34" charset="0"/>
-                <a:cs typeface="Arial" panose="020B0604020202020204" pitchFamily="34" charset="0"/>
-              </a:rPr>
-              <a:t> 2</a:t>
+              <a:t>classification task 2</a:t>
             </a:r>
           </a:p>
         </p:txBody>
       </p:sp>
       <p:grpSp>
         <p:nvGrpSpPr>
-          <p:cNvPr id="249" name="Gruppieren 248">
+          <p:cNvPr id="99" name="Gruppieren 98">
             <a:extLst>
               <a:ext uri="{FF2B5EF4-FFF2-40B4-BE49-F238E27FC236}">
-                <a16:creationId xmlns:a16="http://schemas.microsoft.com/office/drawing/2014/main" id="{B911BAE1-E457-49AF-9565-AF35ED197A77}"/>
+                <a16:creationId xmlns:a16="http://schemas.microsoft.com/office/drawing/2014/main" id="{7DD6DFB4-3F75-4086-8BE5-0EDC6DFE765C}"/>
               </a:ext>
             </a:extLst>
           </p:cNvPr>
@@ -11631,18 +11533,18 @@
         </p:nvGrpSpPr>
         <p:grpSpPr>
           <a:xfrm>
-            <a:off x="5547166" y="1389821"/>
-            <a:ext cx="4718277" cy="3106207"/>
-            <a:chOff x="2246091" y="427300"/>
-            <a:chExt cx="4718277" cy="3106207"/>
+            <a:off x="2136068" y="1069940"/>
+            <a:ext cx="3331018" cy="2421781"/>
+            <a:chOff x="1468839" y="427300"/>
+            <a:chExt cx="3331018" cy="2421781"/>
           </a:xfrm>
         </p:grpSpPr>
         <p:sp>
           <p:nvSpPr>
-            <p:cNvPr id="250" name="Rechteck: abgerundete Ecken 249">
+            <p:cNvPr id="100" name="Rechteck: abgerundete Ecken 99">
               <a:extLst>
                 <a:ext uri="{FF2B5EF4-FFF2-40B4-BE49-F238E27FC236}">
-                  <a16:creationId xmlns:a16="http://schemas.microsoft.com/office/drawing/2014/main" id="{B102948E-B975-4F2A-B02B-61D495125ADF}"/>
+                  <a16:creationId xmlns:a16="http://schemas.microsoft.com/office/drawing/2014/main" id="{7948013B-6463-4D2A-B5C6-673473ABE08D}"/>
                 </a:ext>
               </a:extLst>
             </p:cNvPr>
@@ -11697,17 +11599,17 @@
                   <a:latin typeface="Arial" panose="020B0604020202020204" pitchFamily="34" charset="0"/>
                   <a:cs typeface="Arial" panose="020B0604020202020204" pitchFamily="34" charset="0"/>
                 </a:rPr>
-                <a:t>diastolicMaxOver-allThroughPlane-VelocityTime [ms]</a:t>
+                <a:t>Time-to-Peak-In-Plane-Velocity [m/s]</a:t>
               </a:r>
             </a:p>
           </p:txBody>
         </p:sp>
         <p:sp>
           <p:nvSpPr>
-            <p:cNvPr id="251" name="Rechteck: abgerundete Ecken 250">
+            <p:cNvPr id="101" name="Rechteck: abgerundete Ecken 100">
               <a:extLst>
                 <a:ext uri="{FF2B5EF4-FFF2-40B4-BE49-F238E27FC236}">
-                  <a16:creationId xmlns:a16="http://schemas.microsoft.com/office/drawing/2014/main" id="{20BD6A06-DD0C-4D08-8224-9EEAA7B59E52}"/>
+                  <a16:creationId xmlns:a16="http://schemas.microsoft.com/office/drawing/2014/main" id="{9CFAFACB-2510-4FC6-B965-C7FEB77B1331}"/>
                 </a:ext>
               </a:extLst>
             </p:cNvPr>
@@ -11716,7 +11618,7 @@
           </p:nvSpPr>
           <p:spPr>
             <a:xfrm>
-              <a:off x="3709976" y="1110824"/>
+              <a:off x="2246091" y="1110824"/>
               <a:ext cx="1080000" cy="468604"/>
             </a:xfrm>
             <a:prstGeom prst="roundRect">
@@ -11762,17 +11664,3986 @@
                   <a:latin typeface="Arial" panose="020B0604020202020204" pitchFamily="34" charset="0"/>
                   <a:cs typeface="Arial" panose="020B0604020202020204" pitchFamily="34" charset="0"/>
                 </a:rPr>
-                <a:t>diastolicMaxOver-allThroughPlane-VelocityTime [ms]</a:t>
+                <a:t>Time-to-Peak-In-Plane-Velocity [m/s]</a:t>
               </a:r>
             </a:p>
           </p:txBody>
         </p:sp>
         <p:grpSp>
           <p:nvGrpSpPr>
-            <p:cNvPr id="252" name="Gruppieren 251">
+            <p:cNvPr id="102" name="Gruppieren 101">
               <a:extLst>
                 <a:ext uri="{FF2B5EF4-FFF2-40B4-BE49-F238E27FC236}">
-                  <a16:creationId xmlns:a16="http://schemas.microsoft.com/office/drawing/2014/main" id="{81640CB6-7B49-417A-B240-492318EA890B}"/>
+                  <a16:creationId xmlns:a16="http://schemas.microsoft.com/office/drawing/2014/main" id="{099EA93E-7B9D-454B-BB48-E3DF55C422D7}"/>
+                </a:ext>
+              </a:extLst>
+            </p:cNvPr>
+            <p:cNvGrpSpPr/>
+            <p:nvPr/>
+          </p:nvGrpSpPr>
+          <p:grpSpPr>
+            <a:xfrm>
+              <a:off x="3945355" y="1110824"/>
+              <a:ext cx="590096" cy="353333"/>
+              <a:chOff x="3441184" y="1984779"/>
+              <a:chExt cx="590096" cy="353333"/>
+            </a:xfrm>
+          </p:grpSpPr>
+          <p:sp>
+            <p:nvSpPr>
+              <p:cNvPr id="129" name="Rechteck 128">
+                <a:extLst>
+                  <a:ext uri="{FF2B5EF4-FFF2-40B4-BE49-F238E27FC236}">
+                    <a16:creationId xmlns:a16="http://schemas.microsoft.com/office/drawing/2014/main" id="{85C6F21B-5CD1-485C-8CAF-DBE42337EA50}"/>
+                  </a:ext>
+                </a:extLst>
+              </p:cNvPr>
+              <p:cNvSpPr/>
+              <p:nvPr/>
+            </p:nvSpPr>
+            <p:spPr>
+              <a:xfrm>
+                <a:off x="3441184" y="2158112"/>
+                <a:ext cx="590096" cy="180000"/>
+              </a:xfrm>
+              <a:prstGeom prst="rect">
+                <a:avLst/>
+              </a:prstGeom>
+              <a:noFill/>
+              <a:ln w="9525">
+                <a:solidFill>
+                  <a:schemeClr val="bg2">
+                    <a:lumMod val="75000"/>
+                  </a:schemeClr>
+                </a:solidFill>
+              </a:ln>
+            </p:spPr>
+            <p:style>
+              <a:lnRef idx="2">
+                <a:schemeClr val="accent1">
+                  <a:shade val="50000"/>
+                </a:schemeClr>
+              </a:lnRef>
+              <a:fillRef idx="1">
+                <a:schemeClr val="accent1"/>
+              </a:fillRef>
+              <a:effectRef idx="0">
+                <a:schemeClr val="accent1"/>
+              </a:effectRef>
+              <a:fontRef idx="minor">
+                <a:schemeClr val="lt1"/>
+              </a:fontRef>
+            </p:style>
+            <p:txBody>
+              <a:bodyPr lIns="36000" tIns="36000" rIns="36000" bIns="36000" rtlCol="0" anchor="ctr"/>
+              <a:lstStyle/>
+              <a:p>
+                <a:pPr algn="ctr"/>
+                <a:r>
+                  <a:rPr lang="de-DE" sz="800" b="1" noProof="1">
+                    <a:solidFill>
+                      <a:srgbClr val="2FA65F"/>
+                    </a:solidFill>
+                    <a:latin typeface="Arial" panose="020B0604020202020204" pitchFamily="34" charset="0"/>
+                    <a:cs typeface="Arial" panose="020B0604020202020204" pitchFamily="34" charset="0"/>
+                  </a:rPr>
+                  <a:t>✔11 </a:t>
+                </a:r>
+                <a:r>
+                  <a:rPr lang="de-DE" sz="800" b="1" noProof="1">
+                    <a:solidFill>
+                      <a:srgbClr val="C00000"/>
+                    </a:solidFill>
+                    <a:latin typeface="Arial" panose="020B0604020202020204" pitchFamily="34" charset="0"/>
+                    <a:cs typeface="Arial" panose="020B0604020202020204" pitchFamily="34" charset="0"/>
+                  </a:rPr>
+                  <a:t>✖0</a:t>
+                </a:r>
+              </a:p>
+            </p:txBody>
+          </p:sp>
+          <p:sp>
+            <p:nvSpPr>
+              <p:cNvPr id="130" name="Rechteck 129">
+                <a:extLst>
+                  <a:ext uri="{FF2B5EF4-FFF2-40B4-BE49-F238E27FC236}">
+                    <a16:creationId xmlns:a16="http://schemas.microsoft.com/office/drawing/2014/main" id="{AF25655C-6CE5-4362-A598-40CAEE719DBC}"/>
+                  </a:ext>
+                </a:extLst>
+              </p:cNvPr>
+              <p:cNvSpPr/>
+              <p:nvPr/>
+            </p:nvSpPr>
+            <p:spPr>
+              <a:xfrm>
+                <a:off x="3441184" y="1984779"/>
+                <a:ext cx="590096" cy="180000"/>
+              </a:xfrm>
+              <a:prstGeom prst="rect">
+                <a:avLst/>
+              </a:prstGeom>
+              <a:solidFill>
+                <a:srgbClr val="DA7F7F"/>
+              </a:solidFill>
+              <a:ln w="9525">
+                <a:solidFill>
+                  <a:schemeClr val="bg2">
+                    <a:lumMod val="75000"/>
+                  </a:schemeClr>
+                </a:solidFill>
+              </a:ln>
+            </p:spPr>
+            <p:style>
+              <a:lnRef idx="2">
+                <a:schemeClr val="accent1">
+                  <a:shade val="50000"/>
+                </a:schemeClr>
+              </a:lnRef>
+              <a:fillRef idx="1">
+                <a:schemeClr val="accent1"/>
+              </a:fillRef>
+              <a:effectRef idx="0">
+                <a:schemeClr val="accent1"/>
+              </a:effectRef>
+              <a:fontRef idx="minor">
+                <a:schemeClr val="lt1"/>
+              </a:fontRef>
+            </p:style>
+            <p:txBody>
+              <a:bodyPr lIns="36000" tIns="36000" rIns="36000" bIns="36000" rtlCol="0" anchor="ctr"/>
+              <a:lstStyle/>
+              <a:p>
+                <a:pPr algn="ctr"/>
+                <a:r>
+                  <a:rPr lang="de-DE" sz="800" noProof="1">
+                    <a:solidFill>
+                      <a:schemeClr val="tx1"/>
+                    </a:solidFill>
+                    <a:latin typeface="Arial" panose="020B0604020202020204" pitchFamily="34" charset="0"/>
+                    <a:cs typeface="Arial" panose="020B0604020202020204" pitchFamily="34" charset="0"/>
+                  </a:rPr>
+                  <a:t>BAV</a:t>
+                </a:r>
+              </a:p>
+            </p:txBody>
+          </p:sp>
+        </p:grpSp>
+        <p:grpSp>
+          <p:nvGrpSpPr>
+            <p:cNvPr id="103" name="Gruppieren 102">
+              <a:extLst>
+                <a:ext uri="{FF2B5EF4-FFF2-40B4-BE49-F238E27FC236}">
+                  <a16:creationId xmlns:a16="http://schemas.microsoft.com/office/drawing/2014/main" id="{115AF254-DD99-4FD8-89EF-5B62DBFA248A}"/>
+                </a:ext>
+              </a:extLst>
+            </p:cNvPr>
+            <p:cNvGrpSpPr/>
+            <p:nvPr/>
+          </p:nvGrpSpPr>
+          <p:grpSpPr>
+            <a:xfrm>
+              <a:off x="2246091" y="661602"/>
+              <a:ext cx="2534312" cy="449222"/>
+              <a:chOff x="1415480" y="782982"/>
+              <a:chExt cx="2534312" cy="449222"/>
+            </a:xfrm>
+          </p:grpSpPr>
+          <p:cxnSp>
+            <p:nvCxnSpPr>
+              <p:cNvPr id="125" name="Gerade Verbindung mit Pfeil 8">
+                <a:extLst>
+                  <a:ext uri="{FF2B5EF4-FFF2-40B4-BE49-F238E27FC236}">
+                    <a16:creationId xmlns:a16="http://schemas.microsoft.com/office/drawing/2014/main" id="{5ACAC43E-7D22-4651-B566-6A6B915D719F}"/>
+                  </a:ext>
+                </a:extLst>
+              </p:cNvPr>
+              <p:cNvCxnSpPr>
+                <a:cxnSpLocks/>
+                <a:stCxn id="100" idx="1"/>
+                <a:endCxn id="101" idx="0"/>
+              </p:cNvCxnSpPr>
+              <p:nvPr/>
+            </p:nvCxnSpPr>
+            <p:spPr>
+              <a:xfrm rot="10800000" flipV="1">
+                <a:off x="1955480" y="782982"/>
+                <a:ext cx="180080" cy="449222"/>
+              </a:xfrm>
+              <a:prstGeom prst="bentConnector2">
+                <a:avLst/>
+              </a:prstGeom>
+              <a:ln>
+                <a:tailEnd type="triangle"/>
+              </a:ln>
+            </p:spPr>
+            <p:style>
+              <a:lnRef idx="1">
+                <a:schemeClr val="dk1"/>
+              </a:lnRef>
+              <a:fillRef idx="0">
+                <a:schemeClr val="dk1"/>
+              </a:fillRef>
+              <a:effectRef idx="0">
+                <a:schemeClr val="dk1"/>
+              </a:effectRef>
+              <a:fontRef idx="minor">
+                <a:schemeClr val="tx1"/>
+              </a:fontRef>
+            </p:style>
+          </p:cxnSp>
+          <p:sp>
+            <p:nvSpPr>
+              <p:cNvPr id="126" name="Textfeld 125">
+                <a:extLst>
+                  <a:ext uri="{FF2B5EF4-FFF2-40B4-BE49-F238E27FC236}">
+                    <a16:creationId xmlns:a16="http://schemas.microsoft.com/office/drawing/2014/main" id="{5811C237-7619-4BE4-BD99-AECD6B3B3E6A}"/>
+                  </a:ext>
+                </a:extLst>
+              </p:cNvPr>
+              <p:cNvSpPr txBox="1"/>
+              <p:nvPr/>
+            </p:nvSpPr>
+            <p:spPr>
+              <a:xfrm>
+                <a:off x="1415480" y="927895"/>
+                <a:ext cx="539999" cy="246221"/>
+              </a:xfrm>
+              <a:prstGeom prst="rect">
+                <a:avLst/>
+              </a:prstGeom>
+              <a:noFill/>
+            </p:spPr>
+            <p:txBody>
+              <a:bodyPr wrap="square" rtlCol="0">
+                <a:spAutoFit/>
+              </a:bodyPr>
+              <a:lstStyle/>
+              <a:p>
+                <a:pPr algn="r"/>
+                <a:r>
+                  <a:rPr lang="de-DE" sz="1000" noProof="1">
+                    <a:latin typeface="Arial" panose="020B0604020202020204" pitchFamily="34" charset="0"/>
+                    <a:cs typeface="Arial" panose="020B0604020202020204" pitchFamily="34" charset="0"/>
+                  </a:rPr>
+                  <a:t>&lt; 0.33</a:t>
+                </a:r>
+              </a:p>
+            </p:txBody>
+          </p:sp>
+          <p:cxnSp>
+            <p:nvCxnSpPr>
+              <p:cNvPr id="127" name="Gerade Verbindung mit Pfeil 8">
+                <a:extLst>
+                  <a:ext uri="{FF2B5EF4-FFF2-40B4-BE49-F238E27FC236}">
+                    <a16:creationId xmlns:a16="http://schemas.microsoft.com/office/drawing/2014/main" id="{A862F330-F41A-4761-99D1-1AEDED212A53}"/>
+                  </a:ext>
+                </a:extLst>
+              </p:cNvPr>
+              <p:cNvCxnSpPr>
+                <a:cxnSpLocks/>
+              </p:cNvCxnSpPr>
+              <p:nvPr/>
+            </p:nvCxnSpPr>
+            <p:spPr>
+              <a:xfrm rot="10800000" flipH="1" flipV="1">
+                <a:off x="3229712" y="782982"/>
+                <a:ext cx="180080" cy="449222"/>
+              </a:xfrm>
+              <a:prstGeom prst="bentConnector2">
+                <a:avLst/>
+              </a:prstGeom>
+              <a:ln>
+                <a:tailEnd type="triangle"/>
+              </a:ln>
+            </p:spPr>
+            <p:style>
+              <a:lnRef idx="1">
+                <a:schemeClr val="dk1"/>
+              </a:lnRef>
+              <a:fillRef idx="0">
+                <a:schemeClr val="dk1"/>
+              </a:fillRef>
+              <a:effectRef idx="0">
+                <a:schemeClr val="dk1"/>
+              </a:effectRef>
+              <a:fontRef idx="minor">
+                <a:schemeClr val="tx1"/>
+              </a:fontRef>
+            </p:style>
+          </p:cxnSp>
+          <p:sp>
+            <p:nvSpPr>
+              <p:cNvPr id="128" name="Textfeld 127">
+                <a:extLst>
+                  <a:ext uri="{FF2B5EF4-FFF2-40B4-BE49-F238E27FC236}">
+                    <a16:creationId xmlns:a16="http://schemas.microsoft.com/office/drawing/2014/main" id="{30ECEC74-D861-41A4-A211-7CE59913D521}"/>
+                  </a:ext>
+                </a:extLst>
+              </p:cNvPr>
+              <p:cNvSpPr txBox="1"/>
+              <p:nvPr/>
+            </p:nvSpPr>
+            <p:spPr>
+              <a:xfrm>
+                <a:off x="3409791" y="927894"/>
+                <a:ext cx="540001" cy="246221"/>
+              </a:xfrm>
+              <a:prstGeom prst="rect">
+                <a:avLst/>
+              </a:prstGeom>
+              <a:noFill/>
+            </p:spPr>
+            <p:txBody>
+              <a:bodyPr wrap="square" rtlCol="0">
+                <a:spAutoFit/>
+              </a:bodyPr>
+              <a:lstStyle/>
+              <a:p>
+                <a:r>
+                  <a:rPr lang="de-DE" sz="1000" noProof="1">
+                    <a:latin typeface="Arial" panose="020B0604020202020204" pitchFamily="34" charset="0"/>
+                    <a:cs typeface="Arial" panose="020B0604020202020204" pitchFamily="34" charset="0"/>
+                  </a:rPr>
+                  <a:t>≥ 0.33</a:t>
+                </a:r>
+              </a:p>
+            </p:txBody>
+          </p:sp>
+        </p:grpSp>
+        <p:grpSp>
+          <p:nvGrpSpPr>
+            <p:cNvPr id="104" name="Gruppieren 103">
+              <a:extLst>
+                <a:ext uri="{FF2B5EF4-FFF2-40B4-BE49-F238E27FC236}">
+                  <a16:creationId xmlns:a16="http://schemas.microsoft.com/office/drawing/2014/main" id="{ABE46D6E-8D91-4556-8FD6-7C246E0E58D0}"/>
+                </a:ext>
+              </a:extLst>
+            </p:cNvPr>
+            <p:cNvGrpSpPr/>
+            <p:nvPr/>
+          </p:nvGrpSpPr>
+          <p:grpSpPr>
+            <a:xfrm>
+              <a:off x="1468839" y="1345126"/>
+              <a:ext cx="2634504" cy="449222"/>
+              <a:chOff x="1365384" y="782982"/>
+              <a:chExt cx="2634504" cy="449222"/>
+            </a:xfrm>
+          </p:grpSpPr>
+          <p:cxnSp>
+            <p:nvCxnSpPr>
+              <p:cNvPr id="121" name="Gerade Verbindung mit Pfeil 8">
+                <a:extLst>
+                  <a:ext uri="{FF2B5EF4-FFF2-40B4-BE49-F238E27FC236}">
+                    <a16:creationId xmlns:a16="http://schemas.microsoft.com/office/drawing/2014/main" id="{3CC79E16-EC57-46F1-9B8A-3461C218A8E3}"/>
+                  </a:ext>
+                </a:extLst>
+              </p:cNvPr>
+              <p:cNvCxnSpPr/>
+              <p:nvPr/>
+            </p:nvCxnSpPr>
+            <p:spPr>
+              <a:xfrm rot="10800000" flipV="1">
+                <a:off x="1955480" y="782982"/>
+                <a:ext cx="180080" cy="449222"/>
+              </a:xfrm>
+              <a:prstGeom prst="bentConnector2">
+                <a:avLst/>
+              </a:prstGeom>
+              <a:ln>
+                <a:tailEnd type="triangle"/>
+              </a:ln>
+            </p:spPr>
+            <p:style>
+              <a:lnRef idx="1">
+                <a:schemeClr val="dk1"/>
+              </a:lnRef>
+              <a:fillRef idx="0">
+                <a:schemeClr val="dk1"/>
+              </a:fillRef>
+              <a:effectRef idx="0">
+                <a:schemeClr val="dk1"/>
+              </a:effectRef>
+              <a:fontRef idx="minor">
+                <a:schemeClr val="tx1"/>
+              </a:fontRef>
+            </p:style>
+          </p:cxnSp>
+          <p:sp>
+            <p:nvSpPr>
+              <p:cNvPr id="122" name="Textfeld 121">
+                <a:extLst>
+                  <a:ext uri="{FF2B5EF4-FFF2-40B4-BE49-F238E27FC236}">
+                    <a16:creationId xmlns:a16="http://schemas.microsoft.com/office/drawing/2014/main" id="{7ECE8F87-63A7-4057-8386-4C48BFE5F29C}"/>
+                  </a:ext>
+                </a:extLst>
+              </p:cNvPr>
+              <p:cNvSpPr txBox="1"/>
+              <p:nvPr/>
+            </p:nvSpPr>
+            <p:spPr>
+              <a:xfrm>
+                <a:off x="1365384" y="964451"/>
+                <a:ext cx="590096" cy="246221"/>
+              </a:xfrm>
+              <a:prstGeom prst="rect">
+                <a:avLst/>
+              </a:prstGeom>
+              <a:noFill/>
+            </p:spPr>
+            <p:txBody>
+              <a:bodyPr wrap="square" rtlCol="0">
+                <a:spAutoFit/>
+              </a:bodyPr>
+              <a:lstStyle/>
+              <a:p>
+                <a:pPr algn="r"/>
+                <a:r>
+                  <a:rPr lang="de-DE" sz="1000" noProof="1">
+                    <a:latin typeface="Arial" panose="020B0604020202020204" pitchFamily="34" charset="0"/>
+                    <a:cs typeface="Arial" panose="020B0604020202020204" pitchFamily="34" charset="0"/>
+                  </a:rPr>
+                  <a:t>&lt; 0.24</a:t>
+                </a:r>
+              </a:p>
+            </p:txBody>
+          </p:sp>
+          <p:cxnSp>
+            <p:nvCxnSpPr>
+              <p:cNvPr id="123" name="Gerade Verbindung mit Pfeil 8">
+                <a:extLst>
+                  <a:ext uri="{FF2B5EF4-FFF2-40B4-BE49-F238E27FC236}">
+                    <a16:creationId xmlns:a16="http://schemas.microsoft.com/office/drawing/2014/main" id="{91845F08-726E-4F98-A2EE-DCB77CDE50E5}"/>
+                  </a:ext>
+                </a:extLst>
+              </p:cNvPr>
+              <p:cNvCxnSpPr>
+                <a:cxnSpLocks/>
+              </p:cNvCxnSpPr>
+              <p:nvPr/>
+            </p:nvCxnSpPr>
+            <p:spPr>
+              <a:xfrm rot="10800000" flipH="1" flipV="1">
+                <a:off x="3229712" y="782982"/>
+                <a:ext cx="180080" cy="449222"/>
+              </a:xfrm>
+              <a:prstGeom prst="bentConnector2">
+                <a:avLst/>
+              </a:prstGeom>
+              <a:ln>
+                <a:tailEnd type="triangle"/>
+              </a:ln>
+            </p:spPr>
+            <p:style>
+              <a:lnRef idx="1">
+                <a:schemeClr val="dk1"/>
+              </a:lnRef>
+              <a:fillRef idx="0">
+                <a:schemeClr val="dk1"/>
+              </a:fillRef>
+              <a:effectRef idx="0">
+                <a:schemeClr val="dk1"/>
+              </a:effectRef>
+              <a:fontRef idx="minor">
+                <a:schemeClr val="tx1"/>
+              </a:fontRef>
+            </p:style>
+          </p:cxnSp>
+          <p:sp>
+            <p:nvSpPr>
+              <p:cNvPr id="124" name="Textfeld 123">
+                <a:extLst>
+                  <a:ext uri="{FF2B5EF4-FFF2-40B4-BE49-F238E27FC236}">
+                    <a16:creationId xmlns:a16="http://schemas.microsoft.com/office/drawing/2014/main" id="{2F293E36-AD6E-4E84-BB98-5CA44D79F781}"/>
+                  </a:ext>
+                </a:extLst>
+              </p:cNvPr>
+              <p:cNvSpPr txBox="1"/>
+              <p:nvPr/>
+            </p:nvSpPr>
+            <p:spPr>
+              <a:xfrm>
+                <a:off x="3409792" y="964450"/>
+                <a:ext cx="590096" cy="246221"/>
+              </a:xfrm>
+              <a:prstGeom prst="rect">
+                <a:avLst/>
+              </a:prstGeom>
+              <a:noFill/>
+            </p:spPr>
+            <p:txBody>
+              <a:bodyPr wrap="square" rtlCol="0">
+                <a:spAutoFit/>
+              </a:bodyPr>
+              <a:lstStyle/>
+              <a:p>
+                <a:r>
+                  <a:rPr lang="de-DE" sz="1000" noProof="1">
+                    <a:latin typeface="Arial" panose="020B0604020202020204" pitchFamily="34" charset="0"/>
+                    <a:cs typeface="Arial" panose="020B0604020202020204" pitchFamily="34" charset="0"/>
+                  </a:rPr>
+                  <a:t>≥ 0.24</a:t>
+                </a:r>
+              </a:p>
+            </p:txBody>
+          </p:sp>
+        </p:grpSp>
+        <p:sp>
+          <p:nvSpPr>
+            <p:cNvPr id="105" name="Rechteck: abgerundete Ecken 104">
+              <a:extLst>
+                <a:ext uri="{FF2B5EF4-FFF2-40B4-BE49-F238E27FC236}">
+                  <a16:creationId xmlns:a16="http://schemas.microsoft.com/office/drawing/2014/main" id="{9908D8FC-EE07-4677-82A2-50D7A9E1B48C}"/>
+                </a:ext>
+              </a:extLst>
+            </p:cNvPr>
+            <p:cNvSpPr/>
+            <p:nvPr/>
+          </p:nvSpPr>
+          <p:spPr>
+            <a:xfrm>
+              <a:off x="2966171" y="1807744"/>
+              <a:ext cx="1080000" cy="468604"/>
+            </a:xfrm>
+            <a:prstGeom prst="roundRect">
+              <a:avLst>
+                <a:gd name="adj" fmla="val 11124"/>
+              </a:avLst>
+            </a:prstGeom>
+            <a:solidFill>
+              <a:srgbClr val="C7E4C8"/>
+            </a:solidFill>
+            <a:ln w="9525">
+              <a:solidFill>
+                <a:srgbClr val="2FA65F"/>
+              </a:solidFill>
+            </a:ln>
+          </p:spPr>
+          <p:style>
+            <a:lnRef idx="2">
+              <a:schemeClr val="accent1">
+                <a:shade val="50000"/>
+              </a:schemeClr>
+            </a:lnRef>
+            <a:fillRef idx="1">
+              <a:schemeClr val="accent1"/>
+            </a:fillRef>
+            <a:effectRef idx="0">
+              <a:schemeClr val="accent1"/>
+            </a:effectRef>
+            <a:fontRef idx="minor">
+              <a:schemeClr val="lt1"/>
+            </a:fontRef>
+          </p:style>
+          <p:txBody>
+            <a:bodyPr lIns="36000" tIns="0" rIns="36000" bIns="0" rtlCol="0" anchor="ctr"/>
+            <a:lstStyle/>
+            <a:p>
+              <a:pPr algn="ctr"/>
+              <a:r>
+                <a:rPr lang="de-DE" sz="900" noProof="1">
+                  <a:solidFill>
+                    <a:schemeClr val="tx1"/>
+                  </a:solidFill>
+                  <a:latin typeface="Arial" panose="020B0604020202020204" pitchFamily="34" charset="0"/>
+                  <a:cs typeface="Arial" panose="020B0604020202020204" pitchFamily="34" charset="0"/>
+                </a:rPr>
+                <a:t>Peak-Systolic-In-Plane-Mean-Velocity [ms]</a:t>
+              </a:r>
+            </a:p>
+          </p:txBody>
+        </p:sp>
+        <p:grpSp>
+          <p:nvGrpSpPr>
+            <p:cNvPr id="106" name="Gruppieren 105">
+              <a:extLst>
+                <a:ext uri="{FF2B5EF4-FFF2-40B4-BE49-F238E27FC236}">
+                  <a16:creationId xmlns:a16="http://schemas.microsoft.com/office/drawing/2014/main" id="{904DF1CF-C132-4A6B-8A62-BEBAFF4EF834}"/>
+                </a:ext>
+              </a:extLst>
+            </p:cNvPr>
+            <p:cNvGrpSpPr/>
+            <p:nvPr/>
+          </p:nvGrpSpPr>
+          <p:grpSpPr>
+            <a:xfrm>
+              <a:off x="1951043" y="2042046"/>
+              <a:ext cx="2848814" cy="449222"/>
+              <a:chOff x="1127508" y="782982"/>
+              <a:chExt cx="2848814" cy="449222"/>
+            </a:xfrm>
+          </p:grpSpPr>
+          <p:cxnSp>
+            <p:nvCxnSpPr>
+              <p:cNvPr id="116" name="Gerade Verbindung mit Pfeil 8">
+                <a:extLst>
+                  <a:ext uri="{FF2B5EF4-FFF2-40B4-BE49-F238E27FC236}">
+                    <a16:creationId xmlns:a16="http://schemas.microsoft.com/office/drawing/2014/main" id="{4B94D9CB-EC54-481C-A903-808C8071EC1A}"/>
+                  </a:ext>
+                </a:extLst>
+              </p:cNvPr>
+              <p:cNvCxnSpPr/>
+              <p:nvPr/>
+            </p:nvCxnSpPr>
+            <p:spPr>
+              <a:xfrm rot="10800000" flipV="1">
+                <a:off x="1955480" y="782982"/>
+                <a:ext cx="180080" cy="449222"/>
+              </a:xfrm>
+              <a:prstGeom prst="bentConnector2">
+                <a:avLst/>
+              </a:prstGeom>
+              <a:ln>
+                <a:tailEnd type="triangle"/>
+              </a:ln>
+            </p:spPr>
+            <p:style>
+              <a:lnRef idx="1">
+                <a:schemeClr val="dk1"/>
+              </a:lnRef>
+              <a:fillRef idx="0">
+                <a:schemeClr val="dk1"/>
+              </a:fillRef>
+              <a:effectRef idx="0">
+                <a:schemeClr val="dk1"/>
+              </a:effectRef>
+              <a:fontRef idx="minor">
+                <a:schemeClr val="tx1"/>
+              </a:fontRef>
+            </p:style>
+          </p:cxnSp>
+          <p:sp>
+            <p:nvSpPr>
+              <p:cNvPr id="117" name="Textfeld 116">
+                <a:extLst>
+                  <a:ext uri="{FF2B5EF4-FFF2-40B4-BE49-F238E27FC236}">
+                    <a16:creationId xmlns:a16="http://schemas.microsoft.com/office/drawing/2014/main" id="{DDF8B614-B8E2-4BCA-A49C-74854DE0D137}"/>
+                  </a:ext>
+                </a:extLst>
+              </p:cNvPr>
+              <p:cNvSpPr txBox="1"/>
+              <p:nvPr/>
+            </p:nvSpPr>
+            <p:spPr>
+              <a:xfrm>
+                <a:off x="1127508" y="945801"/>
+                <a:ext cx="827972" cy="246221"/>
+              </a:xfrm>
+              <a:prstGeom prst="rect">
+                <a:avLst/>
+              </a:prstGeom>
+              <a:noFill/>
+            </p:spPr>
+            <p:txBody>
+              <a:bodyPr wrap="square" rtlCol="0">
+                <a:spAutoFit/>
+              </a:bodyPr>
+              <a:lstStyle/>
+              <a:p>
+                <a:pPr algn="r"/>
+                <a:r>
+                  <a:rPr lang="de-DE" sz="1000" noProof="1">
+                    <a:latin typeface="Arial" panose="020B0604020202020204" pitchFamily="34" charset="0"/>
+                    <a:cs typeface="Arial" panose="020B0604020202020204" pitchFamily="34" charset="0"/>
+                  </a:rPr>
+                  <a:t>&lt; 317</a:t>
+                </a:r>
+              </a:p>
+            </p:txBody>
+          </p:sp>
+          <p:cxnSp>
+            <p:nvCxnSpPr>
+              <p:cNvPr id="118" name="Gerade Verbindung mit Pfeil 8">
+                <a:extLst>
+                  <a:ext uri="{FF2B5EF4-FFF2-40B4-BE49-F238E27FC236}">
+                    <a16:creationId xmlns:a16="http://schemas.microsoft.com/office/drawing/2014/main" id="{C1BED54F-D76A-43E2-AA23-E425D89518F5}"/>
+                  </a:ext>
+                </a:extLst>
+              </p:cNvPr>
+              <p:cNvCxnSpPr>
+                <a:cxnSpLocks/>
+              </p:cNvCxnSpPr>
+              <p:nvPr/>
+            </p:nvCxnSpPr>
+            <p:spPr>
+              <a:xfrm rot="10800000" flipH="1" flipV="1">
+                <a:off x="3229712" y="782982"/>
+                <a:ext cx="180080" cy="449222"/>
+              </a:xfrm>
+              <a:prstGeom prst="bentConnector2">
+                <a:avLst/>
+              </a:prstGeom>
+              <a:ln>
+                <a:tailEnd type="triangle"/>
+              </a:ln>
+            </p:spPr>
+            <p:style>
+              <a:lnRef idx="1">
+                <a:schemeClr val="dk1"/>
+              </a:lnRef>
+              <a:fillRef idx="0">
+                <a:schemeClr val="dk1"/>
+              </a:fillRef>
+              <a:effectRef idx="0">
+                <a:schemeClr val="dk1"/>
+              </a:effectRef>
+              <a:fontRef idx="minor">
+                <a:schemeClr val="tx1"/>
+              </a:fontRef>
+            </p:style>
+          </p:cxnSp>
+          <p:sp>
+            <p:nvSpPr>
+              <p:cNvPr id="120" name="Textfeld 119">
+                <a:extLst>
+                  <a:ext uri="{FF2B5EF4-FFF2-40B4-BE49-F238E27FC236}">
+                    <a16:creationId xmlns:a16="http://schemas.microsoft.com/office/drawing/2014/main" id="{D662EE8F-A0F6-498B-8AA2-42AFE172894A}"/>
+                  </a:ext>
+                </a:extLst>
+              </p:cNvPr>
+              <p:cNvSpPr txBox="1"/>
+              <p:nvPr/>
+            </p:nvSpPr>
+            <p:spPr>
+              <a:xfrm>
+                <a:off x="3409792" y="945800"/>
+                <a:ext cx="566530" cy="246221"/>
+              </a:xfrm>
+              <a:prstGeom prst="rect">
+                <a:avLst/>
+              </a:prstGeom>
+              <a:noFill/>
+            </p:spPr>
+            <p:txBody>
+              <a:bodyPr wrap="square" rtlCol="0">
+                <a:spAutoFit/>
+              </a:bodyPr>
+              <a:lstStyle/>
+              <a:p>
+                <a:r>
+                  <a:rPr lang="de-DE" sz="1000" noProof="1">
+                    <a:latin typeface="Arial" panose="020B0604020202020204" pitchFamily="34" charset="0"/>
+                    <a:cs typeface="Arial" panose="020B0604020202020204" pitchFamily="34" charset="0"/>
+                  </a:rPr>
+                  <a:t>≥ 317</a:t>
+                </a:r>
+              </a:p>
+            </p:txBody>
+          </p:sp>
+        </p:grpSp>
+        <p:grpSp>
+          <p:nvGrpSpPr>
+            <p:cNvPr id="107" name="Gruppieren 106">
+              <a:extLst>
+                <a:ext uri="{FF2B5EF4-FFF2-40B4-BE49-F238E27FC236}">
+                  <a16:creationId xmlns:a16="http://schemas.microsoft.com/office/drawing/2014/main" id="{3CD6481C-1E5F-47BD-B806-7759CD1E53A3}"/>
+                </a:ext>
+              </a:extLst>
+            </p:cNvPr>
+            <p:cNvGrpSpPr/>
+            <p:nvPr/>
+          </p:nvGrpSpPr>
+          <p:grpSpPr>
+            <a:xfrm>
+              <a:off x="1763887" y="1813122"/>
+              <a:ext cx="590096" cy="353333"/>
+              <a:chOff x="3441184" y="1984779"/>
+              <a:chExt cx="590096" cy="353333"/>
+            </a:xfrm>
+          </p:grpSpPr>
+          <p:sp>
+            <p:nvSpPr>
+              <p:cNvPr id="114" name="Rechteck 113">
+                <a:extLst>
+                  <a:ext uri="{FF2B5EF4-FFF2-40B4-BE49-F238E27FC236}">
+                    <a16:creationId xmlns:a16="http://schemas.microsoft.com/office/drawing/2014/main" id="{E04EC8A3-2A8D-4288-BB26-2F7FE7647E9D}"/>
+                  </a:ext>
+                </a:extLst>
+              </p:cNvPr>
+              <p:cNvSpPr/>
+              <p:nvPr/>
+            </p:nvSpPr>
+            <p:spPr>
+              <a:xfrm>
+                <a:off x="3441184" y="2158112"/>
+                <a:ext cx="590096" cy="180000"/>
+              </a:xfrm>
+              <a:prstGeom prst="rect">
+                <a:avLst/>
+              </a:prstGeom>
+              <a:noFill/>
+              <a:ln w="9525">
+                <a:solidFill>
+                  <a:schemeClr val="bg2">
+                    <a:lumMod val="75000"/>
+                  </a:schemeClr>
+                </a:solidFill>
+              </a:ln>
+            </p:spPr>
+            <p:style>
+              <a:lnRef idx="2">
+                <a:schemeClr val="accent1">
+                  <a:shade val="50000"/>
+                </a:schemeClr>
+              </a:lnRef>
+              <a:fillRef idx="1">
+                <a:schemeClr val="accent1"/>
+              </a:fillRef>
+              <a:effectRef idx="0">
+                <a:schemeClr val="accent1"/>
+              </a:effectRef>
+              <a:fontRef idx="minor">
+                <a:schemeClr val="lt1"/>
+              </a:fontRef>
+            </p:style>
+            <p:txBody>
+              <a:bodyPr lIns="36000" tIns="36000" rIns="36000" bIns="36000" rtlCol="0" anchor="ctr"/>
+              <a:lstStyle/>
+              <a:p>
+                <a:pPr algn="ctr"/>
+                <a:r>
+                  <a:rPr lang="de-DE" sz="800" b="1" noProof="1">
+                    <a:solidFill>
+                      <a:srgbClr val="2FA65F"/>
+                    </a:solidFill>
+                    <a:latin typeface="Arial" panose="020B0604020202020204" pitchFamily="34" charset="0"/>
+                    <a:cs typeface="Arial" panose="020B0604020202020204" pitchFamily="34" charset="0"/>
+                  </a:rPr>
+                  <a:t>✔78 </a:t>
+                </a:r>
+                <a:r>
+                  <a:rPr lang="de-DE" sz="800" b="1" noProof="1">
+                    <a:solidFill>
+                      <a:srgbClr val="C00000"/>
+                    </a:solidFill>
+                    <a:latin typeface="Arial" panose="020B0604020202020204" pitchFamily="34" charset="0"/>
+                    <a:cs typeface="Arial" panose="020B0604020202020204" pitchFamily="34" charset="0"/>
+                  </a:rPr>
+                  <a:t>✖4</a:t>
+                </a:r>
+              </a:p>
+            </p:txBody>
+          </p:sp>
+          <p:sp>
+            <p:nvSpPr>
+              <p:cNvPr id="115" name="Rechteck 114">
+                <a:extLst>
+                  <a:ext uri="{FF2B5EF4-FFF2-40B4-BE49-F238E27FC236}">
+                    <a16:creationId xmlns:a16="http://schemas.microsoft.com/office/drawing/2014/main" id="{34DCFEA5-1AD6-4156-A024-89C406CCCB19}"/>
+                  </a:ext>
+                </a:extLst>
+              </p:cNvPr>
+              <p:cNvSpPr/>
+              <p:nvPr/>
+            </p:nvSpPr>
+            <p:spPr>
+              <a:xfrm>
+                <a:off x="3441184" y="1984779"/>
+                <a:ext cx="590096" cy="180000"/>
+              </a:xfrm>
+              <a:prstGeom prst="rect">
+                <a:avLst/>
+              </a:prstGeom>
+              <a:solidFill>
+                <a:srgbClr val="7BAEDA"/>
+              </a:solidFill>
+              <a:ln w="9525">
+                <a:solidFill>
+                  <a:schemeClr val="bg2">
+                    <a:lumMod val="75000"/>
+                  </a:schemeClr>
+                </a:solidFill>
+              </a:ln>
+            </p:spPr>
+            <p:style>
+              <a:lnRef idx="2">
+                <a:schemeClr val="accent1">
+                  <a:shade val="50000"/>
+                </a:schemeClr>
+              </a:lnRef>
+              <a:fillRef idx="1">
+                <a:schemeClr val="accent1"/>
+              </a:fillRef>
+              <a:effectRef idx="0">
+                <a:schemeClr val="accent1"/>
+              </a:effectRef>
+              <a:fontRef idx="minor">
+                <a:schemeClr val="lt1"/>
+              </a:fontRef>
+            </p:style>
+            <p:txBody>
+              <a:bodyPr lIns="36000" tIns="36000" rIns="36000" bIns="36000" rtlCol="0" anchor="ctr"/>
+              <a:lstStyle/>
+              <a:p>
+                <a:pPr algn="ctr"/>
+                <a:r>
+                  <a:rPr lang="de-DE" sz="800" noProof="1">
+                    <a:solidFill>
+                      <a:schemeClr val="tx1"/>
+                    </a:solidFill>
+                    <a:latin typeface="Arial" panose="020B0604020202020204" pitchFamily="34" charset="0"/>
+                    <a:cs typeface="Arial" panose="020B0604020202020204" pitchFamily="34" charset="0"/>
+                  </a:rPr>
+                  <a:t>HHV</a:t>
+                </a:r>
+              </a:p>
+            </p:txBody>
+          </p:sp>
+        </p:grpSp>
+        <p:grpSp>
+          <p:nvGrpSpPr>
+            <p:cNvPr id="108" name="Gruppieren 107">
+              <a:extLst>
+                <a:ext uri="{FF2B5EF4-FFF2-40B4-BE49-F238E27FC236}">
+                  <a16:creationId xmlns:a16="http://schemas.microsoft.com/office/drawing/2014/main" id="{3852D7F4-EE30-4446-9118-E6B664BCB9A5}"/>
+                </a:ext>
+              </a:extLst>
+            </p:cNvPr>
+            <p:cNvGrpSpPr/>
+            <p:nvPr/>
+          </p:nvGrpSpPr>
+          <p:grpSpPr>
+            <a:xfrm>
+              <a:off x="3938279" y="2491268"/>
+              <a:ext cx="590096" cy="353333"/>
+              <a:chOff x="3441184" y="1984779"/>
+              <a:chExt cx="590096" cy="353333"/>
+            </a:xfrm>
+          </p:grpSpPr>
+          <p:sp>
+            <p:nvSpPr>
+              <p:cNvPr id="112" name="Rechteck 111">
+                <a:extLst>
+                  <a:ext uri="{FF2B5EF4-FFF2-40B4-BE49-F238E27FC236}">
+                    <a16:creationId xmlns:a16="http://schemas.microsoft.com/office/drawing/2014/main" id="{4FDDA1CF-90A2-45FF-93F6-720A0DC2DD9E}"/>
+                  </a:ext>
+                </a:extLst>
+              </p:cNvPr>
+              <p:cNvSpPr/>
+              <p:nvPr/>
+            </p:nvSpPr>
+            <p:spPr>
+              <a:xfrm>
+                <a:off x="3441184" y="2158112"/>
+                <a:ext cx="590096" cy="180000"/>
+              </a:xfrm>
+              <a:prstGeom prst="rect">
+                <a:avLst/>
+              </a:prstGeom>
+              <a:noFill/>
+              <a:ln w="9525">
+                <a:solidFill>
+                  <a:schemeClr val="bg2">
+                    <a:lumMod val="75000"/>
+                  </a:schemeClr>
+                </a:solidFill>
+              </a:ln>
+            </p:spPr>
+            <p:style>
+              <a:lnRef idx="2">
+                <a:schemeClr val="accent1">
+                  <a:shade val="50000"/>
+                </a:schemeClr>
+              </a:lnRef>
+              <a:fillRef idx="1">
+                <a:schemeClr val="accent1"/>
+              </a:fillRef>
+              <a:effectRef idx="0">
+                <a:schemeClr val="accent1"/>
+              </a:effectRef>
+              <a:fontRef idx="minor">
+                <a:schemeClr val="lt1"/>
+              </a:fontRef>
+            </p:style>
+            <p:txBody>
+              <a:bodyPr lIns="36000" tIns="36000" rIns="36000" bIns="36000" rtlCol="0" anchor="ctr"/>
+              <a:lstStyle/>
+              <a:p>
+                <a:pPr algn="ctr"/>
+                <a:r>
+                  <a:rPr lang="de-DE" sz="800" b="1" noProof="1">
+                    <a:solidFill>
+                      <a:srgbClr val="2FA65F"/>
+                    </a:solidFill>
+                    <a:latin typeface="Arial" panose="020B0604020202020204" pitchFamily="34" charset="0"/>
+                    <a:cs typeface="Arial" panose="020B0604020202020204" pitchFamily="34" charset="0"/>
+                  </a:rPr>
+                  <a:t>✔11 </a:t>
+                </a:r>
+                <a:r>
+                  <a:rPr lang="de-DE" sz="800" b="1" noProof="1">
+                    <a:solidFill>
+                      <a:srgbClr val="C00000"/>
+                    </a:solidFill>
+                    <a:latin typeface="Arial" panose="020B0604020202020204" pitchFamily="34" charset="0"/>
+                    <a:cs typeface="Arial" panose="020B0604020202020204" pitchFamily="34" charset="0"/>
+                  </a:rPr>
+                  <a:t>✖2</a:t>
+                </a:r>
+              </a:p>
+            </p:txBody>
+          </p:sp>
+          <p:sp>
+            <p:nvSpPr>
+              <p:cNvPr id="113" name="Rechteck 112">
+                <a:extLst>
+                  <a:ext uri="{FF2B5EF4-FFF2-40B4-BE49-F238E27FC236}">
+                    <a16:creationId xmlns:a16="http://schemas.microsoft.com/office/drawing/2014/main" id="{42CABBF1-EBED-48AA-A6DF-291933D9E024}"/>
+                  </a:ext>
+                </a:extLst>
+              </p:cNvPr>
+              <p:cNvSpPr/>
+              <p:nvPr/>
+            </p:nvSpPr>
+            <p:spPr>
+              <a:xfrm>
+                <a:off x="3441184" y="1984779"/>
+                <a:ext cx="590096" cy="180000"/>
+              </a:xfrm>
+              <a:prstGeom prst="rect">
+                <a:avLst/>
+              </a:prstGeom>
+              <a:solidFill>
+                <a:srgbClr val="7BAEDA"/>
+              </a:solidFill>
+              <a:ln w="9525">
+                <a:solidFill>
+                  <a:schemeClr val="bg2">
+                    <a:lumMod val="75000"/>
+                  </a:schemeClr>
+                </a:solidFill>
+              </a:ln>
+            </p:spPr>
+            <p:style>
+              <a:lnRef idx="2">
+                <a:schemeClr val="accent1">
+                  <a:shade val="50000"/>
+                </a:schemeClr>
+              </a:lnRef>
+              <a:fillRef idx="1">
+                <a:schemeClr val="accent1"/>
+              </a:fillRef>
+              <a:effectRef idx="0">
+                <a:schemeClr val="accent1"/>
+              </a:effectRef>
+              <a:fontRef idx="minor">
+                <a:schemeClr val="lt1"/>
+              </a:fontRef>
+            </p:style>
+            <p:txBody>
+              <a:bodyPr lIns="36000" tIns="36000" rIns="36000" bIns="36000" rtlCol="0" anchor="ctr"/>
+              <a:lstStyle/>
+              <a:p>
+                <a:pPr algn="ctr"/>
+                <a:r>
+                  <a:rPr lang="de-DE" sz="800" noProof="1">
+                    <a:solidFill>
+                      <a:schemeClr val="tx1"/>
+                    </a:solidFill>
+                    <a:latin typeface="Arial" panose="020B0604020202020204" pitchFamily="34" charset="0"/>
+                    <a:cs typeface="Arial" panose="020B0604020202020204" pitchFamily="34" charset="0"/>
+                  </a:rPr>
+                  <a:t>HHV</a:t>
+                </a:r>
+              </a:p>
+            </p:txBody>
+          </p:sp>
+        </p:grpSp>
+        <p:grpSp>
+          <p:nvGrpSpPr>
+            <p:cNvPr id="109" name="Gruppieren 108">
+              <a:extLst>
+                <a:ext uri="{FF2B5EF4-FFF2-40B4-BE49-F238E27FC236}">
+                  <a16:creationId xmlns:a16="http://schemas.microsoft.com/office/drawing/2014/main" id="{88EE12DB-581D-48B3-9453-95B164870428}"/>
+                </a:ext>
+              </a:extLst>
+            </p:cNvPr>
+            <p:cNvGrpSpPr/>
+            <p:nvPr/>
+          </p:nvGrpSpPr>
+          <p:grpSpPr>
+            <a:xfrm>
+              <a:off x="2483966" y="2495748"/>
+              <a:ext cx="590096" cy="353333"/>
+              <a:chOff x="3441184" y="1984779"/>
+              <a:chExt cx="590096" cy="353333"/>
+            </a:xfrm>
+          </p:grpSpPr>
+          <p:sp>
+            <p:nvSpPr>
+              <p:cNvPr id="110" name="Rechteck 109">
+                <a:extLst>
+                  <a:ext uri="{FF2B5EF4-FFF2-40B4-BE49-F238E27FC236}">
+                    <a16:creationId xmlns:a16="http://schemas.microsoft.com/office/drawing/2014/main" id="{DD4717EF-69F0-45F2-A4D7-9BB781B48085}"/>
+                  </a:ext>
+                </a:extLst>
+              </p:cNvPr>
+              <p:cNvSpPr/>
+              <p:nvPr/>
+            </p:nvSpPr>
+            <p:spPr>
+              <a:xfrm>
+                <a:off x="3441184" y="2158112"/>
+                <a:ext cx="590096" cy="180000"/>
+              </a:xfrm>
+              <a:prstGeom prst="rect">
+                <a:avLst/>
+              </a:prstGeom>
+              <a:noFill/>
+              <a:ln w="9525">
+                <a:solidFill>
+                  <a:schemeClr val="bg2">
+                    <a:lumMod val="75000"/>
+                  </a:schemeClr>
+                </a:solidFill>
+              </a:ln>
+            </p:spPr>
+            <p:style>
+              <a:lnRef idx="2">
+                <a:schemeClr val="accent1">
+                  <a:shade val="50000"/>
+                </a:schemeClr>
+              </a:lnRef>
+              <a:fillRef idx="1">
+                <a:schemeClr val="accent1"/>
+              </a:fillRef>
+              <a:effectRef idx="0">
+                <a:schemeClr val="accent1"/>
+              </a:effectRef>
+              <a:fontRef idx="minor">
+                <a:schemeClr val="lt1"/>
+              </a:fontRef>
+            </p:style>
+            <p:txBody>
+              <a:bodyPr lIns="36000" tIns="36000" rIns="36000" bIns="36000" rtlCol="0" anchor="ctr"/>
+              <a:lstStyle/>
+              <a:p>
+                <a:pPr algn="ctr"/>
+                <a:r>
+                  <a:rPr lang="de-DE" sz="800" b="1" noProof="1">
+                    <a:solidFill>
+                      <a:srgbClr val="2FA65F"/>
+                    </a:solidFill>
+                    <a:latin typeface="Arial" panose="020B0604020202020204" pitchFamily="34" charset="0"/>
+                    <a:cs typeface="Arial" panose="020B0604020202020204" pitchFamily="34" charset="0"/>
+                  </a:rPr>
+                  <a:t>✔5 </a:t>
+                </a:r>
+                <a:r>
+                  <a:rPr lang="de-DE" sz="800" b="1" noProof="1">
+                    <a:solidFill>
+                      <a:srgbClr val="C00000"/>
+                    </a:solidFill>
+                    <a:latin typeface="Arial" panose="020B0604020202020204" pitchFamily="34" charset="0"/>
+                    <a:cs typeface="Arial" panose="020B0604020202020204" pitchFamily="34" charset="0"/>
+                  </a:rPr>
+                  <a:t>✖1</a:t>
+                </a:r>
+              </a:p>
+            </p:txBody>
+          </p:sp>
+          <p:sp>
+            <p:nvSpPr>
+              <p:cNvPr id="111" name="Rechteck 110">
+                <a:extLst>
+                  <a:ext uri="{FF2B5EF4-FFF2-40B4-BE49-F238E27FC236}">
+                    <a16:creationId xmlns:a16="http://schemas.microsoft.com/office/drawing/2014/main" id="{793D482A-D154-4061-8A67-966DCB26C60B}"/>
+                  </a:ext>
+                </a:extLst>
+              </p:cNvPr>
+              <p:cNvSpPr/>
+              <p:nvPr/>
+            </p:nvSpPr>
+            <p:spPr>
+              <a:xfrm>
+                <a:off x="3441184" y="1984779"/>
+                <a:ext cx="590096" cy="180000"/>
+              </a:xfrm>
+              <a:prstGeom prst="rect">
+                <a:avLst/>
+              </a:prstGeom>
+              <a:solidFill>
+                <a:srgbClr val="DA7F7F"/>
+              </a:solidFill>
+              <a:ln w="9525">
+                <a:solidFill>
+                  <a:schemeClr val="bg2">
+                    <a:lumMod val="75000"/>
+                  </a:schemeClr>
+                </a:solidFill>
+              </a:ln>
+            </p:spPr>
+            <p:style>
+              <a:lnRef idx="2">
+                <a:schemeClr val="accent1">
+                  <a:shade val="50000"/>
+                </a:schemeClr>
+              </a:lnRef>
+              <a:fillRef idx="1">
+                <a:schemeClr val="accent1"/>
+              </a:fillRef>
+              <a:effectRef idx="0">
+                <a:schemeClr val="accent1"/>
+              </a:effectRef>
+              <a:fontRef idx="minor">
+                <a:schemeClr val="lt1"/>
+              </a:fontRef>
+            </p:style>
+            <p:txBody>
+              <a:bodyPr lIns="36000" tIns="36000" rIns="36000" bIns="36000" rtlCol="0" anchor="ctr"/>
+              <a:lstStyle/>
+              <a:p>
+                <a:pPr algn="ctr"/>
+                <a:r>
+                  <a:rPr lang="de-DE" sz="800" noProof="1">
+                    <a:solidFill>
+                      <a:schemeClr val="tx1"/>
+                    </a:solidFill>
+                    <a:latin typeface="Arial" panose="020B0604020202020204" pitchFamily="34" charset="0"/>
+                    <a:cs typeface="Arial" panose="020B0604020202020204" pitchFamily="34" charset="0"/>
+                  </a:rPr>
+                  <a:t>BAV</a:t>
+                </a:r>
+              </a:p>
+            </p:txBody>
+          </p:sp>
+        </p:grpSp>
+      </p:grpSp>
+      <p:graphicFrame>
+        <p:nvGraphicFramePr>
+          <p:cNvPr id="131" name="Tabelle 37">
+            <a:extLst>
+              <a:ext uri="{FF2B5EF4-FFF2-40B4-BE49-F238E27FC236}">
+                <a16:creationId xmlns:a16="http://schemas.microsoft.com/office/drawing/2014/main" id="{9735110E-D05E-4FB0-BF37-E7FE00C9C22F}"/>
+              </a:ext>
+            </a:extLst>
+          </p:cNvPr>
+          <p:cNvGraphicFramePr>
+            <a:graphicFrameLocks noGrp="1"/>
+          </p:cNvGraphicFramePr>
+          <p:nvPr>
+            <p:extLst>
+              <p:ext uri="{D42A27DB-BD31-4B8C-83A1-F6EECF244321}">
+                <p14:modId xmlns:p14="http://schemas.microsoft.com/office/powerpoint/2010/main" val="3198468225"/>
+              </p:ext>
+            </p:extLst>
+          </p:nvPr>
+        </p:nvGraphicFramePr>
+        <p:xfrm>
+          <a:off x="1623901" y="2892498"/>
+          <a:ext cx="1241076" cy="609600"/>
+        </p:xfrm>
+        <a:graphic>
+          <a:graphicData uri="http://schemas.openxmlformats.org/drawingml/2006/table">
+            <a:tbl>
+              <a:tblPr>
+                <a:tableStyleId>{2D5ABB26-0587-4C30-8999-92F81FD0307C}</a:tableStyleId>
+              </a:tblPr>
+              <a:tblGrid>
+                <a:gridCol w="170443">
+                  <a:extLst>
+                    <a:ext uri="{9D8B030D-6E8A-4147-A177-3AD203B41FA5}">
+                      <a16:colId xmlns:a16="http://schemas.microsoft.com/office/drawing/2014/main" val="175553506"/>
+                    </a:ext>
+                  </a:extLst>
+                </a:gridCol>
+                <a:gridCol w="356891">
+                  <a:extLst>
+                    <a:ext uri="{9D8B030D-6E8A-4147-A177-3AD203B41FA5}">
+                      <a16:colId xmlns:a16="http://schemas.microsoft.com/office/drawing/2014/main" val="2928975957"/>
+                    </a:ext>
+                  </a:extLst>
+                </a:gridCol>
+                <a:gridCol w="356891">
+                  <a:extLst>
+                    <a:ext uri="{9D8B030D-6E8A-4147-A177-3AD203B41FA5}">
+                      <a16:colId xmlns:a16="http://schemas.microsoft.com/office/drawing/2014/main" val="3964506338"/>
+                    </a:ext>
+                  </a:extLst>
+                </a:gridCol>
+                <a:gridCol w="356851">
+                  <a:extLst>
+                    <a:ext uri="{9D8B030D-6E8A-4147-A177-3AD203B41FA5}">
+                      <a16:colId xmlns:a16="http://schemas.microsoft.com/office/drawing/2014/main" val="2227317002"/>
+                    </a:ext>
+                  </a:extLst>
+                </a:gridCol>
+              </a:tblGrid>
+              <a:tr h="138058">
+                <a:tc>
+                  <a:txBody>
+                    <a:bodyPr/>
+                    <a:lstStyle/>
+                    <a:p>
+                      <a:pPr algn="ctr"/>
+                      <a:endParaRPr lang="de-DE" sz="1000" dirty="0">
+                        <a:latin typeface="Arial" panose="020B0604020202020204" pitchFamily="34" charset="0"/>
+                        <a:cs typeface="Arial" panose="020B0604020202020204" pitchFamily="34" charset="0"/>
+                      </a:endParaRPr>
+                    </a:p>
+                  </a:txBody>
+                  <a:tcPr marL="0" marR="0" marT="0" marB="0">
+                    <a:lnL>
+                      <a:noFill/>
+                    </a:lnL>
+                    <a:lnR>
+                      <a:noFill/>
+                    </a:lnR>
+                    <a:lnT>
+                      <a:noFill/>
+                    </a:lnT>
+                    <a:lnB>
+                      <a:noFill/>
+                    </a:lnB>
+                    <a:lnTlToBr w="12700" cmpd="sng">
+                      <a:noFill/>
+                      <a:prstDash val="solid"/>
+                    </a:lnTlToBr>
+                    <a:lnBlToTr w="12700" cmpd="sng">
+                      <a:noFill/>
+                      <a:prstDash val="solid"/>
+                    </a:lnBlToTr>
+                  </a:tcPr>
+                </a:tc>
+                <a:tc>
+                  <a:txBody>
+                    <a:bodyPr/>
+                    <a:lstStyle/>
+                    <a:p>
+                      <a:pPr algn="ctr"/>
+                      <a:endParaRPr lang="de-DE" sz="1000" dirty="0">
+                        <a:latin typeface="Arial" panose="020B0604020202020204" pitchFamily="34" charset="0"/>
+                        <a:cs typeface="Arial" panose="020B0604020202020204" pitchFamily="34" charset="0"/>
+                      </a:endParaRPr>
+                    </a:p>
+                  </a:txBody>
+                  <a:tcPr marL="0" marR="0" marT="0" marB="0">
+                    <a:lnL>
+                      <a:noFill/>
+                    </a:lnL>
+                    <a:lnR w="12700" cap="flat" cmpd="sng" algn="ctr">
+                      <a:noFill/>
+                      <a:prstDash val="solid"/>
+                      <a:round/>
+                      <a:headEnd type="none" w="med" len="med"/>
+                      <a:tailEnd type="none" w="med" len="med"/>
+                    </a:lnR>
+                    <a:lnT>
+                      <a:noFill/>
+                    </a:lnT>
+                    <a:lnB w="12700" cap="flat" cmpd="sng" algn="ctr">
+                      <a:noFill/>
+                      <a:prstDash val="solid"/>
+                      <a:round/>
+                      <a:headEnd type="none" w="med" len="med"/>
+                      <a:tailEnd type="none" w="med" len="med"/>
+                    </a:lnB>
+                    <a:lnTlToBr w="12700" cmpd="sng">
+                      <a:noFill/>
+                      <a:prstDash val="solid"/>
+                    </a:lnTlToBr>
+                    <a:lnBlToTr w="12700" cmpd="sng">
+                      <a:noFill/>
+                      <a:prstDash val="solid"/>
+                    </a:lnBlToTr>
+                  </a:tcPr>
+                </a:tc>
+                <a:tc gridSpan="2">
+                  <a:txBody>
+                    <a:bodyPr/>
+                    <a:lstStyle/>
+                    <a:p>
+                      <a:pPr algn="ctr"/>
+                      <a:r>
+                        <a:rPr lang="de-DE" sz="1000" dirty="0" err="1">
+                          <a:latin typeface="Arial" panose="020B0604020202020204" pitchFamily="34" charset="0"/>
+                          <a:cs typeface="Arial" panose="020B0604020202020204" pitchFamily="34" charset="0"/>
+                        </a:rPr>
+                        <a:t>Predicted</a:t>
+                      </a:r>
+                      <a:endParaRPr lang="de-DE" sz="1000" dirty="0">
+                        <a:latin typeface="Arial" panose="020B0604020202020204" pitchFamily="34" charset="0"/>
+                        <a:cs typeface="Arial" panose="020B0604020202020204" pitchFamily="34" charset="0"/>
+                      </a:endParaRPr>
+                    </a:p>
+                  </a:txBody>
+                  <a:tcPr marL="0" marR="0" marT="0" marB="0">
+                    <a:lnL w="12700" cap="flat" cmpd="sng" algn="ctr">
+                      <a:noFill/>
+                      <a:prstDash val="solid"/>
+                      <a:round/>
+                      <a:headEnd type="none" w="med" len="med"/>
+                      <a:tailEnd type="none" w="med" len="med"/>
+                    </a:lnL>
+                    <a:lnR>
+                      <a:noFill/>
+                    </a:lnR>
+                    <a:lnT>
+                      <a:noFill/>
+                    </a:lnT>
+                    <a:lnB w="12700" cap="flat" cmpd="sng" algn="ctr">
+                      <a:noFill/>
+                      <a:prstDash val="solid"/>
+                      <a:round/>
+                      <a:headEnd type="none" w="med" len="med"/>
+                      <a:tailEnd type="none" w="med" len="med"/>
+                    </a:lnB>
+                    <a:lnTlToBr w="12700" cmpd="sng">
+                      <a:noFill/>
+                      <a:prstDash val="solid"/>
+                    </a:lnTlToBr>
+                    <a:lnBlToTr w="12700" cmpd="sng">
+                      <a:noFill/>
+                      <a:prstDash val="solid"/>
+                    </a:lnBlToTr>
+                  </a:tcPr>
+                </a:tc>
+                <a:tc hMerge="1">
+                  <a:txBody>
+                    <a:bodyPr/>
+                    <a:lstStyle/>
+                    <a:p>
+                      <a:endParaRPr lang="de-DE" sz="1100" dirty="0">
+                        <a:latin typeface="Arial" panose="020B0604020202020204" pitchFamily="34" charset="0"/>
+                        <a:cs typeface="Arial" panose="020B0604020202020204" pitchFamily="34" charset="0"/>
+                      </a:endParaRPr>
+                    </a:p>
+                  </a:txBody>
+                  <a:tcPr>
+                    <a:lnL>
+                      <a:noFill/>
+                    </a:lnL>
+                    <a:lnR>
+                      <a:noFill/>
+                    </a:lnR>
+                    <a:lnT>
+                      <a:noFill/>
+                    </a:lnT>
+                    <a:lnB>
+                      <a:noFill/>
+                    </a:lnB>
+                    <a:lnTlToBr w="12700" cmpd="sng">
+                      <a:noFill/>
+                      <a:prstDash val="solid"/>
+                    </a:lnTlToBr>
+                    <a:lnBlToTr w="12700" cmpd="sng">
+                      <a:noFill/>
+                      <a:prstDash val="solid"/>
+                    </a:lnBlToTr>
+                  </a:tcPr>
+                </a:tc>
+                <a:extLst>
+                  <a:ext uri="{0D108BD9-81ED-4DB2-BD59-A6C34878D82A}">
+                    <a16:rowId xmlns:a16="http://schemas.microsoft.com/office/drawing/2014/main" val="909991480"/>
+                  </a:ext>
+                </a:extLst>
+              </a:tr>
+              <a:tr h="138058">
+                <a:tc>
+                  <a:txBody>
+                    <a:bodyPr/>
+                    <a:lstStyle/>
+                    <a:p>
+                      <a:pPr algn="ctr"/>
+                      <a:endParaRPr lang="de-DE" sz="1000" dirty="0">
+                        <a:latin typeface="Arial" panose="020B0604020202020204" pitchFamily="34" charset="0"/>
+                        <a:cs typeface="Arial" panose="020B0604020202020204" pitchFamily="34" charset="0"/>
+                      </a:endParaRPr>
+                    </a:p>
+                  </a:txBody>
+                  <a:tcPr marL="0" marR="0" marT="0" marB="0">
+                    <a:lnL>
+                      <a:noFill/>
+                    </a:lnL>
+                    <a:lnR w="12700" cap="flat" cmpd="sng" algn="ctr">
+                      <a:noFill/>
+                      <a:prstDash val="solid"/>
+                      <a:round/>
+                      <a:headEnd type="none" w="med" len="med"/>
+                      <a:tailEnd type="none" w="med" len="med"/>
+                    </a:lnR>
+                    <a:lnT>
+                      <a:noFill/>
+                    </a:lnT>
+                    <a:lnB>
+                      <a:noFill/>
+                    </a:lnB>
+                    <a:lnTlToBr w="12700" cmpd="sng">
+                      <a:noFill/>
+                      <a:prstDash val="solid"/>
+                    </a:lnTlToBr>
+                    <a:lnBlToTr w="12700" cmpd="sng">
+                      <a:noFill/>
+                      <a:prstDash val="solid"/>
+                    </a:lnBlToTr>
+                  </a:tcPr>
+                </a:tc>
+                <a:tc>
+                  <a:txBody>
+                    <a:bodyPr/>
+                    <a:lstStyle/>
+                    <a:p>
+                      <a:pPr algn="ctr"/>
+                      <a:endParaRPr lang="de-DE" sz="1000" dirty="0">
+                        <a:latin typeface="Arial" panose="020B0604020202020204" pitchFamily="34" charset="0"/>
+                        <a:cs typeface="Arial" panose="020B0604020202020204" pitchFamily="34" charset="0"/>
+                      </a:endParaRPr>
+                    </a:p>
+                  </a:txBody>
+                  <a:tcPr marL="0" marR="0" marT="0" marB="0">
+                    <a:lnL w="12700" cap="flat" cmpd="sng" algn="ctr">
+                      <a:noFill/>
+                      <a:prstDash val="solid"/>
+                      <a:round/>
+                      <a:headEnd type="none" w="med" len="med"/>
+                      <a:tailEnd type="none" w="med" len="med"/>
+                    </a:lnL>
+                    <a:lnR w="12700" cap="flat" cmpd="sng" algn="ctr">
+                      <a:solidFill>
+                        <a:schemeClr val="tx1"/>
+                      </a:solidFill>
+                      <a:prstDash val="solid"/>
+                      <a:round/>
+                      <a:headEnd type="none" w="med" len="med"/>
+                      <a:tailEnd type="none" w="med" len="med"/>
+                    </a:lnR>
+                    <a:lnT w="12700" cap="flat" cmpd="sng" algn="ctr">
+                      <a:noFill/>
+                      <a:prstDash val="solid"/>
+                      <a:round/>
+                      <a:headEnd type="none" w="med" len="med"/>
+                      <a:tailEnd type="none" w="med" len="med"/>
+                    </a:lnT>
+                    <a:lnB w="12700" cap="flat" cmpd="sng" algn="ctr">
+                      <a:solidFill>
+                        <a:schemeClr val="tx1"/>
+                      </a:solidFill>
+                      <a:prstDash val="solid"/>
+                      <a:round/>
+                      <a:headEnd type="none" w="med" len="med"/>
+                      <a:tailEnd type="none" w="med" len="med"/>
+                    </a:lnB>
+                    <a:lnTlToBr w="12700" cmpd="sng">
+                      <a:noFill/>
+                      <a:prstDash val="solid"/>
+                    </a:lnTlToBr>
+                    <a:lnBlToTr w="12700" cmpd="sng">
+                      <a:noFill/>
+                      <a:prstDash val="solid"/>
+                    </a:lnBlToTr>
+                  </a:tcPr>
+                </a:tc>
+                <a:tc>
+                  <a:txBody>
+                    <a:bodyPr/>
+                    <a:lstStyle/>
+                    <a:p>
+                      <a:pPr algn="ctr"/>
+                      <a:r>
+                        <a:rPr lang="de-DE" sz="1000" dirty="0">
+                          <a:latin typeface="Arial" panose="020B0604020202020204" pitchFamily="34" charset="0"/>
+                          <a:cs typeface="Arial" panose="020B0604020202020204" pitchFamily="34" charset="0"/>
+                        </a:rPr>
+                        <a:t>BAV</a:t>
+                      </a:r>
+                    </a:p>
+                  </a:txBody>
+                  <a:tcPr marL="0" marR="0" marT="0" marB="0">
+                    <a:lnL w="12700" cap="flat" cmpd="sng" algn="ctr">
+                      <a:solidFill>
+                        <a:schemeClr val="tx1"/>
+                      </a:solidFill>
+                      <a:prstDash val="solid"/>
+                      <a:round/>
+                      <a:headEnd type="none" w="med" len="med"/>
+                      <a:tailEnd type="none" w="med" len="med"/>
+                    </a:lnL>
+                    <a:lnR w="12700" cap="flat" cmpd="sng" algn="ctr">
+                      <a:solidFill>
+                        <a:schemeClr val="tx1"/>
+                      </a:solidFill>
+                      <a:prstDash val="solid"/>
+                      <a:round/>
+                      <a:headEnd type="none" w="med" len="med"/>
+                      <a:tailEnd type="none" w="med" len="med"/>
+                    </a:lnR>
+                    <a:lnT w="12700" cap="flat" cmpd="sng" algn="ctr">
+                      <a:noFill/>
+                      <a:prstDash val="solid"/>
+                      <a:round/>
+                      <a:headEnd type="none" w="med" len="med"/>
+                      <a:tailEnd type="none" w="med" len="med"/>
+                    </a:lnT>
+                    <a:lnB w="12700" cap="flat" cmpd="sng" algn="ctr">
+                      <a:solidFill>
+                        <a:schemeClr val="tx1"/>
+                      </a:solidFill>
+                      <a:prstDash val="solid"/>
+                      <a:round/>
+                      <a:headEnd type="none" w="med" len="med"/>
+                      <a:tailEnd type="none" w="med" len="med"/>
+                    </a:lnB>
+                    <a:lnTlToBr w="12700" cmpd="sng">
+                      <a:noFill/>
+                      <a:prstDash val="solid"/>
+                    </a:lnTlToBr>
+                    <a:lnBlToTr w="12700" cmpd="sng">
+                      <a:noFill/>
+                      <a:prstDash val="solid"/>
+                    </a:lnBlToTr>
+                  </a:tcPr>
+                </a:tc>
+                <a:tc>
+                  <a:txBody>
+                    <a:bodyPr/>
+                    <a:lstStyle/>
+                    <a:p>
+                      <a:pPr algn="ctr"/>
+                      <a:r>
+                        <a:rPr lang="de-DE" sz="1000" dirty="0">
+                          <a:latin typeface="Arial" panose="020B0604020202020204" pitchFamily="34" charset="0"/>
+                          <a:cs typeface="Arial" panose="020B0604020202020204" pitchFamily="34" charset="0"/>
+                        </a:rPr>
+                        <a:t>HHV</a:t>
+                      </a:r>
+                    </a:p>
+                  </a:txBody>
+                  <a:tcPr marL="0" marR="0" marT="0" marB="0">
+                    <a:lnL w="12700" cap="flat" cmpd="sng" algn="ctr">
+                      <a:solidFill>
+                        <a:schemeClr val="tx1"/>
+                      </a:solidFill>
+                      <a:prstDash val="solid"/>
+                      <a:round/>
+                      <a:headEnd type="none" w="med" len="med"/>
+                      <a:tailEnd type="none" w="med" len="med"/>
+                    </a:lnL>
+                    <a:lnR w="12700" cap="flat" cmpd="sng" algn="ctr">
+                      <a:noFill/>
+                      <a:prstDash val="solid"/>
+                      <a:round/>
+                      <a:headEnd type="none" w="med" len="med"/>
+                      <a:tailEnd type="none" w="med" len="med"/>
+                    </a:lnR>
+                    <a:lnT w="12700" cap="flat" cmpd="sng" algn="ctr">
+                      <a:noFill/>
+                      <a:prstDash val="solid"/>
+                      <a:round/>
+                      <a:headEnd type="none" w="med" len="med"/>
+                      <a:tailEnd type="none" w="med" len="med"/>
+                    </a:lnT>
+                    <a:lnB w="12700" cap="flat" cmpd="sng" algn="ctr">
+                      <a:solidFill>
+                        <a:schemeClr val="tx1"/>
+                      </a:solidFill>
+                      <a:prstDash val="solid"/>
+                      <a:round/>
+                      <a:headEnd type="none" w="med" len="med"/>
+                      <a:tailEnd type="none" w="med" len="med"/>
+                    </a:lnB>
+                    <a:lnTlToBr w="12700" cmpd="sng">
+                      <a:noFill/>
+                      <a:prstDash val="solid"/>
+                    </a:lnTlToBr>
+                    <a:lnBlToTr w="12700" cmpd="sng">
+                      <a:noFill/>
+                      <a:prstDash val="solid"/>
+                    </a:lnBlToTr>
+                  </a:tcPr>
+                </a:tc>
+                <a:extLst>
+                  <a:ext uri="{0D108BD9-81ED-4DB2-BD59-A6C34878D82A}">
+                    <a16:rowId xmlns:a16="http://schemas.microsoft.com/office/drawing/2014/main" val="3745634437"/>
+                  </a:ext>
+                </a:extLst>
+              </a:tr>
+              <a:tr h="138058">
+                <a:tc rowSpan="2">
+                  <a:txBody>
+                    <a:bodyPr/>
+                    <a:lstStyle/>
+                    <a:p>
+                      <a:pPr marL="0" marR="0" lvl="0" indent="0" algn="ctr" defTabSz="914400" rtl="0" eaLnBrk="1" fontAlgn="auto" latinLnBrk="0" hangingPunct="1">
+                        <a:lnSpc>
+                          <a:spcPct val="100000"/>
+                        </a:lnSpc>
+                        <a:spcBef>
+                          <a:spcPts val="0"/>
+                        </a:spcBef>
+                        <a:spcAft>
+                          <a:spcPts val="0"/>
+                        </a:spcAft>
+                        <a:buClrTx/>
+                        <a:buSzTx/>
+                        <a:buFontTx/>
+                        <a:buNone/>
+                        <a:tabLst/>
+                        <a:defRPr/>
+                      </a:pPr>
+                      <a:r>
+                        <a:rPr lang="de-DE" sz="1000" dirty="0">
+                          <a:latin typeface="Arial" panose="020B0604020202020204" pitchFamily="34" charset="0"/>
+                          <a:cs typeface="Arial" panose="020B0604020202020204" pitchFamily="34" charset="0"/>
+                        </a:rPr>
+                        <a:t>True</a:t>
+                      </a:r>
+                    </a:p>
+                  </a:txBody>
+                  <a:tcPr marL="0" marR="0" marT="0" marB="0" vert="vert270" anchor="ctr">
+                    <a:lnL>
+                      <a:noFill/>
+                    </a:lnL>
+                    <a:lnR w="12700" cap="flat" cmpd="sng" algn="ctr">
+                      <a:noFill/>
+                      <a:prstDash val="solid"/>
+                      <a:round/>
+                      <a:headEnd type="none" w="med" len="med"/>
+                      <a:tailEnd type="none" w="med" len="med"/>
+                    </a:lnR>
+                    <a:lnT>
+                      <a:noFill/>
+                    </a:lnT>
+                    <a:lnB>
+                      <a:noFill/>
+                    </a:lnB>
+                    <a:lnTlToBr w="12700" cmpd="sng">
+                      <a:noFill/>
+                      <a:prstDash val="solid"/>
+                    </a:lnTlToBr>
+                    <a:lnBlToTr w="12700" cmpd="sng">
+                      <a:noFill/>
+                      <a:prstDash val="solid"/>
+                    </a:lnBlToTr>
+                  </a:tcPr>
+                </a:tc>
+                <a:tc>
+                  <a:txBody>
+                    <a:bodyPr/>
+                    <a:lstStyle/>
+                    <a:p>
+                      <a:pPr marL="0" marR="0" lvl="0" indent="0" algn="ctr" defTabSz="914400" rtl="0" eaLnBrk="1" fontAlgn="auto" latinLnBrk="0" hangingPunct="1">
+                        <a:lnSpc>
+                          <a:spcPct val="100000"/>
+                        </a:lnSpc>
+                        <a:spcBef>
+                          <a:spcPts val="0"/>
+                        </a:spcBef>
+                        <a:spcAft>
+                          <a:spcPts val="0"/>
+                        </a:spcAft>
+                        <a:buClrTx/>
+                        <a:buSzTx/>
+                        <a:buFontTx/>
+                        <a:buNone/>
+                        <a:tabLst/>
+                        <a:defRPr/>
+                      </a:pPr>
+                      <a:r>
+                        <a:rPr lang="de-DE" sz="1000" dirty="0">
+                          <a:latin typeface="Arial" panose="020B0604020202020204" pitchFamily="34" charset="0"/>
+                          <a:cs typeface="Arial" panose="020B0604020202020204" pitchFamily="34" charset="0"/>
+                        </a:rPr>
+                        <a:t>BAV</a:t>
+                      </a:r>
+                    </a:p>
+                  </a:txBody>
+                  <a:tcPr marL="0" marR="0" marT="0" marB="0">
+                    <a:lnL w="12700" cap="flat" cmpd="sng" algn="ctr">
+                      <a:noFill/>
+                      <a:prstDash val="solid"/>
+                      <a:round/>
+                      <a:headEnd type="none" w="med" len="med"/>
+                      <a:tailEnd type="none" w="med" len="med"/>
+                    </a:lnL>
+                    <a:lnR w="12700" cap="flat" cmpd="sng" algn="ctr">
+                      <a:solidFill>
+                        <a:schemeClr val="tx1"/>
+                      </a:solidFill>
+                      <a:prstDash val="solid"/>
+                      <a:round/>
+                      <a:headEnd type="none" w="med" len="med"/>
+                      <a:tailEnd type="none" w="med" len="med"/>
+                    </a:lnR>
+                    <a:lnT w="12700" cap="flat" cmpd="sng" algn="ctr">
+                      <a:solidFill>
+                        <a:schemeClr val="tx1"/>
+                      </a:solidFill>
+                      <a:prstDash val="solid"/>
+                      <a:round/>
+                      <a:headEnd type="none" w="med" len="med"/>
+                      <a:tailEnd type="none" w="med" len="med"/>
+                    </a:lnT>
+                    <a:lnB w="12700" cap="flat" cmpd="sng" algn="ctr">
+                      <a:solidFill>
+                        <a:schemeClr val="tx1"/>
+                      </a:solidFill>
+                      <a:prstDash val="solid"/>
+                      <a:round/>
+                      <a:headEnd type="none" w="med" len="med"/>
+                      <a:tailEnd type="none" w="med" len="med"/>
+                    </a:lnB>
+                    <a:lnTlToBr w="12700" cmpd="sng">
+                      <a:noFill/>
+                      <a:prstDash val="solid"/>
+                    </a:lnTlToBr>
+                    <a:lnBlToTr w="12700" cmpd="sng">
+                      <a:noFill/>
+                      <a:prstDash val="solid"/>
+                    </a:lnBlToTr>
+                  </a:tcPr>
+                </a:tc>
+                <a:tc>
+                  <a:txBody>
+                    <a:bodyPr/>
+                    <a:lstStyle/>
+                    <a:p>
+                      <a:pPr algn="ctr"/>
+                      <a:r>
+                        <a:rPr lang="de-DE" sz="1000" dirty="0">
+                          <a:latin typeface="Arial" panose="020B0604020202020204" pitchFamily="34" charset="0"/>
+                          <a:cs typeface="Arial" panose="020B0604020202020204" pitchFamily="34" charset="0"/>
+                        </a:rPr>
+                        <a:t>16</a:t>
+                      </a:r>
+                    </a:p>
+                  </a:txBody>
+                  <a:tcPr marL="0" marR="0" marT="0" marB="0">
+                    <a:lnL w="12700" cap="flat" cmpd="sng" algn="ctr">
+                      <a:solidFill>
+                        <a:schemeClr val="tx1"/>
+                      </a:solidFill>
+                      <a:prstDash val="solid"/>
+                      <a:round/>
+                      <a:headEnd type="none" w="med" len="med"/>
+                      <a:tailEnd type="none" w="med" len="med"/>
+                    </a:lnL>
+                    <a:lnR w="12700" cap="flat" cmpd="sng" algn="ctr">
+                      <a:solidFill>
+                        <a:schemeClr val="tx1"/>
+                      </a:solidFill>
+                      <a:prstDash val="solid"/>
+                      <a:round/>
+                      <a:headEnd type="none" w="med" len="med"/>
+                      <a:tailEnd type="none" w="med" len="med"/>
+                    </a:lnR>
+                    <a:lnT w="12700" cap="flat" cmpd="sng" algn="ctr">
+                      <a:solidFill>
+                        <a:schemeClr val="tx1"/>
+                      </a:solidFill>
+                      <a:prstDash val="solid"/>
+                      <a:round/>
+                      <a:headEnd type="none" w="med" len="med"/>
+                      <a:tailEnd type="none" w="med" len="med"/>
+                    </a:lnT>
+                    <a:lnB w="12700" cap="flat" cmpd="sng" algn="ctr">
+                      <a:solidFill>
+                        <a:schemeClr val="tx1"/>
+                      </a:solidFill>
+                      <a:prstDash val="solid"/>
+                      <a:round/>
+                      <a:headEnd type="none" w="med" len="med"/>
+                      <a:tailEnd type="none" w="med" len="med"/>
+                    </a:lnB>
+                    <a:lnTlToBr w="12700" cmpd="sng">
+                      <a:noFill/>
+                      <a:prstDash val="solid"/>
+                    </a:lnTlToBr>
+                    <a:lnBlToTr w="12700" cmpd="sng">
+                      <a:noFill/>
+                      <a:prstDash val="solid"/>
+                    </a:lnBlToTr>
+                  </a:tcPr>
+                </a:tc>
+                <a:tc>
+                  <a:txBody>
+                    <a:bodyPr/>
+                    <a:lstStyle/>
+                    <a:p>
+                      <a:pPr algn="ctr"/>
+                      <a:r>
+                        <a:rPr lang="de-DE" sz="1000" dirty="0">
+                          <a:latin typeface="Arial" panose="020B0604020202020204" pitchFamily="34" charset="0"/>
+                          <a:cs typeface="Arial" panose="020B0604020202020204" pitchFamily="34" charset="0"/>
+                        </a:rPr>
+                        <a:t>6</a:t>
+                      </a:r>
+                    </a:p>
+                  </a:txBody>
+                  <a:tcPr marL="0" marR="0" marT="0" marB="0">
+                    <a:lnL w="12700" cap="flat" cmpd="sng" algn="ctr">
+                      <a:solidFill>
+                        <a:schemeClr val="tx1"/>
+                      </a:solidFill>
+                      <a:prstDash val="solid"/>
+                      <a:round/>
+                      <a:headEnd type="none" w="med" len="med"/>
+                      <a:tailEnd type="none" w="med" len="med"/>
+                    </a:lnL>
+                    <a:lnR w="12700" cap="flat" cmpd="sng" algn="ctr">
+                      <a:noFill/>
+                      <a:prstDash val="solid"/>
+                      <a:round/>
+                      <a:headEnd type="none" w="med" len="med"/>
+                      <a:tailEnd type="none" w="med" len="med"/>
+                    </a:lnR>
+                    <a:lnT w="12700" cap="flat" cmpd="sng" algn="ctr">
+                      <a:solidFill>
+                        <a:schemeClr val="tx1"/>
+                      </a:solidFill>
+                      <a:prstDash val="solid"/>
+                      <a:round/>
+                      <a:headEnd type="none" w="med" len="med"/>
+                      <a:tailEnd type="none" w="med" len="med"/>
+                    </a:lnT>
+                    <a:lnB w="12700" cap="flat" cmpd="sng" algn="ctr">
+                      <a:solidFill>
+                        <a:schemeClr val="tx1"/>
+                      </a:solidFill>
+                      <a:prstDash val="solid"/>
+                      <a:round/>
+                      <a:headEnd type="none" w="med" len="med"/>
+                      <a:tailEnd type="none" w="med" len="med"/>
+                    </a:lnB>
+                    <a:lnTlToBr w="12700" cmpd="sng">
+                      <a:noFill/>
+                      <a:prstDash val="solid"/>
+                    </a:lnTlToBr>
+                    <a:lnBlToTr w="12700" cmpd="sng">
+                      <a:noFill/>
+                      <a:prstDash val="solid"/>
+                    </a:lnBlToTr>
+                  </a:tcPr>
+                </a:tc>
+                <a:extLst>
+                  <a:ext uri="{0D108BD9-81ED-4DB2-BD59-A6C34878D82A}">
+                    <a16:rowId xmlns:a16="http://schemas.microsoft.com/office/drawing/2014/main" val="166934464"/>
+                  </a:ext>
+                </a:extLst>
+              </a:tr>
+              <a:tr h="138058">
+                <a:tc vMerge="1">
+                  <a:txBody>
+                    <a:bodyPr/>
+                    <a:lstStyle/>
+                    <a:p>
+                      <a:endParaRPr lang="de-DE" sz="1100" dirty="0">
+                        <a:latin typeface="Arial" panose="020B0604020202020204" pitchFamily="34" charset="0"/>
+                        <a:cs typeface="Arial" panose="020B0604020202020204" pitchFamily="34" charset="0"/>
+                      </a:endParaRPr>
+                    </a:p>
+                  </a:txBody>
+                  <a:tcPr>
+                    <a:lnL>
+                      <a:noFill/>
+                    </a:lnL>
+                    <a:lnR>
+                      <a:noFill/>
+                    </a:lnR>
+                    <a:lnT>
+                      <a:noFill/>
+                    </a:lnT>
+                    <a:lnB>
+                      <a:noFill/>
+                    </a:lnB>
+                    <a:lnTlToBr w="12700" cmpd="sng">
+                      <a:noFill/>
+                      <a:prstDash val="solid"/>
+                    </a:lnTlToBr>
+                    <a:lnBlToTr w="12700" cmpd="sng">
+                      <a:noFill/>
+                      <a:prstDash val="solid"/>
+                    </a:lnBlToTr>
+                  </a:tcPr>
+                </a:tc>
+                <a:tc>
+                  <a:txBody>
+                    <a:bodyPr/>
+                    <a:lstStyle/>
+                    <a:p>
+                      <a:pPr algn="ctr"/>
+                      <a:r>
+                        <a:rPr lang="de-DE" sz="1000" dirty="0">
+                          <a:latin typeface="Arial" panose="020B0604020202020204" pitchFamily="34" charset="0"/>
+                          <a:cs typeface="Arial" panose="020B0604020202020204" pitchFamily="34" charset="0"/>
+                        </a:rPr>
+                        <a:t>HHV</a:t>
+                      </a:r>
+                    </a:p>
+                  </a:txBody>
+                  <a:tcPr marL="0" marR="0" marT="0" marB="0">
+                    <a:lnL w="12700" cap="flat" cmpd="sng" algn="ctr">
+                      <a:noFill/>
+                      <a:prstDash val="solid"/>
+                      <a:round/>
+                      <a:headEnd type="none" w="med" len="med"/>
+                      <a:tailEnd type="none" w="med" len="med"/>
+                    </a:lnL>
+                    <a:lnR w="12700" cap="flat" cmpd="sng" algn="ctr">
+                      <a:solidFill>
+                        <a:schemeClr val="tx1"/>
+                      </a:solidFill>
+                      <a:prstDash val="solid"/>
+                      <a:round/>
+                      <a:headEnd type="none" w="med" len="med"/>
+                      <a:tailEnd type="none" w="med" len="med"/>
+                    </a:lnR>
+                    <a:lnT w="12700" cap="flat" cmpd="sng" algn="ctr">
+                      <a:solidFill>
+                        <a:schemeClr val="tx1"/>
+                      </a:solidFill>
+                      <a:prstDash val="solid"/>
+                      <a:round/>
+                      <a:headEnd type="none" w="med" len="med"/>
+                      <a:tailEnd type="none" w="med" len="med"/>
+                    </a:lnT>
+                    <a:lnB w="12700" cap="flat" cmpd="sng" algn="ctr">
+                      <a:noFill/>
+                      <a:prstDash val="solid"/>
+                      <a:round/>
+                      <a:headEnd type="none" w="med" len="med"/>
+                      <a:tailEnd type="none" w="med" len="med"/>
+                    </a:lnB>
+                    <a:lnTlToBr w="12700" cmpd="sng">
+                      <a:noFill/>
+                      <a:prstDash val="solid"/>
+                    </a:lnTlToBr>
+                    <a:lnBlToTr w="12700" cmpd="sng">
+                      <a:noFill/>
+                      <a:prstDash val="solid"/>
+                    </a:lnBlToTr>
+                  </a:tcPr>
+                </a:tc>
+                <a:tc>
+                  <a:txBody>
+                    <a:bodyPr/>
+                    <a:lstStyle/>
+                    <a:p>
+                      <a:pPr algn="ctr"/>
+                      <a:r>
+                        <a:rPr lang="de-DE" sz="1000" dirty="0">
+                          <a:latin typeface="Arial" panose="020B0604020202020204" pitchFamily="34" charset="0"/>
+                          <a:cs typeface="Arial" panose="020B0604020202020204" pitchFamily="34" charset="0"/>
+                        </a:rPr>
+                        <a:t>1</a:t>
+                      </a:r>
+                    </a:p>
+                  </a:txBody>
+                  <a:tcPr marL="0" marR="0" marT="0" marB="0">
+                    <a:lnL w="12700" cap="flat" cmpd="sng" algn="ctr">
+                      <a:solidFill>
+                        <a:schemeClr val="tx1"/>
+                      </a:solidFill>
+                      <a:prstDash val="solid"/>
+                      <a:round/>
+                      <a:headEnd type="none" w="med" len="med"/>
+                      <a:tailEnd type="none" w="med" len="med"/>
+                    </a:lnL>
+                    <a:lnR w="12700" cap="flat" cmpd="sng" algn="ctr">
+                      <a:solidFill>
+                        <a:schemeClr val="tx1"/>
+                      </a:solidFill>
+                      <a:prstDash val="solid"/>
+                      <a:round/>
+                      <a:headEnd type="none" w="med" len="med"/>
+                      <a:tailEnd type="none" w="med" len="med"/>
+                    </a:lnR>
+                    <a:lnT w="12700" cap="flat" cmpd="sng" algn="ctr">
+                      <a:solidFill>
+                        <a:schemeClr val="tx1"/>
+                      </a:solidFill>
+                      <a:prstDash val="solid"/>
+                      <a:round/>
+                      <a:headEnd type="none" w="med" len="med"/>
+                      <a:tailEnd type="none" w="med" len="med"/>
+                    </a:lnT>
+                    <a:lnB w="12700" cap="flat" cmpd="sng" algn="ctr">
+                      <a:noFill/>
+                      <a:prstDash val="solid"/>
+                      <a:round/>
+                      <a:headEnd type="none" w="med" len="med"/>
+                      <a:tailEnd type="none" w="med" len="med"/>
+                    </a:lnB>
+                    <a:lnTlToBr w="12700" cmpd="sng">
+                      <a:noFill/>
+                      <a:prstDash val="solid"/>
+                    </a:lnTlToBr>
+                    <a:lnBlToTr w="12700" cmpd="sng">
+                      <a:noFill/>
+                      <a:prstDash val="solid"/>
+                    </a:lnBlToTr>
+                  </a:tcPr>
+                </a:tc>
+                <a:tc>
+                  <a:txBody>
+                    <a:bodyPr/>
+                    <a:lstStyle/>
+                    <a:p>
+                      <a:pPr algn="ctr"/>
+                      <a:r>
+                        <a:rPr lang="de-DE" sz="1000" dirty="0">
+                          <a:latin typeface="Arial" panose="020B0604020202020204" pitchFamily="34" charset="0"/>
+                          <a:cs typeface="Arial" panose="020B0604020202020204" pitchFamily="34" charset="0"/>
+                        </a:rPr>
+                        <a:t>89</a:t>
+                      </a:r>
+                    </a:p>
+                  </a:txBody>
+                  <a:tcPr marL="0" marR="0" marT="0" marB="0">
+                    <a:lnL w="12700" cap="flat" cmpd="sng" algn="ctr">
+                      <a:solidFill>
+                        <a:schemeClr val="tx1"/>
+                      </a:solidFill>
+                      <a:prstDash val="solid"/>
+                      <a:round/>
+                      <a:headEnd type="none" w="med" len="med"/>
+                      <a:tailEnd type="none" w="med" len="med"/>
+                    </a:lnL>
+                    <a:lnR w="12700" cap="flat" cmpd="sng" algn="ctr">
+                      <a:noFill/>
+                      <a:prstDash val="solid"/>
+                      <a:round/>
+                      <a:headEnd type="none" w="med" len="med"/>
+                      <a:tailEnd type="none" w="med" len="med"/>
+                    </a:lnR>
+                    <a:lnT w="12700" cap="flat" cmpd="sng" algn="ctr">
+                      <a:solidFill>
+                        <a:schemeClr val="tx1"/>
+                      </a:solidFill>
+                      <a:prstDash val="solid"/>
+                      <a:round/>
+                      <a:headEnd type="none" w="med" len="med"/>
+                      <a:tailEnd type="none" w="med" len="med"/>
+                    </a:lnT>
+                    <a:lnB w="12700" cap="flat" cmpd="sng" algn="ctr">
+                      <a:noFill/>
+                      <a:prstDash val="solid"/>
+                      <a:round/>
+                      <a:headEnd type="none" w="med" len="med"/>
+                      <a:tailEnd type="none" w="med" len="med"/>
+                    </a:lnB>
+                    <a:lnTlToBr w="12700" cmpd="sng">
+                      <a:noFill/>
+                      <a:prstDash val="solid"/>
+                    </a:lnTlToBr>
+                    <a:lnBlToTr w="12700" cmpd="sng">
+                      <a:noFill/>
+                      <a:prstDash val="solid"/>
+                    </a:lnBlToTr>
+                  </a:tcPr>
+                </a:tc>
+                <a:extLst>
+                  <a:ext uri="{0D108BD9-81ED-4DB2-BD59-A6C34878D82A}">
+                    <a16:rowId xmlns:a16="http://schemas.microsoft.com/office/drawing/2014/main" val="876347481"/>
+                  </a:ext>
+                </a:extLst>
+              </a:tr>
+            </a:tbl>
+          </a:graphicData>
+        </a:graphic>
+      </p:graphicFrame>
+      <p:sp>
+        <p:nvSpPr>
+          <p:cNvPr id="132" name="Textfeld 131">
+            <a:extLst>
+              <a:ext uri="{FF2B5EF4-FFF2-40B4-BE49-F238E27FC236}">
+                <a16:creationId xmlns:a16="http://schemas.microsoft.com/office/drawing/2014/main" id="{D909930F-A65F-483D-A6C7-AFF478E3CCF9}"/>
+              </a:ext>
+            </a:extLst>
+          </p:cNvPr>
+          <p:cNvSpPr txBox="1"/>
+          <p:nvPr/>
+        </p:nvSpPr>
+        <p:spPr>
+          <a:xfrm>
+            <a:off x="1537678" y="1399984"/>
+            <a:ext cx="1413522" cy="553998"/>
+          </a:xfrm>
+          <a:prstGeom prst="rect">
+            <a:avLst/>
+          </a:prstGeom>
+          <a:noFill/>
+        </p:spPr>
+        <p:txBody>
+          <a:bodyPr wrap="square" rtlCol="0">
+            <a:spAutoFit/>
+          </a:bodyPr>
+          <a:lstStyle/>
+          <a:p>
+            <a:pPr defTabSz="72000"/>
+            <a:r>
+              <a:rPr lang="de-DE" sz="1000" noProof="1">
+                <a:latin typeface="Arial" panose="020B0604020202020204" pitchFamily="34" charset="0"/>
+                <a:cs typeface="Arial" panose="020B0604020202020204" pitchFamily="34" charset="0"/>
+              </a:rPr>
+              <a:t>Accuracy 		=	93.8%</a:t>
+            </a:r>
+            <a:br>
+              <a:rPr lang="de-DE" sz="1000" noProof="1">
+                <a:latin typeface="Arial" panose="020B0604020202020204" pitchFamily="34" charset="0"/>
+                <a:cs typeface="Arial" panose="020B0604020202020204" pitchFamily="34" charset="0"/>
+              </a:rPr>
+            </a:br>
+            <a:r>
+              <a:rPr lang="de-DE" sz="1000" noProof="1">
+                <a:latin typeface="Arial" panose="020B0604020202020204" pitchFamily="34" charset="0"/>
+                <a:cs typeface="Arial" panose="020B0604020202020204" pitchFamily="34" charset="0"/>
+              </a:rPr>
+              <a:t>Sensitivity		=	72.7%</a:t>
+            </a:r>
+            <a:br>
+              <a:rPr lang="de-DE" sz="1000" noProof="1">
+                <a:latin typeface="Arial" panose="020B0604020202020204" pitchFamily="34" charset="0"/>
+                <a:cs typeface="Arial" panose="020B0604020202020204" pitchFamily="34" charset="0"/>
+              </a:rPr>
+            </a:br>
+            <a:r>
+              <a:rPr lang="de-DE" sz="1000" noProof="1">
+                <a:latin typeface="Arial" panose="020B0604020202020204" pitchFamily="34" charset="0"/>
+                <a:cs typeface="Arial" panose="020B0604020202020204" pitchFamily="34" charset="0"/>
+              </a:rPr>
+              <a:t>Specificity		=	98.9%</a:t>
+            </a:r>
+          </a:p>
+        </p:txBody>
+      </p:sp>
+      <p:grpSp>
+        <p:nvGrpSpPr>
+          <p:cNvPr id="133" name="Gruppieren 132">
+            <a:extLst>
+              <a:ext uri="{FF2B5EF4-FFF2-40B4-BE49-F238E27FC236}">
+                <a16:creationId xmlns:a16="http://schemas.microsoft.com/office/drawing/2014/main" id="{A3908E8B-5D9F-4538-9B50-C3D83305B0A1}"/>
+              </a:ext>
+            </a:extLst>
+          </p:cNvPr>
+          <p:cNvGrpSpPr/>
+          <p:nvPr/>
+        </p:nvGrpSpPr>
+        <p:grpSpPr>
+          <a:xfrm>
+            <a:off x="1464683" y="3959730"/>
+            <a:ext cx="2534312" cy="1040190"/>
+            <a:chOff x="2246091" y="427300"/>
+            <a:chExt cx="2534312" cy="1040190"/>
+          </a:xfrm>
+        </p:grpSpPr>
+        <p:sp>
+          <p:nvSpPr>
+            <p:cNvPr id="134" name="Rechteck: abgerundete Ecken 133">
+              <a:extLst>
+                <a:ext uri="{FF2B5EF4-FFF2-40B4-BE49-F238E27FC236}">
+                  <a16:creationId xmlns:a16="http://schemas.microsoft.com/office/drawing/2014/main" id="{0CE02276-8916-4688-A7E5-4722BC3AA314}"/>
+                </a:ext>
+              </a:extLst>
+            </p:cNvPr>
+            <p:cNvSpPr/>
+            <p:nvPr/>
+          </p:nvSpPr>
+          <p:spPr>
+            <a:xfrm>
+              <a:off x="2966171" y="427300"/>
+              <a:ext cx="1080000" cy="468604"/>
+            </a:xfrm>
+            <a:prstGeom prst="roundRect">
+              <a:avLst>
+                <a:gd name="adj" fmla="val 11124"/>
+              </a:avLst>
+            </a:prstGeom>
+            <a:solidFill>
+              <a:srgbClr val="C7E4C8"/>
+            </a:solidFill>
+            <a:ln w="9525">
+              <a:solidFill>
+                <a:srgbClr val="2FA65F"/>
+              </a:solidFill>
+            </a:ln>
+          </p:spPr>
+          <p:style>
+            <a:lnRef idx="2">
+              <a:schemeClr val="accent1">
+                <a:shade val="50000"/>
+              </a:schemeClr>
+            </a:lnRef>
+            <a:fillRef idx="1">
+              <a:schemeClr val="accent1"/>
+            </a:fillRef>
+            <a:effectRef idx="0">
+              <a:schemeClr val="accent1"/>
+            </a:effectRef>
+            <a:fontRef idx="minor">
+              <a:schemeClr val="lt1"/>
+            </a:fontRef>
+          </p:style>
+          <p:txBody>
+            <a:bodyPr lIns="36000" tIns="0" rIns="36000" bIns="0" rtlCol="0" anchor="ctr"/>
+            <a:lstStyle/>
+            <a:p>
+              <a:pPr algn="ctr"/>
+              <a:r>
+                <a:rPr lang="de-DE" sz="900" noProof="1">
+                  <a:solidFill>
+                    <a:schemeClr val="tx1"/>
+                  </a:solidFill>
+                  <a:latin typeface="Arial" panose="020B0604020202020204" pitchFamily="34" charset="0"/>
+                  <a:cs typeface="Arial" panose="020B0604020202020204" pitchFamily="34" charset="0"/>
+                </a:rPr>
+                <a:t>Diastolic-Median-Right-Rotation-Volume-Rel [%]</a:t>
+              </a:r>
+            </a:p>
+          </p:txBody>
+        </p:sp>
+        <p:grpSp>
+          <p:nvGrpSpPr>
+            <p:cNvPr id="135" name="Gruppieren 134">
+              <a:extLst>
+                <a:ext uri="{FF2B5EF4-FFF2-40B4-BE49-F238E27FC236}">
+                  <a16:creationId xmlns:a16="http://schemas.microsoft.com/office/drawing/2014/main" id="{7AC9F49D-A453-413F-9D3A-321E246E0719}"/>
+                </a:ext>
+              </a:extLst>
+            </p:cNvPr>
+            <p:cNvGrpSpPr/>
+            <p:nvPr/>
+          </p:nvGrpSpPr>
+          <p:grpSpPr>
+            <a:xfrm>
+              <a:off x="3945355" y="1110824"/>
+              <a:ext cx="590096" cy="353333"/>
+              <a:chOff x="3441184" y="1984779"/>
+              <a:chExt cx="590096" cy="353333"/>
+            </a:xfrm>
+          </p:grpSpPr>
+          <p:sp>
+            <p:nvSpPr>
+              <p:cNvPr id="144" name="Rechteck 143">
+                <a:extLst>
+                  <a:ext uri="{FF2B5EF4-FFF2-40B4-BE49-F238E27FC236}">
+                    <a16:creationId xmlns:a16="http://schemas.microsoft.com/office/drawing/2014/main" id="{E19A6275-D9CB-4DD4-9F6A-4F8AB3CC3A3F}"/>
+                  </a:ext>
+                </a:extLst>
+              </p:cNvPr>
+              <p:cNvSpPr/>
+              <p:nvPr/>
+            </p:nvSpPr>
+            <p:spPr>
+              <a:xfrm>
+                <a:off x="3441184" y="2158112"/>
+                <a:ext cx="590096" cy="180000"/>
+              </a:xfrm>
+              <a:prstGeom prst="rect">
+                <a:avLst/>
+              </a:prstGeom>
+              <a:noFill/>
+              <a:ln w="9525">
+                <a:solidFill>
+                  <a:schemeClr val="bg2">
+                    <a:lumMod val="75000"/>
+                  </a:schemeClr>
+                </a:solidFill>
+              </a:ln>
+            </p:spPr>
+            <p:style>
+              <a:lnRef idx="2">
+                <a:schemeClr val="accent1">
+                  <a:shade val="50000"/>
+                </a:schemeClr>
+              </a:lnRef>
+              <a:fillRef idx="1">
+                <a:schemeClr val="accent1"/>
+              </a:fillRef>
+              <a:effectRef idx="0">
+                <a:schemeClr val="accent1"/>
+              </a:effectRef>
+              <a:fontRef idx="minor">
+                <a:schemeClr val="lt1"/>
+              </a:fontRef>
+            </p:style>
+            <p:txBody>
+              <a:bodyPr lIns="36000" tIns="36000" rIns="36000" bIns="36000" rtlCol="0" anchor="ctr"/>
+              <a:lstStyle/>
+              <a:p>
+                <a:pPr algn="ctr"/>
+                <a:r>
+                  <a:rPr lang="de-DE" sz="800" b="1" noProof="1">
+                    <a:solidFill>
+                      <a:srgbClr val="2FA65F"/>
+                    </a:solidFill>
+                    <a:latin typeface="Arial" panose="020B0604020202020204" pitchFamily="34" charset="0"/>
+                    <a:cs typeface="Arial" panose="020B0604020202020204" pitchFamily="34" charset="0"/>
+                  </a:rPr>
+                  <a:t>✔17 </a:t>
+                </a:r>
+                <a:r>
+                  <a:rPr lang="de-DE" sz="800" b="1" noProof="1">
+                    <a:solidFill>
+                      <a:srgbClr val="C00000"/>
+                    </a:solidFill>
+                    <a:latin typeface="Arial" panose="020B0604020202020204" pitchFamily="34" charset="0"/>
+                    <a:cs typeface="Arial" panose="020B0604020202020204" pitchFamily="34" charset="0"/>
+                  </a:rPr>
+                  <a:t>✖2</a:t>
+                </a:r>
+              </a:p>
+            </p:txBody>
+          </p:sp>
+          <p:sp>
+            <p:nvSpPr>
+              <p:cNvPr id="145" name="Rechteck 144">
+                <a:extLst>
+                  <a:ext uri="{FF2B5EF4-FFF2-40B4-BE49-F238E27FC236}">
+                    <a16:creationId xmlns:a16="http://schemas.microsoft.com/office/drawing/2014/main" id="{14DC0A62-CFEE-4B87-BBE9-93866F569A7C}"/>
+                  </a:ext>
+                </a:extLst>
+              </p:cNvPr>
+              <p:cNvSpPr/>
+              <p:nvPr/>
+            </p:nvSpPr>
+            <p:spPr>
+              <a:xfrm>
+                <a:off x="3441184" y="1984779"/>
+                <a:ext cx="590096" cy="180000"/>
+              </a:xfrm>
+              <a:prstGeom prst="rect">
+                <a:avLst/>
+              </a:prstGeom>
+              <a:solidFill>
+                <a:srgbClr val="DA7F7F"/>
+              </a:solidFill>
+              <a:ln w="9525">
+                <a:solidFill>
+                  <a:schemeClr val="bg2">
+                    <a:lumMod val="75000"/>
+                  </a:schemeClr>
+                </a:solidFill>
+              </a:ln>
+            </p:spPr>
+            <p:style>
+              <a:lnRef idx="2">
+                <a:schemeClr val="accent1">
+                  <a:shade val="50000"/>
+                </a:schemeClr>
+              </a:lnRef>
+              <a:fillRef idx="1">
+                <a:schemeClr val="accent1"/>
+              </a:fillRef>
+              <a:effectRef idx="0">
+                <a:schemeClr val="accent1"/>
+              </a:effectRef>
+              <a:fontRef idx="minor">
+                <a:schemeClr val="lt1"/>
+              </a:fontRef>
+            </p:style>
+            <p:txBody>
+              <a:bodyPr lIns="36000" tIns="36000" rIns="36000" bIns="36000" rtlCol="0" anchor="ctr"/>
+              <a:lstStyle/>
+              <a:p>
+                <a:pPr algn="ctr"/>
+                <a:r>
+                  <a:rPr lang="de-DE" sz="800" noProof="1">
+                    <a:solidFill>
+                      <a:schemeClr val="tx1"/>
+                    </a:solidFill>
+                    <a:latin typeface="Arial" panose="020B0604020202020204" pitchFamily="34" charset="0"/>
+                    <a:cs typeface="Arial" panose="020B0604020202020204" pitchFamily="34" charset="0"/>
+                  </a:rPr>
+                  <a:t>BAV</a:t>
+                </a:r>
+              </a:p>
+            </p:txBody>
+          </p:sp>
+        </p:grpSp>
+        <p:grpSp>
+          <p:nvGrpSpPr>
+            <p:cNvPr id="136" name="Gruppieren 135">
+              <a:extLst>
+                <a:ext uri="{FF2B5EF4-FFF2-40B4-BE49-F238E27FC236}">
+                  <a16:creationId xmlns:a16="http://schemas.microsoft.com/office/drawing/2014/main" id="{A707E5DB-CE2C-4751-A03B-813BDCB52D3E}"/>
+                </a:ext>
+              </a:extLst>
+            </p:cNvPr>
+            <p:cNvGrpSpPr/>
+            <p:nvPr/>
+          </p:nvGrpSpPr>
+          <p:grpSpPr>
+            <a:xfrm>
+              <a:off x="2246091" y="661602"/>
+              <a:ext cx="2534312" cy="449222"/>
+              <a:chOff x="1415480" y="782982"/>
+              <a:chExt cx="2534312" cy="449222"/>
+            </a:xfrm>
+          </p:grpSpPr>
+          <p:cxnSp>
+            <p:nvCxnSpPr>
+              <p:cNvPr id="140" name="Gerade Verbindung mit Pfeil 8">
+                <a:extLst>
+                  <a:ext uri="{FF2B5EF4-FFF2-40B4-BE49-F238E27FC236}">
+                    <a16:creationId xmlns:a16="http://schemas.microsoft.com/office/drawing/2014/main" id="{A1AC8643-777D-4DB1-AF33-8EF24EFDD342}"/>
+                  </a:ext>
+                </a:extLst>
+              </p:cNvPr>
+              <p:cNvCxnSpPr>
+                <a:cxnSpLocks/>
+                <a:stCxn id="134" idx="1"/>
+              </p:cNvCxnSpPr>
+              <p:nvPr/>
+            </p:nvCxnSpPr>
+            <p:spPr>
+              <a:xfrm rot="10800000" flipV="1">
+                <a:off x="1955480" y="782982"/>
+                <a:ext cx="180080" cy="449222"/>
+              </a:xfrm>
+              <a:prstGeom prst="bentConnector2">
+                <a:avLst/>
+              </a:prstGeom>
+              <a:ln>
+                <a:tailEnd type="triangle"/>
+              </a:ln>
+            </p:spPr>
+            <p:style>
+              <a:lnRef idx="1">
+                <a:schemeClr val="dk1"/>
+              </a:lnRef>
+              <a:fillRef idx="0">
+                <a:schemeClr val="dk1"/>
+              </a:fillRef>
+              <a:effectRef idx="0">
+                <a:schemeClr val="dk1"/>
+              </a:effectRef>
+              <a:fontRef idx="minor">
+                <a:schemeClr val="tx1"/>
+              </a:fontRef>
+            </p:style>
+          </p:cxnSp>
+          <p:sp>
+            <p:nvSpPr>
+              <p:cNvPr id="141" name="Textfeld 140">
+                <a:extLst>
+                  <a:ext uri="{FF2B5EF4-FFF2-40B4-BE49-F238E27FC236}">
+                    <a16:creationId xmlns:a16="http://schemas.microsoft.com/office/drawing/2014/main" id="{1242544A-2B08-4219-B68B-D3B5DC524EDC}"/>
+                  </a:ext>
+                </a:extLst>
+              </p:cNvPr>
+              <p:cNvSpPr txBox="1"/>
+              <p:nvPr/>
+            </p:nvSpPr>
+            <p:spPr>
+              <a:xfrm>
+                <a:off x="1415480" y="860875"/>
+                <a:ext cx="540000" cy="246221"/>
+              </a:xfrm>
+              <a:prstGeom prst="rect">
+                <a:avLst/>
+              </a:prstGeom>
+              <a:noFill/>
+            </p:spPr>
+            <p:txBody>
+              <a:bodyPr wrap="square" rtlCol="0">
+                <a:spAutoFit/>
+              </a:bodyPr>
+              <a:lstStyle/>
+              <a:p>
+                <a:pPr algn="r"/>
+                <a:r>
+                  <a:rPr lang="de-DE" sz="1000" noProof="1">
+                    <a:latin typeface="Arial" panose="020B0604020202020204" pitchFamily="34" charset="0"/>
+                    <a:cs typeface="Arial" panose="020B0604020202020204" pitchFamily="34" charset="0"/>
+                  </a:rPr>
+                  <a:t>&lt; 0.53</a:t>
+                </a:r>
+              </a:p>
+            </p:txBody>
+          </p:sp>
+          <p:cxnSp>
+            <p:nvCxnSpPr>
+              <p:cNvPr id="142" name="Gerade Verbindung mit Pfeil 8">
+                <a:extLst>
+                  <a:ext uri="{FF2B5EF4-FFF2-40B4-BE49-F238E27FC236}">
+                    <a16:creationId xmlns:a16="http://schemas.microsoft.com/office/drawing/2014/main" id="{161A8CEC-7644-4734-87C7-1DDBA7813BF8}"/>
+                  </a:ext>
+                </a:extLst>
+              </p:cNvPr>
+              <p:cNvCxnSpPr>
+                <a:cxnSpLocks/>
+              </p:cNvCxnSpPr>
+              <p:nvPr/>
+            </p:nvCxnSpPr>
+            <p:spPr>
+              <a:xfrm rot="10800000" flipH="1" flipV="1">
+                <a:off x="3229712" y="782982"/>
+                <a:ext cx="180080" cy="449222"/>
+              </a:xfrm>
+              <a:prstGeom prst="bentConnector2">
+                <a:avLst/>
+              </a:prstGeom>
+              <a:ln>
+                <a:tailEnd type="triangle"/>
+              </a:ln>
+            </p:spPr>
+            <p:style>
+              <a:lnRef idx="1">
+                <a:schemeClr val="dk1"/>
+              </a:lnRef>
+              <a:fillRef idx="0">
+                <a:schemeClr val="dk1"/>
+              </a:fillRef>
+              <a:effectRef idx="0">
+                <a:schemeClr val="dk1"/>
+              </a:effectRef>
+              <a:fontRef idx="minor">
+                <a:schemeClr val="tx1"/>
+              </a:fontRef>
+            </p:style>
+          </p:cxnSp>
+          <p:sp>
+            <p:nvSpPr>
+              <p:cNvPr id="143" name="Textfeld 142">
+                <a:extLst>
+                  <a:ext uri="{FF2B5EF4-FFF2-40B4-BE49-F238E27FC236}">
+                    <a16:creationId xmlns:a16="http://schemas.microsoft.com/office/drawing/2014/main" id="{6087A0BB-F77D-40C3-8AE9-D28C8FB30B27}"/>
+                  </a:ext>
+                </a:extLst>
+              </p:cNvPr>
+              <p:cNvSpPr txBox="1"/>
+              <p:nvPr/>
+            </p:nvSpPr>
+            <p:spPr>
+              <a:xfrm>
+                <a:off x="3409792" y="860874"/>
+                <a:ext cx="540000" cy="246221"/>
+              </a:xfrm>
+              <a:prstGeom prst="rect">
+                <a:avLst/>
+              </a:prstGeom>
+              <a:noFill/>
+            </p:spPr>
+            <p:txBody>
+              <a:bodyPr wrap="square" rtlCol="0">
+                <a:spAutoFit/>
+              </a:bodyPr>
+              <a:lstStyle/>
+              <a:p>
+                <a:r>
+                  <a:rPr lang="de-DE" sz="1000" noProof="1">
+                    <a:latin typeface="Arial" panose="020B0604020202020204" pitchFamily="34" charset="0"/>
+                    <a:cs typeface="Arial" panose="020B0604020202020204" pitchFamily="34" charset="0"/>
+                  </a:rPr>
+                  <a:t>≥ 0.53</a:t>
+                </a:r>
+              </a:p>
+            </p:txBody>
+          </p:sp>
+        </p:grpSp>
+        <p:grpSp>
+          <p:nvGrpSpPr>
+            <p:cNvPr id="137" name="Gruppieren 136">
+              <a:extLst>
+                <a:ext uri="{FF2B5EF4-FFF2-40B4-BE49-F238E27FC236}">
+                  <a16:creationId xmlns:a16="http://schemas.microsoft.com/office/drawing/2014/main" id="{646CC8A6-015F-4683-9DC5-C00717B425EA}"/>
+                </a:ext>
+              </a:extLst>
+            </p:cNvPr>
+            <p:cNvGrpSpPr/>
+            <p:nvPr/>
+          </p:nvGrpSpPr>
+          <p:grpSpPr>
+            <a:xfrm>
+              <a:off x="2496490" y="1114157"/>
+              <a:ext cx="590096" cy="353333"/>
+              <a:chOff x="3441184" y="1984779"/>
+              <a:chExt cx="590096" cy="353333"/>
+            </a:xfrm>
+          </p:grpSpPr>
+          <p:sp>
+            <p:nvSpPr>
+              <p:cNvPr id="138" name="Rechteck 137">
+                <a:extLst>
+                  <a:ext uri="{FF2B5EF4-FFF2-40B4-BE49-F238E27FC236}">
+                    <a16:creationId xmlns:a16="http://schemas.microsoft.com/office/drawing/2014/main" id="{9316EFA5-114E-41F7-B114-F81F073AF435}"/>
+                  </a:ext>
+                </a:extLst>
+              </p:cNvPr>
+              <p:cNvSpPr/>
+              <p:nvPr/>
+            </p:nvSpPr>
+            <p:spPr>
+              <a:xfrm>
+                <a:off x="3441184" y="2158112"/>
+                <a:ext cx="590096" cy="180000"/>
+              </a:xfrm>
+              <a:prstGeom prst="rect">
+                <a:avLst/>
+              </a:prstGeom>
+              <a:noFill/>
+              <a:ln w="9525">
+                <a:solidFill>
+                  <a:schemeClr val="bg2">
+                    <a:lumMod val="75000"/>
+                  </a:schemeClr>
+                </a:solidFill>
+              </a:ln>
+            </p:spPr>
+            <p:style>
+              <a:lnRef idx="2">
+                <a:schemeClr val="accent1">
+                  <a:shade val="50000"/>
+                </a:schemeClr>
+              </a:lnRef>
+              <a:fillRef idx="1">
+                <a:schemeClr val="accent1"/>
+              </a:fillRef>
+              <a:effectRef idx="0">
+                <a:schemeClr val="accent1"/>
+              </a:effectRef>
+              <a:fontRef idx="minor">
+                <a:schemeClr val="lt1"/>
+              </a:fontRef>
+            </p:style>
+            <p:txBody>
+              <a:bodyPr lIns="36000" tIns="36000" rIns="36000" bIns="36000" rtlCol="0" anchor="ctr"/>
+              <a:lstStyle/>
+              <a:p>
+                <a:pPr algn="ctr"/>
+                <a:r>
+                  <a:rPr lang="de-DE" sz="800" b="1" noProof="1">
+                    <a:solidFill>
+                      <a:srgbClr val="2FA65F"/>
+                    </a:solidFill>
+                    <a:latin typeface="Arial" panose="020B0604020202020204" pitchFamily="34" charset="0"/>
+                    <a:cs typeface="Arial" panose="020B0604020202020204" pitchFamily="34" charset="0"/>
+                  </a:rPr>
+                  <a:t>✔28 </a:t>
+                </a:r>
+                <a:r>
+                  <a:rPr lang="de-DE" sz="800" b="1" noProof="1">
+                    <a:solidFill>
+                      <a:srgbClr val="C00000"/>
+                    </a:solidFill>
+                    <a:latin typeface="Arial" panose="020B0604020202020204" pitchFamily="34" charset="0"/>
+                    <a:cs typeface="Arial" panose="020B0604020202020204" pitchFamily="34" charset="0"/>
+                  </a:rPr>
+                  <a:t>✖5</a:t>
+                </a:r>
+              </a:p>
+            </p:txBody>
+          </p:sp>
+          <p:sp>
+            <p:nvSpPr>
+              <p:cNvPr id="139" name="Rechteck 138">
+                <a:extLst>
+                  <a:ext uri="{FF2B5EF4-FFF2-40B4-BE49-F238E27FC236}">
+                    <a16:creationId xmlns:a16="http://schemas.microsoft.com/office/drawing/2014/main" id="{4802B8C9-1C2A-4DD6-B886-89FF37CBA7AC}"/>
+                  </a:ext>
+                </a:extLst>
+              </p:cNvPr>
+              <p:cNvSpPr/>
+              <p:nvPr/>
+            </p:nvSpPr>
+            <p:spPr>
+              <a:xfrm>
+                <a:off x="3441184" y="1984779"/>
+                <a:ext cx="590096" cy="180000"/>
+              </a:xfrm>
+              <a:prstGeom prst="rect">
+                <a:avLst/>
+              </a:prstGeom>
+              <a:solidFill>
+                <a:srgbClr val="91ACC2"/>
+              </a:solidFill>
+              <a:ln w="9525">
+                <a:solidFill>
+                  <a:schemeClr val="bg2">
+                    <a:lumMod val="75000"/>
+                  </a:schemeClr>
+                </a:solidFill>
+              </a:ln>
+            </p:spPr>
+            <p:style>
+              <a:lnRef idx="2">
+                <a:schemeClr val="accent1">
+                  <a:shade val="50000"/>
+                </a:schemeClr>
+              </a:lnRef>
+              <a:fillRef idx="1">
+                <a:schemeClr val="accent1"/>
+              </a:fillRef>
+              <a:effectRef idx="0">
+                <a:schemeClr val="accent1"/>
+              </a:effectRef>
+              <a:fontRef idx="minor">
+                <a:schemeClr val="lt1"/>
+              </a:fontRef>
+            </p:style>
+            <p:txBody>
+              <a:bodyPr lIns="36000" tIns="36000" rIns="36000" bIns="36000" rtlCol="0" anchor="ctr"/>
+              <a:lstStyle/>
+              <a:p>
+                <a:pPr algn="ctr"/>
+                <a:r>
+                  <a:rPr lang="de-DE" sz="800" noProof="1">
+                    <a:solidFill>
+                      <a:schemeClr val="tx1"/>
+                    </a:solidFill>
+                    <a:latin typeface="Arial" panose="020B0604020202020204" pitchFamily="34" charset="0"/>
+                    <a:cs typeface="Arial" panose="020B0604020202020204" pitchFamily="34" charset="0"/>
+                  </a:rPr>
+                  <a:t>OHHV</a:t>
+                </a:r>
+              </a:p>
+            </p:txBody>
+          </p:sp>
+        </p:grpSp>
+      </p:grpSp>
+      <p:graphicFrame>
+        <p:nvGraphicFramePr>
+          <p:cNvPr id="146" name="Tabelle 37">
+            <a:extLst>
+              <a:ext uri="{FF2B5EF4-FFF2-40B4-BE49-F238E27FC236}">
+                <a16:creationId xmlns:a16="http://schemas.microsoft.com/office/drawing/2014/main" id="{6884528D-3DCC-4972-AB9E-B55CB2978C73}"/>
+              </a:ext>
+            </a:extLst>
+          </p:cNvPr>
+          <p:cNvGraphicFramePr>
+            <a:graphicFrameLocks noGrp="1"/>
+          </p:cNvGraphicFramePr>
+          <p:nvPr>
+            <p:extLst>
+              <p:ext uri="{D42A27DB-BD31-4B8C-83A1-F6EECF244321}">
+                <p14:modId xmlns:p14="http://schemas.microsoft.com/office/powerpoint/2010/main" val="3059350575"/>
+              </p:ext>
+            </p:extLst>
+          </p:nvPr>
+        </p:nvGraphicFramePr>
+        <p:xfrm>
+          <a:off x="3941200" y="3884810"/>
+          <a:ext cx="1413523" cy="609600"/>
+        </p:xfrm>
+        <a:graphic>
+          <a:graphicData uri="http://schemas.openxmlformats.org/drawingml/2006/table">
+            <a:tbl>
+              <a:tblPr>
+                <a:tableStyleId>{2D5ABB26-0587-4C30-8999-92F81FD0307C}</a:tableStyleId>
+              </a:tblPr>
+              <a:tblGrid>
+                <a:gridCol w="194126">
+                  <a:extLst>
+                    <a:ext uri="{9D8B030D-6E8A-4147-A177-3AD203B41FA5}">
+                      <a16:colId xmlns:a16="http://schemas.microsoft.com/office/drawing/2014/main" val="175553506"/>
+                    </a:ext>
+                  </a:extLst>
+                </a:gridCol>
+                <a:gridCol w="406481">
+                  <a:extLst>
+                    <a:ext uri="{9D8B030D-6E8A-4147-A177-3AD203B41FA5}">
+                      <a16:colId xmlns:a16="http://schemas.microsoft.com/office/drawing/2014/main" val="2928975957"/>
+                    </a:ext>
+                  </a:extLst>
+                </a:gridCol>
+                <a:gridCol w="406481">
+                  <a:extLst>
+                    <a:ext uri="{9D8B030D-6E8A-4147-A177-3AD203B41FA5}">
+                      <a16:colId xmlns:a16="http://schemas.microsoft.com/office/drawing/2014/main" val="3964506338"/>
+                    </a:ext>
+                  </a:extLst>
+                </a:gridCol>
+                <a:gridCol w="406435">
+                  <a:extLst>
+                    <a:ext uri="{9D8B030D-6E8A-4147-A177-3AD203B41FA5}">
+                      <a16:colId xmlns:a16="http://schemas.microsoft.com/office/drawing/2014/main" val="2227317002"/>
+                    </a:ext>
+                  </a:extLst>
+                </a:gridCol>
+              </a:tblGrid>
+              <a:tr h="138058">
+                <a:tc>
+                  <a:txBody>
+                    <a:bodyPr/>
+                    <a:lstStyle/>
+                    <a:p>
+                      <a:pPr algn="ctr"/>
+                      <a:endParaRPr lang="de-DE" sz="1000" dirty="0">
+                        <a:latin typeface="Arial" panose="020B0604020202020204" pitchFamily="34" charset="0"/>
+                        <a:cs typeface="Arial" panose="020B0604020202020204" pitchFamily="34" charset="0"/>
+                      </a:endParaRPr>
+                    </a:p>
+                  </a:txBody>
+                  <a:tcPr marL="0" marR="0" marT="0" marB="0">
+                    <a:lnL>
+                      <a:noFill/>
+                    </a:lnL>
+                    <a:lnR>
+                      <a:noFill/>
+                    </a:lnR>
+                    <a:lnT>
+                      <a:noFill/>
+                    </a:lnT>
+                    <a:lnB>
+                      <a:noFill/>
+                    </a:lnB>
+                    <a:lnTlToBr w="12700" cmpd="sng">
+                      <a:noFill/>
+                      <a:prstDash val="solid"/>
+                    </a:lnTlToBr>
+                    <a:lnBlToTr w="12700" cmpd="sng">
+                      <a:noFill/>
+                      <a:prstDash val="solid"/>
+                    </a:lnBlToTr>
+                  </a:tcPr>
+                </a:tc>
+                <a:tc>
+                  <a:txBody>
+                    <a:bodyPr/>
+                    <a:lstStyle/>
+                    <a:p>
+                      <a:pPr algn="ctr"/>
+                      <a:endParaRPr lang="de-DE" sz="1000" dirty="0">
+                        <a:latin typeface="Arial" panose="020B0604020202020204" pitchFamily="34" charset="0"/>
+                        <a:cs typeface="Arial" panose="020B0604020202020204" pitchFamily="34" charset="0"/>
+                      </a:endParaRPr>
+                    </a:p>
+                  </a:txBody>
+                  <a:tcPr marL="0" marR="0" marT="0" marB="0">
+                    <a:lnL>
+                      <a:noFill/>
+                    </a:lnL>
+                    <a:lnR w="12700" cap="flat" cmpd="sng" algn="ctr">
+                      <a:noFill/>
+                      <a:prstDash val="solid"/>
+                      <a:round/>
+                      <a:headEnd type="none" w="med" len="med"/>
+                      <a:tailEnd type="none" w="med" len="med"/>
+                    </a:lnR>
+                    <a:lnT>
+                      <a:noFill/>
+                    </a:lnT>
+                    <a:lnB w="12700" cap="flat" cmpd="sng" algn="ctr">
+                      <a:noFill/>
+                      <a:prstDash val="solid"/>
+                      <a:round/>
+                      <a:headEnd type="none" w="med" len="med"/>
+                      <a:tailEnd type="none" w="med" len="med"/>
+                    </a:lnB>
+                    <a:lnTlToBr w="12700" cmpd="sng">
+                      <a:noFill/>
+                      <a:prstDash val="solid"/>
+                    </a:lnTlToBr>
+                    <a:lnBlToTr w="12700" cmpd="sng">
+                      <a:noFill/>
+                      <a:prstDash val="solid"/>
+                    </a:lnBlToTr>
+                  </a:tcPr>
+                </a:tc>
+                <a:tc gridSpan="2">
+                  <a:txBody>
+                    <a:bodyPr/>
+                    <a:lstStyle/>
+                    <a:p>
+                      <a:pPr algn="ctr"/>
+                      <a:r>
+                        <a:rPr lang="de-DE" sz="1000" dirty="0" err="1">
+                          <a:latin typeface="Arial" panose="020B0604020202020204" pitchFamily="34" charset="0"/>
+                          <a:cs typeface="Arial" panose="020B0604020202020204" pitchFamily="34" charset="0"/>
+                        </a:rPr>
+                        <a:t>Predicted</a:t>
+                      </a:r>
+                      <a:endParaRPr lang="de-DE" sz="1000" dirty="0">
+                        <a:latin typeface="Arial" panose="020B0604020202020204" pitchFamily="34" charset="0"/>
+                        <a:cs typeface="Arial" panose="020B0604020202020204" pitchFamily="34" charset="0"/>
+                      </a:endParaRPr>
+                    </a:p>
+                  </a:txBody>
+                  <a:tcPr marL="0" marR="0" marT="0" marB="0">
+                    <a:lnL w="12700" cap="flat" cmpd="sng" algn="ctr">
+                      <a:noFill/>
+                      <a:prstDash val="solid"/>
+                      <a:round/>
+                      <a:headEnd type="none" w="med" len="med"/>
+                      <a:tailEnd type="none" w="med" len="med"/>
+                    </a:lnL>
+                    <a:lnR>
+                      <a:noFill/>
+                    </a:lnR>
+                    <a:lnT>
+                      <a:noFill/>
+                    </a:lnT>
+                    <a:lnB w="12700" cap="flat" cmpd="sng" algn="ctr">
+                      <a:noFill/>
+                      <a:prstDash val="solid"/>
+                      <a:round/>
+                      <a:headEnd type="none" w="med" len="med"/>
+                      <a:tailEnd type="none" w="med" len="med"/>
+                    </a:lnB>
+                    <a:lnTlToBr w="12700" cmpd="sng">
+                      <a:noFill/>
+                      <a:prstDash val="solid"/>
+                    </a:lnTlToBr>
+                    <a:lnBlToTr w="12700" cmpd="sng">
+                      <a:noFill/>
+                      <a:prstDash val="solid"/>
+                    </a:lnBlToTr>
+                  </a:tcPr>
+                </a:tc>
+                <a:tc hMerge="1">
+                  <a:txBody>
+                    <a:bodyPr/>
+                    <a:lstStyle/>
+                    <a:p>
+                      <a:endParaRPr lang="de-DE" sz="1100" dirty="0">
+                        <a:latin typeface="Arial" panose="020B0604020202020204" pitchFamily="34" charset="0"/>
+                        <a:cs typeface="Arial" panose="020B0604020202020204" pitchFamily="34" charset="0"/>
+                      </a:endParaRPr>
+                    </a:p>
+                  </a:txBody>
+                  <a:tcPr>
+                    <a:lnL>
+                      <a:noFill/>
+                    </a:lnL>
+                    <a:lnR>
+                      <a:noFill/>
+                    </a:lnR>
+                    <a:lnT>
+                      <a:noFill/>
+                    </a:lnT>
+                    <a:lnB>
+                      <a:noFill/>
+                    </a:lnB>
+                    <a:lnTlToBr w="12700" cmpd="sng">
+                      <a:noFill/>
+                      <a:prstDash val="solid"/>
+                    </a:lnTlToBr>
+                    <a:lnBlToTr w="12700" cmpd="sng">
+                      <a:noFill/>
+                      <a:prstDash val="solid"/>
+                    </a:lnBlToTr>
+                  </a:tcPr>
+                </a:tc>
+                <a:extLst>
+                  <a:ext uri="{0D108BD9-81ED-4DB2-BD59-A6C34878D82A}">
+                    <a16:rowId xmlns:a16="http://schemas.microsoft.com/office/drawing/2014/main" val="909991480"/>
+                  </a:ext>
+                </a:extLst>
+              </a:tr>
+              <a:tr h="138058">
+                <a:tc>
+                  <a:txBody>
+                    <a:bodyPr/>
+                    <a:lstStyle/>
+                    <a:p>
+                      <a:pPr algn="ctr"/>
+                      <a:endParaRPr lang="de-DE" sz="1000" dirty="0">
+                        <a:latin typeface="Arial" panose="020B0604020202020204" pitchFamily="34" charset="0"/>
+                        <a:cs typeface="Arial" panose="020B0604020202020204" pitchFamily="34" charset="0"/>
+                      </a:endParaRPr>
+                    </a:p>
+                  </a:txBody>
+                  <a:tcPr marL="0" marR="0" marT="0" marB="0">
+                    <a:lnL>
+                      <a:noFill/>
+                    </a:lnL>
+                    <a:lnR w="12700" cap="flat" cmpd="sng" algn="ctr">
+                      <a:noFill/>
+                      <a:prstDash val="solid"/>
+                      <a:round/>
+                      <a:headEnd type="none" w="med" len="med"/>
+                      <a:tailEnd type="none" w="med" len="med"/>
+                    </a:lnR>
+                    <a:lnT>
+                      <a:noFill/>
+                    </a:lnT>
+                    <a:lnB>
+                      <a:noFill/>
+                    </a:lnB>
+                    <a:lnTlToBr w="12700" cmpd="sng">
+                      <a:noFill/>
+                      <a:prstDash val="solid"/>
+                    </a:lnTlToBr>
+                    <a:lnBlToTr w="12700" cmpd="sng">
+                      <a:noFill/>
+                      <a:prstDash val="solid"/>
+                    </a:lnBlToTr>
+                  </a:tcPr>
+                </a:tc>
+                <a:tc>
+                  <a:txBody>
+                    <a:bodyPr/>
+                    <a:lstStyle/>
+                    <a:p>
+                      <a:pPr algn="ctr"/>
+                      <a:endParaRPr lang="de-DE" sz="1000" dirty="0">
+                        <a:latin typeface="Arial" panose="020B0604020202020204" pitchFamily="34" charset="0"/>
+                        <a:cs typeface="Arial" panose="020B0604020202020204" pitchFamily="34" charset="0"/>
+                      </a:endParaRPr>
+                    </a:p>
+                  </a:txBody>
+                  <a:tcPr marL="0" marR="0" marT="0" marB="0">
+                    <a:lnL w="12700" cap="flat" cmpd="sng" algn="ctr">
+                      <a:noFill/>
+                      <a:prstDash val="solid"/>
+                      <a:round/>
+                      <a:headEnd type="none" w="med" len="med"/>
+                      <a:tailEnd type="none" w="med" len="med"/>
+                    </a:lnL>
+                    <a:lnR w="12700" cap="flat" cmpd="sng" algn="ctr">
+                      <a:solidFill>
+                        <a:schemeClr val="tx1"/>
+                      </a:solidFill>
+                      <a:prstDash val="solid"/>
+                      <a:round/>
+                      <a:headEnd type="none" w="med" len="med"/>
+                      <a:tailEnd type="none" w="med" len="med"/>
+                    </a:lnR>
+                    <a:lnT w="12700" cap="flat" cmpd="sng" algn="ctr">
+                      <a:noFill/>
+                      <a:prstDash val="solid"/>
+                      <a:round/>
+                      <a:headEnd type="none" w="med" len="med"/>
+                      <a:tailEnd type="none" w="med" len="med"/>
+                    </a:lnT>
+                    <a:lnB w="12700" cap="flat" cmpd="sng" algn="ctr">
+                      <a:solidFill>
+                        <a:schemeClr val="tx1"/>
+                      </a:solidFill>
+                      <a:prstDash val="solid"/>
+                      <a:round/>
+                      <a:headEnd type="none" w="med" len="med"/>
+                      <a:tailEnd type="none" w="med" len="med"/>
+                    </a:lnB>
+                    <a:lnTlToBr w="12700" cmpd="sng">
+                      <a:noFill/>
+                      <a:prstDash val="solid"/>
+                    </a:lnTlToBr>
+                    <a:lnBlToTr w="12700" cmpd="sng">
+                      <a:noFill/>
+                      <a:prstDash val="solid"/>
+                    </a:lnBlToTr>
+                  </a:tcPr>
+                </a:tc>
+                <a:tc>
+                  <a:txBody>
+                    <a:bodyPr/>
+                    <a:lstStyle/>
+                    <a:p>
+                      <a:pPr algn="ctr"/>
+                      <a:r>
+                        <a:rPr lang="de-DE" sz="1000" dirty="0">
+                          <a:latin typeface="Arial" panose="020B0604020202020204" pitchFamily="34" charset="0"/>
+                          <a:cs typeface="Arial" panose="020B0604020202020204" pitchFamily="34" charset="0"/>
+                        </a:rPr>
+                        <a:t>BAV</a:t>
+                      </a:r>
+                    </a:p>
+                  </a:txBody>
+                  <a:tcPr marL="0" marR="0" marT="0" marB="0">
+                    <a:lnL w="12700" cap="flat" cmpd="sng" algn="ctr">
+                      <a:solidFill>
+                        <a:schemeClr val="tx1"/>
+                      </a:solidFill>
+                      <a:prstDash val="solid"/>
+                      <a:round/>
+                      <a:headEnd type="none" w="med" len="med"/>
+                      <a:tailEnd type="none" w="med" len="med"/>
+                    </a:lnL>
+                    <a:lnR w="12700" cap="flat" cmpd="sng" algn="ctr">
+                      <a:solidFill>
+                        <a:schemeClr val="tx1"/>
+                      </a:solidFill>
+                      <a:prstDash val="solid"/>
+                      <a:round/>
+                      <a:headEnd type="none" w="med" len="med"/>
+                      <a:tailEnd type="none" w="med" len="med"/>
+                    </a:lnR>
+                    <a:lnT w="12700" cap="flat" cmpd="sng" algn="ctr">
+                      <a:noFill/>
+                      <a:prstDash val="solid"/>
+                      <a:round/>
+                      <a:headEnd type="none" w="med" len="med"/>
+                      <a:tailEnd type="none" w="med" len="med"/>
+                    </a:lnT>
+                    <a:lnB w="12700" cap="flat" cmpd="sng" algn="ctr">
+                      <a:solidFill>
+                        <a:schemeClr val="tx1"/>
+                      </a:solidFill>
+                      <a:prstDash val="solid"/>
+                      <a:round/>
+                      <a:headEnd type="none" w="med" len="med"/>
+                      <a:tailEnd type="none" w="med" len="med"/>
+                    </a:lnB>
+                    <a:lnTlToBr w="12700" cmpd="sng">
+                      <a:noFill/>
+                      <a:prstDash val="solid"/>
+                    </a:lnTlToBr>
+                    <a:lnBlToTr w="12700" cmpd="sng">
+                      <a:noFill/>
+                      <a:prstDash val="solid"/>
+                    </a:lnBlToTr>
+                  </a:tcPr>
+                </a:tc>
+                <a:tc>
+                  <a:txBody>
+                    <a:bodyPr/>
+                    <a:lstStyle/>
+                    <a:p>
+                      <a:pPr algn="ctr"/>
+                      <a:r>
+                        <a:rPr lang="de-DE" sz="1000" dirty="0">
+                          <a:latin typeface="Arial" panose="020B0604020202020204" pitchFamily="34" charset="0"/>
+                          <a:cs typeface="Arial" panose="020B0604020202020204" pitchFamily="34" charset="0"/>
+                        </a:rPr>
+                        <a:t>OHHV</a:t>
+                      </a:r>
+                    </a:p>
+                  </a:txBody>
+                  <a:tcPr marL="0" marR="0" marT="0" marB="0">
+                    <a:lnL w="12700" cap="flat" cmpd="sng" algn="ctr">
+                      <a:solidFill>
+                        <a:schemeClr val="tx1"/>
+                      </a:solidFill>
+                      <a:prstDash val="solid"/>
+                      <a:round/>
+                      <a:headEnd type="none" w="med" len="med"/>
+                      <a:tailEnd type="none" w="med" len="med"/>
+                    </a:lnL>
+                    <a:lnR w="12700" cap="flat" cmpd="sng" algn="ctr">
+                      <a:noFill/>
+                      <a:prstDash val="solid"/>
+                      <a:round/>
+                      <a:headEnd type="none" w="med" len="med"/>
+                      <a:tailEnd type="none" w="med" len="med"/>
+                    </a:lnR>
+                    <a:lnT w="12700" cap="flat" cmpd="sng" algn="ctr">
+                      <a:noFill/>
+                      <a:prstDash val="solid"/>
+                      <a:round/>
+                      <a:headEnd type="none" w="med" len="med"/>
+                      <a:tailEnd type="none" w="med" len="med"/>
+                    </a:lnT>
+                    <a:lnB w="12700" cap="flat" cmpd="sng" algn="ctr">
+                      <a:solidFill>
+                        <a:schemeClr val="tx1"/>
+                      </a:solidFill>
+                      <a:prstDash val="solid"/>
+                      <a:round/>
+                      <a:headEnd type="none" w="med" len="med"/>
+                      <a:tailEnd type="none" w="med" len="med"/>
+                    </a:lnB>
+                    <a:lnTlToBr w="12700" cmpd="sng">
+                      <a:noFill/>
+                      <a:prstDash val="solid"/>
+                    </a:lnTlToBr>
+                    <a:lnBlToTr w="12700" cmpd="sng">
+                      <a:noFill/>
+                      <a:prstDash val="solid"/>
+                    </a:lnBlToTr>
+                  </a:tcPr>
+                </a:tc>
+                <a:extLst>
+                  <a:ext uri="{0D108BD9-81ED-4DB2-BD59-A6C34878D82A}">
+                    <a16:rowId xmlns:a16="http://schemas.microsoft.com/office/drawing/2014/main" val="3745634437"/>
+                  </a:ext>
+                </a:extLst>
+              </a:tr>
+              <a:tr h="138058">
+                <a:tc rowSpan="2">
+                  <a:txBody>
+                    <a:bodyPr/>
+                    <a:lstStyle/>
+                    <a:p>
+                      <a:pPr marL="0" marR="0" lvl="0" indent="0" algn="ctr" defTabSz="914400" rtl="0" eaLnBrk="1" fontAlgn="auto" latinLnBrk="0" hangingPunct="1">
+                        <a:lnSpc>
+                          <a:spcPct val="100000"/>
+                        </a:lnSpc>
+                        <a:spcBef>
+                          <a:spcPts val="0"/>
+                        </a:spcBef>
+                        <a:spcAft>
+                          <a:spcPts val="0"/>
+                        </a:spcAft>
+                        <a:buClrTx/>
+                        <a:buSzTx/>
+                        <a:buFontTx/>
+                        <a:buNone/>
+                        <a:tabLst/>
+                        <a:defRPr/>
+                      </a:pPr>
+                      <a:r>
+                        <a:rPr lang="de-DE" sz="1000" dirty="0">
+                          <a:latin typeface="Arial" panose="020B0604020202020204" pitchFamily="34" charset="0"/>
+                          <a:cs typeface="Arial" panose="020B0604020202020204" pitchFamily="34" charset="0"/>
+                        </a:rPr>
+                        <a:t>True</a:t>
+                      </a:r>
+                    </a:p>
+                  </a:txBody>
+                  <a:tcPr marL="0" marR="0" marT="0" marB="0" vert="vert270" anchor="ctr">
+                    <a:lnL>
+                      <a:noFill/>
+                    </a:lnL>
+                    <a:lnR w="12700" cap="flat" cmpd="sng" algn="ctr">
+                      <a:noFill/>
+                      <a:prstDash val="solid"/>
+                      <a:round/>
+                      <a:headEnd type="none" w="med" len="med"/>
+                      <a:tailEnd type="none" w="med" len="med"/>
+                    </a:lnR>
+                    <a:lnT>
+                      <a:noFill/>
+                    </a:lnT>
+                    <a:lnB>
+                      <a:noFill/>
+                    </a:lnB>
+                    <a:lnTlToBr w="12700" cmpd="sng">
+                      <a:noFill/>
+                      <a:prstDash val="solid"/>
+                    </a:lnTlToBr>
+                    <a:lnBlToTr w="12700" cmpd="sng">
+                      <a:noFill/>
+                      <a:prstDash val="solid"/>
+                    </a:lnBlToTr>
+                  </a:tcPr>
+                </a:tc>
+                <a:tc>
+                  <a:txBody>
+                    <a:bodyPr/>
+                    <a:lstStyle/>
+                    <a:p>
+                      <a:pPr marL="0" marR="0" lvl="0" indent="0" algn="ctr" defTabSz="914400" rtl="0" eaLnBrk="1" fontAlgn="auto" latinLnBrk="0" hangingPunct="1">
+                        <a:lnSpc>
+                          <a:spcPct val="100000"/>
+                        </a:lnSpc>
+                        <a:spcBef>
+                          <a:spcPts val="0"/>
+                        </a:spcBef>
+                        <a:spcAft>
+                          <a:spcPts val="0"/>
+                        </a:spcAft>
+                        <a:buClrTx/>
+                        <a:buSzTx/>
+                        <a:buFontTx/>
+                        <a:buNone/>
+                        <a:tabLst/>
+                        <a:defRPr/>
+                      </a:pPr>
+                      <a:r>
+                        <a:rPr lang="de-DE" sz="1000" dirty="0">
+                          <a:latin typeface="Arial" panose="020B0604020202020204" pitchFamily="34" charset="0"/>
+                          <a:cs typeface="Arial" panose="020B0604020202020204" pitchFamily="34" charset="0"/>
+                        </a:rPr>
+                        <a:t>BAV</a:t>
+                      </a:r>
+                    </a:p>
+                  </a:txBody>
+                  <a:tcPr marL="0" marR="0" marT="0" marB="0">
+                    <a:lnL w="12700" cap="flat" cmpd="sng" algn="ctr">
+                      <a:noFill/>
+                      <a:prstDash val="solid"/>
+                      <a:round/>
+                      <a:headEnd type="none" w="med" len="med"/>
+                      <a:tailEnd type="none" w="med" len="med"/>
+                    </a:lnL>
+                    <a:lnR w="12700" cap="flat" cmpd="sng" algn="ctr">
+                      <a:solidFill>
+                        <a:schemeClr val="tx1"/>
+                      </a:solidFill>
+                      <a:prstDash val="solid"/>
+                      <a:round/>
+                      <a:headEnd type="none" w="med" len="med"/>
+                      <a:tailEnd type="none" w="med" len="med"/>
+                    </a:lnR>
+                    <a:lnT w="12700" cap="flat" cmpd="sng" algn="ctr">
+                      <a:solidFill>
+                        <a:schemeClr val="tx1"/>
+                      </a:solidFill>
+                      <a:prstDash val="solid"/>
+                      <a:round/>
+                      <a:headEnd type="none" w="med" len="med"/>
+                      <a:tailEnd type="none" w="med" len="med"/>
+                    </a:lnT>
+                    <a:lnB w="12700" cap="flat" cmpd="sng" algn="ctr">
+                      <a:solidFill>
+                        <a:schemeClr val="tx1"/>
+                      </a:solidFill>
+                      <a:prstDash val="solid"/>
+                      <a:round/>
+                      <a:headEnd type="none" w="med" len="med"/>
+                      <a:tailEnd type="none" w="med" len="med"/>
+                    </a:lnB>
+                    <a:lnTlToBr w="12700" cmpd="sng">
+                      <a:noFill/>
+                      <a:prstDash val="solid"/>
+                    </a:lnTlToBr>
+                    <a:lnBlToTr w="12700" cmpd="sng">
+                      <a:noFill/>
+                      <a:prstDash val="solid"/>
+                    </a:lnBlToTr>
+                  </a:tcPr>
+                </a:tc>
+                <a:tc>
+                  <a:txBody>
+                    <a:bodyPr/>
+                    <a:lstStyle/>
+                    <a:p>
+                      <a:pPr algn="ctr"/>
+                      <a:r>
+                        <a:rPr lang="de-DE" sz="1000" dirty="0">
+                          <a:latin typeface="Arial" panose="020B0604020202020204" pitchFamily="34" charset="0"/>
+                          <a:cs typeface="Arial" panose="020B0604020202020204" pitchFamily="34" charset="0"/>
+                        </a:rPr>
+                        <a:t>17</a:t>
+                      </a:r>
+                    </a:p>
+                  </a:txBody>
+                  <a:tcPr marL="0" marR="0" marT="0" marB="0">
+                    <a:lnL w="12700" cap="flat" cmpd="sng" algn="ctr">
+                      <a:solidFill>
+                        <a:schemeClr val="tx1"/>
+                      </a:solidFill>
+                      <a:prstDash val="solid"/>
+                      <a:round/>
+                      <a:headEnd type="none" w="med" len="med"/>
+                      <a:tailEnd type="none" w="med" len="med"/>
+                    </a:lnL>
+                    <a:lnR w="12700" cap="flat" cmpd="sng" algn="ctr">
+                      <a:solidFill>
+                        <a:schemeClr val="tx1"/>
+                      </a:solidFill>
+                      <a:prstDash val="solid"/>
+                      <a:round/>
+                      <a:headEnd type="none" w="med" len="med"/>
+                      <a:tailEnd type="none" w="med" len="med"/>
+                    </a:lnR>
+                    <a:lnT w="12700" cap="flat" cmpd="sng" algn="ctr">
+                      <a:solidFill>
+                        <a:schemeClr val="tx1"/>
+                      </a:solidFill>
+                      <a:prstDash val="solid"/>
+                      <a:round/>
+                      <a:headEnd type="none" w="med" len="med"/>
+                      <a:tailEnd type="none" w="med" len="med"/>
+                    </a:lnT>
+                    <a:lnB w="12700" cap="flat" cmpd="sng" algn="ctr">
+                      <a:solidFill>
+                        <a:schemeClr val="tx1"/>
+                      </a:solidFill>
+                      <a:prstDash val="solid"/>
+                      <a:round/>
+                      <a:headEnd type="none" w="med" len="med"/>
+                      <a:tailEnd type="none" w="med" len="med"/>
+                    </a:lnB>
+                    <a:lnTlToBr w="12700" cmpd="sng">
+                      <a:noFill/>
+                      <a:prstDash val="solid"/>
+                    </a:lnTlToBr>
+                    <a:lnBlToTr w="12700" cmpd="sng">
+                      <a:noFill/>
+                      <a:prstDash val="solid"/>
+                    </a:lnBlToTr>
+                  </a:tcPr>
+                </a:tc>
+                <a:tc>
+                  <a:txBody>
+                    <a:bodyPr/>
+                    <a:lstStyle/>
+                    <a:p>
+                      <a:pPr algn="ctr"/>
+                      <a:r>
+                        <a:rPr lang="de-DE" sz="1000" dirty="0">
+                          <a:latin typeface="Arial" panose="020B0604020202020204" pitchFamily="34" charset="0"/>
+                          <a:cs typeface="Arial" panose="020B0604020202020204" pitchFamily="34" charset="0"/>
+                        </a:rPr>
+                        <a:t>5</a:t>
+                      </a:r>
+                    </a:p>
+                  </a:txBody>
+                  <a:tcPr marL="0" marR="0" marT="0" marB="0">
+                    <a:lnL w="12700" cap="flat" cmpd="sng" algn="ctr">
+                      <a:solidFill>
+                        <a:schemeClr val="tx1"/>
+                      </a:solidFill>
+                      <a:prstDash val="solid"/>
+                      <a:round/>
+                      <a:headEnd type="none" w="med" len="med"/>
+                      <a:tailEnd type="none" w="med" len="med"/>
+                    </a:lnL>
+                    <a:lnR w="12700" cap="flat" cmpd="sng" algn="ctr">
+                      <a:noFill/>
+                      <a:prstDash val="solid"/>
+                      <a:round/>
+                      <a:headEnd type="none" w="med" len="med"/>
+                      <a:tailEnd type="none" w="med" len="med"/>
+                    </a:lnR>
+                    <a:lnT w="12700" cap="flat" cmpd="sng" algn="ctr">
+                      <a:solidFill>
+                        <a:schemeClr val="tx1"/>
+                      </a:solidFill>
+                      <a:prstDash val="solid"/>
+                      <a:round/>
+                      <a:headEnd type="none" w="med" len="med"/>
+                      <a:tailEnd type="none" w="med" len="med"/>
+                    </a:lnT>
+                    <a:lnB w="12700" cap="flat" cmpd="sng" algn="ctr">
+                      <a:solidFill>
+                        <a:schemeClr val="tx1"/>
+                      </a:solidFill>
+                      <a:prstDash val="solid"/>
+                      <a:round/>
+                      <a:headEnd type="none" w="med" len="med"/>
+                      <a:tailEnd type="none" w="med" len="med"/>
+                    </a:lnB>
+                    <a:lnTlToBr w="12700" cmpd="sng">
+                      <a:noFill/>
+                      <a:prstDash val="solid"/>
+                    </a:lnTlToBr>
+                    <a:lnBlToTr w="12700" cmpd="sng">
+                      <a:noFill/>
+                      <a:prstDash val="solid"/>
+                    </a:lnBlToTr>
+                  </a:tcPr>
+                </a:tc>
+                <a:extLst>
+                  <a:ext uri="{0D108BD9-81ED-4DB2-BD59-A6C34878D82A}">
+                    <a16:rowId xmlns:a16="http://schemas.microsoft.com/office/drawing/2014/main" val="166934464"/>
+                  </a:ext>
+                </a:extLst>
+              </a:tr>
+              <a:tr h="138058">
+                <a:tc vMerge="1">
+                  <a:txBody>
+                    <a:bodyPr/>
+                    <a:lstStyle/>
+                    <a:p>
+                      <a:endParaRPr lang="de-DE" sz="1100" dirty="0">
+                        <a:latin typeface="Arial" panose="020B0604020202020204" pitchFamily="34" charset="0"/>
+                        <a:cs typeface="Arial" panose="020B0604020202020204" pitchFamily="34" charset="0"/>
+                      </a:endParaRPr>
+                    </a:p>
+                  </a:txBody>
+                  <a:tcPr>
+                    <a:lnL>
+                      <a:noFill/>
+                    </a:lnL>
+                    <a:lnR>
+                      <a:noFill/>
+                    </a:lnR>
+                    <a:lnT>
+                      <a:noFill/>
+                    </a:lnT>
+                    <a:lnB>
+                      <a:noFill/>
+                    </a:lnB>
+                    <a:lnTlToBr w="12700" cmpd="sng">
+                      <a:noFill/>
+                      <a:prstDash val="solid"/>
+                    </a:lnTlToBr>
+                    <a:lnBlToTr w="12700" cmpd="sng">
+                      <a:noFill/>
+                      <a:prstDash val="solid"/>
+                    </a:lnBlToTr>
+                  </a:tcPr>
+                </a:tc>
+                <a:tc>
+                  <a:txBody>
+                    <a:bodyPr/>
+                    <a:lstStyle/>
+                    <a:p>
+                      <a:pPr algn="ctr"/>
+                      <a:r>
+                        <a:rPr lang="de-DE" sz="1000" dirty="0">
+                          <a:latin typeface="Arial" panose="020B0604020202020204" pitchFamily="34" charset="0"/>
+                          <a:cs typeface="Arial" panose="020B0604020202020204" pitchFamily="34" charset="0"/>
+                        </a:rPr>
+                        <a:t>OHHV</a:t>
+                      </a:r>
+                    </a:p>
+                  </a:txBody>
+                  <a:tcPr marL="0" marR="0" marT="0" marB="0">
+                    <a:lnL w="12700" cap="flat" cmpd="sng" algn="ctr">
+                      <a:noFill/>
+                      <a:prstDash val="solid"/>
+                      <a:round/>
+                      <a:headEnd type="none" w="med" len="med"/>
+                      <a:tailEnd type="none" w="med" len="med"/>
+                    </a:lnL>
+                    <a:lnR w="12700" cap="flat" cmpd="sng" algn="ctr">
+                      <a:solidFill>
+                        <a:schemeClr val="tx1"/>
+                      </a:solidFill>
+                      <a:prstDash val="solid"/>
+                      <a:round/>
+                      <a:headEnd type="none" w="med" len="med"/>
+                      <a:tailEnd type="none" w="med" len="med"/>
+                    </a:lnR>
+                    <a:lnT w="12700" cap="flat" cmpd="sng" algn="ctr">
+                      <a:solidFill>
+                        <a:schemeClr val="tx1"/>
+                      </a:solidFill>
+                      <a:prstDash val="solid"/>
+                      <a:round/>
+                      <a:headEnd type="none" w="med" len="med"/>
+                      <a:tailEnd type="none" w="med" len="med"/>
+                    </a:lnT>
+                    <a:lnB w="12700" cap="flat" cmpd="sng" algn="ctr">
+                      <a:noFill/>
+                      <a:prstDash val="solid"/>
+                      <a:round/>
+                      <a:headEnd type="none" w="med" len="med"/>
+                      <a:tailEnd type="none" w="med" len="med"/>
+                    </a:lnB>
+                    <a:lnTlToBr w="12700" cmpd="sng">
+                      <a:noFill/>
+                      <a:prstDash val="solid"/>
+                    </a:lnTlToBr>
+                    <a:lnBlToTr w="12700" cmpd="sng">
+                      <a:noFill/>
+                      <a:prstDash val="solid"/>
+                    </a:lnBlToTr>
+                  </a:tcPr>
+                </a:tc>
+                <a:tc>
+                  <a:txBody>
+                    <a:bodyPr/>
+                    <a:lstStyle/>
+                    <a:p>
+                      <a:pPr algn="ctr"/>
+                      <a:r>
+                        <a:rPr lang="de-DE" sz="1000" dirty="0">
+                          <a:latin typeface="Arial" panose="020B0604020202020204" pitchFamily="34" charset="0"/>
+                          <a:cs typeface="Arial" panose="020B0604020202020204" pitchFamily="34" charset="0"/>
+                        </a:rPr>
+                        <a:t>2</a:t>
+                      </a:r>
+                    </a:p>
+                  </a:txBody>
+                  <a:tcPr marL="0" marR="0" marT="0" marB="0">
+                    <a:lnL w="12700" cap="flat" cmpd="sng" algn="ctr">
+                      <a:solidFill>
+                        <a:schemeClr val="tx1"/>
+                      </a:solidFill>
+                      <a:prstDash val="solid"/>
+                      <a:round/>
+                      <a:headEnd type="none" w="med" len="med"/>
+                      <a:tailEnd type="none" w="med" len="med"/>
+                    </a:lnL>
+                    <a:lnR w="12700" cap="flat" cmpd="sng" algn="ctr">
+                      <a:solidFill>
+                        <a:schemeClr val="tx1"/>
+                      </a:solidFill>
+                      <a:prstDash val="solid"/>
+                      <a:round/>
+                      <a:headEnd type="none" w="med" len="med"/>
+                      <a:tailEnd type="none" w="med" len="med"/>
+                    </a:lnR>
+                    <a:lnT w="12700" cap="flat" cmpd="sng" algn="ctr">
+                      <a:solidFill>
+                        <a:schemeClr val="tx1"/>
+                      </a:solidFill>
+                      <a:prstDash val="solid"/>
+                      <a:round/>
+                      <a:headEnd type="none" w="med" len="med"/>
+                      <a:tailEnd type="none" w="med" len="med"/>
+                    </a:lnT>
+                    <a:lnB w="12700" cap="flat" cmpd="sng" algn="ctr">
+                      <a:noFill/>
+                      <a:prstDash val="solid"/>
+                      <a:round/>
+                      <a:headEnd type="none" w="med" len="med"/>
+                      <a:tailEnd type="none" w="med" len="med"/>
+                    </a:lnB>
+                    <a:lnTlToBr w="12700" cmpd="sng">
+                      <a:noFill/>
+                      <a:prstDash val="solid"/>
+                    </a:lnTlToBr>
+                    <a:lnBlToTr w="12700" cmpd="sng">
+                      <a:noFill/>
+                      <a:prstDash val="solid"/>
+                    </a:lnBlToTr>
+                  </a:tcPr>
+                </a:tc>
+                <a:tc>
+                  <a:txBody>
+                    <a:bodyPr/>
+                    <a:lstStyle/>
+                    <a:p>
+                      <a:pPr algn="ctr"/>
+                      <a:r>
+                        <a:rPr lang="de-DE" sz="1000" dirty="0">
+                          <a:latin typeface="Arial" panose="020B0604020202020204" pitchFamily="34" charset="0"/>
+                          <a:cs typeface="Arial" panose="020B0604020202020204" pitchFamily="34" charset="0"/>
+                        </a:rPr>
+                        <a:t>28</a:t>
+                      </a:r>
+                    </a:p>
+                  </a:txBody>
+                  <a:tcPr marL="0" marR="0" marT="0" marB="0">
+                    <a:lnL w="12700" cap="flat" cmpd="sng" algn="ctr">
+                      <a:solidFill>
+                        <a:schemeClr val="tx1"/>
+                      </a:solidFill>
+                      <a:prstDash val="solid"/>
+                      <a:round/>
+                      <a:headEnd type="none" w="med" len="med"/>
+                      <a:tailEnd type="none" w="med" len="med"/>
+                    </a:lnL>
+                    <a:lnR w="12700" cap="flat" cmpd="sng" algn="ctr">
+                      <a:noFill/>
+                      <a:prstDash val="solid"/>
+                      <a:round/>
+                      <a:headEnd type="none" w="med" len="med"/>
+                      <a:tailEnd type="none" w="med" len="med"/>
+                    </a:lnR>
+                    <a:lnT w="12700" cap="flat" cmpd="sng" algn="ctr">
+                      <a:solidFill>
+                        <a:schemeClr val="tx1"/>
+                      </a:solidFill>
+                      <a:prstDash val="solid"/>
+                      <a:round/>
+                      <a:headEnd type="none" w="med" len="med"/>
+                      <a:tailEnd type="none" w="med" len="med"/>
+                    </a:lnT>
+                    <a:lnB w="12700" cap="flat" cmpd="sng" algn="ctr">
+                      <a:noFill/>
+                      <a:prstDash val="solid"/>
+                      <a:round/>
+                      <a:headEnd type="none" w="med" len="med"/>
+                      <a:tailEnd type="none" w="med" len="med"/>
+                    </a:lnB>
+                    <a:lnTlToBr w="12700" cmpd="sng">
+                      <a:noFill/>
+                      <a:prstDash val="solid"/>
+                    </a:lnTlToBr>
+                    <a:lnBlToTr w="12700" cmpd="sng">
+                      <a:noFill/>
+                      <a:prstDash val="solid"/>
+                    </a:lnBlToTr>
+                  </a:tcPr>
+                </a:tc>
+                <a:extLst>
+                  <a:ext uri="{0D108BD9-81ED-4DB2-BD59-A6C34878D82A}">
+                    <a16:rowId xmlns:a16="http://schemas.microsoft.com/office/drawing/2014/main" val="876347481"/>
+                  </a:ext>
+                </a:extLst>
+              </a:tr>
+            </a:tbl>
+          </a:graphicData>
+        </a:graphic>
+      </p:graphicFrame>
+      <p:sp>
+        <p:nvSpPr>
+          <p:cNvPr id="147" name="Textfeld 146">
+            <a:extLst>
+              <a:ext uri="{FF2B5EF4-FFF2-40B4-BE49-F238E27FC236}">
+                <a16:creationId xmlns:a16="http://schemas.microsoft.com/office/drawing/2014/main" id="{5205943F-38E1-4B41-B55B-7E0CDB670518}"/>
+              </a:ext>
+            </a:extLst>
+          </p:cNvPr>
+          <p:cNvSpPr txBox="1"/>
+          <p:nvPr/>
+        </p:nvSpPr>
+        <p:spPr>
+          <a:xfrm>
+            <a:off x="4072224" y="4494410"/>
+            <a:ext cx="1413522" cy="553998"/>
+          </a:xfrm>
+          <a:prstGeom prst="rect">
+            <a:avLst/>
+          </a:prstGeom>
+          <a:noFill/>
+        </p:spPr>
+        <p:txBody>
+          <a:bodyPr wrap="square" rtlCol="0">
+            <a:spAutoFit/>
+          </a:bodyPr>
+          <a:lstStyle/>
+          <a:p>
+            <a:pPr defTabSz="72000"/>
+            <a:r>
+              <a:rPr lang="de-DE" sz="1000" noProof="1">
+                <a:latin typeface="Arial" panose="020B0604020202020204" pitchFamily="34" charset="0"/>
+                <a:cs typeface="Arial" panose="020B0604020202020204" pitchFamily="34" charset="0"/>
+              </a:rPr>
+              <a:t>Accuracy 		=	86.5%</a:t>
+            </a:r>
+            <a:br>
+              <a:rPr lang="de-DE" sz="1000" noProof="1">
+                <a:latin typeface="Arial" panose="020B0604020202020204" pitchFamily="34" charset="0"/>
+                <a:cs typeface="Arial" panose="020B0604020202020204" pitchFamily="34" charset="0"/>
+              </a:rPr>
+            </a:br>
+            <a:r>
+              <a:rPr lang="de-DE" sz="1000" noProof="1">
+                <a:latin typeface="Arial" panose="020B0604020202020204" pitchFamily="34" charset="0"/>
+                <a:cs typeface="Arial" panose="020B0604020202020204" pitchFamily="34" charset="0"/>
+              </a:rPr>
+              <a:t>Sensitivity		=	77.3%</a:t>
+            </a:r>
+            <a:br>
+              <a:rPr lang="de-DE" sz="1000" noProof="1">
+                <a:latin typeface="Arial" panose="020B0604020202020204" pitchFamily="34" charset="0"/>
+                <a:cs typeface="Arial" panose="020B0604020202020204" pitchFamily="34" charset="0"/>
+              </a:rPr>
+            </a:br>
+            <a:r>
+              <a:rPr lang="de-DE" sz="1000" noProof="1">
+                <a:latin typeface="Arial" panose="020B0604020202020204" pitchFamily="34" charset="0"/>
+                <a:cs typeface="Arial" panose="020B0604020202020204" pitchFamily="34" charset="0"/>
+              </a:rPr>
+              <a:t>Specificity		=	93.3%</a:t>
+            </a:r>
+          </a:p>
+        </p:txBody>
+      </p:sp>
+      <p:grpSp>
+        <p:nvGrpSpPr>
+          <p:cNvPr id="148" name="Gruppieren 147">
+            <a:extLst>
+              <a:ext uri="{FF2B5EF4-FFF2-40B4-BE49-F238E27FC236}">
+                <a16:creationId xmlns:a16="http://schemas.microsoft.com/office/drawing/2014/main" id="{8E8F34ED-4168-43D6-9A13-9F41061E80B0}"/>
+              </a:ext>
+            </a:extLst>
+          </p:cNvPr>
+          <p:cNvGrpSpPr/>
+          <p:nvPr/>
+        </p:nvGrpSpPr>
+        <p:grpSpPr>
+          <a:xfrm>
+            <a:off x="5488899" y="1449154"/>
+            <a:ext cx="4718277" cy="3106207"/>
+            <a:chOff x="2246091" y="427300"/>
+            <a:chExt cx="4718277" cy="3106207"/>
+          </a:xfrm>
+        </p:grpSpPr>
+        <p:sp>
+          <p:nvSpPr>
+            <p:cNvPr id="149" name="Rechteck: abgerundete Ecken 148">
+              <a:extLst>
+                <a:ext uri="{FF2B5EF4-FFF2-40B4-BE49-F238E27FC236}">
+                  <a16:creationId xmlns:a16="http://schemas.microsoft.com/office/drawing/2014/main" id="{ACC49C3C-24D1-4718-B318-A2735D0C11E7}"/>
+                </a:ext>
+              </a:extLst>
+            </p:cNvPr>
+            <p:cNvSpPr/>
+            <p:nvPr/>
+          </p:nvSpPr>
+          <p:spPr>
+            <a:xfrm>
+              <a:off x="2966171" y="427300"/>
+              <a:ext cx="1080000" cy="468604"/>
+            </a:xfrm>
+            <a:prstGeom prst="roundRect">
+              <a:avLst>
+                <a:gd name="adj" fmla="val 11124"/>
+              </a:avLst>
+            </a:prstGeom>
+            <a:solidFill>
+              <a:srgbClr val="C7E4C8"/>
+            </a:solidFill>
+            <a:ln w="9525">
+              <a:solidFill>
+                <a:srgbClr val="2FA65F"/>
+              </a:solidFill>
+            </a:ln>
+          </p:spPr>
+          <p:style>
+            <a:lnRef idx="2">
+              <a:schemeClr val="accent1">
+                <a:shade val="50000"/>
+              </a:schemeClr>
+            </a:lnRef>
+            <a:fillRef idx="1">
+              <a:schemeClr val="accent1"/>
+            </a:fillRef>
+            <a:effectRef idx="0">
+              <a:schemeClr val="accent1"/>
+            </a:effectRef>
+            <a:fontRef idx="minor">
+              <a:schemeClr val="lt1"/>
+            </a:fontRef>
+          </p:style>
+          <p:txBody>
+            <a:bodyPr lIns="18000" tIns="0" rIns="18000" bIns="0" rtlCol="0" anchor="ctr"/>
+            <a:lstStyle/>
+            <a:p>
+              <a:pPr algn="ctr"/>
+              <a:r>
+                <a:rPr lang="de-DE" sz="900" noProof="1">
+                  <a:solidFill>
+                    <a:schemeClr val="tx1"/>
+                  </a:solidFill>
+                  <a:latin typeface="Arial" panose="020B0604020202020204" pitchFamily="34" charset="0"/>
+                  <a:cs typeface="Arial" panose="020B0604020202020204" pitchFamily="34" charset="0"/>
+                </a:rPr>
+                <a:t>Time-to-Peak-Diastolic-Through-Plane-Velocity [ms]</a:t>
+              </a:r>
+            </a:p>
+          </p:txBody>
+        </p:sp>
+        <p:sp>
+          <p:nvSpPr>
+            <p:cNvPr id="150" name="Rechteck: abgerundete Ecken 149">
+              <a:extLst>
+                <a:ext uri="{FF2B5EF4-FFF2-40B4-BE49-F238E27FC236}">
+                  <a16:creationId xmlns:a16="http://schemas.microsoft.com/office/drawing/2014/main" id="{A71CB53A-061E-4D6C-918A-C986D185A3A1}"/>
+                </a:ext>
+              </a:extLst>
+            </p:cNvPr>
+            <p:cNvSpPr/>
+            <p:nvPr/>
+          </p:nvSpPr>
+          <p:spPr>
+            <a:xfrm>
+              <a:off x="3709976" y="1110824"/>
+              <a:ext cx="1080000" cy="468604"/>
+            </a:xfrm>
+            <a:prstGeom prst="roundRect">
+              <a:avLst>
+                <a:gd name="adj" fmla="val 11124"/>
+              </a:avLst>
+            </a:prstGeom>
+            <a:solidFill>
+              <a:srgbClr val="C7E4C8"/>
+            </a:solidFill>
+            <a:ln w="9525">
+              <a:solidFill>
+                <a:srgbClr val="2FA65F"/>
+              </a:solidFill>
+            </a:ln>
+          </p:spPr>
+          <p:style>
+            <a:lnRef idx="2">
+              <a:schemeClr val="accent1">
+                <a:shade val="50000"/>
+              </a:schemeClr>
+            </a:lnRef>
+            <a:fillRef idx="1">
+              <a:schemeClr val="accent1"/>
+            </a:fillRef>
+            <a:effectRef idx="0">
+              <a:schemeClr val="accent1"/>
+            </a:effectRef>
+            <a:fontRef idx="minor">
+              <a:schemeClr val="lt1"/>
+            </a:fontRef>
+          </p:style>
+          <p:txBody>
+            <a:bodyPr lIns="18000" tIns="0" rIns="18000" bIns="0" rtlCol="0" anchor="ctr"/>
+            <a:lstStyle/>
+            <a:p>
+              <a:pPr algn="ctr"/>
+              <a:r>
+                <a:rPr lang="de-DE" sz="900" noProof="1">
+                  <a:solidFill>
+                    <a:schemeClr val="tx1"/>
+                  </a:solidFill>
+                  <a:latin typeface="Arial" panose="020B0604020202020204" pitchFamily="34" charset="0"/>
+                  <a:cs typeface="Arial" panose="020B0604020202020204" pitchFamily="34" charset="0"/>
+                </a:rPr>
+                <a:t>Time-to-Peak-Diastolic-Through-Plane-Velocity [ms]</a:t>
+              </a:r>
+            </a:p>
+          </p:txBody>
+        </p:sp>
+        <p:grpSp>
+          <p:nvGrpSpPr>
+            <p:cNvPr id="152" name="Gruppieren 151">
+              <a:extLst>
+                <a:ext uri="{FF2B5EF4-FFF2-40B4-BE49-F238E27FC236}">
+                  <a16:creationId xmlns:a16="http://schemas.microsoft.com/office/drawing/2014/main" id="{5E27E66F-DE85-4B70-8B10-CE7077CCD4A4}"/>
                 </a:ext>
               </a:extLst>
             </p:cNvPr>
@@ -11789,10 +15660,10 @@
           </p:grpSpPr>
           <p:sp>
             <p:nvSpPr>
-              <p:cNvPr id="287" name="Rechteck 286">
+              <p:cNvPr id="187" name="Rechteck 186">
                 <a:extLst>
                   <a:ext uri="{FF2B5EF4-FFF2-40B4-BE49-F238E27FC236}">
-                    <a16:creationId xmlns:a16="http://schemas.microsoft.com/office/drawing/2014/main" id="{48338B55-1DC2-4A33-82E7-FB7B02438152}"/>
+                    <a16:creationId xmlns:a16="http://schemas.microsoft.com/office/drawing/2014/main" id="{3AF01D3B-0863-4FF7-81F2-E0D907FE373E}"/>
                   </a:ext>
                 </a:extLst>
               </p:cNvPr>
@@ -11862,10 +15733,10 @@
           </p:sp>
           <p:sp>
             <p:nvSpPr>
-              <p:cNvPr id="288" name="Rechteck 287">
+              <p:cNvPr id="188" name="Rechteck 187">
                 <a:extLst>
                   <a:ext uri="{FF2B5EF4-FFF2-40B4-BE49-F238E27FC236}">
-                    <a16:creationId xmlns:a16="http://schemas.microsoft.com/office/drawing/2014/main" id="{2D34595C-9D4D-4907-AD0D-60BE493EE5BF}"/>
+                    <a16:creationId xmlns:a16="http://schemas.microsoft.com/office/drawing/2014/main" id="{B09884C0-2971-432E-B5D2-C5CF4D45F550}"/>
                   </a:ext>
                 </a:extLst>
               </p:cNvPr>
@@ -11938,10 +15809,10 @@
         </p:grpSp>
         <p:grpSp>
           <p:nvGrpSpPr>
-            <p:cNvPr id="253" name="Gruppieren 252">
+            <p:cNvPr id="153" name="Gruppieren 152">
               <a:extLst>
                 <a:ext uri="{FF2B5EF4-FFF2-40B4-BE49-F238E27FC236}">
-                  <a16:creationId xmlns:a16="http://schemas.microsoft.com/office/drawing/2014/main" id="{49DFFF16-FF3B-4FC1-BB5A-58E9A3291332}"/>
+                  <a16:creationId xmlns:a16="http://schemas.microsoft.com/office/drawing/2014/main" id="{EC2F499F-8F27-4B49-9BF0-9D31E458E733}"/>
                 </a:ext>
               </a:extLst>
             </p:cNvPr>
@@ -11958,10 +15829,10 @@
           </p:grpSpPr>
           <p:sp>
             <p:nvSpPr>
-              <p:cNvPr id="284" name="Textfeld 283">
+              <p:cNvPr id="184" name="Textfeld 183">
                 <a:extLst>
                   <a:ext uri="{FF2B5EF4-FFF2-40B4-BE49-F238E27FC236}">
-                    <a16:creationId xmlns:a16="http://schemas.microsoft.com/office/drawing/2014/main" id="{40EF2797-6F57-4CBE-ABF5-6870675E2D6F}"/>
+                    <a16:creationId xmlns:a16="http://schemas.microsoft.com/office/drawing/2014/main" id="{087CBFA9-88A8-430A-B92B-15EB2C0203F1}"/>
                   </a:ext>
                 </a:extLst>
               </p:cNvPr>
@@ -11997,10 +15868,10 @@
           </p:sp>
           <p:cxnSp>
             <p:nvCxnSpPr>
-              <p:cNvPr id="285" name="Gerade Verbindung mit Pfeil 8">
+              <p:cNvPr id="185" name="Gerade Verbindung mit Pfeil 8">
                 <a:extLst>
                   <a:ext uri="{FF2B5EF4-FFF2-40B4-BE49-F238E27FC236}">
-                    <a16:creationId xmlns:a16="http://schemas.microsoft.com/office/drawing/2014/main" id="{95428093-6A08-4709-82BB-F381764039A6}"/>
+                    <a16:creationId xmlns:a16="http://schemas.microsoft.com/office/drawing/2014/main" id="{7EF57676-13A0-47D9-84A3-2BAF61EA1586}"/>
                   </a:ext>
                 </a:extLst>
               </p:cNvPr>
@@ -12038,10 +15909,10 @@
           </p:cxnSp>
           <p:sp>
             <p:nvSpPr>
-              <p:cNvPr id="286" name="Textfeld 285">
+              <p:cNvPr id="186" name="Textfeld 185">
                 <a:extLst>
                   <a:ext uri="{FF2B5EF4-FFF2-40B4-BE49-F238E27FC236}">
-                    <a16:creationId xmlns:a16="http://schemas.microsoft.com/office/drawing/2014/main" id="{76602C4D-1DA1-4318-9091-29F8B2503A19}"/>
+                    <a16:creationId xmlns:a16="http://schemas.microsoft.com/office/drawing/2014/main" id="{69D05722-ADDC-46A4-AD2F-B0925AA80D58}"/>
                   </a:ext>
                 </a:extLst>
               </p:cNvPr>
@@ -12077,10 +15948,10 @@
         </p:grpSp>
         <p:grpSp>
           <p:nvGrpSpPr>
-            <p:cNvPr id="254" name="Gruppieren 253">
+            <p:cNvPr id="154" name="Gruppieren 153">
               <a:extLst>
                 <a:ext uri="{FF2B5EF4-FFF2-40B4-BE49-F238E27FC236}">
-                  <a16:creationId xmlns:a16="http://schemas.microsoft.com/office/drawing/2014/main" id="{88A3D069-D513-46A8-8370-34AF803E7A88}"/>
+                  <a16:creationId xmlns:a16="http://schemas.microsoft.com/office/drawing/2014/main" id="{F6796DFB-0FB2-4F58-8DBC-FA1A1D9F3BDC}"/>
                 </a:ext>
               </a:extLst>
             </p:cNvPr>
@@ -12097,10 +15968,10 @@
           </p:grpSpPr>
           <p:cxnSp>
             <p:nvCxnSpPr>
-              <p:cNvPr id="280" name="Gerade Verbindung mit Pfeil 8">
+              <p:cNvPr id="180" name="Gerade Verbindung mit Pfeil 8">
                 <a:extLst>
                   <a:ext uri="{FF2B5EF4-FFF2-40B4-BE49-F238E27FC236}">
-                    <a16:creationId xmlns:a16="http://schemas.microsoft.com/office/drawing/2014/main" id="{A078E5ED-B267-4BEA-84FC-AA765E698037}"/>
+                    <a16:creationId xmlns:a16="http://schemas.microsoft.com/office/drawing/2014/main" id="{05901B53-2038-4E45-9D7B-A75A0ADE7C0A}"/>
                   </a:ext>
                 </a:extLst>
               </p:cNvPr>
@@ -12136,10 +16007,10 @@
           </p:cxnSp>
           <p:sp>
             <p:nvSpPr>
-              <p:cNvPr id="281" name="Textfeld 280">
+              <p:cNvPr id="181" name="Textfeld 180">
                 <a:extLst>
                   <a:ext uri="{FF2B5EF4-FFF2-40B4-BE49-F238E27FC236}">
-                    <a16:creationId xmlns:a16="http://schemas.microsoft.com/office/drawing/2014/main" id="{4C87521B-9D85-4D0E-BB29-98B5FCE8D189}"/>
+                    <a16:creationId xmlns:a16="http://schemas.microsoft.com/office/drawing/2014/main" id="{F261B815-5A8B-4006-BE16-428FCCCB4847}"/>
                   </a:ext>
                 </a:extLst>
               </p:cNvPr>
@@ -12175,10 +16046,10 @@
           </p:sp>
           <p:cxnSp>
             <p:nvCxnSpPr>
-              <p:cNvPr id="282" name="Gerade Verbindung mit Pfeil 8">
+              <p:cNvPr id="182" name="Gerade Verbindung mit Pfeil 8">
                 <a:extLst>
                   <a:ext uri="{FF2B5EF4-FFF2-40B4-BE49-F238E27FC236}">
-                    <a16:creationId xmlns:a16="http://schemas.microsoft.com/office/drawing/2014/main" id="{60F2E415-6CB8-4E4C-B54D-4465A0A68EF7}"/>
+                    <a16:creationId xmlns:a16="http://schemas.microsoft.com/office/drawing/2014/main" id="{8B09E265-835B-4DAA-8D2E-90DD630DB9A2}"/>
                   </a:ext>
                 </a:extLst>
               </p:cNvPr>
@@ -12216,10 +16087,10 @@
           </p:cxnSp>
           <p:sp>
             <p:nvSpPr>
-              <p:cNvPr id="283" name="Textfeld 282">
+              <p:cNvPr id="183" name="Textfeld 182">
                 <a:extLst>
                   <a:ext uri="{FF2B5EF4-FFF2-40B4-BE49-F238E27FC236}">
-                    <a16:creationId xmlns:a16="http://schemas.microsoft.com/office/drawing/2014/main" id="{C1AF819A-BE77-40BC-BFC3-522605563E74}"/>
+                    <a16:creationId xmlns:a16="http://schemas.microsoft.com/office/drawing/2014/main" id="{E77F05A4-C9A5-429C-8788-6532CBD1EC50}"/>
                   </a:ext>
                 </a:extLst>
               </p:cNvPr>
@@ -12255,10 +16126,10 @@
         </p:grpSp>
         <p:sp>
           <p:nvSpPr>
-            <p:cNvPr id="255" name="Rechteck: abgerundete Ecken 254">
+            <p:cNvPr id="155" name="Rechteck: abgerundete Ecken 154">
               <a:extLst>
                 <a:ext uri="{FF2B5EF4-FFF2-40B4-BE49-F238E27FC236}">
-                  <a16:creationId xmlns:a16="http://schemas.microsoft.com/office/drawing/2014/main" id="{CFD38E54-4574-4000-B309-C3F52130A0D5}"/>
+                  <a16:creationId xmlns:a16="http://schemas.microsoft.com/office/drawing/2014/main" id="{7C11992A-E1A9-4B69-99CE-67DB6004A986}"/>
                 </a:ext>
               </a:extLst>
             </p:cNvPr>
@@ -12313,17 +16184,17 @@
                   <a:latin typeface="Arial" panose="020B0604020202020204" pitchFamily="34" charset="0"/>
                   <a:cs typeface="Arial" panose="020B0604020202020204" pitchFamily="34" charset="0"/>
                 </a:rPr>
-                <a:t>systolicMax-OverallVelocity-Q99 [m/s]</a:t>
+                <a:t>Peak-Systolic-VelocityQ99 [m/s]</a:t>
               </a:r>
             </a:p>
           </p:txBody>
         </p:sp>
         <p:grpSp>
           <p:nvGrpSpPr>
-            <p:cNvPr id="256" name="Gruppieren 255">
+            <p:cNvPr id="156" name="Gruppieren 155">
               <a:extLst>
                 <a:ext uri="{FF2B5EF4-FFF2-40B4-BE49-F238E27FC236}">
-                  <a16:creationId xmlns:a16="http://schemas.microsoft.com/office/drawing/2014/main" id="{9EFE5F77-568B-4FFD-89CC-995C4798B649}"/>
+                  <a16:creationId xmlns:a16="http://schemas.microsoft.com/office/drawing/2014/main" id="{21893657-0B19-479D-84A0-E2B9FE82F1D6}"/>
                 </a:ext>
               </a:extLst>
             </p:cNvPr>
@@ -12340,10 +16211,10 @@
           </p:grpSpPr>
           <p:cxnSp>
             <p:nvCxnSpPr>
-              <p:cNvPr id="276" name="Gerade Verbindung mit Pfeil 8">
+              <p:cNvPr id="176" name="Gerade Verbindung mit Pfeil 8">
                 <a:extLst>
                   <a:ext uri="{FF2B5EF4-FFF2-40B4-BE49-F238E27FC236}">
-                    <a16:creationId xmlns:a16="http://schemas.microsoft.com/office/drawing/2014/main" id="{20753F89-05E3-4332-8D3E-BAAA57A4AB17}"/>
+                    <a16:creationId xmlns:a16="http://schemas.microsoft.com/office/drawing/2014/main" id="{82871E9D-450E-4944-9CF7-38A70595C385}"/>
                   </a:ext>
                 </a:extLst>
               </p:cNvPr>
@@ -12379,10 +16250,10 @@
           </p:cxnSp>
           <p:sp>
             <p:nvSpPr>
-              <p:cNvPr id="277" name="Textfeld 276">
+              <p:cNvPr id="177" name="Textfeld 176">
                 <a:extLst>
                   <a:ext uri="{FF2B5EF4-FFF2-40B4-BE49-F238E27FC236}">
-                    <a16:creationId xmlns:a16="http://schemas.microsoft.com/office/drawing/2014/main" id="{E73AD3A3-47F9-4E10-8F72-F89F08E4E8AC}"/>
+                    <a16:creationId xmlns:a16="http://schemas.microsoft.com/office/drawing/2014/main" id="{34A5B62B-2616-42F4-B4F2-18786F4D9A2F}"/>
                   </a:ext>
                 </a:extLst>
               </p:cNvPr>
@@ -12418,10 +16289,10 @@
           </p:sp>
           <p:cxnSp>
             <p:nvCxnSpPr>
-              <p:cNvPr id="278" name="Gerade Verbindung mit Pfeil 8">
+              <p:cNvPr id="178" name="Gerade Verbindung mit Pfeil 8">
                 <a:extLst>
                   <a:ext uri="{FF2B5EF4-FFF2-40B4-BE49-F238E27FC236}">
-                    <a16:creationId xmlns:a16="http://schemas.microsoft.com/office/drawing/2014/main" id="{A49C464D-3CDA-4EBD-BEFE-8E05022FA3D1}"/>
+                    <a16:creationId xmlns:a16="http://schemas.microsoft.com/office/drawing/2014/main" id="{A8F5EE3D-020A-4B02-BE11-02570B2F9032}"/>
                   </a:ext>
                 </a:extLst>
               </p:cNvPr>
@@ -12459,10 +16330,10 @@
           </p:cxnSp>
           <p:sp>
             <p:nvSpPr>
-              <p:cNvPr id="279" name="Textfeld 278">
+              <p:cNvPr id="179" name="Textfeld 178">
                 <a:extLst>
                   <a:ext uri="{FF2B5EF4-FFF2-40B4-BE49-F238E27FC236}">
-                    <a16:creationId xmlns:a16="http://schemas.microsoft.com/office/drawing/2014/main" id="{597D99AD-7DC9-444A-A06D-3A845A24D939}"/>
+                    <a16:creationId xmlns:a16="http://schemas.microsoft.com/office/drawing/2014/main" id="{5DBE61D0-8E49-4352-BA9E-F697799CD5A5}"/>
                   </a:ext>
                 </a:extLst>
               </p:cNvPr>
@@ -12498,10 +16369,10 @@
         </p:grpSp>
         <p:grpSp>
           <p:nvGrpSpPr>
-            <p:cNvPr id="257" name="Gruppieren 256">
+            <p:cNvPr id="157" name="Gruppieren 156">
               <a:extLst>
                 <a:ext uri="{FF2B5EF4-FFF2-40B4-BE49-F238E27FC236}">
-                  <a16:creationId xmlns:a16="http://schemas.microsoft.com/office/drawing/2014/main" id="{8AF920D6-E97D-4439-BEF4-F5567E95B901}"/>
+                  <a16:creationId xmlns:a16="http://schemas.microsoft.com/office/drawing/2014/main" id="{E1F36167-F122-47B0-9B15-6DC3BCEA4438}"/>
                 </a:ext>
               </a:extLst>
             </p:cNvPr>
@@ -12518,10 +16389,10 @@
           </p:grpSpPr>
           <p:sp>
             <p:nvSpPr>
-              <p:cNvPr id="274" name="Rechteck 273">
+              <p:cNvPr id="174" name="Rechteck 173">
                 <a:extLst>
                   <a:ext uri="{FF2B5EF4-FFF2-40B4-BE49-F238E27FC236}">
-                    <a16:creationId xmlns:a16="http://schemas.microsoft.com/office/drawing/2014/main" id="{F0D4585D-B608-4DE1-BCC9-2CBCD5393F43}"/>
+                    <a16:creationId xmlns:a16="http://schemas.microsoft.com/office/drawing/2014/main" id="{6CBC443D-8750-4978-8C8A-1A18467998CE}"/>
                   </a:ext>
                 </a:extLst>
               </p:cNvPr>
@@ -12591,10 +16462,10 @@
           </p:sp>
           <p:sp>
             <p:nvSpPr>
-              <p:cNvPr id="275" name="Rechteck 274">
+              <p:cNvPr id="175" name="Rechteck 174">
                 <a:extLst>
                   <a:ext uri="{FF2B5EF4-FFF2-40B4-BE49-F238E27FC236}">
-                    <a16:creationId xmlns:a16="http://schemas.microsoft.com/office/drawing/2014/main" id="{D342A44A-8FF1-4688-9A11-79E20BAB25DC}"/>
+                    <a16:creationId xmlns:a16="http://schemas.microsoft.com/office/drawing/2014/main" id="{37926D92-3A86-4B2D-AB66-46CB89357A27}"/>
                   </a:ext>
                 </a:extLst>
               </p:cNvPr>
@@ -12657,10 +16528,10 @@
         </p:grpSp>
         <p:grpSp>
           <p:nvGrpSpPr>
-            <p:cNvPr id="258" name="Gruppieren 257">
+            <p:cNvPr id="158" name="Gruppieren 157">
               <a:extLst>
                 <a:ext uri="{FF2B5EF4-FFF2-40B4-BE49-F238E27FC236}">
-                  <a16:creationId xmlns:a16="http://schemas.microsoft.com/office/drawing/2014/main" id="{183DA7ED-394B-4B49-BC07-702A0847CFDF}"/>
+                  <a16:creationId xmlns:a16="http://schemas.microsoft.com/office/drawing/2014/main" id="{6FC49609-9C7E-4834-979A-D314E486C4A8}"/>
                 </a:ext>
               </a:extLst>
             </p:cNvPr>
@@ -12677,10 +16548,10 @@
           </p:grpSpPr>
           <p:sp>
             <p:nvSpPr>
-              <p:cNvPr id="272" name="Rechteck 271">
+              <p:cNvPr id="172" name="Rechteck 171">
                 <a:extLst>
                   <a:ext uri="{FF2B5EF4-FFF2-40B4-BE49-F238E27FC236}">
-                    <a16:creationId xmlns:a16="http://schemas.microsoft.com/office/drawing/2014/main" id="{EA4B60F9-B0E2-4939-85AC-83060CF4F63D}"/>
+                    <a16:creationId xmlns:a16="http://schemas.microsoft.com/office/drawing/2014/main" id="{DCF24FE2-2D97-4FB1-B5D4-4BE8156B6921}"/>
                   </a:ext>
                 </a:extLst>
               </p:cNvPr>
@@ -12750,10 +16621,10 @@
           </p:sp>
           <p:sp>
             <p:nvSpPr>
-              <p:cNvPr id="273" name="Rechteck 272">
+              <p:cNvPr id="173" name="Rechteck 172">
                 <a:extLst>
                   <a:ext uri="{FF2B5EF4-FFF2-40B4-BE49-F238E27FC236}">
-                    <a16:creationId xmlns:a16="http://schemas.microsoft.com/office/drawing/2014/main" id="{B9A71A3E-0EF3-42A6-831A-637BF4C5129C}"/>
+                    <a16:creationId xmlns:a16="http://schemas.microsoft.com/office/drawing/2014/main" id="{F1E812C3-94A5-4353-BB7A-63788AFDDEB1}"/>
                   </a:ext>
                 </a:extLst>
               </p:cNvPr>
@@ -12816,10 +16687,10 @@
         </p:grpSp>
         <p:cxnSp>
           <p:nvCxnSpPr>
-            <p:cNvPr id="259" name="Gerade Verbindung mit Pfeil 8">
+            <p:cNvPr id="159" name="Gerade Verbindung mit Pfeil 8">
               <a:extLst>
                 <a:ext uri="{FF2B5EF4-FFF2-40B4-BE49-F238E27FC236}">
-                  <a16:creationId xmlns:a16="http://schemas.microsoft.com/office/drawing/2014/main" id="{2DE0A2CD-26F6-4AAA-8004-296DE9AB8D68}"/>
+                  <a16:creationId xmlns:a16="http://schemas.microsoft.com/office/drawing/2014/main" id="{5AA2098D-00E6-494A-A1BA-9243C7D917E2}"/>
                 </a:ext>
               </a:extLst>
             </p:cNvPr>
@@ -12857,10 +16728,10 @@
         </p:cxnSp>
         <p:sp>
           <p:nvSpPr>
-            <p:cNvPr id="260" name="Rechteck: abgerundete Ecken 259">
+            <p:cNvPr id="160" name="Rechteck: abgerundete Ecken 159">
               <a:extLst>
                 <a:ext uri="{FF2B5EF4-FFF2-40B4-BE49-F238E27FC236}">
-                  <a16:creationId xmlns:a16="http://schemas.microsoft.com/office/drawing/2014/main" id="{FE628D09-22C6-4907-B60A-63675C8B25FD}"/>
+                  <a16:creationId xmlns:a16="http://schemas.microsoft.com/office/drawing/2014/main" id="{16D4265B-D7C7-402B-ABC0-8CD417F9D999}"/>
                 </a:ext>
               </a:extLst>
             </p:cNvPr>
@@ -12915,17 +16786,17 @@
                   <a:latin typeface="Arial" panose="020B0604020202020204" pitchFamily="34" charset="0"/>
                   <a:cs typeface="Arial" panose="020B0604020202020204" pitchFamily="34" charset="0"/>
                 </a:rPr>
-                <a:t>systolicMax-OverallVelocity-Q99 [m/s]</a:t>
+                <a:t>Peak-Systolic-VelocityQ99 [m/s]</a:t>
               </a:r>
             </a:p>
           </p:txBody>
         </p:sp>
         <p:grpSp>
           <p:nvGrpSpPr>
-            <p:cNvPr id="261" name="Gruppieren 260">
+            <p:cNvPr id="161" name="Gruppieren 160">
               <a:extLst>
                 <a:ext uri="{FF2B5EF4-FFF2-40B4-BE49-F238E27FC236}">
-                  <a16:creationId xmlns:a16="http://schemas.microsoft.com/office/drawing/2014/main" id="{DE83FACD-C9CA-4F71-A482-D187C27BF846}"/>
+                  <a16:creationId xmlns:a16="http://schemas.microsoft.com/office/drawing/2014/main" id="{B52098BA-E951-438C-BB79-88D7DF3F6EAB}"/>
                 </a:ext>
               </a:extLst>
             </p:cNvPr>
@@ -12942,10 +16813,10 @@
           </p:grpSpPr>
           <p:cxnSp>
             <p:nvCxnSpPr>
-              <p:cNvPr id="268" name="Gerade Verbindung mit Pfeil 8">
+              <p:cNvPr id="168" name="Gerade Verbindung mit Pfeil 8">
                 <a:extLst>
                   <a:ext uri="{FF2B5EF4-FFF2-40B4-BE49-F238E27FC236}">
-                    <a16:creationId xmlns:a16="http://schemas.microsoft.com/office/drawing/2014/main" id="{764A25E1-9883-4CF1-8115-228BEF4D6076}"/>
+                    <a16:creationId xmlns:a16="http://schemas.microsoft.com/office/drawing/2014/main" id="{B3175673-719E-4E71-961A-EE551F756EFD}"/>
                   </a:ext>
                 </a:extLst>
               </p:cNvPr>
@@ -12981,10 +16852,10 @@
           </p:cxnSp>
           <p:sp>
             <p:nvSpPr>
-              <p:cNvPr id="269" name="Textfeld 268">
+              <p:cNvPr id="169" name="Textfeld 168">
                 <a:extLst>
                   <a:ext uri="{FF2B5EF4-FFF2-40B4-BE49-F238E27FC236}">
-                    <a16:creationId xmlns:a16="http://schemas.microsoft.com/office/drawing/2014/main" id="{BE2650FF-558C-4A39-9824-D6A027D77B4C}"/>
+                    <a16:creationId xmlns:a16="http://schemas.microsoft.com/office/drawing/2014/main" id="{26E1FBEF-A94A-46F4-85B5-2257BC492803}"/>
                   </a:ext>
                 </a:extLst>
               </p:cNvPr>
@@ -13020,10 +16891,10 @@
           </p:sp>
           <p:cxnSp>
             <p:nvCxnSpPr>
-              <p:cNvPr id="270" name="Gerade Verbindung mit Pfeil 8">
+              <p:cNvPr id="170" name="Gerade Verbindung mit Pfeil 8">
                 <a:extLst>
                   <a:ext uri="{FF2B5EF4-FFF2-40B4-BE49-F238E27FC236}">
-                    <a16:creationId xmlns:a16="http://schemas.microsoft.com/office/drawing/2014/main" id="{34DBEB02-A4E3-4E14-89D1-6D4A7C0A2C59}"/>
+                    <a16:creationId xmlns:a16="http://schemas.microsoft.com/office/drawing/2014/main" id="{C70BDEB6-2B57-45DF-8CD0-C21D91AAAAB7}"/>
                   </a:ext>
                 </a:extLst>
               </p:cNvPr>
@@ -13061,10 +16932,10 @@
           </p:cxnSp>
           <p:sp>
             <p:nvSpPr>
-              <p:cNvPr id="271" name="Textfeld 270">
+              <p:cNvPr id="171" name="Textfeld 170">
                 <a:extLst>
                   <a:ext uri="{FF2B5EF4-FFF2-40B4-BE49-F238E27FC236}">
-                    <a16:creationId xmlns:a16="http://schemas.microsoft.com/office/drawing/2014/main" id="{53CAF5D8-2404-4C0F-90D6-BF3AD177B0F0}"/>
+                    <a16:creationId xmlns:a16="http://schemas.microsoft.com/office/drawing/2014/main" id="{A2CE732F-A3C6-4C8B-9A7B-8360802E9945}"/>
                   </a:ext>
                 </a:extLst>
               </p:cNvPr>
@@ -13100,10 +16971,10 @@
         </p:grpSp>
         <p:grpSp>
           <p:nvGrpSpPr>
-            <p:cNvPr id="262" name="Gruppieren 261">
+            <p:cNvPr id="162" name="Gruppieren 161">
               <a:extLst>
                 <a:ext uri="{FF2B5EF4-FFF2-40B4-BE49-F238E27FC236}">
-                  <a16:creationId xmlns:a16="http://schemas.microsoft.com/office/drawing/2014/main" id="{86B8458D-C5A2-41A0-9CA6-E3106CB124E5}"/>
+                  <a16:creationId xmlns:a16="http://schemas.microsoft.com/office/drawing/2014/main" id="{94604AB2-F38F-4B87-B9A8-12A25E64AEE9}"/>
                 </a:ext>
               </a:extLst>
             </p:cNvPr>
@@ -13120,10 +16991,10 @@
           </p:grpSpPr>
           <p:sp>
             <p:nvSpPr>
-              <p:cNvPr id="266" name="Rechteck 265">
+              <p:cNvPr id="166" name="Rechteck 165">
                 <a:extLst>
                   <a:ext uri="{FF2B5EF4-FFF2-40B4-BE49-F238E27FC236}">
-                    <a16:creationId xmlns:a16="http://schemas.microsoft.com/office/drawing/2014/main" id="{AA9AFD91-6B61-4EF4-9C51-1B2809A8D009}"/>
+                    <a16:creationId xmlns:a16="http://schemas.microsoft.com/office/drawing/2014/main" id="{BB75FC00-24FB-462D-B146-71B6246D9902}"/>
                   </a:ext>
                 </a:extLst>
               </p:cNvPr>
@@ -13193,10 +17064,10 @@
           </p:sp>
           <p:sp>
             <p:nvSpPr>
-              <p:cNvPr id="267" name="Rechteck 266">
+              <p:cNvPr id="167" name="Rechteck 166">
                 <a:extLst>
                   <a:ext uri="{FF2B5EF4-FFF2-40B4-BE49-F238E27FC236}">
-                    <a16:creationId xmlns:a16="http://schemas.microsoft.com/office/drawing/2014/main" id="{D8D4C65A-E4DA-4A60-8EC4-27813BBECBB8}"/>
+                    <a16:creationId xmlns:a16="http://schemas.microsoft.com/office/drawing/2014/main" id="{0EC7C91A-4B7E-41A5-8448-A500ADED6199}"/>
                   </a:ext>
                 </a:extLst>
               </p:cNvPr>
@@ -13259,10 +17130,10 @@
         </p:grpSp>
         <p:grpSp>
           <p:nvGrpSpPr>
-            <p:cNvPr id="263" name="Gruppieren 262">
+            <p:cNvPr id="163" name="Gruppieren 162">
               <a:extLst>
                 <a:ext uri="{FF2B5EF4-FFF2-40B4-BE49-F238E27FC236}">
-                  <a16:creationId xmlns:a16="http://schemas.microsoft.com/office/drawing/2014/main" id="{939D3149-D0C3-4A36-B1BE-2A7CA1BF0DF5}"/>
+                  <a16:creationId xmlns:a16="http://schemas.microsoft.com/office/drawing/2014/main" id="{0B807293-286B-47A4-8DB0-287399761A12}"/>
                 </a:ext>
               </a:extLst>
             </p:cNvPr>
@@ -13279,10 +17150,10 @@
           </p:grpSpPr>
           <p:sp>
             <p:nvSpPr>
-              <p:cNvPr id="264" name="Rechteck 263">
+              <p:cNvPr id="164" name="Rechteck 163">
                 <a:extLst>
                   <a:ext uri="{FF2B5EF4-FFF2-40B4-BE49-F238E27FC236}">
-                    <a16:creationId xmlns:a16="http://schemas.microsoft.com/office/drawing/2014/main" id="{015E275B-55F4-4CF5-B6B5-F737C7165D40}"/>
+                    <a16:creationId xmlns:a16="http://schemas.microsoft.com/office/drawing/2014/main" id="{9AF01C86-83DA-483C-8025-0FF71E551BD5}"/>
                   </a:ext>
                 </a:extLst>
               </p:cNvPr>
@@ -13352,10 +17223,10 @@
           </p:sp>
           <p:sp>
             <p:nvSpPr>
-              <p:cNvPr id="265" name="Rechteck 264">
+              <p:cNvPr id="165" name="Rechteck 164">
                 <a:extLst>
                   <a:ext uri="{FF2B5EF4-FFF2-40B4-BE49-F238E27FC236}">
-                    <a16:creationId xmlns:a16="http://schemas.microsoft.com/office/drawing/2014/main" id="{FCD2955C-9706-4043-BD4A-A92F6A508243}"/>
+                    <a16:creationId xmlns:a16="http://schemas.microsoft.com/office/drawing/2014/main" id="{88F14A63-22BC-4125-84F5-7620F48F4BF7}"/>
                   </a:ext>
                 </a:extLst>
               </p:cNvPr>
@@ -13429,10 +17300,10 @@
       </p:grpSp>
       <p:graphicFrame>
         <p:nvGraphicFramePr>
-          <p:cNvPr id="289" name="Tabelle 37">
+          <p:cNvPr id="189" name="Tabelle 37">
             <a:extLst>
               <a:ext uri="{FF2B5EF4-FFF2-40B4-BE49-F238E27FC236}">
-                <a16:creationId xmlns:a16="http://schemas.microsoft.com/office/drawing/2014/main" id="{9E85B8DB-4F58-42B3-8CC1-5242CFC4B80D}"/>
+                <a16:creationId xmlns:a16="http://schemas.microsoft.com/office/drawing/2014/main" id="{3D8B74A2-6864-48D2-AA7D-C6DCA228D849}"/>
               </a:ext>
             </a:extLst>
           </p:cNvPr>
@@ -13442,13 +17313,13 @@
           <p:nvPr>
             <p:extLst>
               <p:ext uri="{D42A27DB-BD31-4B8C-83A1-F6EECF244321}">
-                <p14:modId xmlns:p14="http://schemas.microsoft.com/office/powerpoint/2010/main" val="982004651"/>
+                <p14:modId xmlns:p14="http://schemas.microsoft.com/office/powerpoint/2010/main" val="244156273"/>
               </p:ext>
             </p:extLst>
           </p:nvPr>
         </p:nvGraphicFramePr>
         <p:xfrm>
-          <a:off x="5589077" y="3931280"/>
+          <a:off x="5672904" y="3889232"/>
           <a:ext cx="1489155" cy="609600"/>
         </p:xfrm>
         <a:graphic>
@@ -14369,10 +18240,10 @@
       </p:graphicFrame>
       <p:sp>
         <p:nvSpPr>
-          <p:cNvPr id="290" name="Textfeld 289">
+          <p:cNvPr id="190" name="Textfeld 189">
             <a:extLst>
               <a:ext uri="{FF2B5EF4-FFF2-40B4-BE49-F238E27FC236}">
-                <a16:creationId xmlns:a16="http://schemas.microsoft.com/office/drawing/2014/main" id="{B23DDD48-188C-4EE0-962A-59A79394AB43}"/>
+                <a16:creationId xmlns:a16="http://schemas.microsoft.com/office/drawing/2014/main" id="{C17B2C1E-5DF5-45B9-8728-661D057D92EA}"/>
               </a:ext>
             </a:extLst>
           </p:cNvPr>
@@ -14381,8 +18252,8 @@
         </p:nvSpPr>
         <p:spPr>
           <a:xfrm>
-            <a:off x="5649198" y="4535453"/>
-            <a:ext cx="1828793" cy="553998"/>
+            <a:off x="5832996" y="4503211"/>
+            <a:ext cx="1828794" cy="553998"/>
           </a:xfrm>
           <a:prstGeom prst="rect">
             <a:avLst/>
@@ -14395,6 +18266,7 @@
           </a:bodyPr>
           <a:lstStyle/>
           <a:p>
+            <a:pPr defTabSz="72000"/>
             <a:r>
               <a:rPr lang="de-DE" sz="1000" dirty="0" err="1">
                 <a:latin typeface="Arial" panose="020B0604020202020204" pitchFamily="34" charset="0"/>
@@ -14407,7 +18279,7 @@
                 <a:latin typeface="Arial" panose="020B0604020202020204" pitchFamily="34" charset="0"/>
                 <a:cs typeface="Arial" panose="020B0604020202020204" pitchFamily="34" charset="0"/>
               </a:rPr>
-              <a:t> = 66.67%</a:t>
+              <a:t> 								=	66.7%</a:t>
             </a:r>
             <a:br>
               <a:rPr lang="de-DE" sz="1000" dirty="0">
@@ -14441,7 +18313,7 @@
                 <a:latin typeface="Arial" panose="020B0604020202020204" pitchFamily="34" charset="0"/>
                 <a:cs typeface="Arial" panose="020B0604020202020204" pitchFamily="34" charset="0"/>
               </a:rPr>
-              <a:t>) = 42.22%</a:t>
+              <a:t>)	=	42.2%</a:t>
             </a:r>
             <a:br>
               <a:rPr lang="de-DE" sz="1000" dirty="0">
@@ -14461,4020 +18333,7 @@
                 <a:latin typeface="Arial" panose="020B0604020202020204" pitchFamily="34" charset="0"/>
                 <a:cs typeface="Arial" panose="020B0604020202020204" pitchFamily="34" charset="0"/>
               </a:rPr>
-              <a:t> (male) = 91.11%</a:t>
-            </a:r>
-          </a:p>
-        </p:txBody>
-      </p:sp>
-      <p:grpSp>
-        <p:nvGrpSpPr>
-          <p:cNvPr id="5" name="Gruppieren 4">
-            <a:extLst>
-              <a:ext uri="{FF2B5EF4-FFF2-40B4-BE49-F238E27FC236}">
-                <a16:creationId xmlns:a16="http://schemas.microsoft.com/office/drawing/2014/main" id="{2D237182-80ED-4453-B8F0-E26887913F95}"/>
-              </a:ext>
-            </a:extLst>
-          </p:cNvPr>
-          <p:cNvGrpSpPr/>
-          <p:nvPr/>
-        </p:nvGrpSpPr>
-        <p:grpSpPr>
-          <a:xfrm>
-            <a:off x="1487487" y="4166834"/>
-            <a:ext cx="2534312" cy="906544"/>
-            <a:chOff x="2706425" y="4355093"/>
-            <a:chExt cx="2534312" cy="906544"/>
-          </a:xfrm>
-        </p:grpSpPr>
-        <p:sp>
-          <p:nvSpPr>
-            <p:cNvPr id="292" name="Rechteck: abgerundete Ecken 291">
-              <a:extLst>
-                <a:ext uri="{FF2B5EF4-FFF2-40B4-BE49-F238E27FC236}">
-                  <a16:creationId xmlns:a16="http://schemas.microsoft.com/office/drawing/2014/main" id="{E988601F-F6D7-4394-8467-F07425F827E3}"/>
-                </a:ext>
-              </a:extLst>
-            </p:cNvPr>
-            <p:cNvSpPr/>
-            <p:nvPr/>
-          </p:nvSpPr>
-          <p:spPr>
-            <a:xfrm>
-              <a:off x="3426505" y="4355093"/>
-              <a:ext cx="1080000" cy="468604"/>
-            </a:xfrm>
-            <a:prstGeom prst="roundRect">
-              <a:avLst>
-                <a:gd name="adj" fmla="val 11124"/>
-              </a:avLst>
-            </a:prstGeom>
-            <a:solidFill>
-              <a:srgbClr val="C7E4C8"/>
-            </a:solidFill>
-            <a:ln w="9525">
-              <a:solidFill>
-                <a:srgbClr val="2FA65F"/>
-              </a:solidFill>
-            </a:ln>
-          </p:spPr>
-          <p:style>
-            <a:lnRef idx="2">
-              <a:schemeClr val="accent1">
-                <a:shade val="50000"/>
-              </a:schemeClr>
-            </a:lnRef>
-            <a:fillRef idx="1">
-              <a:schemeClr val="accent1"/>
-            </a:fillRef>
-            <a:effectRef idx="0">
-              <a:schemeClr val="accent1"/>
-            </a:effectRef>
-            <a:fontRef idx="minor">
-              <a:schemeClr val="lt1"/>
-            </a:fontRef>
-          </p:style>
-          <p:txBody>
-            <a:bodyPr lIns="36000" tIns="0" rIns="36000" bIns="0" rtlCol="0" anchor="ctr"/>
-            <a:lstStyle/>
-            <a:p>
-              <a:pPr algn="ctr"/>
-              <a:r>
-                <a:rPr lang="de-DE" sz="900" noProof="1">
-                  <a:solidFill>
-                    <a:schemeClr val="tx1"/>
-                  </a:solidFill>
-                  <a:latin typeface="Arial" panose="020B0604020202020204" pitchFamily="34" charset="0"/>
-                  <a:cs typeface="Arial" panose="020B0604020202020204" pitchFamily="34" charset="0"/>
-                </a:rPr>
-                <a:t>diastolicMedian-</a:t>
-              </a:r>
-              <a:br>
-                <a:rPr lang="de-DE" sz="900" noProof="1">
-                  <a:solidFill>
-                    <a:schemeClr val="tx1"/>
-                  </a:solidFill>
-                  <a:latin typeface="Arial" panose="020B0604020202020204" pitchFamily="34" charset="0"/>
-                  <a:cs typeface="Arial" panose="020B0604020202020204" pitchFamily="34" charset="0"/>
-                </a:rPr>
-              </a:br>
-              <a:r>
-                <a:rPr lang="de-DE" sz="900" noProof="1">
-                  <a:solidFill>
-                    <a:schemeClr val="tx1"/>
-                  </a:solidFill>
-                  <a:latin typeface="Arial" panose="020B0604020202020204" pitchFamily="34" charset="0"/>
-                  <a:cs typeface="Arial" panose="020B0604020202020204" pitchFamily="34" charset="0"/>
-                </a:rPr>
-                <a:t>RightRotation-</a:t>
-              </a:r>
-              <a:br>
-                <a:rPr lang="de-DE" sz="900" noProof="1">
-                  <a:solidFill>
-                    <a:schemeClr val="tx1"/>
-                  </a:solidFill>
-                  <a:latin typeface="Arial" panose="020B0604020202020204" pitchFamily="34" charset="0"/>
-                  <a:cs typeface="Arial" panose="020B0604020202020204" pitchFamily="34" charset="0"/>
-                </a:rPr>
-              </a:br>
-              <a:r>
-                <a:rPr lang="de-DE" sz="900" noProof="1">
-                  <a:solidFill>
-                    <a:schemeClr val="tx1"/>
-                  </a:solidFill>
-                  <a:latin typeface="Arial" panose="020B0604020202020204" pitchFamily="34" charset="0"/>
-                  <a:cs typeface="Arial" panose="020B0604020202020204" pitchFamily="34" charset="0"/>
-                </a:rPr>
-                <a:t>VolumeRel [%]</a:t>
-              </a:r>
-            </a:p>
-          </p:txBody>
-        </p:sp>
-        <p:grpSp>
-          <p:nvGrpSpPr>
-            <p:cNvPr id="293" name="Gruppieren 292">
-              <a:extLst>
-                <a:ext uri="{FF2B5EF4-FFF2-40B4-BE49-F238E27FC236}">
-                  <a16:creationId xmlns:a16="http://schemas.microsoft.com/office/drawing/2014/main" id="{66190A5E-F595-4C90-BE86-1F68570961B2}"/>
-                </a:ext>
-              </a:extLst>
-            </p:cNvPr>
-            <p:cNvGrpSpPr/>
-            <p:nvPr/>
-          </p:nvGrpSpPr>
-          <p:grpSpPr>
-            <a:xfrm>
-              <a:off x="4405689" y="4904971"/>
-              <a:ext cx="590096" cy="353333"/>
-              <a:chOff x="3441184" y="1984779"/>
-              <a:chExt cx="590096" cy="353333"/>
-            </a:xfrm>
-          </p:grpSpPr>
-          <p:sp>
-            <p:nvSpPr>
-              <p:cNvPr id="302" name="Rechteck 301">
-                <a:extLst>
-                  <a:ext uri="{FF2B5EF4-FFF2-40B4-BE49-F238E27FC236}">
-                    <a16:creationId xmlns:a16="http://schemas.microsoft.com/office/drawing/2014/main" id="{2F17F8E7-A44A-4240-A645-769B79AB1A24}"/>
-                  </a:ext>
-                </a:extLst>
-              </p:cNvPr>
-              <p:cNvSpPr/>
-              <p:nvPr/>
-            </p:nvSpPr>
-            <p:spPr>
-              <a:xfrm>
-                <a:off x="3441184" y="2158112"/>
-                <a:ext cx="590096" cy="180000"/>
-              </a:xfrm>
-              <a:prstGeom prst="rect">
-                <a:avLst/>
-              </a:prstGeom>
-              <a:noFill/>
-              <a:ln w="9525">
-                <a:solidFill>
-                  <a:schemeClr val="bg2">
-                    <a:lumMod val="75000"/>
-                  </a:schemeClr>
-                </a:solidFill>
-              </a:ln>
-            </p:spPr>
-            <p:style>
-              <a:lnRef idx="2">
-                <a:schemeClr val="accent1">
-                  <a:shade val="50000"/>
-                </a:schemeClr>
-              </a:lnRef>
-              <a:fillRef idx="1">
-                <a:schemeClr val="accent1"/>
-              </a:fillRef>
-              <a:effectRef idx="0">
-                <a:schemeClr val="accent1"/>
-              </a:effectRef>
-              <a:fontRef idx="minor">
-                <a:schemeClr val="lt1"/>
-              </a:fontRef>
-            </p:style>
-            <p:txBody>
-              <a:bodyPr lIns="36000" tIns="36000" rIns="36000" bIns="36000" rtlCol="0" anchor="ctr"/>
-              <a:lstStyle/>
-              <a:p>
-                <a:pPr algn="ctr"/>
-                <a:r>
-                  <a:rPr lang="de-DE" sz="800" b="1" dirty="0">
-                    <a:solidFill>
-                      <a:srgbClr val="2FA65F"/>
-                    </a:solidFill>
-                    <a:latin typeface="Arial" panose="020B0604020202020204" pitchFamily="34" charset="0"/>
-                    <a:cs typeface="Arial" panose="020B0604020202020204" pitchFamily="34" charset="0"/>
-                  </a:rPr>
-                  <a:t>✔17 </a:t>
-                </a:r>
-                <a:r>
-                  <a:rPr lang="de-DE" sz="800" b="1" dirty="0">
-                    <a:solidFill>
-                      <a:srgbClr val="C00000"/>
-                    </a:solidFill>
-                    <a:latin typeface="Arial" panose="020B0604020202020204" pitchFamily="34" charset="0"/>
-                    <a:cs typeface="Arial" panose="020B0604020202020204" pitchFamily="34" charset="0"/>
-                  </a:rPr>
-                  <a:t>✖2</a:t>
-                </a:r>
-              </a:p>
-            </p:txBody>
-          </p:sp>
-          <p:sp>
-            <p:nvSpPr>
-              <p:cNvPr id="303" name="Rechteck 302">
-                <a:extLst>
-                  <a:ext uri="{FF2B5EF4-FFF2-40B4-BE49-F238E27FC236}">
-                    <a16:creationId xmlns:a16="http://schemas.microsoft.com/office/drawing/2014/main" id="{F3A2AD7A-85E8-427A-ADCD-E0A4FEDEB3CF}"/>
-                  </a:ext>
-                </a:extLst>
-              </p:cNvPr>
-              <p:cNvSpPr/>
-              <p:nvPr/>
-            </p:nvSpPr>
-            <p:spPr>
-              <a:xfrm>
-                <a:off x="3441184" y="1984779"/>
-                <a:ext cx="590096" cy="180000"/>
-              </a:xfrm>
-              <a:prstGeom prst="rect">
-                <a:avLst/>
-              </a:prstGeom>
-              <a:solidFill>
-                <a:srgbClr val="DA7F7F"/>
-              </a:solidFill>
-              <a:ln w="9525">
-                <a:solidFill>
-                  <a:schemeClr val="bg2">
-                    <a:lumMod val="75000"/>
-                  </a:schemeClr>
-                </a:solidFill>
-              </a:ln>
-            </p:spPr>
-            <p:style>
-              <a:lnRef idx="2">
-                <a:schemeClr val="accent1">
-                  <a:shade val="50000"/>
-                </a:schemeClr>
-              </a:lnRef>
-              <a:fillRef idx="1">
-                <a:schemeClr val="accent1"/>
-              </a:fillRef>
-              <a:effectRef idx="0">
-                <a:schemeClr val="accent1"/>
-              </a:effectRef>
-              <a:fontRef idx="minor">
-                <a:schemeClr val="lt1"/>
-              </a:fontRef>
-            </p:style>
-            <p:txBody>
-              <a:bodyPr lIns="36000" tIns="36000" rIns="36000" bIns="36000" rtlCol="0" anchor="ctr"/>
-              <a:lstStyle/>
-              <a:p>
-                <a:pPr algn="ctr"/>
-                <a:r>
-                  <a:rPr lang="de-DE" sz="800" dirty="0">
-                    <a:solidFill>
-                      <a:schemeClr val="tx1"/>
-                    </a:solidFill>
-                    <a:latin typeface="Arial" panose="020B0604020202020204" pitchFamily="34" charset="0"/>
-                    <a:cs typeface="Arial" panose="020B0604020202020204" pitchFamily="34" charset="0"/>
-                  </a:rPr>
-                  <a:t>BAV</a:t>
-                </a:r>
-              </a:p>
-            </p:txBody>
-          </p:sp>
-        </p:grpSp>
-        <p:grpSp>
-          <p:nvGrpSpPr>
-            <p:cNvPr id="294" name="Gruppieren 293">
-              <a:extLst>
-                <a:ext uri="{FF2B5EF4-FFF2-40B4-BE49-F238E27FC236}">
-                  <a16:creationId xmlns:a16="http://schemas.microsoft.com/office/drawing/2014/main" id="{79FDA5C1-A4F8-4AC9-A66C-31499DE5D956}"/>
-                </a:ext>
-              </a:extLst>
-            </p:cNvPr>
-            <p:cNvGrpSpPr/>
-            <p:nvPr/>
-          </p:nvGrpSpPr>
-          <p:grpSpPr>
-            <a:xfrm>
-              <a:off x="2706425" y="4589395"/>
-              <a:ext cx="2534312" cy="315576"/>
-              <a:chOff x="1415480" y="782982"/>
-              <a:chExt cx="2534312" cy="449222"/>
-            </a:xfrm>
-          </p:grpSpPr>
-          <p:cxnSp>
-            <p:nvCxnSpPr>
-              <p:cNvPr id="298" name="Gerade Verbindung mit Pfeil 8">
-                <a:extLst>
-                  <a:ext uri="{FF2B5EF4-FFF2-40B4-BE49-F238E27FC236}">
-                    <a16:creationId xmlns:a16="http://schemas.microsoft.com/office/drawing/2014/main" id="{C08CBCB6-441E-46B3-A7BF-FFF955F20795}"/>
-                  </a:ext>
-                </a:extLst>
-              </p:cNvPr>
-              <p:cNvCxnSpPr>
-                <a:cxnSpLocks/>
-                <a:stCxn id="292" idx="1"/>
-              </p:cNvCxnSpPr>
-              <p:nvPr/>
-            </p:nvCxnSpPr>
-            <p:spPr>
-              <a:xfrm rot="10800000" flipV="1">
-                <a:off x="1955480" y="782982"/>
-                <a:ext cx="180080" cy="449222"/>
-              </a:xfrm>
-              <a:prstGeom prst="bentConnector2">
-                <a:avLst/>
-              </a:prstGeom>
-              <a:ln>
-                <a:tailEnd type="triangle"/>
-              </a:ln>
-            </p:spPr>
-            <p:style>
-              <a:lnRef idx="1">
-                <a:schemeClr val="dk1"/>
-              </a:lnRef>
-              <a:fillRef idx="0">
-                <a:schemeClr val="dk1"/>
-              </a:fillRef>
-              <a:effectRef idx="0">
-                <a:schemeClr val="dk1"/>
-              </a:effectRef>
-              <a:fontRef idx="minor">
-                <a:schemeClr val="tx1"/>
-              </a:fontRef>
-            </p:style>
-          </p:cxnSp>
-          <p:sp>
-            <p:nvSpPr>
-              <p:cNvPr id="299" name="Textfeld 298">
-                <a:extLst>
-                  <a:ext uri="{FF2B5EF4-FFF2-40B4-BE49-F238E27FC236}">
-                    <a16:creationId xmlns:a16="http://schemas.microsoft.com/office/drawing/2014/main" id="{0E74F72A-9744-4E44-9085-CCA7AB440271}"/>
-                  </a:ext>
-                </a:extLst>
-              </p:cNvPr>
-              <p:cNvSpPr txBox="1"/>
-              <p:nvPr/>
-            </p:nvSpPr>
-            <p:spPr>
-              <a:xfrm>
-                <a:off x="1415480" y="820823"/>
-                <a:ext cx="540000" cy="246221"/>
-              </a:xfrm>
-              <a:prstGeom prst="rect">
-                <a:avLst/>
-              </a:prstGeom>
-              <a:noFill/>
-            </p:spPr>
-            <p:txBody>
-              <a:bodyPr wrap="square" rtlCol="0">
-                <a:spAutoFit/>
-              </a:bodyPr>
-              <a:lstStyle/>
-              <a:p>
-                <a:pPr algn="r"/>
-                <a:r>
-                  <a:rPr lang="de-DE" sz="1000" dirty="0">
-                    <a:latin typeface="Arial" panose="020B0604020202020204" pitchFamily="34" charset="0"/>
-                    <a:cs typeface="Arial" panose="020B0604020202020204" pitchFamily="34" charset="0"/>
-                  </a:rPr>
-                  <a:t>&lt; 0.53</a:t>
-                </a:r>
-              </a:p>
-            </p:txBody>
-          </p:sp>
-          <p:cxnSp>
-            <p:nvCxnSpPr>
-              <p:cNvPr id="300" name="Gerade Verbindung mit Pfeil 8">
-                <a:extLst>
-                  <a:ext uri="{FF2B5EF4-FFF2-40B4-BE49-F238E27FC236}">
-                    <a16:creationId xmlns:a16="http://schemas.microsoft.com/office/drawing/2014/main" id="{3BFE3C6D-4FC8-4CC1-9207-B0E7B72933CA}"/>
-                  </a:ext>
-                </a:extLst>
-              </p:cNvPr>
-              <p:cNvCxnSpPr>
-                <a:cxnSpLocks/>
-              </p:cNvCxnSpPr>
-              <p:nvPr/>
-            </p:nvCxnSpPr>
-            <p:spPr>
-              <a:xfrm rot="10800000" flipH="1" flipV="1">
-                <a:off x="3229712" y="782982"/>
-                <a:ext cx="180080" cy="449222"/>
-              </a:xfrm>
-              <a:prstGeom prst="bentConnector2">
-                <a:avLst/>
-              </a:prstGeom>
-              <a:ln>
-                <a:tailEnd type="triangle"/>
-              </a:ln>
-            </p:spPr>
-            <p:style>
-              <a:lnRef idx="1">
-                <a:schemeClr val="dk1"/>
-              </a:lnRef>
-              <a:fillRef idx="0">
-                <a:schemeClr val="dk1"/>
-              </a:fillRef>
-              <a:effectRef idx="0">
-                <a:schemeClr val="dk1"/>
-              </a:effectRef>
-              <a:fontRef idx="minor">
-                <a:schemeClr val="tx1"/>
-              </a:fontRef>
-            </p:style>
-          </p:cxnSp>
-          <p:sp>
-            <p:nvSpPr>
-              <p:cNvPr id="301" name="Textfeld 300">
-                <a:extLst>
-                  <a:ext uri="{FF2B5EF4-FFF2-40B4-BE49-F238E27FC236}">
-                    <a16:creationId xmlns:a16="http://schemas.microsoft.com/office/drawing/2014/main" id="{CB5DD0F9-8FCE-45A7-91CD-6D2A4B4FB765}"/>
-                  </a:ext>
-                </a:extLst>
-              </p:cNvPr>
-              <p:cNvSpPr txBox="1"/>
-              <p:nvPr/>
-            </p:nvSpPr>
-            <p:spPr>
-              <a:xfrm>
-                <a:off x="3409792" y="820823"/>
-                <a:ext cx="540000" cy="246221"/>
-              </a:xfrm>
-              <a:prstGeom prst="rect">
-                <a:avLst/>
-              </a:prstGeom>
-              <a:noFill/>
-            </p:spPr>
-            <p:txBody>
-              <a:bodyPr wrap="square" rtlCol="0">
-                <a:spAutoFit/>
-              </a:bodyPr>
-              <a:lstStyle/>
-              <a:p>
-                <a:r>
-                  <a:rPr lang="de-DE" sz="1000" dirty="0">
-                    <a:latin typeface="Arial" panose="020B0604020202020204" pitchFamily="34" charset="0"/>
-                    <a:cs typeface="Arial" panose="020B0604020202020204" pitchFamily="34" charset="0"/>
-                  </a:rPr>
-                  <a:t>≥ 0.53</a:t>
-                </a:r>
-              </a:p>
-            </p:txBody>
-          </p:sp>
-        </p:grpSp>
-        <p:grpSp>
-          <p:nvGrpSpPr>
-            <p:cNvPr id="295" name="Gruppieren 294">
-              <a:extLst>
-                <a:ext uri="{FF2B5EF4-FFF2-40B4-BE49-F238E27FC236}">
-                  <a16:creationId xmlns:a16="http://schemas.microsoft.com/office/drawing/2014/main" id="{42037468-4DE6-4252-92C7-5894A39BDA5E}"/>
-                </a:ext>
-              </a:extLst>
-            </p:cNvPr>
-            <p:cNvGrpSpPr/>
-            <p:nvPr/>
-          </p:nvGrpSpPr>
-          <p:grpSpPr>
-            <a:xfrm>
-              <a:off x="2956824" y="4908304"/>
-              <a:ext cx="590096" cy="353333"/>
-              <a:chOff x="3441184" y="1984779"/>
-              <a:chExt cx="590096" cy="353333"/>
-            </a:xfrm>
-          </p:grpSpPr>
-          <p:sp>
-            <p:nvSpPr>
-              <p:cNvPr id="296" name="Rechteck 295">
-                <a:extLst>
-                  <a:ext uri="{FF2B5EF4-FFF2-40B4-BE49-F238E27FC236}">
-                    <a16:creationId xmlns:a16="http://schemas.microsoft.com/office/drawing/2014/main" id="{6AD88554-0901-408E-BDCB-409D3355F102}"/>
-                  </a:ext>
-                </a:extLst>
-              </p:cNvPr>
-              <p:cNvSpPr/>
-              <p:nvPr/>
-            </p:nvSpPr>
-            <p:spPr>
-              <a:xfrm>
-                <a:off x="3441184" y="2158112"/>
-                <a:ext cx="590096" cy="180000"/>
-              </a:xfrm>
-              <a:prstGeom prst="rect">
-                <a:avLst/>
-              </a:prstGeom>
-              <a:noFill/>
-              <a:ln w="9525">
-                <a:solidFill>
-                  <a:schemeClr val="bg2">
-                    <a:lumMod val="75000"/>
-                  </a:schemeClr>
-                </a:solidFill>
-              </a:ln>
-            </p:spPr>
-            <p:style>
-              <a:lnRef idx="2">
-                <a:schemeClr val="accent1">
-                  <a:shade val="50000"/>
-                </a:schemeClr>
-              </a:lnRef>
-              <a:fillRef idx="1">
-                <a:schemeClr val="accent1"/>
-              </a:fillRef>
-              <a:effectRef idx="0">
-                <a:schemeClr val="accent1"/>
-              </a:effectRef>
-              <a:fontRef idx="minor">
-                <a:schemeClr val="lt1"/>
-              </a:fontRef>
-            </p:style>
-            <p:txBody>
-              <a:bodyPr lIns="36000" tIns="36000" rIns="36000" bIns="36000" rtlCol="0" anchor="ctr"/>
-              <a:lstStyle/>
-              <a:p>
-                <a:pPr algn="ctr"/>
-                <a:r>
-                  <a:rPr lang="de-DE" sz="800" b="1" dirty="0">
-                    <a:solidFill>
-                      <a:srgbClr val="2FA65F"/>
-                    </a:solidFill>
-                    <a:latin typeface="Arial" panose="020B0604020202020204" pitchFamily="34" charset="0"/>
-                    <a:cs typeface="Arial" panose="020B0604020202020204" pitchFamily="34" charset="0"/>
-                  </a:rPr>
-                  <a:t>✔28 </a:t>
-                </a:r>
-                <a:r>
-                  <a:rPr lang="de-DE" sz="800" b="1" dirty="0">
-                    <a:solidFill>
-                      <a:srgbClr val="C00000"/>
-                    </a:solidFill>
-                    <a:latin typeface="Arial" panose="020B0604020202020204" pitchFamily="34" charset="0"/>
-                    <a:cs typeface="Arial" panose="020B0604020202020204" pitchFamily="34" charset="0"/>
-                  </a:rPr>
-                  <a:t>✖5</a:t>
-                </a:r>
-              </a:p>
-            </p:txBody>
-          </p:sp>
-          <p:sp>
-            <p:nvSpPr>
-              <p:cNvPr id="297" name="Rechteck 296">
-                <a:extLst>
-                  <a:ext uri="{FF2B5EF4-FFF2-40B4-BE49-F238E27FC236}">
-                    <a16:creationId xmlns:a16="http://schemas.microsoft.com/office/drawing/2014/main" id="{F356519D-94EC-418B-9F2D-F52DF283E5E6}"/>
-                  </a:ext>
-                </a:extLst>
-              </p:cNvPr>
-              <p:cNvSpPr/>
-              <p:nvPr/>
-            </p:nvSpPr>
-            <p:spPr>
-              <a:xfrm>
-                <a:off x="3441184" y="1984779"/>
-                <a:ext cx="590096" cy="180000"/>
-              </a:xfrm>
-              <a:prstGeom prst="rect">
-                <a:avLst/>
-              </a:prstGeom>
-              <a:solidFill>
-                <a:srgbClr val="91ACC2"/>
-              </a:solidFill>
-              <a:ln w="9525">
-                <a:solidFill>
-                  <a:schemeClr val="bg2">
-                    <a:lumMod val="75000"/>
-                  </a:schemeClr>
-                </a:solidFill>
-              </a:ln>
-            </p:spPr>
-            <p:style>
-              <a:lnRef idx="2">
-                <a:schemeClr val="accent1">
-                  <a:shade val="50000"/>
-                </a:schemeClr>
-              </a:lnRef>
-              <a:fillRef idx="1">
-                <a:schemeClr val="accent1"/>
-              </a:fillRef>
-              <a:effectRef idx="0">
-                <a:schemeClr val="accent1"/>
-              </a:effectRef>
-              <a:fontRef idx="minor">
-                <a:schemeClr val="lt1"/>
-              </a:fontRef>
-            </p:style>
-            <p:txBody>
-              <a:bodyPr lIns="36000" tIns="36000" rIns="36000" bIns="36000" rtlCol="0" anchor="ctr"/>
-              <a:lstStyle/>
-              <a:p>
-                <a:pPr algn="ctr"/>
-                <a:r>
-                  <a:rPr lang="de-DE" sz="800" dirty="0">
-                    <a:solidFill>
-                      <a:schemeClr val="tx1"/>
-                    </a:solidFill>
-                    <a:latin typeface="Arial" panose="020B0604020202020204" pitchFamily="34" charset="0"/>
-                    <a:cs typeface="Arial" panose="020B0604020202020204" pitchFamily="34" charset="0"/>
-                  </a:rPr>
-                  <a:t>OHHV</a:t>
-                </a:r>
-              </a:p>
-            </p:txBody>
-          </p:sp>
-        </p:grpSp>
-      </p:grpSp>
-      <p:graphicFrame>
-        <p:nvGraphicFramePr>
-          <p:cNvPr id="304" name="Tabelle 37">
-            <a:extLst>
-              <a:ext uri="{FF2B5EF4-FFF2-40B4-BE49-F238E27FC236}">
-                <a16:creationId xmlns:a16="http://schemas.microsoft.com/office/drawing/2014/main" id="{AD351688-F594-42B2-8293-FE222883FAA4}"/>
-              </a:ext>
-            </a:extLst>
-          </p:cNvPr>
-          <p:cNvGraphicFramePr>
-            <a:graphicFrameLocks noGrp="1"/>
-          </p:cNvGraphicFramePr>
-          <p:nvPr>
-            <p:extLst>
-              <p:ext uri="{D42A27DB-BD31-4B8C-83A1-F6EECF244321}">
-                <p14:modId xmlns:p14="http://schemas.microsoft.com/office/powerpoint/2010/main" val="4190529858"/>
-              </p:ext>
-            </p:extLst>
-          </p:nvPr>
-        </p:nvGraphicFramePr>
-        <p:xfrm>
-          <a:off x="3956951" y="3931295"/>
-          <a:ext cx="1413523" cy="609600"/>
-        </p:xfrm>
-        <a:graphic>
-          <a:graphicData uri="http://schemas.openxmlformats.org/drawingml/2006/table">
-            <a:tbl>
-              <a:tblPr>
-                <a:tableStyleId>{2D5ABB26-0587-4C30-8999-92F81FD0307C}</a:tableStyleId>
-              </a:tblPr>
-              <a:tblGrid>
-                <a:gridCol w="194126">
-                  <a:extLst>
-                    <a:ext uri="{9D8B030D-6E8A-4147-A177-3AD203B41FA5}">
-                      <a16:colId xmlns:a16="http://schemas.microsoft.com/office/drawing/2014/main" val="175553506"/>
-                    </a:ext>
-                  </a:extLst>
-                </a:gridCol>
-                <a:gridCol w="406481">
-                  <a:extLst>
-                    <a:ext uri="{9D8B030D-6E8A-4147-A177-3AD203B41FA5}">
-                      <a16:colId xmlns:a16="http://schemas.microsoft.com/office/drawing/2014/main" val="2928975957"/>
-                    </a:ext>
-                  </a:extLst>
-                </a:gridCol>
-                <a:gridCol w="406481">
-                  <a:extLst>
-                    <a:ext uri="{9D8B030D-6E8A-4147-A177-3AD203B41FA5}">
-                      <a16:colId xmlns:a16="http://schemas.microsoft.com/office/drawing/2014/main" val="3964506338"/>
-                    </a:ext>
-                  </a:extLst>
-                </a:gridCol>
-                <a:gridCol w="406435">
-                  <a:extLst>
-                    <a:ext uri="{9D8B030D-6E8A-4147-A177-3AD203B41FA5}">
-                      <a16:colId xmlns:a16="http://schemas.microsoft.com/office/drawing/2014/main" val="2227317002"/>
-                    </a:ext>
-                  </a:extLst>
-                </a:gridCol>
-              </a:tblGrid>
-              <a:tr h="138058">
-                <a:tc>
-                  <a:txBody>
-                    <a:bodyPr/>
-                    <a:lstStyle/>
-                    <a:p>
-                      <a:pPr algn="ctr"/>
-                      <a:endParaRPr lang="de-DE" sz="1000" dirty="0">
-                        <a:latin typeface="Arial" panose="020B0604020202020204" pitchFamily="34" charset="0"/>
-                        <a:cs typeface="Arial" panose="020B0604020202020204" pitchFamily="34" charset="0"/>
-                      </a:endParaRPr>
-                    </a:p>
-                  </a:txBody>
-                  <a:tcPr marL="0" marR="0" marT="0" marB="0">
-                    <a:lnL>
-                      <a:noFill/>
-                    </a:lnL>
-                    <a:lnR>
-                      <a:noFill/>
-                    </a:lnR>
-                    <a:lnT>
-                      <a:noFill/>
-                    </a:lnT>
-                    <a:lnB>
-                      <a:noFill/>
-                    </a:lnB>
-                    <a:lnTlToBr w="12700" cmpd="sng">
-                      <a:noFill/>
-                      <a:prstDash val="solid"/>
-                    </a:lnTlToBr>
-                    <a:lnBlToTr w="12700" cmpd="sng">
-                      <a:noFill/>
-                      <a:prstDash val="solid"/>
-                    </a:lnBlToTr>
-                  </a:tcPr>
-                </a:tc>
-                <a:tc>
-                  <a:txBody>
-                    <a:bodyPr/>
-                    <a:lstStyle/>
-                    <a:p>
-                      <a:pPr algn="ctr"/>
-                      <a:endParaRPr lang="de-DE" sz="1000" dirty="0">
-                        <a:latin typeface="Arial" panose="020B0604020202020204" pitchFamily="34" charset="0"/>
-                        <a:cs typeface="Arial" panose="020B0604020202020204" pitchFamily="34" charset="0"/>
-                      </a:endParaRPr>
-                    </a:p>
-                  </a:txBody>
-                  <a:tcPr marL="0" marR="0" marT="0" marB="0">
-                    <a:lnL>
-                      <a:noFill/>
-                    </a:lnL>
-                    <a:lnR w="12700" cap="flat" cmpd="sng" algn="ctr">
-                      <a:noFill/>
-                      <a:prstDash val="solid"/>
-                      <a:round/>
-                      <a:headEnd type="none" w="med" len="med"/>
-                      <a:tailEnd type="none" w="med" len="med"/>
-                    </a:lnR>
-                    <a:lnT>
-                      <a:noFill/>
-                    </a:lnT>
-                    <a:lnB w="12700" cap="flat" cmpd="sng" algn="ctr">
-                      <a:noFill/>
-                      <a:prstDash val="solid"/>
-                      <a:round/>
-                      <a:headEnd type="none" w="med" len="med"/>
-                      <a:tailEnd type="none" w="med" len="med"/>
-                    </a:lnB>
-                    <a:lnTlToBr w="12700" cmpd="sng">
-                      <a:noFill/>
-                      <a:prstDash val="solid"/>
-                    </a:lnTlToBr>
-                    <a:lnBlToTr w="12700" cmpd="sng">
-                      <a:noFill/>
-                      <a:prstDash val="solid"/>
-                    </a:lnBlToTr>
-                  </a:tcPr>
-                </a:tc>
-                <a:tc gridSpan="2">
-                  <a:txBody>
-                    <a:bodyPr/>
-                    <a:lstStyle/>
-                    <a:p>
-                      <a:pPr algn="ctr"/>
-                      <a:r>
-                        <a:rPr lang="de-DE" sz="1000" dirty="0" err="1">
-                          <a:latin typeface="Arial" panose="020B0604020202020204" pitchFamily="34" charset="0"/>
-                          <a:cs typeface="Arial" panose="020B0604020202020204" pitchFamily="34" charset="0"/>
-                        </a:rPr>
-                        <a:t>Predicted</a:t>
-                      </a:r>
-                      <a:endParaRPr lang="de-DE" sz="1000" dirty="0">
-                        <a:latin typeface="Arial" panose="020B0604020202020204" pitchFamily="34" charset="0"/>
-                        <a:cs typeface="Arial" panose="020B0604020202020204" pitchFamily="34" charset="0"/>
-                      </a:endParaRPr>
-                    </a:p>
-                  </a:txBody>
-                  <a:tcPr marL="0" marR="0" marT="0" marB="0">
-                    <a:lnL w="12700" cap="flat" cmpd="sng" algn="ctr">
-                      <a:noFill/>
-                      <a:prstDash val="solid"/>
-                      <a:round/>
-                      <a:headEnd type="none" w="med" len="med"/>
-                      <a:tailEnd type="none" w="med" len="med"/>
-                    </a:lnL>
-                    <a:lnR>
-                      <a:noFill/>
-                    </a:lnR>
-                    <a:lnT>
-                      <a:noFill/>
-                    </a:lnT>
-                    <a:lnB w="12700" cap="flat" cmpd="sng" algn="ctr">
-                      <a:noFill/>
-                      <a:prstDash val="solid"/>
-                      <a:round/>
-                      <a:headEnd type="none" w="med" len="med"/>
-                      <a:tailEnd type="none" w="med" len="med"/>
-                    </a:lnB>
-                    <a:lnTlToBr w="12700" cmpd="sng">
-                      <a:noFill/>
-                      <a:prstDash val="solid"/>
-                    </a:lnTlToBr>
-                    <a:lnBlToTr w="12700" cmpd="sng">
-                      <a:noFill/>
-                      <a:prstDash val="solid"/>
-                    </a:lnBlToTr>
-                  </a:tcPr>
-                </a:tc>
-                <a:tc hMerge="1">
-                  <a:txBody>
-                    <a:bodyPr/>
-                    <a:lstStyle/>
-                    <a:p>
-                      <a:endParaRPr lang="de-DE" sz="1100" dirty="0">
-                        <a:latin typeface="Arial" panose="020B0604020202020204" pitchFamily="34" charset="0"/>
-                        <a:cs typeface="Arial" panose="020B0604020202020204" pitchFamily="34" charset="0"/>
-                      </a:endParaRPr>
-                    </a:p>
-                  </a:txBody>
-                  <a:tcPr>
-                    <a:lnL>
-                      <a:noFill/>
-                    </a:lnL>
-                    <a:lnR>
-                      <a:noFill/>
-                    </a:lnR>
-                    <a:lnT>
-                      <a:noFill/>
-                    </a:lnT>
-                    <a:lnB>
-                      <a:noFill/>
-                    </a:lnB>
-                    <a:lnTlToBr w="12700" cmpd="sng">
-                      <a:noFill/>
-                      <a:prstDash val="solid"/>
-                    </a:lnTlToBr>
-                    <a:lnBlToTr w="12700" cmpd="sng">
-                      <a:noFill/>
-                      <a:prstDash val="solid"/>
-                    </a:lnBlToTr>
-                  </a:tcPr>
-                </a:tc>
-                <a:extLst>
-                  <a:ext uri="{0D108BD9-81ED-4DB2-BD59-A6C34878D82A}">
-                    <a16:rowId xmlns:a16="http://schemas.microsoft.com/office/drawing/2014/main" val="909991480"/>
-                  </a:ext>
-                </a:extLst>
-              </a:tr>
-              <a:tr h="138058">
-                <a:tc>
-                  <a:txBody>
-                    <a:bodyPr/>
-                    <a:lstStyle/>
-                    <a:p>
-                      <a:pPr algn="ctr"/>
-                      <a:endParaRPr lang="de-DE" sz="1000" dirty="0">
-                        <a:latin typeface="Arial" panose="020B0604020202020204" pitchFamily="34" charset="0"/>
-                        <a:cs typeface="Arial" panose="020B0604020202020204" pitchFamily="34" charset="0"/>
-                      </a:endParaRPr>
-                    </a:p>
-                  </a:txBody>
-                  <a:tcPr marL="0" marR="0" marT="0" marB="0">
-                    <a:lnL>
-                      <a:noFill/>
-                    </a:lnL>
-                    <a:lnR w="12700" cap="flat" cmpd="sng" algn="ctr">
-                      <a:noFill/>
-                      <a:prstDash val="solid"/>
-                      <a:round/>
-                      <a:headEnd type="none" w="med" len="med"/>
-                      <a:tailEnd type="none" w="med" len="med"/>
-                    </a:lnR>
-                    <a:lnT>
-                      <a:noFill/>
-                    </a:lnT>
-                    <a:lnB>
-                      <a:noFill/>
-                    </a:lnB>
-                    <a:lnTlToBr w="12700" cmpd="sng">
-                      <a:noFill/>
-                      <a:prstDash val="solid"/>
-                    </a:lnTlToBr>
-                    <a:lnBlToTr w="12700" cmpd="sng">
-                      <a:noFill/>
-                      <a:prstDash val="solid"/>
-                    </a:lnBlToTr>
-                  </a:tcPr>
-                </a:tc>
-                <a:tc>
-                  <a:txBody>
-                    <a:bodyPr/>
-                    <a:lstStyle/>
-                    <a:p>
-                      <a:pPr algn="ctr"/>
-                      <a:endParaRPr lang="de-DE" sz="1000" dirty="0">
-                        <a:latin typeface="Arial" panose="020B0604020202020204" pitchFamily="34" charset="0"/>
-                        <a:cs typeface="Arial" panose="020B0604020202020204" pitchFamily="34" charset="0"/>
-                      </a:endParaRPr>
-                    </a:p>
-                  </a:txBody>
-                  <a:tcPr marL="0" marR="0" marT="0" marB="0">
-                    <a:lnL w="12700" cap="flat" cmpd="sng" algn="ctr">
-                      <a:noFill/>
-                      <a:prstDash val="solid"/>
-                      <a:round/>
-                      <a:headEnd type="none" w="med" len="med"/>
-                      <a:tailEnd type="none" w="med" len="med"/>
-                    </a:lnL>
-                    <a:lnR w="12700" cap="flat" cmpd="sng" algn="ctr">
-                      <a:solidFill>
-                        <a:schemeClr val="tx1"/>
-                      </a:solidFill>
-                      <a:prstDash val="solid"/>
-                      <a:round/>
-                      <a:headEnd type="none" w="med" len="med"/>
-                      <a:tailEnd type="none" w="med" len="med"/>
-                    </a:lnR>
-                    <a:lnT w="12700" cap="flat" cmpd="sng" algn="ctr">
-                      <a:noFill/>
-                      <a:prstDash val="solid"/>
-                      <a:round/>
-                      <a:headEnd type="none" w="med" len="med"/>
-                      <a:tailEnd type="none" w="med" len="med"/>
-                    </a:lnT>
-                    <a:lnB w="12700" cap="flat" cmpd="sng" algn="ctr">
-                      <a:solidFill>
-                        <a:schemeClr val="tx1"/>
-                      </a:solidFill>
-                      <a:prstDash val="solid"/>
-                      <a:round/>
-                      <a:headEnd type="none" w="med" len="med"/>
-                      <a:tailEnd type="none" w="med" len="med"/>
-                    </a:lnB>
-                    <a:lnTlToBr w="12700" cmpd="sng">
-                      <a:noFill/>
-                      <a:prstDash val="solid"/>
-                    </a:lnTlToBr>
-                    <a:lnBlToTr w="12700" cmpd="sng">
-                      <a:noFill/>
-                      <a:prstDash val="solid"/>
-                    </a:lnBlToTr>
-                  </a:tcPr>
-                </a:tc>
-                <a:tc>
-                  <a:txBody>
-                    <a:bodyPr/>
-                    <a:lstStyle/>
-                    <a:p>
-                      <a:pPr algn="ctr"/>
-                      <a:r>
-                        <a:rPr lang="de-DE" sz="1000" dirty="0">
-                          <a:latin typeface="Arial" panose="020B0604020202020204" pitchFamily="34" charset="0"/>
-                          <a:cs typeface="Arial" panose="020B0604020202020204" pitchFamily="34" charset="0"/>
-                        </a:rPr>
-                        <a:t>BAV</a:t>
-                      </a:r>
-                    </a:p>
-                  </a:txBody>
-                  <a:tcPr marL="0" marR="0" marT="0" marB="0">
-                    <a:lnL w="12700" cap="flat" cmpd="sng" algn="ctr">
-                      <a:solidFill>
-                        <a:schemeClr val="tx1"/>
-                      </a:solidFill>
-                      <a:prstDash val="solid"/>
-                      <a:round/>
-                      <a:headEnd type="none" w="med" len="med"/>
-                      <a:tailEnd type="none" w="med" len="med"/>
-                    </a:lnL>
-                    <a:lnR w="12700" cap="flat" cmpd="sng" algn="ctr">
-                      <a:solidFill>
-                        <a:schemeClr val="tx1"/>
-                      </a:solidFill>
-                      <a:prstDash val="solid"/>
-                      <a:round/>
-                      <a:headEnd type="none" w="med" len="med"/>
-                      <a:tailEnd type="none" w="med" len="med"/>
-                    </a:lnR>
-                    <a:lnT w="12700" cap="flat" cmpd="sng" algn="ctr">
-                      <a:noFill/>
-                      <a:prstDash val="solid"/>
-                      <a:round/>
-                      <a:headEnd type="none" w="med" len="med"/>
-                      <a:tailEnd type="none" w="med" len="med"/>
-                    </a:lnT>
-                    <a:lnB w="12700" cap="flat" cmpd="sng" algn="ctr">
-                      <a:solidFill>
-                        <a:schemeClr val="tx1"/>
-                      </a:solidFill>
-                      <a:prstDash val="solid"/>
-                      <a:round/>
-                      <a:headEnd type="none" w="med" len="med"/>
-                      <a:tailEnd type="none" w="med" len="med"/>
-                    </a:lnB>
-                    <a:lnTlToBr w="12700" cmpd="sng">
-                      <a:noFill/>
-                      <a:prstDash val="solid"/>
-                    </a:lnTlToBr>
-                    <a:lnBlToTr w="12700" cmpd="sng">
-                      <a:noFill/>
-                      <a:prstDash val="solid"/>
-                    </a:lnBlToTr>
-                  </a:tcPr>
-                </a:tc>
-                <a:tc>
-                  <a:txBody>
-                    <a:bodyPr/>
-                    <a:lstStyle/>
-                    <a:p>
-                      <a:pPr algn="ctr"/>
-                      <a:r>
-                        <a:rPr lang="de-DE" sz="1000" dirty="0">
-                          <a:latin typeface="Arial" panose="020B0604020202020204" pitchFamily="34" charset="0"/>
-                          <a:cs typeface="Arial" panose="020B0604020202020204" pitchFamily="34" charset="0"/>
-                        </a:rPr>
-                        <a:t>OHHV</a:t>
-                      </a:r>
-                    </a:p>
-                  </a:txBody>
-                  <a:tcPr marL="0" marR="0" marT="0" marB="0">
-                    <a:lnL w="12700" cap="flat" cmpd="sng" algn="ctr">
-                      <a:solidFill>
-                        <a:schemeClr val="tx1"/>
-                      </a:solidFill>
-                      <a:prstDash val="solid"/>
-                      <a:round/>
-                      <a:headEnd type="none" w="med" len="med"/>
-                      <a:tailEnd type="none" w="med" len="med"/>
-                    </a:lnL>
-                    <a:lnR w="12700" cap="flat" cmpd="sng" algn="ctr">
-                      <a:noFill/>
-                      <a:prstDash val="solid"/>
-                      <a:round/>
-                      <a:headEnd type="none" w="med" len="med"/>
-                      <a:tailEnd type="none" w="med" len="med"/>
-                    </a:lnR>
-                    <a:lnT w="12700" cap="flat" cmpd="sng" algn="ctr">
-                      <a:noFill/>
-                      <a:prstDash val="solid"/>
-                      <a:round/>
-                      <a:headEnd type="none" w="med" len="med"/>
-                      <a:tailEnd type="none" w="med" len="med"/>
-                    </a:lnT>
-                    <a:lnB w="12700" cap="flat" cmpd="sng" algn="ctr">
-                      <a:solidFill>
-                        <a:schemeClr val="tx1"/>
-                      </a:solidFill>
-                      <a:prstDash val="solid"/>
-                      <a:round/>
-                      <a:headEnd type="none" w="med" len="med"/>
-                      <a:tailEnd type="none" w="med" len="med"/>
-                    </a:lnB>
-                    <a:lnTlToBr w="12700" cmpd="sng">
-                      <a:noFill/>
-                      <a:prstDash val="solid"/>
-                    </a:lnTlToBr>
-                    <a:lnBlToTr w="12700" cmpd="sng">
-                      <a:noFill/>
-                      <a:prstDash val="solid"/>
-                    </a:lnBlToTr>
-                  </a:tcPr>
-                </a:tc>
-                <a:extLst>
-                  <a:ext uri="{0D108BD9-81ED-4DB2-BD59-A6C34878D82A}">
-                    <a16:rowId xmlns:a16="http://schemas.microsoft.com/office/drawing/2014/main" val="3745634437"/>
-                  </a:ext>
-                </a:extLst>
-              </a:tr>
-              <a:tr h="138058">
-                <a:tc rowSpan="2">
-                  <a:txBody>
-                    <a:bodyPr/>
-                    <a:lstStyle/>
-                    <a:p>
-                      <a:pPr marL="0" marR="0" lvl="0" indent="0" algn="ctr" defTabSz="914400" rtl="0" eaLnBrk="1" fontAlgn="auto" latinLnBrk="0" hangingPunct="1">
-                        <a:lnSpc>
-                          <a:spcPct val="100000"/>
-                        </a:lnSpc>
-                        <a:spcBef>
-                          <a:spcPts val="0"/>
-                        </a:spcBef>
-                        <a:spcAft>
-                          <a:spcPts val="0"/>
-                        </a:spcAft>
-                        <a:buClrTx/>
-                        <a:buSzTx/>
-                        <a:buFontTx/>
-                        <a:buNone/>
-                        <a:tabLst/>
-                        <a:defRPr/>
-                      </a:pPr>
-                      <a:r>
-                        <a:rPr lang="de-DE" sz="1000" dirty="0">
-                          <a:latin typeface="Arial" panose="020B0604020202020204" pitchFamily="34" charset="0"/>
-                          <a:cs typeface="Arial" panose="020B0604020202020204" pitchFamily="34" charset="0"/>
-                        </a:rPr>
-                        <a:t>True</a:t>
-                      </a:r>
-                    </a:p>
-                  </a:txBody>
-                  <a:tcPr marL="0" marR="0" marT="0" marB="0" vert="vert270" anchor="ctr">
-                    <a:lnL>
-                      <a:noFill/>
-                    </a:lnL>
-                    <a:lnR w="12700" cap="flat" cmpd="sng" algn="ctr">
-                      <a:noFill/>
-                      <a:prstDash val="solid"/>
-                      <a:round/>
-                      <a:headEnd type="none" w="med" len="med"/>
-                      <a:tailEnd type="none" w="med" len="med"/>
-                    </a:lnR>
-                    <a:lnT>
-                      <a:noFill/>
-                    </a:lnT>
-                    <a:lnB>
-                      <a:noFill/>
-                    </a:lnB>
-                    <a:lnTlToBr w="12700" cmpd="sng">
-                      <a:noFill/>
-                      <a:prstDash val="solid"/>
-                    </a:lnTlToBr>
-                    <a:lnBlToTr w="12700" cmpd="sng">
-                      <a:noFill/>
-                      <a:prstDash val="solid"/>
-                    </a:lnBlToTr>
-                  </a:tcPr>
-                </a:tc>
-                <a:tc>
-                  <a:txBody>
-                    <a:bodyPr/>
-                    <a:lstStyle/>
-                    <a:p>
-                      <a:pPr marL="0" marR="0" lvl="0" indent="0" algn="ctr" defTabSz="914400" rtl="0" eaLnBrk="1" fontAlgn="auto" latinLnBrk="0" hangingPunct="1">
-                        <a:lnSpc>
-                          <a:spcPct val="100000"/>
-                        </a:lnSpc>
-                        <a:spcBef>
-                          <a:spcPts val="0"/>
-                        </a:spcBef>
-                        <a:spcAft>
-                          <a:spcPts val="0"/>
-                        </a:spcAft>
-                        <a:buClrTx/>
-                        <a:buSzTx/>
-                        <a:buFontTx/>
-                        <a:buNone/>
-                        <a:tabLst/>
-                        <a:defRPr/>
-                      </a:pPr>
-                      <a:r>
-                        <a:rPr lang="de-DE" sz="1000" dirty="0">
-                          <a:latin typeface="Arial" panose="020B0604020202020204" pitchFamily="34" charset="0"/>
-                          <a:cs typeface="Arial" panose="020B0604020202020204" pitchFamily="34" charset="0"/>
-                        </a:rPr>
-                        <a:t>BAV</a:t>
-                      </a:r>
-                    </a:p>
-                  </a:txBody>
-                  <a:tcPr marL="0" marR="0" marT="0" marB="0">
-                    <a:lnL w="12700" cap="flat" cmpd="sng" algn="ctr">
-                      <a:noFill/>
-                      <a:prstDash val="solid"/>
-                      <a:round/>
-                      <a:headEnd type="none" w="med" len="med"/>
-                      <a:tailEnd type="none" w="med" len="med"/>
-                    </a:lnL>
-                    <a:lnR w="12700" cap="flat" cmpd="sng" algn="ctr">
-                      <a:solidFill>
-                        <a:schemeClr val="tx1"/>
-                      </a:solidFill>
-                      <a:prstDash val="solid"/>
-                      <a:round/>
-                      <a:headEnd type="none" w="med" len="med"/>
-                      <a:tailEnd type="none" w="med" len="med"/>
-                    </a:lnR>
-                    <a:lnT w="12700" cap="flat" cmpd="sng" algn="ctr">
-                      <a:solidFill>
-                        <a:schemeClr val="tx1"/>
-                      </a:solidFill>
-                      <a:prstDash val="solid"/>
-                      <a:round/>
-                      <a:headEnd type="none" w="med" len="med"/>
-                      <a:tailEnd type="none" w="med" len="med"/>
-                    </a:lnT>
-                    <a:lnB w="12700" cap="flat" cmpd="sng" algn="ctr">
-                      <a:solidFill>
-                        <a:schemeClr val="tx1"/>
-                      </a:solidFill>
-                      <a:prstDash val="solid"/>
-                      <a:round/>
-                      <a:headEnd type="none" w="med" len="med"/>
-                      <a:tailEnd type="none" w="med" len="med"/>
-                    </a:lnB>
-                    <a:lnTlToBr w="12700" cmpd="sng">
-                      <a:noFill/>
-                      <a:prstDash val="solid"/>
-                    </a:lnTlToBr>
-                    <a:lnBlToTr w="12700" cmpd="sng">
-                      <a:noFill/>
-                      <a:prstDash val="solid"/>
-                    </a:lnBlToTr>
-                  </a:tcPr>
-                </a:tc>
-                <a:tc>
-                  <a:txBody>
-                    <a:bodyPr/>
-                    <a:lstStyle/>
-                    <a:p>
-                      <a:pPr algn="ctr"/>
-                      <a:r>
-                        <a:rPr lang="de-DE" sz="1000" dirty="0">
-                          <a:latin typeface="Arial" panose="020B0604020202020204" pitchFamily="34" charset="0"/>
-                          <a:cs typeface="Arial" panose="020B0604020202020204" pitchFamily="34" charset="0"/>
-                        </a:rPr>
-                        <a:t>17</a:t>
-                      </a:r>
-                    </a:p>
-                  </a:txBody>
-                  <a:tcPr marL="0" marR="0" marT="0" marB="0">
-                    <a:lnL w="12700" cap="flat" cmpd="sng" algn="ctr">
-                      <a:solidFill>
-                        <a:schemeClr val="tx1"/>
-                      </a:solidFill>
-                      <a:prstDash val="solid"/>
-                      <a:round/>
-                      <a:headEnd type="none" w="med" len="med"/>
-                      <a:tailEnd type="none" w="med" len="med"/>
-                    </a:lnL>
-                    <a:lnR w="12700" cap="flat" cmpd="sng" algn="ctr">
-                      <a:solidFill>
-                        <a:schemeClr val="tx1"/>
-                      </a:solidFill>
-                      <a:prstDash val="solid"/>
-                      <a:round/>
-                      <a:headEnd type="none" w="med" len="med"/>
-                      <a:tailEnd type="none" w="med" len="med"/>
-                    </a:lnR>
-                    <a:lnT w="12700" cap="flat" cmpd="sng" algn="ctr">
-                      <a:solidFill>
-                        <a:schemeClr val="tx1"/>
-                      </a:solidFill>
-                      <a:prstDash val="solid"/>
-                      <a:round/>
-                      <a:headEnd type="none" w="med" len="med"/>
-                      <a:tailEnd type="none" w="med" len="med"/>
-                    </a:lnT>
-                    <a:lnB w="12700" cap="flat" cmpd="sng" algn="ctr">
-                      <a:solidFill>
-                        <a:schemeClr val="tx1"/>
-                      </a:solidFill>
-                      <a:prstDash val="solid"/>
-                      <a:round/>
-                      <a:headEnd type="none" w="med" len="med"/>
-                      <a:tailEnd type="none" w="med" len="med"/>
-                    </a:lnB>
-                    <a:lnTlToBr w="12700" cmpd="sng">
-                      <a:noFill/>
-                      <a:prstDash val="solid"/>
-                    </a:lnTlToBr>
-                    <a:lnBlToTr w="12700" cmpd="sng">
-                      <a:noFill/>
-                      <a:prstDash val="solid"/>
-                    </a:lnBlToTr>
-                  </a:tcPr>
-                </a:tc>
-                <a:tc>
-                  <a:txBody>
-                    <a:bodyPr/>
-                    <a:lstStyle/>
-                    <a:p>
-                      <a:pPr algn="ctr"/>
-                      <a:r>
-                        <a:rPr lang="de-DE" sz="1000" dirty="0">
-                          <a:latin typeface="Arial" panose="020B0604020202020204" pitchFamily="34" charset="0"/>
-                          <a:cs typeface="Arial" panose="020B0604020202020204" pitchFamily="34" charset="0"/>
-                        </a:rPr>
-                        <a:t>5</a:t>
-                      </a:r>
-                    </a:p>
-                  </a:txBody>
-                  <a:tcPr marL="0" marR="0" marT="0" marB="0">
-                    <a:lnL w="12700" cap="flat" cmpd="sng" algn="ctr">
-                      <a:solidFill>
-                        <a:schemeClr val="tx1"/>
-                      </a:solidFill>
-                      <a:prstDash val="solid"/>
-                      <a:round/>
-                      <a:headEnd type="none" w="med" len="med"/>
-                      <a:tailEnd type="none" w="med" len="med"/>
-                    </a:lnL>
-                    <a:lnR w="12700" cap="flat" cmpd="sng" algn="ctr">
-                      <a:noFill/>
-                      <a:prstDash val="solid"/>
-                      <a:round/>
-                      <a:headEnd type="none" w="med" len="med"/>
-                      <a:tailEnd type="none" w="med" len="med"/>
-                    </a:lnR>
-                    <a:lnT w="12700" cap="flat" cmpd="sng" algn="ctr">
-                      <a:solidFill>
-                        <a:schemeClr val="tx1"/>
-                      </a:solidFill>
-                      <a:prstDash val="solid"/>
-                      <a:round/>
-                      <a:headEnd type="none" w="med" len="med"/>
-                      <a:tailEnd type="none" w="med" len="med"/>
-                    </a:lnT>
-                    <a:lnB w="12700" cap="flat" cmpd="sng" algn="ctr">
-                      <a:solidFill>
-                        <a:schemeClr val="tx1"/>
-                      </a:solidFill>
-                      <a:prstDash val="solid"/>
-                      <a:round/>
-                      <a:headEnd type="none" w="med" len="med"/>
-                      <a:tailEnd type="none" w="med" len="med"/>
-                    </a:lnB>
-                    <a:lnTlToBr w="12700" cmpd="sng">
-                      <a:noFill/>
-                      <a:prstDash val="solid"/>
-                    </a:lnTlToBr>
-                    <a:lnBlToTr w="12700" cmpd="sng">
-                      <a:noFill/>
-                      <a:prstDash val="solid"/>
-                    </a:lnBlToTr>
-                  </a:tcPr>
-                </a:tc>
-                <a:extLst>
-                  <a:ext uri="{0D108BD9-81ED-4DB2-BD59-A6C34878D82A}">
-                    <a16:rowId xmlns:a16="http://schemas.microsoft.com/office/drawing/2014/main" val="166934464"/>
-                  </a:ext>
-                </a:extLst>
-              </a:tr>
-              <a:tr h="138058">
-                <a:tc vMerge="1">
-                  <a:txBody>
-                    <a:bodyPr/>
-                    <a:lstStyle/>
-                    <a:p>
-                      <a:endParaRPr lang="de-DE" sz="1100" dirty="0">
-                        <a:latin typeface="Arial" panose="020B0604020202020204" pitchFamily="34" charset="0"/>
-                        <a:cs typeface="Arial" panose="020B0604020202020204" pitchFamily="34" charset="0"/>
-                      </a:endParaRPr>
-                    </a:p>
-                  </a:txBody>
-                  <a:tcPr>
-                    <a:lnL>
-                      <a:noFill/>
-                    </a:lnL>
-                    <a:lnR>
-                      <a:noFill/>
-                    </a:lnR>
-                    <a:lnT>
-                      <a:noFill/>
-                    </a:lnT>
-                    <a:lnB>
-                      <a:noFill/>
-                    </a:lnB>
-                    <a:lnTlToBr w="12700" cmpd="sng">
-                      <a:noFill/>
-                      <a:prstDash val="solid"/>
-                    </a:lnTlToBr>
-                    <a:lnBlToTr w="12700" cmpd="sng">
-                      <a:noFill/>
-                      <a:prstDash val="solid"/>
-                    </a:lnBlToTr>
-                  </a:tcPr>
-                </a:tc>
-                <a:tc>
-                  <a:txBody>
-                    <a:bodyPr/>
-                    <a:lstStyle/>
-                    <a:p>
-                      <a:pPr algn="ctr"/>
-                      <a:r>
-                        <a:rPr lang="de-DE" sz="1000" dirty="0">
-                          <a:latin typeface="Arial" panose="020B0604020202020204" pitchFamily="34" charset="0"/>
-                          <a:cs typeface="Arial" panose="020B0604020202020204" pitchFamily="34" charset="0"/>
-                        </a:rPr>
-                        <a:t>OHHV</a:t>
-                      </a:r>
-                    </a:p>
-                  </a:txBody>
-                  <a:tcPr marL="0" marR="0" marT="0" marB="0">
-                    <a:lnL w="12700" cap="flat" cmpd="sng" algn="ctr">
-                      <a:noFill/>
-                      <a:prstDash val="solid"/>
-                      <a:round/>
-                      <a:headEnd type="none" w="med" len="med"/>
-                      <a:tailEnd type="none" w="med" len="med"/>
-                    </a:lnL>
-                    <a:lnR w="12700" cap="flat" cmpd="sng" algn="ctr">
-                      <a:solidFill>
-                        <a:schemeClr val="tx1"/>
-                      </a:solidFill>
-                      <a:prstDash val="solid"/>
-                      <a:round/>
-                      <a:headEnd type="none" w="med" len="med"/>
-                      <a:tailEnd type="none" w="med" len="med"/>
-                    </a:lnR>
-                    <a:lnT w="12700" cap="flat" cmpd="sng" algn="ctr">
-                      <a:solidFill>
-                        <a:schemeClr val="tx1"/>
-                      </a:solidFill>
-                      <a:prstDash val="solid"/>
-                      <a:round/>
-                      <a:headEnd type="none" w="med" len="med"/>
-                      <a:tailEnd type="none" w="med" len="med"/>
-                    </a:lnT>
-                    <a:lnB w="12700" cap="flat" cmpd="sng" algn="ctr">
-                      <a:noFill/>
-                      <a:prstDash val="solid"/>
-                      <a:round/>
-                      <a:headEnd type="none" w="med" len="med"/>
-                      <a:tailEnd type="none" w="med" len="med"/>
-                    </a:lnB>
-                    <a:lnTlToBr w="12700" cmpd="sng">
-                      <a:noFill/>
-                      <a:prstDash val="solid"/>
-                    </a:lnTlToBr>
-                    <a:lnBlToTr w="12700" cmpd="sng">
-                      <a:noFill/>
-                      <a:prstDash val="solid"/>
-                    </a:lnBlToTr>
-                  </a:tcPr>
-                </a:tc>
-                <a:tc>
-                  <a:txBody>
-                    <a:bodyPr/>
-                    <a:lstStyle/>
-                    <a:p>
-                      <a:pPr algn="ctr"/>
-                      <a:r>
-                        <a:rPr lang="de-DE" sz="1000" dirty="0">
-                          <a:latin typeface="Arial" panose="020B0604020202020204" pitchFamily="34" charset="0"/>
-                          <a:cs typeface="Arial" panose="020B0604020202020204" pitchFamily="34" charset="0"/>
-                        </a:rPr>
-                        <a:t>2</a:t>
-                      </a:r>
-                    </a:p>
-                  </a:txBody>
-                  <a:tcPr marL="0" marR="0" marT="0" marB="0">
-                    <a:lnL w="12700" cap="flat" cmpd="sng" algn="ctr">
-                      <a:solidFill>
-                        <a:schemeClr val="tx1"/>
-                      </a:solidFill>
-                      <a:prstDash val="solid"/>
-                      <a:round/>
-                      <a:headEnd type="none" w="med" len="med"/>
-                      <a:tailEnd type="none" w="med" len="med"/>
-                    </a:lnL>
-                    <a:lnR w="12700" cap="flat" cmpd="sng" algn="ctr">
-                      <a:solidFill>
-                        <a:schemeClr val="tx1"/>
-                      </a:solidFill>
-                      <a:prstDash val="solid"/>
-                      <a:round/>
-                      <a:headEnd type="none" w="med" len="med"/>
-                      <a:tailEnd type="none" w="med" len="med"/>
-                    </a:lnR>
-                    <a:lnT w="12700" cap="flat" cmpd="sng" algn="ctr">
-                      <a:solidFill>
-                        <a:schemeClr val="tx1"/>
-                      </a:solidFill>
-                      <a:prstDash val="solid"/>
-                      <a:round/>
-                      <a:headEnd type="none" w="med" len="med"/>
-                      <a:tailEnd type="none" w="med" len="med"/>
-                    </a:lnT>
-                    <a:lnB w="12700" cap="flat" cmpd="sng" algn="ctr">
-                      <a:noFill/>
-                      <a:prstDash val="solid"/>
-                      <a:round/>
-                      <a:headEnd type="none" w="med" len="med"/>
-                      <a:tailEnd type="none" w="med" len="med"/>
-                    </a:lnB>
-                    <a:lnTlToBr w="12700" cmpd="sng">
-                      <a:noFill/>
-                      <a:prstDash val="solid"/>
-                    </a:lnTlToBr>
-                    <a:lnBlToTr w="12700" cmpd="sng">
-                      <a:noFill/>
-                      <a:prstDash val="solid"/>
-                    </a:lnBlToTr>
-                  </a:tcPr>
-                </a:tc>
-                <a:tc>
-                  <a:txBody>
-                    <a:bodyPr/>
-                    <a:lstStyle/>
-                    <a:p>
-                      <a:pPr algn="ctr"/>
-                      <a:r>
-                        <a:rPr lang="de-DE" sz="1000" dirty="0">
-                          <a:latin typeface="Arial" panose="020B0604020202020204" pitchFamily="34" charset="0"/>
-                          <a:cs typeface="Arial" panose="020B0604020202020204" pitchFamily="34" charset="0"/>
-                        </a:rPr>
-                        <a:t>28</a:t>
-                      </a:r>
-                    </a:p>
-                  </a:txBody>
-                  <a:tcPr marL="0" marR="0" marT="0" marB="0">
-                    <a:lnL w="12700" cap="flat" cmpd="sng" algn="ctr">
-                      <a:solidFill>
-                        <a:schemeClr val="tx1"/>
-                      </a:solidFill>
-                      <a:prstDash val="solid"/>
-                      <a:round/>
-                      <a:headEnd type="none" w="med" len="med"/>
-                      <a:tailEnd type="none" w="med" len="med"/>
-                    </a:lnL>
-                    <a:lnR w="12700" cap="flat" cmpd="sng" algn="ctr">
-                      <a:noFill/>
-                      <a:prstDash val="solid"/>
-                      <a:round/>
-                      <a:headEnd type="none" w="med" len="med"/>
-                      <a:tailEnd type="none" w="med" len="med"/>
-                    </a:lnR>
-                    <a:lnT w="12700" cap="flat" cmpd="sng" algn="ctr">
-                      <a:solidFill>
-                        <a:schemeClr val="tx1"/>
-                      </a:solidFill>
-                      <a:prstDash val="solid"/>
-                      <a:round/>
-                      <a:headEnd type="none" w="med" len="med"/>
-                      <a:tailEnd type="none" w="med" len="med"/>
-                    </a:lnT>
-                    <a:lnB w="12700" cap="flat" cmpd="sng" algn="ctr">
-                      <a:noFill/>
-                      <a:prstDash val="solid"/>
-                      <a:round/>
-                      <a:headEnd type="none" w="med" len="med"/>
-                      <a:tailEnd type="none" w="med" len="med"/>
-                    </a:lnB>
-                    <a:lnTlToBr w="12700" cmpd="sng">
-                      <a:noFill/>
-                      <a:prstDash val="solid"/>
-                    </a:lnTlToBr>
-                    <a:lnBlToTr w="12700" cmpd="sng">
-                      <a:noFill/>
-                      <a:prstDash val="solid"/>
-                    </a:lnBlToTr>
-                  </a:tcPr>
-                </a:tc>
-                <a:extLst>
-                  <a:ext uri="{0D108BD9-81ED-4DB2-BD59-A6C34878D82A}">
-                    <a16:rowId xmlns:a16="http://schemas.microsoft.com/office/drawing/2014/main" val="876347481"/>
-                  </a:ext>
-                </a:extLst>
-              </a:tr>
-            </a:tbl>
-          </a:graphicData>
-        </a:graphic>
-      </p:graphicFrame>
-      <p:sp>
-        <p:nvSpPr>
-          <p:cNvPr id="305" name="Textfeld 304">
-            <a:extLst>
-              <a:ext uri="{FF2B5EF4-FFF2-40B4-BE49-F238E27FC236}">
-                <a16:creationId xmlns:a16="http://schemas.microsoft.com/office/drawing/2014/main" id="{C25D5ABF-15C0-44D3-80F9-2A459F652976}"/>
-              </a:ext>
-            </a:extLst>
-          </p:cNvPr>
-          <p:cNvSpPr txBox="1"/>
-          <p:nvPr/>
-        </p:nvSpPr>
-        <p:spPr>
-          <a:xfrm>
-            <a:off x="4094120" y="4535453"/>
-            <a:ext cx="1413522" cy="553998"/>
-          </a:xfrm>
-          <a:prstGeom prst="rect">
-            <a:avLst/>
-          </a:prstGeom>
-          <a:noFill/>
-        </p:spPr>
-        <p:txBody>
-          <a:bodyPr wrap="square" rtlCol="0">
-            <a:spAutoFit/>
-          </a:bodyPr>
-          <a:lstStyle/>
-          <a:p>
-            <a:r>
-              <a:rPr lang="de-DE" sz="1000" dirty="0" err="1">
-                <a:latin typeface="Arial" panose="020B0604020202020204" pitchFamily="34" charset="0"/>
-                <a:cs typeface="Arial" panose="020B0604020202020204" pitchFamily="34" charset="0"/>
-              </a:rPr>
-              <a:t>Accuracy</a:t>
-            </a:r>
-            <a:r>
-              <a:rPr lang="de-DE" sz="1000" dirty="0">
-                <a:latin typeface="Arial" panose="020B0604020202020204" pitchFamily="34" charset="0"/>
-                <a:cs typeface="Arial" panose="020B0604020202020204" pitchFamily="34" charset="0"/>
-              </a:rPr>
-              <a:t> = 86.54%</a:t>
-            </a:r>
-            <a:br>
-              <a:rPr lang="de-DE" sz="1000" dirty="0">
-                <a:latin typeface="Arial" panose="020B0604020202020204" pitchFamily="34" charset="0"/>
-                <a:cs typeface="Arial" panose="020B0604020202020204" pitchFamily="34" charset="0"/>
-              </a:rPr>
-            </a:br>
-            <a:r>
-              <a:rPr lang="de-DE" sz="1000" dirty="0" err="1">
-                <a:latin typeface="Arial" panose="020B0604020202020204" pitchFamily="34" charset="0"/>
-                <a:cs typeface="Arial" panose="020B0604020202020204" pitchFamily="34" charset="0"/>
-              </a:rPr>
-              <a:t>Sensitivity</a:t>
-            </a:r>
-            <a:r>
-              <a:rPr lang="de-DE" sz="1000" dirty="0">
-                <a:latin typeface="Arial" panose="020B0604020202020204" pitchFamily="34" charset="0"/>
-                <a:cs typeface="Arial" panose="020B0604020202020204" pitchFamily="34" charset="0"/>
-              </a:rPr>
-              <a:t> = 77.27%</a:t>
-            </a:r>
-            <a:br>
-              <a:rPr lang="de-DE" sz="1000" dirty="0">
-                <a:latin typeface="Arial" panose="020B0604020202020204" pitchFamily="34" charset="0"/>
-                <a:cs typeface="Arial" panose="020B0604020202020204" pitchFamily="34" charset="0"/>
-              </a:rPr>
-            </a:br>
-            <a:r>
-              <a:rPr lang="de-DE" sz="1000" dirty="0" err="1">
-                <a:latin typeface="Arial" panose="020B0604020202020204" pitchFamily="34" charset="0"/>
-                <a:cs typeface="Arial" panose="020B0604020202020204" pitchFamily="34" charset="0"/>
-              </a:rPr>
-              <a:t>Specificity</a:t>
-            </a:r>
-            <a:r>
-              <a:rPr lang="de-DE" sz="1000" dirty="0">
-                <a:latin typeface="Arial" panose="020B0604020202020204" pitchFamily="34" charset="0"/>
-                <a:cs typeface="Arial" panose="020B0604020202020204" pitchFamily="34" charset="0"/>
-              </a:rPr>
-              <a:t> = 93.33%</a:t>
-            </a:r>
-          </a:p>
-        </p:txBody>
-      </p:sp>
-      <p:sp>
-        <p:nvSpPr>
-          <p:cNvPr id="307" name="Rechteck: abgerundete Ecken 306">
-            <a:extLst>
-              <a:ext uri="{FF2B5EF4-FFF2-40B4-BE49-F238E27FC236}">
-                <a16:creationId xmlns:a16="http://schemas.microsoft.com/office/drawing/2014/main" id="{3D14A8C3-ECA7-4D6E-8664-D000CEBD9D8B}"/>
-              </a:ext>
-            </a:extLst>
-          </p:cNvPr>
-          <p:cNvSpPr/>
-          <p:nvPr/>
-        </p:nvSpPr>
-        <p:spPr>
-          <a:xfrm>
-            <a:off x="3171961" y="1060320"/>
-            <a:ext cx="1080000" cy="468604"/>
-          </a:xfrm>
-          <a:prstGeom prst="roundRect">
-            <a:avLst>
-              <a:gd name="adj" fmla="val 11124"/>
-            </a:avLst>
-          </a:prstGeom>
-          <a:solidFill>
-            <a:srgbClr val="C7E4C8"/>
-          </a:solidFill>
-          <a:ln w="9525">
-            <a:solidFill>
-              <a:srgbClr val="2FA65F"/>
-            </a:solidFill>
-          </a:ln>
-        </p:spPr>
-        <p:style>
-          <a:lnRef idx="2">
-            <a:schemeClr val="accent1">
-              <a:shade val="50000"/>
-            </a:schemeClr>
-          </a:lnRef>
-          <a:fillRef idx="1">
-            <a:schemeClr val="accent1"/>
-          </a:fillRef>
-          <a:effectRef idx="0">
-            <a:schemeClr val="accent1"/>
-          </a:effectRef>
-          <a:fontRef idx="minor">
-            <a:schemeClr val="lt1"/>
-          </a:fontRef>
-        </p:style>
-        <p:txBody>
-          <a:bodyPr lIns="36000" tIns="0" rIns="36000" bIns="0" rtlCol="0" anchor="ctr"/>
-          <a:lstStyle/>
-          <a:p>
-            <a:pPr algn="ctr"/>
-            <a:r>
-              <a:rPr lang="de-DE" sz="900" noProof="1">
-                <a:solidFill>
-                  <a:schemeClr val="tx1"/>
-                </a:solidFill>
-                <a:latin typeface="Arial" panose="020B0604020202020204" pitchFamily="34" charset="0"/>
-                <a:cs typeface="Arial" panose="020B0604020202020204" pitchFamily="34" charset="0"/>
-              </a:rPr>
-              <a:t>systolicMaxMean-InPlaneVelocity [m/s]</a:t>
-            </a:r>
-          </a:p>
-        </p:txBody>
-      </p:sp>
-      <p:sp>
-        <p:nvSpPr>
-          <p:cNvPr id="308" name="Rechteck: abgerundete Ecken 307">
-            <a:extLst>
-              <a:ext uri="{FF2B5EF4-FFF2-40B4-BE49-F238E27FC236}">
-                <a16:creationId xmlns:a16="http://schemas.microsoft.com/office/drawing/2014/main" id="{2CDAD946-B302-43AC-A5EF-109F40E533FC}"/>
-              </a:ext>
-            </a:extLst>
-          </p:cNvPr>
-          <p:cNvSpPr/>
-          <p:nvPr/>
-        </p:nvSpPr>
-        <p:spPr>
-          <a:xfrm>
-            <a:off x="2451881" y="1602882"/>
-            <a:ext cx="1080000" cy="468604"/>
-          </a:xfrm>
-          <a:prstGeom prst="roundRect">
-            <a:avLst>
-              <a:gd name="adj" fmla="val 11124"/>
-            </a:avLst>
-          </a:prstGeom>
-          <a:solidFill>
-            <a:srgbClr val="C7E4C8"/>
-          </a:solidFill>
-          <a:ln w="9525">
-            <a:solidFill>
-              <a:srgbClr val="2FA65F"/>
-            </a:solidFill>
-          </a:ln>
-        </p:spPr>
-        <p:style>
-          <a:lnRef idx="2">
-            <a:schemeClr val="accent1">
-              <a:shade val="50000"/>
-            </a:schemeClr>
-          </a:lnRef>
-          <a:fillRef idx="1">
-            <a:schemeClr val="accent1"/>
-          </a:fillRef>
-          <a:effectRef idx="0">
-            <a:schemeClr val="accent1"/>
-          </a:effectRef>
-          <a:fontRef idx="minor">
-            <a:schemeClr val="lt1"/>
-          </a:fontRef>
-        </p:style>
-        <p:txBody>
-          <a:bodyPr lIns="36000" tIns="0" rIns="36000" bIns="0" rtlCol="0" anchor="ctr"/>
-          <a:lstStyle/>
-          <a:p>
-            <a:pPr algn="ctr"/>
-            <a:r>
-              <a:rPr lang="de-DE" sz="900" noProof="1">
-                <a:solidFill>
-                  <a:schemeClr val="tx1"/>
-                </a:solidFill>
-                <a:latin typeface="Arial" panose="020B0604020202020204" pitchFamily="34" charset="0"/>
-                <a:cs typeface="Arial" panose="020B0604020202020204" pitchFamily="34" charset="0"/>
-              </a:rPr>
-              <a:t>systolicMaxMean-InPlaneVelocity [m/s]</a:t>
-            </a:r>
-          </a:p>
-        </p:txBody>
-      </p:sp>
-      <p:grpSp>
-        <p:nvGrpSpPr>
-          <p:cNvPr id="309" name="Gruppieren 308">
-            <a:extLst>
-              <a:ext uri="{FF2B5EF4-FFF2-40B4-BE49-F238E27FC236}">
-                <a16:creationId xmlns:a16="http://schemas.microsoft.com/office/drawing/2014/main" id="{2965BBEC-C2A6-4819-8BB0-A672195630ED}"/>
-              </a:ext>
-            </a:extLst>
-          </p:cNvPr>
-          <p:cNvGrpSpPr/>
-          <p:nvPr/>
-        </p:nvGrpSpPr>
-        <p:grpSpPr>
-          <a:xfrm>
-            <a:off x="4151145" y="1602882"/>
-            <a:ext cx="590096" cy="353333"/>
-            <a:chOff x="3441184" y="1984779"/>
-            <a:chExt cx="590096" cy="353333"/>
-          </a:xfrm>
-        </p:grpSpPr>
-        <p:sp>
-          <p:nvSpPr>
-            <p:cNvPr id="335" name="Rechteck 334">
-              <a:extLst>
-                <a:ext uri="{FF2B5EF4-FFF2-40B4-BE49-F238E27FC236}">
-                  <a16:creationId xmlns:a16="http://schemas.microsoft.com/office/drawing/2014/main" id="{C1841A2C-6E5D-47A8-8B4E-96BE1DBCBECC}"/>
-                </a:ext>
-              </a:extLst>
-            </p:cNvPr>
-            <p:cNvSpPr/>
-            <p:nvPr/>
-          </p:nvSpPr>
-          <p:spPr>
-            <a:xfrm>
-              <a:off x="3441184" y="2158112"/>
-              <a:ext cx="590096" cy="180000"/>
-            </a:xfrm>
-            <a:prstGeom prst="rect">
-              <a:avLst/>
-            </a:prstGeom>
-            <a:noFill/>
-            <a:ln w="9525">
-              <a:solidFill>
-                <a:schemeClr val="bg2">
-                  <a:lumMod val="75000"/>
-                </a:schemeClr>
-              </a:solidFill>
-            </a:ln>
-          </p:spPr>
-          <p:style>
-            <a:lnRef idx="2">
-              <a:schemeClr val="accent1">
-                <a:shade val="50000"/>
-              </a:schemeClr>
-            </a:lnRef>
-            <a:fillRef idx="1">
-              <a:schemeClr val="accent1"/>
-            </a:fillRef>
-            <a:effectRef idx="0">
-              <a:schemeClr val="accent1"/>
-            </a:effectRef>
-            <a:fontRef idx="minor">
-              <a:schemeClr val="lt1"/>
-            </a:fontRef>
-          </p:style>
-          <p:txBody>
-            <a:bodyPr lIns="36000" tIns="36000" rIns="36000" bIns="36000" rtlCol="0" anchor="ctr"/>
-            <a:lstStyle/>
-            <a:p>
-              <a:pPr algn="ctr"/>
-              <a:r>
-                <a:rPr lang="de-DE" sz="800" b="1" dirty="0">
-                  <a:solidFill>
-                    <a:srgbClr val="2FA65F"/>
-                  </a:solidFill>
-                  <a:latin typeface="Arial" panose="020B0604020202020204" pitchFamily="34" charset="0"/>
-                  <a:cs typeface="Arial" panose="020B0604020202020204" pitchFamily="34" charset="0"/>
-                </a:rPr>
-                <a:t>✔11 </a:t>
-              </a:r>
-              <a:r>
-                <a:rPr lang="de-DE" sz="800" b="1" dirty="0">
-                  <a:solidFill>
-                    <a:srgbClr val="C00000"/>
-                  </a:solidFill>
-                  <a:latin typeface="Arial" panose="020B0604020202020204" pitchFamily="34" charset="0"/>
-                  <a:cs typeface="Arial" panose="020B0604020202020204" pitchFamily="34" charset="0"/>
-                </a:rPr>
-                <a:t>✖0</a:t>
-              </a:r>
-            </a:p>
-          </p:txBody>
-        </p:sp>
-        <p:sp>
-          <p:nvSpPr>
-            <p:cNvPr id="336" name="Rechteck 335">
-              <a:extLst>
-                <a:ext uri="{FF2B5EF4-FFF2-40B4-BE49-F238E27FC236}">
-                  <a16:creationId xmlns:a16="http://schemas.microsoft.com/office/drawing/2014/main" id="{E68E15AD-858A-4878-B31E-21EF148F5E00}"/>
-                </a:ext>
-              </a:extLst>
-            </p:cNvPr>
-            <p:cNvSpPr/>
-            <p:nvPr/>
-          </p:nvSpPr>
-          <p:spPr>
-            <a:xfrm>
-              <a:off x="3441184" y="1984779"/>
-              <a:ext cx="590096" cy="180000"/>
-            </a:xfrm>
-            <a:prstGeom prst="rect">
-              <a:avLst/>
-            </a:prstGeom>
-            <a:solidFill>
-              <a:srgbClr val="DA7F7F"/>
-            </a:solidFill>
-            <a:ln w="9525">
-              <a:solidFill>
-                <a:schemeClr val="bg2">
-                  <a:lumMod val="75000"/>
-                </a:schemeClr>
-              </a:solidFill>
-            </a:ln>
-          </p:spPr>
-          <p:style>
-            <a:lnRef idx="2">
-              <a:schemeClr val="accent1">
-                <a:shade val="50000"/>
-              </a:schemeClr>
-            </a:lnRef>
-            <a:fillRef idx="1">
-              <a:schemeClr val="accent1"/>
-            </a:fillRef>
-            <a:effectRef idx="0">
-              <a:schemeClr val="accent1"/>
-            </a:effectRef>
-            <a:fontRef idx="minor">
-              <a:schemeClr val="lt1"/>
-            </a:fontRef>
-          </p:style>
-          <p:txBody>
-            <a:bodyPr lIns="36000" tIns="36000" rIns="36000" bIns="36000" rtlCol="0" anchor="ctr"/>
-            <a:lstStyle/>
-            <a:p>
-              <a:pPr algn="ctr"/>
-              <a:r>
-                <a:rPr lang="de-DE" sz="800" dirty="0">
-                  <a:solidFill>
-                    <a:schemeClr val="tx1"/>
-                  </a:solidFill>
-                  <a:latin typeface="Arial" panose="020B0604020202020204" pitchFamily="34" charset="0"/>
-                  <a:cs typeface="Arial" panose="020B0604020202020204" pitchFamily="34" charset="0"/>
-                </a:rPr>
-                <a:t>BAV</a:t>
-              </a:r>
-            </a:p>
-          </p:txBody>
-        </p:sp>
-      </p:grpSp>
-      <p:grpSp>
-        <p:nvGrpSpPr>
-          <p:cNvPr id="310" name="Gruppieren 309">
-            <a:extLst>
-              <a:ext uri="{FF2B5EF4-FFF2-40B4-BE49-F238E27FC236}">
-                <a16:creationId xmlns:a16="http://schemas.microsoft.com/office/drawing/2014/main" id="{DB147EE9-9B70-492E-B9BE-636F109CFEBA}"/>
-              </a:ext>
-            </a:extLst>
-          </p:cNvPr>
-          <p:cNvGrpSpPr/>
-          <p:nvPr/>
-        </p:nvGrpSpPr>
-        <p:grpSpPr>
-          <a:xfrm>
-            <a:off x="2451881" y="1153660"/>
-            <a:ext cx="2534312" cy="449222"/>
-            <a:chOff x="1415480" y="782982"/>
-            <a:chExt cx="2534312" cy="449222"/>
-          </a:xfrm>
-        </p:grpSpPr>
-        <p:cxnSp>
-          <p:nvCxnSpPr>
-            <p:cNvPr id="331" name="Gerade Verbindung mit Pfeil 8">
-              <a:extLst>
-                <a:ext uri="{FF2B5EF4-FFF2-40B4-BE49-F238E27FC236}">
-                  <a16:creationId xmlns:a16="http://schemas.microsoft.com/office/drawing/2014/main" id="{8D7A7062-0BDE-439B-8D35-102D7508C4EA}"/>
-                </a:ext>
-              </a:extLst>
-            </p:cNvPr>
-            <p:cNvCxnSpPr>
-              <a:cxnSpLocks/>
-              <a:stCxn id="307" idx="1"/>
-              <a:endCxn id="308" idx="0"/>
-            </p:cNvCxnSpPr>
-            <p:nvPr/>
-          </p:nvCxnSpPr>
-          <p:spPr>
-            <a:xfrm rot="10800000" flipV="1">
-              <a:off x="1955480" y="922039"/>
-              <a:ext cx="180080" cy="308260"/>
-            </a:xfrm>
-            <a:prstGeom prst="bentConnector2">
-              <a:avLst/>
-            </a:prstGeom>
-            <a:ln>
-              <a:tailEnd type="triangle"/>
-            </a:ln>
-          </p:spPr>
-          <p:style>
-            <a:lnRef idx="1">
-              <a:schemeClr val="dk1"/>
-            </a:lnRef>
-            <a:fillRef idx="0">
-              <a:schemeClr val="dk1"/>
-            </a:fillRef>
-            <a:effectRef idx="0">
-              <a:schemeClr val="dk1"/>
-            </a:effectRef>
-            <a:fontRef idx="minor">
-              <a:schemeClr val="tx1"/>
-            </a:fontRef>
-          </p:style>
-        </p:cxnSp>
-        <p:sp>
-          <p:nvSpPr>
-            <p:cNvPr id="332" name="Textfeld 331">
-              <a:extLst>
-                <a:ext uri="{FF2B5EF4-FFF2-40B4-BE49-F238E27FC236}">
-                  <a16:creationId xmlns:a16="http://schemas.microsoft.com/office/drawing/2014/main" id="{FBE81EFA-BDFC-4318-912D-B525FD2BFEAA}"/>
-                </a:ext>
-              </a:extLst>
-            </p:cNvPr>
-            <p:cNvSpPr txBox="1"/>
-            <p:nvPr/>
-          </p:nvSpPr>
-          <p:spPr>
-            <a:xfrm>
-              <a:off x="1415480" y="927895"/>
-              <a:ext cx="539999" cy="246221"/>
-            </a:xfrm>
-            <a:prstGeom prst="rect">
-              <a:avLst/>
-            </a:prstGeom>
-            <a:noFill/>
-          </p:spPr>
-          <p:txBody>
-            <a:bodyPr wrap="square" rtlCol="0">
-              <a:spAutoFit/>
-            </a:bodyPr>
-            <a:lstStyle/>
-            <a:p>
-              <a:pPr algn="r"/>
-              <a:r>
-                <a:rPr lang="de-DE" sz="1000" dirty="0">
-                  <a:latin typeface="Arial" panose="020B0604020202020204" pitchFamily="34" charset="0"/>
-                  <a:cs typeface="Arial" panose="020B0604020202020204" pitchFamily="34" charset="0"/>
-                </a:rPr>
-                <a:t>&lt; 0.33</a:t>
-              </a:r>
-            </a:p>
-          </p:txBody>
-        </p:sp>
-        <p:cxnSp>
-          <p:nvCxnSpPr>
-            <p:cNvPr id="333" name="Gerade Verbindung mit Pfeil 8">
-              <a:extLst>
-                <a:ext uri="{FF2B5EF4-FFF2-40B4-BE49-F238E27FC236}">
-                  <a16:creationId xmlns:a16="http://schemas.microsoft.com/office/drawing/2014/main" id="{C45B23C0-1334-417A-91C7-426DF2C6872B}"/>
-                </a:ext>
-              </a:extLst>
-            </p:cNvPr>
-            <p:cNvCxnSpPr>
-              <a:cxnSpLocks/>
-            </p:cNvCxnSpPr>
-            <p:nvPr/>
-          </p:nvCxnSpPr>
-          <p:spPr>
-            <a:xfrm rot="10800000" flipH="1" flipV="1">
-              <a:off x="3229712" y="782982"/>
-              <a:ext cx="180080" cy="449222"/>
-            </a:xfrm>
-            <a:prstGeom prst="bentConnector2">
-              <a:avLst/>
-            </a:prstGeom>
-            <a:ln>
-              <a:tailEnd type="triangle"/>
-            </a:ln>
-          </p:spPr>
-          <p:style>
-            <a:lnRef idx="1">
-              <a:schemeClr val="dk1"/>
-            </a:lnRef>
-            <a:fillRef idx="0">
-              <a:schemeClr val="dk1"/>
-            </a:fillRef>
-            <a:effectRef idx="0">
-              <a:schemeClr val="dk1"/>
-            </a:effectRef>
-            <a:fontRef idx="minor">
-              <a:schemeClr val="tx1"/>
-            </a:fontRef>
-          </p:style>
-        </p:cxnSp>
-        <p:sp>
-          <p:nvSpPr>
-            <p:cNvPr id="334" name="Textfeld 333">
-              <a:extLst>
-                <a:ext uri="{FF2B5EF4-FFF2-40B4-BE49-F238E27FC236}">
-                  <a16:creationId xmlns:a16="http://schemas.microsoft.com/office/drawing/2014/main" id="{26F46592-878B-44F2-826F-DFB765D0EABC}"/>
-                </a:ext>
-              </a:extLst>
-            </p:cNvPr>
-            <p:cNvSpPr txBox="1"/>
-            <p:nvPr/>
-          </p:nvSpPr>
-          <p:spPr>
-            <a:xfrm>
-              <a:off x="3409791" y="927894"/>
-              <a:ext cx="540001" cy="246221"/>
-            </a:xfrm>
-            <a:prstGeom prst="rect">
-              <a:avLst/>
-            </a:prstGeom>
-            <a:noFill/>
-          </p:spPr>
-          <p:txBody>
-            <a:bodyPr wrap="square" rtlCol="0">
-              <a:spAutoFit/>
-            </a:bodyPr>
-            <a:lstStyle/>
-            <a:p>
-              <a:r>
-                <a:rPr lang="de-DE" sz="1000" dirty="0">
-                  <a:latin typeface="Arial" panose="020B0604020202020204" pitchFamily="34" charset="0"/>
-                  <a:cs typeface="Arial" panose="020B0604020202020204" pitchFamily="34" charset="0"/>
-                </a:rPr>
-                <a:t>≥ 0.33</a:t>
-              </a:r>
-            </a:p>
-          </p:txBody>
-        </p:sp>
-      </p:grpSp>
-      <p:cxnSp>
-        <p:nvCxnSpPr>
-          <p:cNvPr id="327" name="Gerade Verbindung mit Pfeil 8">
-            <a:extLst>
-              <a:ext uri="{FF2B5EF4-FFF2-40B4-BE49-F238E27FC236}">
-                <a16:creationId xmlns:a16="http://schemas.microsoft.com/office/drawing/2014/main" id="{7D6122A5-9597-43AA-96B0-B356437360B2}"/>
-              </a:ext>
-            </a:extLst>
-          </p:cNvPr>
-          <p:cNvCxnSpPr>
-            <a:cxnSpLocks/>
-            <a:endCxn id="322" idx="0"/>
-          </p:cNvCxnSpPr>
-          <p:nvPr/>
-        </p:nvCxnSpPr>
-        <p:spPr>
-          <a:xfrm rot="5400000">
-            <a:off x="2205402" y="1896507"/>
-            <a:ext cx="298726" cy="180080"/>
-          </a:xfrm>
-          <a:prstGeom prst="bentConnector3">
-            <a:avLst>
-              <a:gd name="adj1" fmla="val 1534"/>
-            </a:avLst>
-          </a:prstGeom>
-          <a:ln>
-            <a:tailEnd type="triangle"/>
-          </a:ln>
-        </p:spPr>
-        <p:style>
-          <a:lnRef idx="1">
-            <a:schemeClr val="dk1"/>
-          </a:lnRef>
-          <a:fillRef idx="0">
-            <a:schemeClr val="dk1"/>
-          </a:fillRef>
-          <a:effectRef idx="0">
-            <a:schemeClr val="dk1"/>
-          </a:effectRef>
-          <a:fontRef idx="minor">
-            <a:schemeClr val="tx1"/>
-          </a:fontRef>
-        </p:style>
-      </p:cxnSp>
-      <p:sp>
-        <p:nvSpPr>
-          <p:cNvPr id="328" name="Textfeld 327">
-            <a:extLst>
-              <a:ext uri="{FF2B5EF4-FFF2-40B4-BE49-F238E27FC236}">
-                <a16:creationId xmlns:a16="http://schemas.microsoft.com/office/drawing/2014/main" id="{4ADE8C85-4606-43CB-ACEE-EDA14241E812}"/>
-              </a:ext>
-            </a:extLst>
-          </p:cNvPr>
-          <p:cNvSpPr txBox="1"/>
-          <p:nvPr/>
-        </p:nvSpPr>
-        <p:spPr>
-          <a:xfrm>
-            <a:off x="1674629" y="1889689"/>
-            <a:ext cx="590096" cy="246221"/>
-          </a:xfrm>
-          <a:prstGeom prst="rect">
-            <a:avLst/>
-          </a:prstGeom>
-          <a:noFill/>
-        </p:spPr>
-        <p:txBody>
-          <a:bodyPr wrap="square" rtlCol="0">
-            <a:spAutoFit/>
-          </a:bodyPr>
-          <a:lstStyle/>
-          <a:p>
-            <a:pPr algn="r"/>
-            <a:r>
-              <a:rPr lang="de-DE" sz="1000" dirty="0">
-                <a:latin typeface="Arial" panose="020B0604020202020204" pitchFamily="34" charset="0"/>
-                <a:cs typeface="Arial" panose="020B0604020202020204" pitchFamily="34" charset="0"/>
-              </a:rPr>
-              <a:t>&lt; 0.24</a:t>
-            </a:r>
-          </a:p>
-        </p:txBody>
-      </p:sp>
-      <p:cxnSp>
-        <p:nvCxnSpPr>
-          <p:cNvPr id="329" name="Gerade Verbindung mit Pfeil 8">
-            <a:extLst>
-              <a:ext uri="{FF2B5EF4-FFF2-40B4-BE49-F238E27FC236}">
-                <a16:creationId xmlns:a16="http://schemas.microsoft.com/office/drawing/2014/main" id="{5691347D-7370-4871-AAF1-D86C366A523D}"/>
-              </a:ext>
-            </a:extLst>
-          </p:cNvPr>
-          <p:cNvCxnSpPr>
-            <a:cxnSpLocks/>
-            <a:endCxn id="312" idx="0"/>
-          </p:cNvCxnSpPr>
-          <p:nvPr/>
-        </p:nvCxnSpPr>
-        <p:spPr>
-          <a:xfrm rot="16200000" flipH="1">
-            <a:off x="3476096" y="1900044"/>
-            <a:ext cx="298726" cy="173003"/>
-          </a:xfrm>
-          <a:prstGeom prst="bentConnector3">
-            <a:avLst>
-              <a:gd name="adj1" fmla="val 1534"/>
-            </a:avLst>
-          </a:prstGeom>
-          <a:ln>
-            <a:tailEnd type="triangle"/>
-          </a:ln>
-        </p:spPr>
-        <p:style>
-          <a:lnRef idx="1">
-            <a:schemeClr val="dk1"/>
-          </a:lnRef>
-          <a:fillRef idx="0">
-            <a:schemeClr val="dk1"/>
-          </a:fillRef>
-          <a:effectRef idx="0">
-            <a:schemeClr val="dk1"/>
-          </a:effectRef>
-          <a:fontRef idx="minor">
-            <a:schemeClr val="tx1"/>
-          </a:fontRef>
-        </p:style>
-      </p:cxnSp>
-      <p:sp>
-        <p:nvSpPr>
-          <p:cNvPr id="330" name="Textfeld 329">
-            <a:extLst>
-              <a:ext uri="{FF2B5EF4-FFF2-40B4-BE49-F238E27FC236}">
-                <a16:creationId xmlns:a16="http://schemas.microsoft.com/office/drawing/2014/main" id="{531B64A0-E5A0-4E74-B70D-D9C6CBDA9310}"/>
-              </a:ext>
-            </a:extLst>
-          </p:cNvPr>
-          <p:cNvSpPr txBox="1"/>
-          <p:nvPr/>
-        </p:nvSpPr>
-        <p:spPr>
-          <a:xfrm>
-            <a:off x="3719037" y="1889688"/>
-            <a:ext cx="590096" cy="246221"/>
-          </a:xfrm>
-          <a:prstGeom prst="rect">
-            <a:avLst/>
-          </a:prstGeom>
-          <a:noFill/>
-        </p:spPr>
-        <p:txBody>
-          <a:bodyPr wrap="square" rtlCol="0">
-            <a:spAutoFit/>
-          </a:bodyPr>
-          <a:lstStyle/>
-          <a:p>
-            <a:r>
-              <a:rPr lang="de-DE" sz="1000" dirty="0">
-                <a:latin typeface="Arial" panose="020B0604020202020204" pitchFamily="34" charset="0"/>
-                <a:cs typeface="Arial" panose="020B0604020202020204" pitchFamily="34" charset="0"/>
-              </a:rPr>
-              <a:t>≥ 0.24</a:t>
-            </a:r>
-          </a:p>
-        </p:txBody>
-      </p:sp>
-      <p:sp>
-        <p:nvSpPr>
-          <p:cNvPr id="312" name="Rechteck: abgerundete Ecken 311">
-            <a:extLst>
-              <a:ext uri="{FF2B5EF4-FFF2-40B4-BE49-F238E27FC236}">
-                <a16:creationId xmlns:a16="http://schemas.microsoft.com/office/drawing/2014/main" id="{768AF351-7988-4C83-850E-152CC7DFA935}"/>
-              </a:ext>
-            </a:extLst>
-          </p:cNvPr>
-          <p:cNvSpPr/>
-          <p:nvPr/>
-        </p:nvSpPr>
-        <p:spPr>
-          <a:xfrm>
-            <a:off x="3171961" y="2135909"/>
-            <a:ext cx="1080000" cy="468604"/>
-          </a:xfrm>
-          <a:prstGeom prst="roundRect">
-            <a:avLst>
-              <a:gd name="adj" fmla="val 11124"/>
-            </a:avLst>
-          </a:prstGeom>
-          <a:solidFill>
-            <a:srgbClr val="C7E4C8"/>
-          </a:solidFill>
-          <a:ln w="9525">
-            <a:solidFill>
-              <a:srgbClr val="2FA65F"/>
-            </a:solidFill>
-          </a:ln>
-        </p:spPr>
-        <p:style>
-          <a:lnRef idx="2">
-            <a:schemeClr val="accent1">
-              <a:shade val="50000"/>
-            </a:schemeClr>
-          </a:lnRef>
-          <a:fillRef idx="1">
-            <a:schemeClr val="accent1"/>
-          </a:fillRef>
-          <a:effectRef idx="0">
-            <a:schemeClr val="accent1"/>
-          </a:effectRef>
-          <a:fontRef idx="minor">
-            <a:schemeClr val="lt1"/>
-          </a:fontRef>
-        </p:style>
-        <p:txBody>
-          <a:bodyPr lIns="36000" tIns="0" rIns="36000" bIns="0" rtlCol="0" anchor="ctr"/>
-          <a:lstStyle/>
-          <a:p>
-            <a:pPr algn="ctr"/>
-            <a:r>
-              <a:rPr lang="de-DE" sz="900" noProof="1">
-                <a:solidFill>
-                  <a:schemeClr val="tx1"/>
-                </a:solidFill>
-                <a:latin typeface="Arial" panose="020B0604020202020204" pitchFamily="34" charset="0"/>
-                <a:cs typeface="Arial" panose="020B0604020202020204" pitchFamily="34" charset="0"/>
-              </a:rPr>
-              <a:t>maxOverallIn-PlaneVelocityTime [ms]</a:t>
-            </a:r>
-          </a:p>
-        </p:txBody>
-      </p:sp>
-      <p:grpSp>
-        <p:nvGrpSpPr>
-          <p:cNvPr id="313" name="Gruppieren 312">
-            <a:extLst>
-              <a:ext uri="{FF2B5EF4-FFF2-40B4-BE49-F238E27FC236}">
-                <a16:creationId xmlns:a16="http://schemas.microsoft.com/office/drawing/2014/main" id="{3996FD99-790C-45EF-A2D3-5D5A38A2B715}"/>
-              </a:ext>
-            </a:extLst>
-          </p:cNvPr>
-          <p:cNvGrpSpPr/>
-          <p:nvPr/>
-        </p:nvGrpSpPr>
-        <p:grpSpPr>
-          <a:xfrm>
-            <a:off x="2156833" y="2495951"/>
-            <a:ext cx="2848814" cy="197293"/>
-            <a:chOff x="1127508" y="742493"/>
-            <a:chExt cx="2848814" cy="489711"/>
-          </a:xfrm>
-        </p:grpSpPr>
-        <p:cxnSp>
-          <p:nvCxnSpPr>
-            <p:cNvPr id="323" name="Gerade Verbindung mit Pfeil 8">
-              <a:extLst>
-                <a:ext uri="{FF2B5EF4-FFF2-40B4-BE49-F238E27FC236}">
-                  <a16:creationId xmlns:a16="http://schemas.microsoft.com/office/drawing/2014/main" id="{6CA6CA08-B425-4111-9280-5B0CA0837139}"/>
-                </a:ext>
-              </a:extLst>
-            </p:cNvPr>
-            <p:cNvCxnSpPr/>
-            <p:nvPr/>
-          </p:nvCxnSpPr>
-          <p:spPr>
-            <a:xfrm rot="10800000" flipV="1">
-              <a:off x="1955480" y="782982"/>
-              <a:ext cx="180080" cy="449222"/>
-            </a:xfrm>
-            <a:prstGeom prst="bentConnector2">
-              <a:avLst/>
-            </a:prstGeom>
-            <a:ln>
-              <a:tailEnd type="triangle"/>
-            </a:ln>
-          </p:spPr>
-          <p:style>
-            <a:lnRef idx="1">
-              <a:schemeClr val="dk1"/>
-            </a:lnRef>
-            <a:fillRef idx="0">
-              <a:schemeClr val="dk1"/>
-            </a:fillRef>
-            <a:effectRef idx="0">
-              <a:schemeClr val="dk1"/>
-            </a:effectRef>
-            <a:fontRef idx="minor">
-              <a:schemeClr val="tx1"/>
-            </a:fontRef>
-          </p:style>
-        </p:cxnSp>
-        <p:sp>
-          <p:nvSpPr>
-            <p:cNvPr id="324" name="Textfeld 323">
-              <a:extLst>
-                <a:ext uri="{FF2B5EF4-FFF2-40B4-BE49-F238E27FC236}">
-                  <a16:creationId xmlns:a16="http://schemas.microsoft.com/office/drawing/2014/main" id="{CA754B0A-F612-4311-9CB9-B117D1A9D65D}"/>
-                </a:ext>
-              </a:extLst>
-            </p:cNvPr>
-            <p:cNvSpPr txBox="1"/>
-            <p:nvPr/>
-          </p:nvSpPr>
-          <p:spPr>
-            <a:xfrm>
-              <a:off x="1127508" y="742494"/>
-              <a:ext cx="827972" cy="246221"/>
-            </a:xfrm>
-            <a:prstGeom prst="rect">
-              <a:avLst/>
-            </a:prstGeom>
-            <a:noFill/>
-          </p:spPr>
-          <p:txBody>
-            <a:bodyPr wrap="square" rtlCol="0">
-              <a:spAutoFit/>
-            </a:bodyPr>
-            <a:lstStyle/>
-            <a:p>
-              <a:pPr algn="r"/>
-              <a:r>
-                <a:rPr lang="de-DE" sz="1000" dirty="0">
-                  <a:latin typeface="Arial" panose="020B0604020202020204" pitchFamily="34" charset="0"/>
-                  <a:cs typeface="Arial" panose="020B0604020202020204" pitchFamily="34" charset="0"/>
-                </a:rPr>
-                <a:t>&lt; 317</a:t>
-              </a:r>
-            </a:p>
-          </p:txBody>
-        </p:sp>
-        <p:cxnSp>
-          <p:nvCxnSpPr>
-            <p:cNvPr id="325" name="Gerade Verbindung mit Pfeil 8">
-              <a:extLst>
-                <a:ext uri="{FF2B5EF4-FFF2-40B4-BE49-F238E27FC236}">
-                  <a16:creationId xmlns:a16="http://schemas.microsoft.com/office/drawing/2014/main" id="{82F769CE-E6FB-47BE-9592-F44AD50C9199}"/>
-                </a:ext>
-              </a:extLst>
-            </p:cNvPr>
-            <p:cNvCxnSpPr>
-              <a:cxnSpLocks/>
-            </p:cNvCxnSpPr>
-            <p:nvPr/>
-          </p:nvCxnSpPr>
-          <p:spPr>
-            <a:xfrm rot="10800000" flipH="1" flipV="1">
-              <a:off x="3229712" y="782982"/>
-              <a:ext cx="180080" cy="449222"/>
-            </a:xfrm>
-            <a:prstGeom prst="bentConnector2">
-              <a:avLst/>
-            </a:prstGeom>
-            <a:ln>
-              <a:tailEnd type="triangle"/>
-            </a:ln>
-          </p:spPr>
-          <p:style>
-            <a:lnRef idx="1">
-              <a:schemeClr val="dk1"/>
-            </a:lnRef>
-            <a:fillRef idx="0">
-              <a:schemeClr val="dk1"/>
-            </a:fillRef>
-            <a:effectRef idx="0">
-              <a:schemeClr val="dk1"/>
-            </a:effectRef>
-            <a:fontRef idx="minor">
-              <a:schemeClr val="tx1"/>
-            </a:fontRef>
-          </p:style>
-        </p:cxnSp>
-        <p:sp>
-          <p:nvSpPr>
-            <p:cNvPr id="326" name="Textfeld 325">
-              <a:extLst>
-                <a:ext uri="{FF2B5EF4-FFF2-40B4-BE49-F238E27FC236}">
-                  <a16:creationId xmlns:a16="http://schemas.microsoft.com/office/drawing/2014/main" id="{3B2A3E5D-FFF5-4A48-9423-D694B1BD4E39}"/>
-                </a:ext>
-              </a:extLst>
-            </p:cNvPr>
-            <p:cNvSpPr txBox="1"/>
-            <p:nvPr/>
-          </p:nvSpPr>
-          <p:spPr>
-            <a:xfrm>
-              <a:off x="3409792" y="742493"/>
-              <a:ext cx="566530" cy="246221"/>
-            </a:xfrm>
-            <a:prstGeom prst="rect">
-              <a:avLst/>
-            </a:prstGeom>
-            <a:noFill/>
-          </p:spPr>
-          <p:txBody>
-            <a:bodyPr wrap="square" rtlCol="0">
-              <a:spAutoFit/>
-            </a:bodyPr>
-            <a:lstStyle/>
-            <a:p>
-              <a:r>
-                <a:rPr lang="de-DE" sz="1000" dirty="0">
-                  <a:latin typeface="Arial" panose="020B0604020202020204" pitchFamily="34" charset="0"/>
-                  <a:cs typeface="Arial" panose="020B0604020202020204" pitchFamily="34" charset="0"/>
-                </a:rPr>
-                <a:t>≥ 317</a:t>
-              </a:r>
-            </a:p>
-          </p:txBody>
-        </p:sp>
-      </p:grpSp>
-      <p:grpSp>
-        <p:nvGrpSpPr>
-          <p:cNvPr id="314" name="Gruppieren 313">
-            <a:extLst>
-              <a:ext uri="{FF2B5EF4-FFF2-40B4-BE49-F238E27FC236}">
-                <a16:creationId xmlns:a16="http://schemas.microsoft.com/office/drawing/2014/main" id="{58028311-C67D-4E36-85A6-DCFD29C39993}"/>
-              </a:ext>
-            </a:extLst>
-          </p:cNvPr>
-          <p:cNvGrpSpPr/>
-          <p:nvPr/>
-        </p:nvGrpSpPr>
-        <p:grpSpPr>
-          <a:xfrm>
-            <a:off x="1969677" y="2135910"/>
-            <a:ext cx="590096" cy="353333"/>
-            <a:chOff x="3441184" y="1984779"/>
-            <a:chExt cx="590096" cy="353333"/>
-          </a:xfrm>
-        </p:grpSpPr>
-        <p:sp>
-          <p:nvSpPr>
-            <p:cNvPr id="321" name="Rechteck 320">
-              <a:extLst>
-                <a:ext uri="{FF2B5EF4-FFF2-40B4-BE49-F238E27FC236}">
-                  <a16:creationId xmlns:a16="http://schemas.microsoft.com/office/drawing/2014/main" id="{5773237D-364E-4AFF-BC1D-AAF574B6D8A5}"/>
-                </a:ext>
-              </a:extLst>
-            </p:cNvPr>
-            <p:cNvSpPr/>
-            <p:nvPr/>
-          </p:nvSpPr>
-          <p:spPr>
-            <a:xfrm>
-              <a:off x="3441184" y="2158112"/>
-              <a:ext cx="590096" cy="180000"/>
-            </a:xfrm>
-            <a:prstGeom prst="rect">
-              <a:avLst/>
-            </a:prstGeom>
-            <a:noFill/>
-            <a:ln w="9525">
-              <a:solidFill>
-                <a:schemeClr val="bg2">
-                  <a:lumMod val="75000"/>
-                </a:schemeClr>
-              </a:solidFill>
-            </a:ln>
-          </p:spPr>
-          <p:style>
-            <a:lnRef idx="2">
-              <a:schemeClr val="accent1">
-                <a:shade val="50000"/>
-              </a:schemeClr>
-            </a:lnRef>
-            <a:fillRef idx="1">
-              <a:schemeClr val="accent1"/>
-            </a:fillRef>
-            <a:effectRef idx="0">
-              <a:schemeClr val="accent1"/>
-            </a:effectRef>
-            <a:fontRef idx="minor">
-              <a:schemeClr val="lt1"/>
-            </a:fontRef>
-          </p:style>
-          <p:txBody>
-            <a:bodyPr lIns="36000" tIns="36000" rIns="36000" bIns="36000" rtlCol="0" anchor="ctr"/>
-            <a:lstStyle/>
-            <a:p>
-              <a:pPr algn="ctr"/>
-              <a:r>
-                <a:rPr lang="de-DE" sz="800" b="1" dirty="0">
-                  <a:solidFill>
-                    <a:srgbClr val="2FA65F"/>
-                  </a:solidFill>
-                  <a:latin typeface="Arial" panose="020B0604020202020204" pitchFamily="34" charset="0"/>
-                  <a:cs typeface="Arial" panose="020B0604020202020204" pitchFamily="34" charset="0"/>
-                </a:rPr>
-                <a:t>✔78 </a:t>
-              </a:r>
-              <a:r>
-                <a:rPr lang="de-DE" sz="800" b="1" dirty="0">
-                  <a:solidFill>
-                    <a:srgbClr val="C00000"/>
-                  </a:solidFill>
-                  <a:latin typeface="Arial" panose="020B0604020202020204" pitchFamily="34" charset="0"/>
-                  <a:cs typeface="Arial" panose="020B0604020202020204" pitchFamily="34" charset="0"/>
-                </a:rPr>
-                <a:t>✖4</a:t>
-              </a:r>
-            </a:p>
-          </p:txBody>
-        </p:sp>
-        <p:sp>
-          <p:nvSpPr>
-            <p:cNvPr id="322" name="Rechteck 321">
-              <a:extLst>
-                <a:ext uri="{FF2B5EF4-FFF2-40B4-BE49-F238E27FC236}">
-                  <a16:creationId xmlns:a16="http://schemas.microsoft.com/office/drawing/2014/main" id="{720FA50F-7C1C-4205-887F-F548FACCDC81}"/>
-                </a:ext>
-              </a:extLst>
-            </p:cNvPr>
-            <p:cNvSpPr/>
-            <p:nvPr/>
-          </p:nvSpPr>
-          <p:spPr>
-            <a:xfrm>
-              <a:off x="3441184" y="1984779"/>
-              <a:ext cx="590096" cy="180000"/>
-            </a:xfrm>
-            <a:prstGeom prst="rect">
-              <a:avLst/>
-            </a:prstGeom>
-            <a:solidFill>
-              <a:srgbClr val="7BAEDA"/>
-            </a:solidFill>
-            <a:ln w="9525">
-              <a:solidFill>
-                <a:schemeClr val="bg2">
-                  <a:lumMod val="75000"/>
-                </a:schemeClr>
-              </a:solidFill>
-            </a:ln>
-          </p:spPr>
-          <p:style>
-            <a:lnRef idx="2">
-              <a:schemeClr val="accent1">
-                <a:shade val="50000"/>
-              </a:schemeClr>
-            </a:lnRef>
-            <a:fillRef idx="1">
-              <a:schemeClr val="accent1"/>
-            </a:fillRef>
-            <a:effectRef idx="0">
-              <a:schemeClr val="accent1"/>
-            </a:effectRef>
-            <a:fontRef idx="minor">
-              <a:schemeClr val="lt1"/>
-            </a:fontRef>
-          </p:style>
-          <p:txBody>
-            <a:bodyPr lIns="36000" tIns="36000" rIns="36000" bIns="36000" rtlCol="0" anchor="ctr"/>
-            <a:lstStyle/>
-            <a:p>
-              <a:pPr algn="ctr"/>
-              <a:r>
-                <a:rPr lang="de-DE" sz="800" dirty="0">
-                  <a:solidFill>
-                    <a:schemeClr val="tx1"/>
-                  </a:solidFill>
-                  <a:latin typeface="Arial" panose="020B0604020202020204" pitchFamily="34" charset="0"/>
-                  <a:cs typeface="Arial" panose="020B0604020202020204" pitchFamily="34" charset="0"/>
-                </a:rPr>
-                <a:t>HHV</a:t>
-              </a:r>
-            </a:p>
-          </p:txBody>
-        </p:sp>
-      </p:grpSp>
-      <p:grpSp>
-        <p:nvGrpSpPr>
-          <p:cNvPr id="315" name="Gruppieren 314">
-            <a:extLst>
-              <a:ext uri="{FF2B5EF4-FFF2-40B4-BE49-F238E27FC236}">
-                <a16:creationId xmlns:a16="http://schemas.microsoft.com/office/drawing/2014/main" id="{CA038BB8-FBDB-4A30-8BEA-53C939F572E0}"/>
-              </a:ext>
-            </a:extLst>
-          </p:cNvPr>
-          <p:cNvGrpSpPr/>
-          <p:nvPr/>
-        </p:nvGrpSpPr>
-        <p:grpSpPr>
-          <a:xfrm>
-            <a:off x="4144069" y="2692097"/>
-            <a:ext cx="590096" cy="353333"/>
-            <a:chOff x="3441184" y="1984779"/>
-            <a:chExt cx="590096" cy="353333"/>
-          </a:xfrm>
-        </p:grpSpPr>
-        <p:sp>
-          <p:nvSpPr>
-            <p:cNvPr id="319" name="Rechteck 318">
-              <a:extLst>
-                <a:ext uri="{FF2B5EF4-FFF2-40B4-BE49-F238E27FC236}">
-                  <a16:creationId xmlns:a16="http://schemas.microsoft.com/office/drawing/2014/main" id="{7FE9B1E8-4A85-4A2E-A3F4-555912B18760}"/>
-                </a:ext>
-              </a:extLst>
-            </p:cNvPr>
-            <p:cNvSpPr/>
-            <p:nvPr/>
-          </p:nvSpPr>
-          <p:spPr>
-            <a:xfrm>
-              <a:off x="3441184" y="2158112"/>
-              <a:ext cx="590096" cy="180000"/>
-            </a:xfrm>
-            <a:prstGeom prst="rect">
-              <a:avLst/>
-            </a:prstGeom>
-            <a:noFill/>
-            <a:ln w="9525">
-              <a:solidFill>
-                <a:schemeClr val="bg2">
-                  <a:lumMod val="75000"/>
-                </a:schemeClr>
-              </a:solidFill>
-            </a:ln>
-          </p:spPr>
-          <p:style>
-            <a:lnRef idx="2">
-              <a:schemeClr val="accent1">
-                <a:shade val="50000"/>
-              </a:schemeClr>
-            </a:lnRef>
-            <a:fillRef idx="1">
-              <a:schemeClr val="accent1"/>
-            </a:fillRef>
-            <a:effectRef idx="0">
-              <a:schemeClr val="accent1"/>
-            </a:effectRef>
-            <a:fontRef idx="minor">
-              <a:schemeClr val="lt1"/>
-            </a:fontRef>
-          </p:style>
-          <p:txBody>
-            <a:bodyPr lIns="36000" tIns="36000" rIns="36000" bIns="36000" rtlCol="0" anchor="ctr"/>
-            <a:lstStyle/>
-            <a:p>
-              <a:pPr algn="ctr"/>
-              <a:r>
-                <a:rPr lang="de-DE" sz="800" b="1" dirty="0">
-                  <a:solidFill>
-                    <a:srgbClr val="2FA65F"/>
-                  </a:solidFill>
-                  <a:latin typeface="Arial" panose="020B0604020202020204" pitchFamily="34" charset="0"/>
-                  <a:cs typeface="Arial" panose="020B0604020202020204" pitchFamily="34" charset="0"/>
-                </a:rPr>
-                <a:t>✔11 </a:t>
-              </a:r>
-              <a:r>
-                <a:rPr lang="de-DE" sz="800" b="1" dirty="0">
-                  <a:solidFill>
-                    <a:srgbClr val="C00000"/>
-                  </a:solidFill>
-                  <a:latin typeface="Arial" panose="020B0604020202020204" pitchFamily="34" charset="0"/>
-                  <a:cs typeface="Arial" panose="020B0604020202020204" pitchFamily="34" charset="0"/>
-                </a:rPr>
-                <a:t>✖2</a:t>
-              </a:r>
-            </a:p>
-          </p:txBody>
-        </p:sp>
-        <p:sp>
-          <p:nvSpPr>
-            <p:cNvPr id="320" name="Rechteck 319">
-              <a:extLst>
-                <a:ext uri="{FF2B5EF4-FFF2-40B4-BE49-F238E27FC236}">
-                  <a16:creationId xmlns:a16="http://schemas.microsoft.com/office/drawing/2014/main" id="{75EEA288-D4E2-4097-A1F5-20D00E0A05AD}"/>
-                </a:ext>
-              </a:extLst>
-            </p:cNvPr>
-            <p:cNvSpPr/>
-            <p:nvPr/>
-          </p:nvSpPr>
-          <p:spPr>
-            <a:xfrm>
-              <a:off x="3441184" y="1984779"/>
-              <a:ext cx="590096" cy="180000"/>
-            </a:xfrm>
-            <a:prstGeom prst="rect">
-              <a:avLst/>
-            </a:prstGeom>
-            <a:solidFill>
-              <a:srgbClr val="7BAEDA"/>
-            </a:solidFill>
-            <a:ln w="9525">
-              <a:solidFill>
-                <a:schemeClr val="bg2">
-                  <a:lumMod val="75000"/>
-                </a:schemeClr>
-              </a:solidFill>
-            </a:ln>
-          </p:spPr>
-          <p:style>
-            <a:lnRef idx="2">
-              <a:schemeClr val="accent1">
-                <a:shade val="50000"/>
-              </a:schemeClr>
-            </a:lnRef>
-            <a:fillRef idx="1">
-              <a:schemeClr val="accent1"/>
-            </a:fillRef>
-            <a:effectRef idx="0">
-              <a:schemeClr val="accent1"/>
-            </a:effectRef>
-            <a:fontRef idx="minor">
-              <a:schemeClr val="lt1"/>
-            </a:fontRef>
-          </p:style>
-          <p:txBody>
-            <a:bodyPr lIns="36000" tIns="36000" rIns="36000" bIns="36000" rtlCol="0" anchor="ctr"/>
-            <a:lstStyle/>
-            <a:p>
-              <a:pPr algn="ctr"/>
-              <a:r>
-                <a:rPr lang="de-DE" sz="800" dirty="0">
-                  <a:solidFill>
-                    <a:schemeClr val="tx1"/>
-                  </a:solidFill>
-                  <a:latin typeface="Arial" panose="020B0604020202020204" pitchFamily="34" charset="0"/>
-                  <a:cs typeface="Arial" panose="020B0604020202020204" pitchFamily="34" charset="0"/>
-                </a:rPr>
-                <a:t>HHV</a:t>
-              </a:r>
-            </a:p>
-          </p:txBody>
-        </p:sp>
-      </p:grpSp>
-      <p:grpSp>
-        <p:nvGrpSpPr>
-          <p:cNvPr id="316" name="Gruppieren 315">
-            <a:extLst>
-              <a:ext uri="{FF2B5EF4-FFF2-40B4-BE49-F238E27FC236}">
-                <a16:creationId xmlns:a16="http://schemas.microsoft.com/office/drawing/2014/main" id="{248CEDCD-4421-4ED1-A091-00F4728271B5}"/>
-              </a:ext>
-            </a:extLst>
-          </p:cNvPr>
-          <p:cNvGrpSpPr/>
-          <p:nvPr/>
-        </p:nvGrpSpPr>
-        <p:grpSpPr>
-          <a:xfrm>
-            <a:off x="2689756" y="2696577"/>
-            <a:ext cx="590096" cy="353333"/>
-            <a:chOff x="3441184" y="1984779"/>
-            <a:chExt cx="590096" cy="353333"/>
-          </a:xfrm>
-        </p:grpSpPr>
-        <p:sp>
-          <p:nvSpPr>
-            <p:cNvPr id="317" name="Rechteck 316">
-              <a:extLst>
-                <a:ext uri="{FF2B5EF4-FFF2-40B4-BE49-F238E27FC236}">
-                  <a16:creationId xmlns:a16="http://schemas.microsoft.com/office/drawing/2014/main" id="{14F2DF44-E1A5-4A76-AEBC-03F47F4E6DF7}"/>
-                </a:ext>
-              </a:extLst>
-            </p:cNvPr>
-            <p:cNvSpPr/>
-            <p:nvPr/>
-          </p:nvSpPr>
-          <p:spPr>
-            <a:xfrm>
-              <a:off x="3441184" y="2158112"/>
-              <a:ext cx="590096" cy="180000"/>
-            </a:xfrm>
-            <a:prstGeom prst="rect">
-              <a:avLst/>
-            </a:prstGeom>
-            <a:noFill/>
-            <a:ln w="9525">
-              <a:solidFill>
-                <a:schemeClr val="bg2">
-                  <a:lumMod val="75000"/>
-                </a:schemeClr>
-              </a:solidFill>
-            </a:ln>
-          </p:spPr>
-          <p:style>
-            <a:lnRef idx="2">
-              <a:schemeClr val="accent1">
-                <a:shade val="50000"/>
-              </a:schemeClr>
-            </a:lnRef>
-            <a:fillRef idx="1">
-              <a:schemeClr val="accent1"/>
-            </a:fillRef>
-            <a:effectRef idx="0">
-              <a:schemeClr val="accent1"/>
-            </a:effectRef>
-            <a:fontRef idx="minor">
-              <a:schemeClr val="lt1"/>
-            </a:fontRef>
-          </p:style>
-          <p:txBody>
-            <a:bodyPr lIns="36000" tIns="36000" rIns="36000" bIns="36000" rtlCol="0" anchor="ctr"/>
-            <a:lstStyle/>
-            <a:p>
-              <a:pPr algn="ctr"/>
-              <a:r>
-                <a:rPr lang="de-DE" sz="800" b="1" dirty="0">
-                  <a:solidFill>
-                    <a:srgbClr val="2FA65F"/>
-                  </a:solidFill>
-                  <a:latin typeface="Arial" panose="020B0604020202020204" pitchFamily="34" charset="0"/>
-                  <a:cs typeface="Arial" panose="020B0604020202020204" pitchFamily="34" charset="0"/>
-                </a:rPr>
-                <a:t>✔5 </a:t>
-              </a:r>
-              <a:r>
-                <a:rPr lang="de-DE" sz="800" b="1" dirty="0">
-                  <a:solidFill>
-                    <a:srgbClr val="C00000"/>
-                  </a:solidFill>
-                  <a:latin typeface="Arial" panose="020B0604020202020204" pitchFamily="34" charset="0"/>
-                  <a:cs typeface="Arial" panose="020B0604020202020204" pitchFamily="34" charset="0"/>
-                </a:rPr>
-                <a:t>✖1</a:t>
-              </a:r>
-            </a:p>
-          </p:txBody>
-        </p:sp>
-        <p:sp>
-          <p:nvSpPr>
-            <p:cNvPr id="318" name="Rechteck 317">
-              <a:extLst>
-                <a:ext uri="{FF2B5EF4-FFF2-40B4-BE49-F238E27FC236}">
-                  <a16:creationId xmlns:a16="http://schemas.microsoft.com/office/drawing/2014/main" id="{1F04CE38-0A56-455D-ACA9-4DAC66AEF9E1}"/>
-                </a:ext>
-              </a:extLst>
-            </p:cNvPr>
-            <p:cNvSpPr/>
-            <p:nvPr/>
-          </p:nvSpPr>
-          <p:spPr>
-            <a:xfrm>
-              <a:off x="3441184" y="1984779"/>
-              <a:ext cx="590096" cy="180000"/>
-            </a:xfrm>
-            <a:prstGeom prst="rect">
-              <a:avLst/>
-            </a:prstGeom>
-            <a:solidFill>
-              <a:srgbClr val="DA7F7F"/>
-            </a:solidFill>
-            <a:ln w="9525">
-              <a:solidFill>
-                <a:schemeClr val="bg2">
-                  <a:lumMod val="75000"/>
-                </a:schemeClr>
-              </a:solidFill>
-            </a:ln>
-          </p:spPr>
-          <p:style>
-            <a:lnRef idx="2">
-              <a:schemeClr val="accent1">
-                <a:shade val="50000"/>
-              </a:schemeClr>
-            </a:lnRef>
-            <a:fillRef idx="1">
-              <a:schemeClr val="accent1"/>
-            </a:fillRef>
-            <a:effectRef idx="0">
-              <a:schemeClr val="accent1"/>
-            </a:effectRef>
-            <a:fontRef idx="minor">
-              <a:schemeClr val="lt1"/>
-            </a:fontRef>
-          </p:style>
-          <p:txBody>
-            <a:bodyPr lIns="36000" tIns="36000" rIns="36000" bIns="36000" rtlCol="0" anchor="ctr"/>
-            <a:lstStyle/>
-            <a:p>
-              <a:pPr algn="ctr"/>
-              <a:r>
-                <a:rPr lang="de-DE" sz="800" dirty="0">
-                  <a:solidFill>
-                    <a:schemeClr val="tx1"/>
-                  </a:solidFill>
-                  <a:latin typeface="Arial" panose="020B0604020202020204" pitchFamily="34" charset="0"/>
-                  <a:cs typeface="Arial" panose="020B0604020202020204" pitchFamily="34" charset="0"/>
-                </a:rPr>
-                <a:t>BAV</a:t>
-              </a:r>
-            </a:p>
-          </p:txBody>
-        </p:sp>
-      </p:grpSp>
-      <p:graphicFrame>
-        <p:nvGraphicFramePr>
-          <p:cNvPr id="337" name="Tabelle 37">
-            <a:extLst>
-              <a:ext uri="{FF2B5EF4-FFF2-40B4-BE49-F238E27FC236}">
-                <a16:creationId xmlns:a16="http://schemas.microsoft.com/office/drawing/2014/main" id="{A1FC959F-A012-4269-BE12-C133005870A3}"/>
-              </a:ext>
-            </a:extLst>
-          </p:cNvPr>
-          <p:cNvGraphicFramePr>
-            <a:graphicFrameLocks noGrp="1"/>
-          </p:cNvGraphicFramePr>
-          <p:nvPr>
-            <p:extLst>
-              <p:ext uri="{D42A27DB-BD31-4B8C-83A1-F6EECF244321}">
-                <p14:modId xmlns:p14="http://schemas.microsoft.com/office/powerpoint/2010/main" val="653993698"/>
-              </p:ext>
-            </p:extLst>
-          </p:nvPr>
-        </p:nvGraphicFramePr>
-        <p:xfrm>
-          <a:off x="2135024" y="3095422"/>
-          <a:ext cx="1241076" cy="609600"/>
-        </p:xfrm>
-        <a:graphic>
-          <a:graphicData uri="http://schemas.openxmlformats.org/drawingml/2006/table">
-            <a:tbl>
-              <a:tblPr>
-                <a:tableStyleId>{2D5ABB26-0587-4C30-8999-92F81FD0307C}</a:tableStyleId>
-              </a:tblPr>
-              <a:tblGrid>
-                <a:gridCol w="170443">
-                  <a:extLst>
-                    <a:ext uri="{9D8B030D-6E8A-4147-A177-3AD203B41FA5}">
-                      <a16:colId xmlns:a16="http://schemas.microsoft.com/office/drawing/2014/main" val="175553506"/>
-                    </a:ext>
-                  </a:extLst>
-                </a:gridCol>
-                <a:gridCol w="356891">
-                  <a:extLst>
-                    <a:ext uri="{9D8B030D-6E8A-4147-A177-3AD203B41FA5}">
-                      <a16:colId xmlns:a16="http://schemas.microsoft.com/office/drawing/2014/main" val="2928975957"/>
-                    </a:ext>
-                  </a:extLst>
-                </a:gridCol>
-                <a:gridCol w="356891">
-                  <a:extLst>
-                    <a:ext uri="{9D8B030D-6E8A-4147-A177-3AD203B41FA5}">
-                      <a16:colId xmlns:a16="http://schemas.microsoft.com/office/drawing/2014/main" val="3964506338"/>
-                    </a:ext>
-                  </a:extLst>
-                </a:gridCol>
-                <a:gridCol w="356851">
-                  <a:extLst>
-                    <a:ext uri="{9D8B030D-6E8A-4147-A177-3AD203B41FA5}">
-                      <a16:colId xmlns:a16="http://schemas.microsoft.com/office/drawing/2014/main" val="2227317002"/>
-                    </a:ext>
-                  </a:extLst>
-                </a:gridCol>
-              </a:tblGrid>
-              <a:tr h="138058">
-                <a:tc>
-                  <a:txBody>
-                    <a:bodyPr/>
-                    <a:lstStyle/>
-                    <a:p>
-                      <a:pPr algn="ctr"/>
-                      <a:endParaRPr lang="de-DE" sz="1000" dirty="0">
-                        <a:latin typeface="Arial" panose="020B0604020202020204" pitchFamily="34" charset="0"/>
-                        <a:cs typeface="Arial" panose="020B0604020202020204" pitchFamily="34" charset="0"/>
-                      </a:endParaRPr>
-                    </a:p>
-                  </a:txBody>
-                  <a:tcPr marL="0" marR="0" marT="0" marB="0">
-                    <a:lnL>
-                      <a:noFill/>
-                    </a:lnL>
-                    <a:lnR>
-                      <a:noFill/>
-                    </a:lnR>
-                    <a:lnT>
-                      <a:noFill/>
-                    </a:lnT>
-                    <a:lnB>
-                      <a:noFill/>
-                    </a:lnB>
-                    <a:lnTlToBr w="12700" cmpd="sng">
-                      <a:noFill/>
-                      <a:prstDash val="solid"/>
-                    </a:lnTlToBr>
-                    <a:lnBlToTr w="12700" cmpd="sng">
-                      <a:noFill/>
-                      <a:prstDash val="solid"/>
-                    </a:lnBlToTr>
-                  </a:tcPr>
-                </a:tc>
-                <a:tc>
-                  <a:txBody>
-                    <a:bodyPr/>
-                    <a:lstStyle/>
-                    <a:p>
-                      <a:pPr algn="ctr"/>
-                      <a:endParaRPr lang="de-DE" sz="1000" dirty="0">
-                        <a:latin typeface="Arial" panose="020B0604020202020204" pitchFamily="34" charset="0"/>
-                        <a:cs typeface="Arial" panose="020B0604020202020204" pitchFamily="34" charset="0"/>
-                      </a:endParaRPr>
-                    </a:p>
-                  </a:txBody>
-                  <a:tcPr marL="0" marR="0" marT="0" marB="0">
-                    <a:lnL>
-                      <a:noFill/>
-                    </a:lnL>
-                    <a:lnR w="12700" cap="flat" cmpd="sng" algn="ctr">
-                      <a:noFill/>
-                      <a:prstDash val="solid"/>
-                      <a:round/>
-                      <a:headEnd type="none" w="med" len="med"/>
-                      <a:tailEnd type="none" w="med" len="med"/>
-                    </a:lnR>
-                    <a:lnT>
-                      <a:noFill/>
-                    </a:lnT>
-                    <a:lnB w="12700" cap="flat" cmpd="sng" algn="ctr">
-                      <a:noFill/>
-                      <a:prstDash val="solid"/>
-                      <a:round/>
-                      <a:headEnd type="none" w="med" len="med"/>
-                      <a:tailEnd type="none" w="med" len="med"/>
-                    </a:lnB>
-                    <a:lnTlToBr w="12700" cmpd="sng">
-                      <a:noFill/>
-                      <a:prstDash val="solid"/>
-                    </a:lnTlToBr>
-                    <a:lnBlToTr w="12700" cmpd="sng">
-                      <a:noFill/>
-                      <a:prstDash val="solid"/>
-                    </a:lnBlToTr>
-                  </a:tcPr>
-                </a:tc>
-                <a:tc gridSpan="2">
-                  <a:txBody>
-                    <a:bodyPr/>
-                    <a:lstStyle/>
-                    <a:p>
-                      <a:pPr algn="ctr"/>
-                      <a:r>
-                        <a:rPr lang="de-DE" sz="1000" dirty="0" err="1">
-                          <a:latin typeface="Arial" panose="020B0604020202020204" pitchFamily="34" charset="0"/>
-                          <a:cs typeface="Arial" panose="020B0604020202020204" pitchFamily="34" charset="0"/>
-                        </a:rPr>
-                        <a:t>Predicted</a:t>
-                      </a:r>
-                      <a:endParaRPr lang="de-DE" sz="1000" dirty="0">
-                        <a:latin typeface="Arial" panose="020B0604020202020204" pitchFamily="34" charset="0"/>
-                        <a:cs typeface="Arial" panose="020B0604020202020204" pitchFamily="34" charset="0"/>
-                      </a:endParaRPr>
-                    </a:p>
-                  </a:txBody>
-                  <a:tcPr marL="0" marR="0" marT="0" marB="0">
-                    <a:lnL w="12700" cap="flat" cmpd="sng" algn="ctr">
-                      <a:noFill/>
-                      <a:prstDash val="solid"/>
-                      <a:round/>
-                      <a:headEnd type="none" w="med" len="med"/>
-                      <a:tailEnd type="none" w="med" len="med"/>
-                    </a:lnL>
-                    <a:lnR>
-                      <a:noFill/>
-                    </a:lnR>
-                    <a:lnT>
-                      <a:noFill/>
-                    </a:lnT>
-                    <a:lnB w="12700" cap="flat" cmpd="sng" algn="ctr">
-                      <a:noFill/>
-                      <a:prstDash val="solid"/>
-                      <a:round/>
-                      <a:headEnd type="none" w="med" len="med"/>
-                      <a:tailEnd type="none" w="med" len="med"/>
-                    </a:lnB>
-                    <a:lnTlToBr w="12700" cmpd="sng">
-                      <a:noFill/>
-                      <a:prstDash val="solid"/>
-                    </a:lnTlToBr>
-                    <a:lnBlToTr w="12700" cmpd="sng">
-                      <a:noFill/>
-                      <a:prstDash val="solid"/>
-                    </a:lnBlToTr>
-                  </a:tcPr>
-                </a:tc>
-                <a:tc hMerge="1">
-                  <a:txBody>
-                    <a:bodyPr/>
-                    <a:lstStyle/>
-                    <a:p>
-                      <a:endParaRPr lang="de-DE" sz="1100" dirty="0">
-                        <a:latin typeface="Arial" panose="020B0604020202020204" pitchFamily="34" charset="0"/>
-                        <a:cs typeface="Arial" panose="020B0604020202020204" pitchFamily="34" charset="0"/>
-                      </a:endParaRPr>
-                    </a:p>
-                  </a:txBody>
-                  <a:tcPr>
-                    <a:lnL>
-                      <a:noFill/>
-                    </a:lnL>
-                    <a:lnR>
-                      <a:noFill/>
-                    </a:lnR>
-                    <a:lnT>
-                      <a:noFill/>
-                    </a:lnT>
-                    <a:lnB>
-                      <a:noFill/>
-                    </a:lnB>
-                    <a:lnTlToBr w="12700" cmpd="sng">
-                      <a:noFill/>
-                      <a:prstDash val="solid"/>
-                    </a:lnTlToBr>
-                    <a:lnBlToTr w="12700" cmpd="sng">
-                      <a:noFill/>
-                      <a:prstDash val="solid"/>
-                    </a:lnBlToTr>
-                  </a:tcPr>
-                </a:tc>
-                <a:extLst>
-                  <a:ext uri="{0D108BD9-81ED-4DB2-BD59-A6C34878D82A}">
-                    <a16:rowId xmlns:a16="http://schemas.microsoft.com/office/drawing/2014/main" val="909991480"/>
-                  </a:ext>
-                </a:extLst>
-              </a:tr>
-              <a:tr h="138058">
-                <a:tc>
-                  <a:txBody>
-                    <a:bodyPr/>
-                    <a:lstStyle/>
-                    <a:p>
-                      <a:pPr algn="ctr"/>
-                      <a:endParaRPr lang="de-DE" sz="1000" dirty="0">
-                        <a:latin typeface="Arial" panose="020B0604020202020204" pitchFamily="34" charset="0"/>
-                        <a:cs typeface="Arial" panose="020B0604020202020204" pitchFamily="34" charset="0"/>
-                      </a:endParaRPr>
-                    </a:p>
-                  </a:txBody>
-                  <a:tcPr marL="0" marR="0" marT="0" marB="0">
-                    <a:lnL>
-                      <a:noFill/>
-                    </a:lnL>
-                    <a:lnR w="12700" cap="flat" cmpd="sng" algn="ctr">
-                      <a:noFill/>
-                      <a:prstDash val="solid"/>
-                      <a:round/>
-                      <a:headEnd type="none" w="med" len="med"/>
-                      <a:tailEnd type="none" w="med" len="med"/>
-                    </a:lnR>
-                    <a:lnT>
-                      <a:noFill/>
-                    </a:lnT>
-                    <a:lnB>
-                      <a:noFill/>
-                    </a:lnB>
-                    <a:lnTlToBr w="12700" cmpd="sng">
-                      <a:noFill/>
-                      <a:prstDash val="solid"/>
-                    </a:lnTlToBr>
-                    <a:lnBlToTr w="12700" cmpd="sng">
-                      <a:noFill/>
-                      <a:prstDash val="solid"/>
-                    </a:lnBlToTr>
-                  </a:tcPr>
-                </a:tc>
-                <a:tc>
-                  <a:txBody>
-                    <a:bodyPr/>
-                    <a:lstStyle/>
-                    <a:p>
-                      <a:pPr algn="ctr"/>
-                      <a:endParaRPr lang="de-DE" sz="1000" dirty="0">
-                        <a:latin typeface="Arial" panose="020B0604020202020204" pitchFamily="34" charset="0"/>
-                        <a:cs typeface="Arial" panose="020B0604020202020204" pitchFamily="34" charset="0"/>
-                      </a:endParaRPr>
-                    </a:p>
-                  </a:txBody>
-                  <a:tcPr marL="0" marR="0" marT="0" marB="0">
-                    <a:lnL w="12700" cap="flat" cmpd="sng" algn="ctr">
-                      <a:noFill/>
-                      <a:prstDash val="solid"/>
-                      <a:round/>
-                      <a:headEnd type="none" w="med" len="med"/>
-                      <a:tailEnd type="none" w="med" len="med"/>
-                    </a:lnL>
-                    <a:lnR w="12700" cap="flat" cmpd="sng" algn="ctr">
-                      <a:solidFill>
-                        <a:schemeClr val="tx1"/>
-                      </a:solidFill>
-                      <a:prstDash val="solid"/>
-                      <a:round/>
-                      <a:headEnd type="none" w="med" len="med"/>
-                      <a:tailEnd type="none" w="med" len="med"/>
-                    </a:lnR>
-                    <a:lnT w="12700" cap="flat" cmpd="sng" algn="ctr">
-                      <a:noFill/>
-                      <a:prstDash val="solid"/>
-                      <a:round/>
-                      <a:headEnd type="none" w="med" len="med"/>
-                      <a:tailEnd type="none" w="med" len="med"/>
-                    </a:lnT>
-                    <a:lnB w="12700" cap="flat" cmpd="sng" algn="ctr">
-                      <a:solidFill>
-                        <a:schemeClr val="tx1"/>
-                      </a:solidFill>
-                      <a:prstDash val="solid"/>
-                      <a:round/>
-                      <a:headEnd type="none" w="med" len="med"/>
-                      <a:tailEnd type="none" w="med" len="med"/>
-                    </a:lnB>
-                    <a:lnTlToBr w="12700" cmpd="sng">
-                      <a:noFill/>
-                      <a:prstDash val="solid"/>
-                    </a:lnTlToBr>
-                    <a:lnBlToTr w="12700" cmpd="sng">
-                      <a:noFill/>
-                      <a:prstDash val="solid"/>
-                    </a:lnBlToTr>
-                  </a:tcPr>
-                </a:tc>
-                <a:tc>
-                  <a:txBody>
-                    <a:bodyPr/>
-                    <a:lstStyle/>
-                    <a:p>
-                      <a:pPr algn="ctr"/>
-                      <a:r>
-                        <a:rPr lang="de-DE" sz="1000" dirty="0">
-                          <a:latin typeface="Arial" panose="020B0604020202020204" pitchFamily="34" charset="0"/>
-                          <a:cs typeface="Arial" panose="020B0604020202020204" pitchFamily="34" charset="0"/>
-                        </a:rPr>
-                        <a:t>BAV</a:t>
-                      </a:r>
-                    </a:p>
-                  </a:txBody>
-                  <a:tcPr marL="0" marR="0" marT="0" marB="0">
-                    <a:lnL w="12700" cap="flat" cmpd="sng" algn="ctr">
-                      <a:solidFill>
-                        <a:schemeClr val="tx1"/>
-                      </a:solidFill>
-                      <a:prstDash val="solid"/>
-                      <a:round/>
-                      <a:headEnd type="none" w="med" len="med"/>
-                      <a:tailEnd type="none" w="med" len="med"/>
-                    </a:lnL>
-                    <a:lnR w="12700" cap="flat" cmpd="sng" algn="ctr">
-                      <a:solidFill>
-                        <a:schemeClr val="tx1"/>
-                      </a:solidFill>
-                      <a:prstDash val="solid"/>
-                      <a:round/>
-                      <a:headEnd type="none" w="med" len="med"/>
-                      <a:tailEnd type="none" w="med" len="med"/>
-                    </a:lnR>
-                    <a:lnT w="12700" cap="flat" cmpd="sng" algn="ctr">
-                      <a:noFill/>
-                      <a:prstDash val="solid"/>
-                      <a:round/>
-                      <a:headEnd type="none" w="med" len="med"/>
-                      <a:tailEnd type="none" w="med" len="med"/>
-                    </a:lnT>
-                    <a:lnB w="12700" cap="flat" cmpd="sng" algn="ctr">
-                      <a:solidFill>
-                        <a:schemeClr val="tx1"/>
-                      </a:solidFill>
-                      <a:prstDash val="solid"/>
-                      <a:round/>
-                      <a:headEnd type="none" w="med" len="med"/>
-                      <a:tailEnd type="none" w="med" len="med"/>
-                    </a:lnB>
-                    <a:lnTlToBr w="12700" cmpd="sng">
-                      <a:noFill/>
-                      <a:prstDash val="solid"/>
-                    </a:lnTlToBr>
-                    <a:lnBlToTr w="12700" cmpd="sng">
-                      <a:noFill/>
-                      <a:prstDash val="solid"/>
-                    </a:lnBlToTr>
-                  </a:tcPr>
-                </a:tc>
-                <a:tc>
-                  <a:txBody>
-                    <a:bodyPr/>
-                    <a:lstStyle/>
-                    <a:p>
-                      <a:pPr algn="ctr"/>
-                      <a:r>
-                        <a:rPr lang="de-DE" sz="1000" dirty="0">
-                          <a:latin typeface="Arial" panose="020B0604020202020204" pitchFamily="34" charset="0"/>
-                          <a:cs typeface="Arial" panose="020B0604020202020204" pitchFamily="34" charset="0"/>
-                        </a:rPr>
-                        <a:t>HHV</a:t>
-                      </a:r>
-                    </a:p>
-                  </a:txBody>
-                  <a:tcPr marL="0" marR="0" marT="0" marB="0">
-                    <a:lnL w="12700" cap="flat" cmpd="sng" algn="ctr">
-                      <a:solidFill>
-                        <a:schemeClr val="tx1"/>
-                      </a:solidFill>
-                      <a:prstDash val="solid"/>
-                      <a:round/>
-                      <a:headEnd type="none" w="med" len="med"/>
-                      <a:tailEnd type="none" w="med" len="med"/>
-                    </a:lnL>
-                    <a:lnR w="12700" cap="flat" cmpd="sng" algn="ctr">
-                      <a:noFill/>
-                      <a:prstDash val="solid"/>
-                      <a:round/>
-                      <a:headEnd type="none" w="med" len="med"/>
-                      <a:tailEnd type="none" w="med" len="med"/>
-                    </a:lnR>
-                    <a:lnT w="12700" cap="flat" cmpd="sng" algn="ctr">
-                      <a:noFill/>
-                      <a:prstDash val="solid"/>
-                      <a:round/>
-                      <a:headEnd type="none" w="med" len="med"/>
-                      <a:tailEnd type="none" w="med" len="med"/>
-                    </a:lnT>
-                    <a:lnB w="12700" cap="flat" cmpd="sng" algn="ctr">
-                      <a:solidFill>
-                        <a:schemeClr val="tx1"/>
-                      </a:solidFill>
-                      <a:prstDash val="solid"/>
-                      <a:round/>
-                      <a:headEnd type="none" w="med" len="med"/>
-                      <a:tailEnd type="none" w="med" len="med"/>
-                    </a:lnB>
-                    <a:lnTlToBr w="12700" cmpd="sng">
-                      <a:noFill/>
-                      <a:prstDash val="solid"/>
-                    </a:lnTlToBr>
-                    <a:lnBlToTr w="12700" cmpd="sng">
-                      <a:noFill/>
-                      <a:prstDash val="solid"/>
-                    </a:lnBlToTr>
-                  </a:tcPr>
-                </a:tc>
-                <a:extLst>
-                  <a:ext uri="{0D108BD9-81ED-4DB2-BD59-A6C34878D82A}">
-                    <a16:rowId xmlns:a16="http://schemas.microsoft.com/office/drawing/2014/main" val="3745634437"/>
-                  </a:ext>
-                </a:extLst>
-              </a:tr>
-              <a:tr h="138058">
-                <a:tc rowSpan="2">
-                  <a:txBody>
-                    <a:bodyPr/>
-                    <a:lstStyle/>
-                    <a:p>
-                      <a:pPr marL="0" marR="0" lvl="0" indent="0" algn="ctr" defTabSz="914400" rtl="0" eaLnBrk="1" fontAlgn="auto" latinLnBrk="0" hangingPunct="1">
-                        <a:lnSpc>
-                          <a:spcPct val="100000"/>
-                        </a:lnSpc>
-                        <a:spcBef>
-                          <a:spcPts val="0"/>
-                        </a:spcBef>
-                        <a:spcAft>
-                          <a:spcPts val="0"/>
-                        </a:spcAft>
-                        <a:buClrTx/>
-                        <a:buSzTx/>
-                        <a:buFontTx/>
-                        <a:buNone/>
-                        <a:tabLst/>
-                        <a:defRPr/>
-                      </a:pPr>
-                      <a:r>
-                        <a:rPr lang="de-DE" sz="1000" dirty="0">
-                          <a:latin typeface="Arial" panose="020B0604020202020204" pitchFamily="34" charset="0"/>
-                          <a:cs typeface="Arial" panose="020B0604020202020204" pitchFamily="34" charset="0"/>
-                        </a:rPr>
-                        <a:t>True</a:t>
-                      </a:r>
-                    </a:p>
-                  </a:txBody>
-                  <a:tcPr marL="0" marR="0" marT="0" marB="0" vert="vert270" anchor="ctr">
-                    <a:lnL>
-                      <a:noFill/>
-                    </a:lnL>
-                    <a:lnR w="12700" cap="flat" cmpd="sng" algn="ctr">
-                      <a:noFill/>
-                      <a:prstDash val="solid"/>
-                      <a:round/>
-                      <a:headEnd type="none" w="med" len="med"/>
-                      <a:tailEnd type="none" w="med" len="med"/>
-                    </a:lnR>
-                    <a:lnT>
-                      <a:noFill/>
-                    </a:lnT>
-                    <a:lnB>
-                      <a:noFill/>
-                    </a:lnB>
-                    <a:lnTlToBr w="12700" cmpd="sng">
-                      <a:noFill/>
-                      <a:prstDash val="solid"/>
-                    </a:lnTlToBr>
-                    <a:lnBlToTr w="12700" cmpd="sng">
-                      <a:noFill/>
-                      <a:prstDash val="solid"/>
-                    </a:lnBlToTr>
-                  </a:tcPr>
-                </a:tc>
-                <a:tc>
-                  <a:txBody>
-                    <a:bodyPr/>
-                    <a:lstStyle/>
-                    <a:p>
-                      <a:pPr marL="0" marR="0" lvl="0" indent="0" algn="ctr" defTabSz="914400" rtl="0" eaLnBrk="1" fontAlgn="auto" latinLnBrk="0" hangingPunct="1">
-                        <a:lnSpc>
-                          <a:spcPct val="100000"/>
-                        </a:lnSpc>
-                        <a:spcBef>
-                          <a:spcPts val="0"/>
-                        </a:spcBef>
-                        <a:spcAft>
-                          <a:spcPts val="0"/>
-                        </a:spcAft>
-                        <a:buClrTx/>
-                        <a:buSzTx/>
-                        <a:buFontTx/>
-                        <a:buNone/>
-                        <a:tabLst/>
-                        <a:defRPr/>
-                      </a:pPr>
-                      <a:r>
-                        <a:rPr lang="de-DE" sz="1000" dirty="0">
-                          <a:latin typeface="Arial" panose="020B0604020202020204" pitchFamily="34" charset="0"/>
-                          <a:cs typeface="Arial" panose="020B0604020202020204" pitchFamily="34" charset="0"/>
-                        </a:rPr>
-                        <a:t>BAV</a:t>
-                      </a:r>
-                    </a:p>
-                  </a:txBody>
-                  <a:tcPr marL="0" marR="0" marT="0" marB="0">
-                    <a:lnL w="12700" cap="flat" cmpd="sng" algn="ctr">
-                      <a:noFill/>
-                      <a:prstDash val="solid"/>
-                      <a:round/>
-                      <a:headEnd type="none" w="med" len="med"/>
-                      <a:tailEnd type="none" w="med" len="med"/>
-                    </a:lnL>
-                    <a:lnR w="12700" cap="flat" cmpd="sng" algn="ctr">
-                      <a:solidFill>
-                        <a:schemeClr val="tx1"/>
-                      </a:solidFill>
-                      <a:prstDash val="solid"/>
-                      <a:round/>
-                      <a:headEnd type="none" w="med" len="med"/>
-                      <a:tailEnd type="none" w="med" len="med"/>
-                    </a:lnR>
-                    <a:lnT w="12700" cap="flat" cmpd="sng" algn="ctr">
-                      <a:solidFill>
-                        <a:schemeClr val="tx1"/>
-                      </a:solidFill>
-                      <a:prstDash val="solid"/>
-                      <a:round/>
-                      <a:headEnd type="none" w="med" len="med"/>
-                      <a:tailEnd type="none" w="med" len="med"/>
-                    </a:lnT>
-                    <a:lnB w="12700" cap="flat" cmpd="sng" algn="ctr">
-                      <a:solidFill>
-                        <a:schemeClr val="tx1"/>
-                      </a:solidFill>
-                      <a:prstDash val="solid"/>
-                      <a:round/>
-                      <a:headEnd type="none" w="med" len="med"/>
-                      <a:tailEnd type="none" w="med" len="med"/>
-                    </a:lnB>
-                    <a:lnTlToBr w="12700" cmpd="sng">
-                      <a:noFill/>
-                      <a:prstDash val="solid"/>
-                    </a:lnTlToBr>
-                    <a:lnBlToTr w="12700" cmpd="sng">
-                      <a:noFill/>
-                      <a:prstDash val="solid"/>
-                    </a:lnBlToTr>
-                  </a:tcPr>
-                </a:tc>
-                <a:tc>
-                  <a:txBody>
-                    <a:bodyPr/>
-                    <a:lstStyle/>
-                    <a:p>
-                      <a:pPr algn="ctr"/>
-                      <a:r>
-                        <a:rPr lang="de-DE" sz="1000" dirty="0">
-                          <a:latin typeface="Arial" panose="020B0604020202020204" pitchFamily="34" charset="0"/>
-                          <a:cs typeface="Arial" panose="020B0604020202020204" pitchFamily="34" charset="0"/>
-                        </a:rPr>
-                        <a:t>16</a:t>
-                      </a:r>
-                    </a:p>
-                  </a:txBody>
-                  <a:tcPr marL="0" marR="0" marT="0" marB="0">
-                    <a:lnL w="12700" cap="flat" cmpd="sng" algn="ctr">
-                      <a:solidFill>
-                        <a:schemeClr val="tx1"/>
-                      </a:solidFill>
-                      <a:prstDash val="solid"/>
-                      <a:round/>
-                      <a:headEnd type="none" w="med" len="med"/>
-                      <a:tailEnd type="none" w="med" len="med"/>
-                    </a:lnL>
-                    <a:lnR w="12700" cap="flat" cmpd="sng" algn="ctr">
-                      <a:solidFill>
-                        <a:schemeClr val="tx1"/>
-                      </a:solidFill>
-                      <a:prstDash val="solid"/>
-                      <a:round/>
-                      <a:headEnd type="none" w="med" len="med"/>
-                      <a:tailEnd type="none" w="med" len="med"/>
-                    </a:lnR>
-                    <a:lnT w="12700" cap="flat" cmpd="sng" algn="ctr">
-                      <a:solidFill>
-                        <a:schemeClr val="tx1"/>
-                      </a:solidFill>
-                      <a:prstDash val="solid"/>
-                      <a:round/>
-                      <a:headEnd type="none" w="med" len="med"/>
-                      <a:tailEnd type="none" w="med" len="med"/>
-                    </a:lnT>
-                    <a:lnB w="12700" cap="flat" cmpd="sng" algn="ctr">
-                      <a:solidFill>
-                        <a:schemeClr val="tx1"/>
-                      </a:solidFill>
-                      <a:prstDash val="solid"/>
-                      <a:round/>
-                      <a:headEnd type="none" w="med" len="med"/>
-                      <a:tailEnd type="none" w="med" len="med"/>
-                    </a:lnB>
-                    <a:lnTlToBr w="12700" cmpd="sng">
-                      <a:noFill/>
-                      <a:prstDash val="solid"/>
-                    </a:lnTlToBr>
-                    <a:lnBlToTr w="12700" cmpd="sng">
-                      <a:noFill/>
-                      <a:prstDash val="solid"/>
-                    </a:lnBlToTr>
-                  </a:tcPr>
-                </a:tc>
-                <a:tc>
-                  <a:txBody>
-                    <a:bodyPr/>
-                    <a:lstStyle/>
-                    <a:p>
-                      <a:pPr algn="ctr"/>
-                      <a:r>
-                        <a:rPr lang="de-DE" sz="1000" dirty="0">
-                          <a:latin typeface="Arial" panose="020B0604020202020204" pitchFamily="34" charset="0"/>
-                          <a:cs typeface="Arial" panose="020B0604020202020204" pitchFamily="34" charset="0"/>
-                        </a:rPr>
-                        <a:t>6</a:t>
-                      </a:r>
-                    </a:p>
-                  </a:txBody>
-                  <a:tcPr marL="0" marR="0" marT="0" marB="0">
-                    <a:lnL w="12700" cap="flat" cmpd="sng" algn="ctr">
-                      <a:solidFill>
-                        <a:schemeClr val="tx1"/>
-                      </a:solidFill>
-                      <a:prstDash val="solid"/>
-                      <a:round/>
-                      <a:headEnd type="none" w="med" len="med"/>
-                      <a:tailEnd type="none" w="med" len="med"/>
-                    </a:lnL>
-                    <a:lnR w="12700" cap="flat" cmpd="sng" algn="ctr">
-                      <a:noFill/>
-                      <a:prstDash val="solid"/>
-                      <a:round/>
-                      <a:headEnd type="none" w="med" len="med"/>
-                      <a:tailEnd type="none" w="med" len="med"/>
-                    </a:lnR>
-                    <a:lnT w="12700" cap="flat" cmpd="sng" algn="ctr">
-                      <a:solidFill>
-                        <a:schemeClr val="tx1"/>
-                      </a:solidFill>
-                      <a:prstDash val="solid"/>
-                      <a:round/>
-                      <a:headEnd type="none" w="med" len="med"/>
-                      <a:tailEnd type="none" w="med" len="med"/>
-                    </a:lnT>
-                    <a:lnB w="12700" cap="flat" cmpd="sng" algn="ctr">
-                      <a:solidFill>
-                        <a:schemeClr val="tx1"/>
-                      </a:solidFill>
-                      <a:prstDash val="solid"/>
-                      <a:round/>
-                      <a:headEnd type="none" w="med" len="med"/>
-                      <a:tailEnd type="none" w="med" len="med"/>
-                    </a:lnB>
-                    <a:lnTlToBr w="12700" cmpd="sng">
-                      <a:noFill/>
-                      <a:prstDash val="solid"/>
-                    </a:lnTlToBr>
-                    <a:lnBlToTr w="12700" cmpd="sng">
-                      <a:noFill/>
-                      <a:prstDash val="solid"/>
-                    </a:lnBlToTr>
-                  </a:tcPr>
-                </a:tc>
-                <a:extLst>
-                  <a:ext uri="{0D108BD9-81ED-4DB2-BD59-A6C34878D82A}">
-                    <a16:rowId xmlns:a16="http://schemas.microsoft.com/office/drawing/2014/main" val="166934464"/>
-                  </a:ext>
-                </a:extLst>
-              </a:tr>
-              <a:tr h="138058">
-                <a:tc vMerge="1">
-                  <a:txBody>
-                    <a:bodyPr/>
-                    <a:lstStyle/>
-                    <a:p>
-                      <a:endParaRPr lang="de-DE" sz="1100" dirty="0">
-                        <a:latin typeface="Arial" panose="020B0604020202020204" pitchFamily="34" charset="0"/>
-                        <a:cs typeface="Arial" panose="020B0604020202020204" pitchFamily="34" charset="0"/>
-                      </a:endParaRPr>
-                    </a:p>
-                  </a:txBody>
-                  <a:tcPr>
-                    <a:lnL>
-                      <a:noFill/>
-                    </a:lnL>
-                    <a:lnR>
-                      <a:noFill/>
-                    </a:lnR>
-                    <a:lnT>
-                      <a:noFill/>
-                    </a:lnT>
-                    <a:lnB>
-                      <a:noFill/>
-                    </a:lnB>
-                    <a:lnTlToBr w="12700" cmpd="sng">
-                      <a:noFill/>
-                      <a:prstDash val="solid"/>
-                    </a:lnTlToBr>
-                    <a:lnBlToTr w="12700" cmpd="sng">
-                      <a:noFill/>
-                      <a:prstDash val="solid"/>
-                    </a:lnBlToTr>
-                  </a:tcPr>
-                </a:tc>
-                <a:tc>
-                  <a:txBody>
-                    <a:bodyPr/>
-                    <a:lstStyle/>
-                    <a:p>
-                      <a:pPr algn="ctr"/>
-                      <a:r>
-                        <a:rPr lang="de-DE" sz="1000" dirty="0">
-                          <a:latin typeface="Arial" panose="020B0604020202020204" pitchFamily="34" charset="0"/>
-                          <a:cs typeface="Arial" panose="020B0604020202020204" pitchFamily="34" charset="0"/>
-                        </a:rPr>
-                        <a:t>HHV</a:t>
-                      </a:r>
-                    </a:p>
-                  </a:txBody>
-                  <a:tcPr marL="0" marR="0" marT="0" marB="0">
-                    <a:lnL w="12700" cap="flat" cmpd="sng" algn="ctr">
-                      <a:noFill/>
-                      <a:prstDash val="solid"/>
-                      <a:round/>
-                      <a:headEnd type="none" w="med" len="med"/>
-                      <a:tailEnd type="none" w="med" len="med"/>
-                    </a:lnL>
-                    <a:lnR w="12700" cap="flat" cmpd="sng" algn="ctr">
-                      <a:solidFill>
-                        <a:schemeClr val="tx1"/>
-                      </a:solidFill>
-                      <a:prstDash val="solid"/>
-                      <a:round/>
-                      <a:headEnd type="none" w="med" len="med"/>
-                      <a:tailEnd type="none" w="med" len="med"/>
-                    </a:lnR>
-                    <a:lnT w="12700" cap="flat" cmpd="sng" algn="ctr">
-                      <a:solidFill>
-                        <a:schemeClr val="tx1"/>
-                      </a:solidFill>
-                      <a:prstDash val="solid"/>
-                      <a:round/>
-                      <a:headEnd type="none" w="med" len="med"/>
-                      <a:tailEnd type="none" w="med" len="med"/>
-                    </a:lnT>
-                    <a:lnB w="12700" cap="flat" cmpd="sng" algn="ctr">
-                      <a:noFill/>
-                      <a:prstDash val="solid"/>
-                      <a:round/>
-                      <a:headEnd type="none" w="med" len="med"/>
-                      <a:tailEnd type="none" w="med" len="med"/>
-                    </a:lnB>
-                    <a:lnTlToBr w="12700" cmpd="sng">
-                      <a:noFill/>
-                      <a:prstDash val="solid"/>
-                    </a:lnTlToBr>
-                    <a:lnBlToTr w="12700" cmpd="sng">
-                      <a:noFill/>
-                      <a:prstDash val="solid"/>
-                    </a:lnBlToTr>
-                  </a:tcPr>
-                </a:tc>
-                <a:tc>
-                  <a:txBody>
-                    <a:bodyPr/>
-                    <a:lstStyle/>
-                    <a:p>
-                      <a:pPr algn="ctr"/>
-                      <a:r>
-                        <a:rPr lang="de-DE" sz="1000" dirty="0">
-                          <a:latin typeface="Arial" panose="020B0604020202020204" pitchFamily="34" charset="0"/>
-                          <a:cs typeface="Arial" panose="020B0604020202020204" pitchFamily="34" charset="0"/>
-                        </a:rPr>
-                        <a:t>1</a:t>
-                      </a:r>
-                    </a:p>
-                  </a:txBody>
-                  <a:tcPr marL="0" marR="0" marT="0" marB="0">
-                    <a:lnL w="12700" cap="flat" cmpd="sng" algn="ctr">
-                      <a:solidFill>
-                        <a:schemeClr val="tx1"/>
-                      </a:solidFill>
-                      <a:prstDash val="solid"/>
-                      <a:round/>
-                      <a:headEnd type="none" w="med" len="med"/>
-                      <a:tailEnd type="none" w="med" len="med"/>
-                    </a:lnL>
-                    <a:lnR w="12700" cap="flat" cmpd="sng" algn="ctr">
-                      <a:solidFill>
-                        <a:schemeClr val="tx1"/>
-                      </a:solidFill>
-                      <a:prstDash val="solid"/>
-                      <a:round/>
-                      <a:headEnd type="none" w="med" len="med"/>
-                      <a:tailEnd type="none" w="med" len="med"/>
-                    </a:lnR>
-                    <a:lnT w="12700" cap="flat" cmpd="sng" algn="ctr">
-                      <a:solidFill>
-                        <a:schemeClr val="tx1"/>
-                      </a:solidFill>
-                      <a:prstDash val="solid"/>
-                      <a:round/>
-                      <a:headEnd type="none" w="med" len="med"/>
-                      <a:tailEnd type="none" w="med" len="med"/>
-                    </a:lnT>
-                    <a:lnB w="12700" cap="flat" cmpd="sng" algn="ctr">
-                      <a:noFill/>
-                      <a:prstDash val="solid"/>
-                      <a:round/>
-                      <a:headEnd type="none" w="med" len="med"/>
-                      <a:tailEnd type="none" w="med" len="med"/>
-                    </a:lnB>
-                    <a:lnTlToBr w="12700" cmpd="sng">
-                      <a:noFill/>
-                      <a:prstDash val="solid"/>
-                    </a:lnTlToBr>
-                    <a:lnBlToTr w="12700" cmpd="sng">
-                      <a:noFill/>
-                      <a:prstDash val="solid"/>
-                    </a:lnBlToTr>
-                  </a:tcPr>
-                </a:tc>
-                <a:tc>
-                  <a:txBody>
-                    <a:bodyPr/>
-                    <a:lstStyle/>
-                    <a:p>
-                      <a:pPr algn="ctr"/>
-                      <a:r>
-                        <a:rPr lang="de-DE" sz="1000" dirty="0">
-                          <a:latin typeface="Arial" panose="020B0604020202020204" pitchFamily="34" charset="0"/>
-                          <a:cs typeface="Arial" panose="020B0604020202020204" pitchFamily="34" charset="0"/>
-                        </a:rPr>
-                        <a:t>89</a:t>
-                      </a:r>
-                    </a:p>
-                  </a:txBody>
-                  <a:tcPr marL="0" marR="0" marT="0" marB="0">
-                    <a:lnL w="12700" cap="flat" cmpd="sng" algn="ctr">
-                      <a:solidFill>
-                        <a:schemeClr val="tx1"/>
-                      </a:solidFill>
-                      <a:prstDash val="solid"/>
-                      <a:round/>
-                      <a:headEnd type="none" w="med" len="med"/>
-                      <a:tailEnd type="none" w="med" len="med"/>
-                    </a:lnL>
-                    <a:lnR w="12700" cap="flat" cmpd="sng" algn="ctr">
-                      <a:noFill/>
-                      <a:prstDash val="solid"/>
-                      <a:round/>
-                      <a:headEnd type="none" w="med" len="med"/>
-                      <a:tailEnd type="none" w="med" len="med"/>
-                    </a:lnR>
-                    <a:lnT w="12700" cap="flat" cmpd="sng" algn="ctr">
-                      <a:solidFill>
-                        <a:schemeClr val="tx1"/>
-                      </a:solidFill>
-                      <a:prstDash val="solid"/>
-                      <a:round/>
-                      <a:headEnd type="none" w="med" len="med"/>
-                      <a:tailEnd type="none" w="med" len="med"/>
-                    </a:lnT>
-                    <a:lnB w="12700" cap="flat" cmpd="sng" algn="ctr">
-                      <a:noFill/>
-                      <a:prstDash val="solid"/>
-                      <a:round/>
-                      <a:headEnd type="none" w="med" len="med"/>
-                      <a:tailEnd type="none" w="med" len="med"/>
-                    </a:lnB>
-                    <a:lnTlToBr w="12700" cmpd="sng">
-                      <a:noFill/>
-                      <a:prstDash val="solid"/>
-                    </a:lnTlToBr>
-                    <a:lnBlToTr w="12700" cmpd="sng">
-                      <a:noFill/>
-                      <a:prstDash val="solid"/>
-                    </a:lnBlToTr>
-                  </a:tcPr>
-                </a:tc>
-                <a:extLst>
-                  <a:ext uri="{0D108BD9-81ED-4DB2-BD59-A6C34878D82A}">
-                    <a16:rowId xmlns:a16="http://schemas.microsoft.com/office/drawing/2014/main" val="876347481"/>
-                  </a:ext>
-                </a:extLst>
-              </a:tr>
-            </a:tbl>
-          </a:graphicData>
-        </a:graphic>
-      </p:graphicFrame>
-      <p:sp>
-        <p:nvSpPr>
-          <p:cNvPr id="338" name="Textfeld 337">
-            <a:extLst>
-              <a:ext uri="{FF2B5EF4-FFF2-40B4-BE49-F238E27FC236}">
-                <a16:creationId xmlns:a16="http://schemas.microsoft.com/office/drawing/2014/main" id="{27F29DCB-E7CE-41D6-8630-8B263AA4D8C8}"/>
-              </a:ext>
-            </a:extLst>
-          </p:cNvPr>
-          <p:cNvSpPr txBox="1"/>
-          <p:nvPr/>
-        </p:nvSpPr>
-        <p:spPr>
-          <a:xfrm>
-            <a:off x="3376100" y="3193563"/>
-            <a:ext cx="1413522" cy="553998"/>
-          </a:xfrm>
-          <a:prstGeom prst="rect">
-            <a:avLst/>
-          </a:prstGeom>
-          <a:noFill/>
-        </p:spPr>
-        <p:txBody>
-          <a:bodyPr wrap="square" rtlCol="0">
-            <a:spAutoFit/>
-          </a:bodyPr>
-          <a:lstStyle/>
-          <a:p>
-            <a:r>
-              <a:rPr lang="de-DE" sz="1000" dirty="0" err="1">
-                <a:latin typeface="Arial" panose="020B0604020202020204" pitchFamily="34" charset="0"/>
-                <a:cs typeface="Arial" panose="020B0604020202020204" pitchFamily="34" charset="0"/>
-              </a:rPr>
-              <a:t>Accuracy</a:t>
-            </a:r>
-            <a:r>
-              <a:rPr lang="de-DE" sz="1000" dirty="0">
-                <a:latin typeface="Arial" panose="020B0604020202020204" pitchFamily="34" charset="0"/>
-                <a:cs typeface="Arial" panose="020B0604020202020204" pitchFamily="34" charset="0"/>
-              </a:rPr>
-              <a:t> = 93.75%</a:t>
-            </a:r>
-            <a:br>
-              <a:rPr lang="de-DE" sz="1000" dirty="0">
-                <a:latin typeface="Arial" panose="020B0604020202020204" pitchFamily="34" charset="0"/>
-                <a:cs typeface="Arial" panose="020B0604020202020204" pitchFamily="34" charset="0"/>
-              </a:rPr>
-            </a:br>
-            <a:r>
-              <a:rPr lang="de-DE" sz="1000" dirty="0" err="1">
-                <a:latin typeface="Arial" panose="020B0604020202020204" pitchFamily="34" charset="0"/>
-                <a:cs typeface="Arial" panose="020B0604020202020204" pitchFamily="34" charset="0"/>
-              </a:rPr>
-              <a:t>Sensitivity</a:t>
-            </a:r>
-            <a:r>
-              <a:rPr lang="de-DE" sz="1000" dirty="0">
-                <a:latin typeface="Arial" panose="020B0604020202020204" pitchFamily="34" charset="0"/>
-                <a:cs typeface="Arial" panose="020B0604020202020204" pitchFamily="34" charset="0"/>
-              </a:rPr>
-              <a:t> = 72.73%</a:t>
-            </a:r>
-            <a:br>
-              <a:rPr lang="de-DE" sz="1000" dirty="0">
-                <a:latin typeface="Arial" panose="020B0604020202020204" pitchFamily="34" charset="0"/>
-                <a:cs typeface="Arial" panose="020B0604020202020204" pitchFamily="34" charset="0"/>
-              </a:rPr>
-            </a:br>
-            <a:r>
-              <a:rPr lang="de-DE" sz="1000" dirty="0" err="1">
-                <a:latin typeface="Arial" panose="020B0604020202020204" pitchFamily="34" charset="0"/>
-                <a:cs typeface="Arial" panose="020B0604020202020204" pitchFamily="34" charset="0"/>
-              </a:rPr>
-              <a:t>Specificity</a:t>
-            </a:r>
-            <a:r>
-              <a:rPr lang="de-DE" sz="1000" dirty="0">
-                <a:latin typeface="Arial" panose="020B0604020202020204" pitchFamily="34" charset="0"/>
-                <a:cs typeface="Arial" panose="020B0604020202020204" pitchFamily="34" charset="0"/>
-              </a:rPr>
-              <a:t> = 98.89%</a:t>
+              <a:t> (male)		=	91.1%</a:t>
             </a:r>
           </a:p>
         </p:txBody>
